--- a/ABAP on HANA/Whiteboard.pptx
+++ b/ABAP on HANA/Whiteboard.pptx
@@ -110,6 +110,11 @@
       </a:defRPr>
     </a:lvl9pPr>
   </p:defaultTextStyle>
+  <p:extLst>
+    <p:ext uri="{EFAFB233-063F-42B5-8137-9DF3F51BA10A}">
+      <p15:sldGuideLst xmlns:p15="http://schemas.microsoft.com/office/powerpoint/2012/main"/>
+    </p:ext>
+  </p:extLst>
 </p:presentation>
 </file>
 
@@ -391,6 +396,194 @@
 </inkml:ink>
 </file>
 
+<file path=ppt/ink/ink14.xml><?xml version="1.0" encoding="utf-8"?>
+<inkml:ink xmlns:inkml="http://www.w3.org/2003/InkML">
+  <inkml:definitions>
+    <inkml:context xml:id="ctx0">
+      <inkml:inkSource xml:id="inkSrc0">
+        <inkml:traceFormat>
+          <inkml:channel name="X" type="integer" max="1920" units="cm"/>
+          <inkml:channel name="Y" type="integer" max="1080" units="cm"/>
+          <inkml:channel name="T" type="integer" max="2.14748E9" units="dev"/>
+        </inkml:traceFormat>
+        <inkml:channelProperties>
+          <inkml:channelProperty channel="X" name="resolution" value="55.81395" units="1/cm"/>
+          <inkml:channelProperty channel="Y" name="resolution" value="55.6701" units="1/cm"/>
+          <inkml:channelProperty channel="T" name="resolution" value="1" units="1/dev"/>
+        </inkml:channelProperties>
+      </inkml:inkSource>
+      <inkml:timestamp xml:id="ts0" timeString="2021-10-19T08:05:13.303"/>
+    </inkml:context>
+    <inkml:brush xml:id="br0">
+      <inkml:brushProperty name="width" value="0.05" units="cm"/>
+      <inkml:brushProperty name="height" value="0.05" units="cm"/>
+      <inkml:brushProperty name="fitToCurve" value="1"/>
+    </inkml:brush>
+  </inkml:definitions>
+  <inkml:trace contextRef="#ctx0" brushRef="#br0">136 49 0,'-24'24'15,"-1"-24"-15,1 0 0,0 0 16,0 0-16,0 0 16,48 0 15,24 0-31,-24 0 16,25 0-16,-1 0 0,1 0 15,-1 0-15,0 0 16,1-24-16,-25 24 0,24 0 15,-24 0-15,1 0 0,-25-24 16</inkml:trace>
+  <inkml:trace contextRef="#ctx0" brushRef="#br0" timeOffset="155">353 0 0,'-24'0'0,"0"0"16,0 0-16,0 25 0,0-25 15,24 24-15,-25-24 16,25 24-16,0 0 0,-24 0 15,24 1-15,0 23 16,0 0-16,0-24 0,0 25 16,0-25-16,0 24 0,0-23 15,0-1-15</inkml:trace>
+  <inkml:trace contextRef="#ctx0" brushRef="#br0" timeOffset="630">620 266 0,'0'-24'0,"-25"0"16,25 0 0,0 0-1,-24 24-15,24-24 0,-24 24 16,0 0-1,0 0-15,-1 0 0,1 24 16,0 0-16,0-24 0,24 24 16,-24 0-16,-1 0 15,25 1-15,-24-1 0,24 0 16,0 0-16,0 0 16,24 1-16,1-25 15,-25 24-15,24-24 16,0 0-16,0 0 15,0-24-15,1 24 16,-1-25-16,0 1 16,0 0-16,-24 0 15,0 0-15,24 24 16,-24-25-16,0 50 31,0-1-31,0 0 16,0 0-16,0 0 15,0 1-15,25-1 16,-1-24 0</inkml:trace>
+  <inkml:trace contextRef="#ctx0" brushRef="#br0" timeOffset="1072">886 146 0,'0'-25'0,"-25"1"15,25 0-15,-24 0 16,0 48 0,24 0-1,0 0-15,0 1 16,0-1-16,-24 0 0,24 24 16,0-24-16,0 25 15,0-25-15,-24 0 0,24 0 16,0 1-16,-24-1 0,24 0 15,24-48 17,0 0-17,0-1-15,0 1 16,0 0-16,1 0 0,23 24 16,-24-24-16,25 24 15,-25 0-15,0 0 0,0 0 16,0 24-16,1 0 15,-25 0-15,0 0 16,-25 1-16,1-1 16,0 0-16,0-24 0,0 24 0,-25-24 15,25 0-15,-24 0 16,23 0-16,1 0 0,0 0 16,0-24-16,24 0 15,0 0-15</inkml:trace>
+  <inkml:trace contextRef="#ctx0" brushRef="#br0" timeOffset="1307">1249 170 0,'0'-24'31,"-25"24"-31,50 0 31,-25 24-31,24 0 16,-24 0 0,0 0-16,0 25 15,0-25-15,0 0 0,0 0 16,0 0-16,0 1 16,-24-1-16</inkml:trace>
+  <inkml:trace contextRef="#ctx0" brushRef="#br0" timeOffset="1715">1587 315 0,'0'-24'16,"24"24"15,1 0-16,-1 0-15,0 0 16,0 0-16,0 0 16,1 0-16,-1 0 15,0 0-15,-24-25 16,0 1 0,0 0-16,-24 24 15,0-24-15,-1 0 16,1 24-16,0 0 15,-49 24-15,49-48 0,0 48 16,-24 0-16,23 0 16,1 0-16,0 1 0,24 23 15,-24-24-15,24 0 16,0 1-16,0 23 0,24-24 16,-24 0-16,48-24 15,-23 25-15,23-25 0,0 0 16,1-25-16</inkml:trace>
+</inkml:ink>
+</file>
+
+<file path=ppt/ink/ink15.xml><?xml version="1.0" encoding="utf-8"?>
+<inkml:ink xmlns:inkml="http://www.w3.org/2003/InkML">
+  <inkml:definitions>
+    <inkml:context xml:id="ctx0">
+      <inkml:inkSource xml:id="inkSrc0">
+        <inkml:traceFormat>
+          <inkml:channel name="X" type="integer" max="1920" units="cm"/>
+          <inkml:channel name="Y" type="integer" max="1080" units="cm"/>
+          <inkml:channel name="T" type="integer" max="2.14748E9" units="dev"/>
+        </inkml:traceFormat>
+        <inkml:channelProperties>
+          <inkml:channelProperty channel="X" name="resolution" value="55.81395" units="1/cm"/>
+          <inkml:channelProperty channel="Y" name="resolution" value="55.6701" units="1/cm"/>
+          <inkml:channelProperty channel="T" name="resolution" value="1" units="1/dev"/>
+        </inkml:channelProperties>
+      </inkml:inkSource>
+      <inkml:timestamp xml:id="ts0" timeString="2021-10-19T08:05:18.305"/>
+    </inkml:context>
+    <inkml:brush xml:id="br0">
+      <inkml:brushProperty name="width" value="0.05" units="cm"/>
+      <inkml:brushProperty name="height" value="0.05" units="cm"/>
+      <inkml:brushProperty name="fitToCurve" value="1"/>
+    </inkml:brush>
+  </inkml:definitions>
+  <inkml:trace contextRef="#ctx0" brushRef="#br0">74 127 0,'0'24'47,"-24"-24"-47,24 24 0,-24 0 15,24 0 1,-24 1-16,24-1 0,0 0 16,0 0-16,0 0 15,0 1-15,0-1 0,24 0 16,0-24-16,0 24 0,1-24 15,-1 0-15,0 0 16,0-24-16,0 24 0</inkml:trace>
+  <inkml:trace contextRef="#ctx0" brushRef="#br0" timeOffset="155">171 54 0,'-24'-24'16,"0"24"-16,24-24 15,-24 24-15,24 24 32,24-24-17</inkml:trace>
+  <inkml:trace contextRef="#ctx0" brushRef="#br0" timeOffset="660">461 272 0,'-24'0'0,"24"24"16,0-48 0,0 0-1,0-1 1,0 1-1,0 0 1,-24 24 0,0 0-16,0 0 15,24 24-15,-25-24 0,1 24 16,24 1-16,-24-25 16,24 24-16,0 0 0,0 0 15,0 0-15,0 1 16,24-1-16,0-24 15,1 0-15,23-24 16,-24 24-16,0-25 16,1 1-16,-1 0 15,0 0-15,0 0 0,0-25 16,-24 25-16,25-24 0,-1 23 16,-24 1-16,0 0 0,24 0 15,-24 0-15,0 48 16,-24 0-1,24 0-15,-24 0 16,24 1-16,0 23 0,0-24 16,0 25-16,0-25 0,0 0 15,0 0-15,24 0 16</inkml:trace>
+</inkml:ink>
+</file>
+
+<file path=ppt/ink/ink16.xml><?xml version="1.0" encoding="utf-8"?>
+<inkml:ink xmlns:inkml="http://www.w3.org/2003/InkML">
+  <inkml:definitions>
+    <inkml:context xml:id="ctx0">
+      <inkml:inkSource xml:id="inkSrc0">
+        <inkml:traceFormat>
+          <inkml:channel name="X" type="integer" max="1920" units="cm"/>
+          <inkml:channel name="Y" type="integer" max="1080" units="cm"/>
+          <inkml:channel name="T" type="integer" max="2.14748E9" units="dev"/>
+        </inkml:traceFormat>
+        <inkml:channelProperties>
+          <inkml:channelProperty channel="X" name="resolution" value="55.81395" units="1/cm"/>
+          <inkml:channelProperty channel="Y" name="resolution" value="55.6701" units="1/cm"/>
+          <inkml:channelProperty channel="T" name="resolution" value="1" units="1/dev"/>
+        </inkml:channelProperties>
+      </inkml:inkSource>
+      <inkml:timestamp xml:id="ts0" timeString="2021-10-19T08:05:28.028"/>
+    </inkml:context>
+    <inkml:brush xml:id="br0">
+      <inkml:brushProperty name="width" value="0.05" units="cm"/>
+      <inkml:brushProperty name="height" value="0.05" units="cm"/>
+      <inkml:brushProperty name="fitToCurve" value="1"/>
+    </inkml:brush>
+  </inkml:definitions>
+  <inkml:trace contextRef="#ctx0" brushRef="#br0">315 41 0,'-25'0'0,"25"-24"16,0 0-1,25 48 1,-25 0-16,0 1 16,0 23-16,0 0 0,0 1 15,0-1-15,0 25 0,-25-25 16,25 25-16,0-25 16,-24 25-16,0-25 0,24 0 15,-24 1-15,0-1 16,24 1-16,-25-25 0,1 0 15</inkml:trace>
+  <inkml:trace contextRef="#ctx0" brushRef="#br0" timeOffset="216">24 743 0,'-24'0'15,"24"24"1,24 0 0,-24 1-1,0-1-15,24 0 0,1 0 16,-1 0-16,0 1 0,-24-1 16,24-24-16,25 0 15</inkml:trace>
+  <inkml:trace contextRef="#ctx0" brushRef="#br0" timeOffset="365">508 816 0,'24'-25'16,"0"1"-16,-24 0 0,25 0 0,-25 0 15,-25 24 1,1 24-16,0-24 16,0 24-16,-24 0 15,23 0-15,1 1 0,0-1 16,0 0-16</inkml:trace>
+</inkml:ink>
+</file>
+
+<file path=ppt/ink/ink17.xml><?xml version="1.0" encoding="utf-8"?>
+<inkml:ink xmlns:inkml="http://www.w3.org/2003/InkML">
+  <inkml:definitions>
+    <inkml:context xml:id="ctx0">
+      <inkml:inkSource xml:id="inkSrc0">
+        <inkml:traceFormat>
+          <inkml:channel name="X" type="integer" max="1920" units="cm"/>
+          <inkml:channel name="Y" type="integer" max="1080" units="cm"/>
+          <inkml:channel name="T" type="integer" max="2.14748E9" units="dev"/>
+        </inkml:traceFormat>
+        <inkml:channelProperties>
+          <inkml:channelProperty channel="X" name="resolution" value="55.81395" units="1/cm"/>
+          <inkml:channelProperty channel="Y" name="resolution" value="55.6701" units="1/cm"/>
+          <inkml:channelProperty channel="T" name="resolution" value="1" units="1/dev"/>
+        </inkml:channelProperties>
+      </inkml:inkSource>
+      <inkml:timestamp xml:id="ts0" timeString="2021-10-19T08:05:35.012"/>
+    </inkml:context>
+    <inkml:brush xml:id="br0">
+      <inkml:brushProperty name="width" value="0.05" units="cm"/>
+      <inkml:brushProperty name="height" value="0.05" units="cm"/>
+      <inkml:brushProperty name="fitToCurve" value="1"/>
+    </inkml:brush>
+  </inkml:definitions>
+  <inkml:trace contextRef="#ctx0" brushRef="#br0">136 49 0,'-24'24'15,"-1"-24"-15,1 0 0,0 0 16,0 0-16,0 0 16,48 0 15,24 0-31,-24 0 16,25 0-16,-1 0 0,1 0 15,-1 0-15,0 0 16,1-24-16,-25 24 0,24 0 15,-24 0-15,1 0 0,-25-24 16</inkml:trace>
+  <inkml:trace contextRef="#ctx0" brushRef="#br0" timeOffset="1">353 0 0,'-24'0'0,"0"0"16,0 0-16,0 25 0,0-25 15,24 24-15,-25-24 16,25 24-16,0 0 0,-24 0 15,24 1-15,0 23 16,0 0-16,0-24 0,0 25 16,0-25-16,0 24 0,0-23 15,0-1-15</inkml:trace>
+  <inkml:trace contextRef="#ctx0" brushRef="#br0" timeOffset="2">620 266 0,'0'-24'0,"-25"0"16,25 0 0,0 0-1,-24 24-15,24-24 0,-24 24 16,0 0-1,0 0-15,-1 0 0,1 24 16,0 0-16,0-24 0,24 24 16,-24 0-16,-1 0 15,25 1-15,-24-1 0,24 0 16,0 0-16,0 0 16,24 1-16,1-25 15,-25 24-15,24-24 16,0 0-16,0 0 15,0-24-15,1 24 16,-1-25-16,0 1 16,0 0-16,-24 0 15,0 0-15,24 24 16,-24-25-16,0 50 31,0-1-31,0 0 16,0 0-16,0 0 15,0 1-15,25-1 16,-1-24 0</inkml:trace>
+  <inkml:trace contextRef="#ctx0" brushRef="#br0" timeOffset="3">886 146 0,'0'-25'0,"-25"1"15,25 0-15,-24 0 16,0 48 0,24 0-1,0 0-15,0 1 16,0-1-16,-24 0 0,24 24 16,0-24-16,0 25 15,0-25-15,-24 0 0,24 0 16,0 1-16,-24-1 0,24 0 15,24-48 17,0 0-17,0-1-15,0 1 16,0 0-16,1 0 0,23 24 16,-24-24-16,25 24 15,-25 0-15,0 0 0,0 0 16,0 24-16,1 0 15,-25 0-15,0 0 16,-25 1-16,1-1 16,0 0-16,0-24 0,0 24 0,-25-24 15,25 0-15,-24 0 16,23 0-16,1 0 0,0 0 16,0-24-16,24 0 15,0 0-15</inkml:trace>
+  <inkml:trace contextRef="#ctx0" brushRef="#br0" timeOffset="4">1249 170 0,'0'-24'31,"-25"24"-31,50 0 31,-25 24-31,24 0 16,-24 0 0,0 0-16,0 25 15,0-25-15,0 0 0,0 0 16,0 0-16,0 1 16,-24-1-16</inkml:trace>
+  <inkml:trace contextRef="#ctx0" brushRef="#br0" timeOffset="5">1587 315 0,'0'-24'16,"24"24"15,1 0-16,-1 0-15,0 0 16,0 0-16,0 0 16,1 0-16,-1 0 15,0 0-15,-24-25 16,0 1 0,0 0-16,-24 24 15,0-24-15,-1 0 16,1 24-16,0 0 15,-49 24-15,49-48 0,0 48 16,-24 0-16,23 0 16,1 0-16,0 1 0,24 23 15,-24-24-15,24 0 16,0 1-16,0 23 0,24-24 16,-24 0-16,48-24 15,-23 25-15,23-25 0,0 0 16,1-25-16</inkml:trace>
+</inkml:ink>
+</file>
+
+<file path=ppt/ink/ink18.xml><?xml version="1.0" encoding="utf-8"?>
+<inkml:ink xmlns:inkml="http://www.w3.org/2003/InkML">
+  <inkml:definitions>
+    <inkml:context xml:id="ctx0">
+      <inkml:inkSource xml:id="inkSrc0">
+        <inkml:traceFormat>
+          <inkml:channel name="X" type="integer" max="1920" units="cm"/>
+          <inkml:channel name="Y" type="integer" max="1080" units="cm"/>
+          <inkml:channel name="T" type="integer" max="2.14748E9" units="dev"/>
+        </inkml:traceFormat>
+        <inkml:channelProperties>
+          <inkml:channelProperty channel="X" name="resolution" value="55.81395" units="1/cm"/>
+          <inkml:channelProperty channel="Y" name="resolution" value="55.6701" units="1/cm"/>
+          <inkml:channelProperty channel="T" name="resolution" value="1" units="1/dev"/>
+        </inkml:channelProperties>
+      </inkml:inkSource>
+      <inkml:timestamp xml:id="ts0" timeString="2021-10-19T08:05:35.018"/>
+    </inkml:context>
+    <inkml:brush xml:id="br0">
+      <inkml:brushProperty name="width" value="0.05" units="cm"/>
+      <inkml:brushProperty name="height" value="0.05" units="cm"/>
+      <inkml:brushProperty name="fitToCurve" value="1"/>
+    </inkml:brush>
+  </inkml:definitions>
+  <inkml:trace contextRef="#ctx0" brushRef="#br0">478 48 0,'0'-24'16,"0"0"15,-25 24 32,1 0-63,0 0 15,0 0-15,-25 0 16,25 24-16,-24-24 0,-1 24 16,1 0-16,24 0 0,-25 1 15,25-1-15,-24 0 0,48 24 16,-24-24-16,24 1 16,0 23-16,24-24 0,-24 25 15,24-25-15,24 0 16,-23 0-16,-1 0 0,24-24 15,-24 0-15,25 0 16,-25 0-16,24 0 0</inkml:trace>
+  <inkml:trace contextRef="#ctx0" brushRef="#br0" timeOffset="1">598 193 0,'-24'0'0,"0"0"16,24-24 30,24 24-30,0 0-16,1 24 16,-25 0-1,24 0-15,-24 1 16,0-1-16,0 0 0,0 24 16,0-23-16,0-1 15,-24 0-15,24 0 0,0 0 16,-25-24-16,25 25 15,-24-25-15,24-25 16,0 1-16,0 0 16,24 0-16,1-25 15,-1 25-15,0-24 16,24 24-16,-23-1 0,23 1 0,-24 0 16,0 0-16,1 24 15,-1 0-15,0 0 0,0 0 16</inkml:trace>
+  <inkml:trace contextRef="#ctx0" brushRef="#br0" timeOffset="2">1058 290 0,'0'24'0,"-24"-24"15,0 0-15,48 0 47,0 0-31,0 0-16,0 0 16,1 0-16,-1 0 0,0 0 15,0 0-15,0-24 16,1 0-16,-25-1 15,0 1-15,0 0 16,-25 0 0,1 24-16,0-24 15,0 24-15,0 0 16,-1 0-16,1 24 0,0-24 16,0 24-16,0 0 15,0 0-15,-1 1 0,25-1 16,0 0-16,0 24 0,0-23 15,0-1-15,25 0 16,-25 0-16,24 0 0,24 1 16,-24-25-16,25 0 15</inkml:trace>
+  <inkml:trace contextRef="#ctx0" brushRef="#br0" timeOffset="3">1663 338 0,'0'-24'16,"0"0"-16,-24 0 16,24-1-1,-25 25-15,25-24 16,-24 24-16,0-24 0,0 24 16,0 0-16,0 0 15,-1 24-15,1-24 16,0 24-16,0 1 15,0-25-15,-1 24 0,1 0 16,24 0-16,-24 0 0,24 1 16,0-1-1,0 0-15,24-24 16,25 0 0,-25 0-16,0 0 0,0 0 15,0-24-15,1 24 0,-1-24 16,0-1-1,0 25-15,-24-24 0,24 24 32,-24 24-17,-24-24-15,24 25 16,0-1-16,0 0 16,0 0-16,24-24 15,-24 24-15,24-24 0,1 0 16,-1 0-16,0-24 15,24 0-15,-23 24 0,-1-24 16,24-25-16,-24 25 16,1 0-16,-1-24 0,-24 23 15,24-23-15,-24 0 16,0 24-16,0-25 0,0 25 16,0 0-16,-24 0 0,0 48 31,24 0-31,0 0 15,0 25-15,0-25 0,0 24 16,0 0-16,0-23 16,0 23-16,0-24 0,0 0 15,0 1-15,0-1 16,0 0-16</inkml:trace>
+  <inkml:trace contextRef="#ctx0" brushRef="#br0" timeOffset="4">1881 387 0,'0'-25'0,"0"1"16,0 0-16,0 0 0,0 0 16,24-1-16,0 25 31,0 0-31,0 0 16,1 0-16,23 0 15,0 0-15,-24 0 0,25 0 16,-1 0-16,1 0 15,-25 0-15,24 0 0,-24-24 16,1 24-16,-25-24 16,-25 0-1,1 24-15,0 0 16,0 0-16,0 0 16,-1 0-16,-23 0 0,24 0 15,0 0-15,-1 24 0,1 0 16,0 0-16,0 1 15,24-1-15,0 0 0,0 24 16,0-23-16,0-1 0,24 0 16,0 0-16,25 0 15,-25-24-15,24 0 0</inkml:trace>
+</inkml:ink>
+</file>
+
+<file path=ppt/ink/ink19.xml><?xml version="1.0" encoding="utf-8"?>
+<inkml:ink xmlns:inkml="http://www.w3.org/2003/InkML">
+  <inkml:definitions>
+    <inkml:context xml:id="ctx0">
+      <inkml:inkSource xml:id="inkSrc0">
+        <inkml:traceFormat>
+          <inkml:channel name="X" type="integer" max="1920" units="cm"/>
+          <inkml:channel name="Y" type="integer" max="1080" units="cm"/>
+          <inkml:channel name="T" type="integer" max="2.14748E9" units="dev"/>
+        </inkml:traceFormat>
+        <inkml:channelProperties>
+          <inkml:channelProperty channel="X" name="resolution" value="55.81395" units="1/cm"/>
+          <inkml:channelProperty channel="Y" name="resolution" value="55.6701" units="1/cm"/>
+          <inkml:channelProperty channel="T" name="resolution" value="1" units="1/dev"/>
+        </inkml:channelProperties>
+      </inkml:inkSource>
+      <inkml:timestamp xml:id="ts0" timeString="2021-10-19T08:05:35.023"/>
+    </inkml:context>
+    <inkml:brush xml:id="br0">
+      <inkml:brushProperty name="width" value="0.05" units="cm"/>
+      <inkml:brushProperty name="height" value="0.05" units="cm"/>
+      <inkml:brushProperty name="fitToCurve" value="1"/>
+    </inkml:brush>
+  </inkml:definitions>
+  <inkml:trace contextRef="#ctx0" brushRef="#br0">73 100 0,'0'-24'16,"-24"24"31,24 24-47,-24 0 0,24 0 15,0 1-15,-24-1 0,24 24 16,0-24-16,0 25 16,0 23-1,24-48-15,-24 1 0,24-1 16,0 0-16,0-24 0,0 24 16,1-24-16</inkml:trace>
+  <inkml:trace contextRef="#ctx0" brushRef="#br0" timeOffset="1">242 221 0,'0'-24'0,"-24"24"0,24-24 16,0-1-1,24 25-15,1 0 16,-1 0-16,0 0 0,0 0 15,0 0 1,1 0-16,-25 25 0,0-1 16,0 0-16,-25-24 15,1 24-15,0 0 0,-24 25 16,-1-25 0,25 0-16,0-24 15,24 24-15,24-24 16,0 0-1,0 0-15,25 0 0,-1 0 16,1 0-16,-1 0 16,49-24-16,-49 24 15,-24 0-15,0-24 0</inkml:trace>
+  <inkml:trace contextRef="#ctx0" brushRef="#br0" timeOffset="2">775 27 0,'0'-24'0,"-25"24"15,25 24 1,0 1 0,0 23-16,25-24 15,-1 25-15,0-1 0,0 0 16,0 1-16,-24-1 15,25 25-15,-25-49 0,-25 24 16,-23 1-16,-25-25 16</inkml:trace>
+</inkml:ink>
+</file>
+
 <file path=ppt/ink/ink2.xml><?xml version="1.0" encoding="utf-8"?>
 <inkml:ink xmlns:inkml="http://www.w3.org/2003/InkML">
   <inkml:definitions>
@@ -466,6 +659,316 @@
 </inkml:ink>
 </file>
 
+<file path=ppt/ink/ink20.xml><?xml version="1.0" encoding="utf-8"?>
+<inkml:ink xmlns:inkml="http://www.w3.org/2003/InkML">
+  <inkml:definitions>
+    <inkml:context xml:id="ctx0">
+      <inkml:inkSource xml:id="inkSrc0">
+        <inkml:traceFormat>
+          <inkml:channel name="X" type="integer" max="1920" units="cm"/>
+          <inkml:channel name="Y" type="integer" max="1080" units="cm"/>
+          <inkml:channel name="T" type="integer" max="2.14748E9" units="dev"/>
+        </inkml:traceFormat>
+        <inkml:channelProperties>
+          <inkml:channelProperty channel="X" name="resolution" value="55.81395" units="1/cm"/>
+          <inkml:channelProperty channel="Y" name="resolution" value="55.6701" units="1/cm"/>
+          <inkml:channelProperty channel="T" name="resolution" value="1" units="1/dev"/>
+        </inkml:channelProperties>
+      </inkml:inkSource>
+      <inkml:timestamp xml:id="ts0" timeString="2021-10-19T08:05:35.026"/>
+    </inkml:context>
+    <inkml:brush xml:id="br0">
+      <inkml:brushProperty name="width" value="0.05" units="cm"/>
+      <inkml:brushProperty name="height" value="0.05" units="cm"/>
+      <inkml:brushProperty name="fitToCurve" value="1"/>
+    </inkml:brush>
+  </inkml:definitions>
+  <inkml:trace contextRef="#ctx0" brushRef="#br0">48 275 0,'-24'-25'16,"0"25"-16,48 0 15,0 0 1,1 0-1,-1 0-15,24 0 0,-24 0 16,1 0-16,-1-24 0,0 24 16</inkml:trace>
+  <inkml:trace contextRef="#ctx0" brushRef="#br0" timeOffset="1">387 129 0,'0'25'32,"24"-1"-17,-24 0 1,0 0-16,0 0 15,24 1-15,-24 23 0,0-24 16,0 0-16,0 25 16,0-25-16,0 0 0,-24 0 15,24 0 1,-24-24-16,24-24 16,0 0-1,0 0-15,0 0 16,0 0-16,0-25 15,0 25-15,0-24 0,0-1 0,0 1 16,24 24-16,-24-25 16,0 25-16,24-24 0,1 48 15,-25-25-15,24 25 16,0 0-16,0 0 0,0 25 16,1-25-16,-1 24 0,0 0 15,0 24-15,-24-23 16,0-1-16,0 0 0,-24 0 15,0 0-15,0 1 16,-1-25-16,-23 24 0,24-24 16,-25 0-16,25 0 0,0 0 15,0-24 1,24-1-16</inkml:trace>
+  <inkml:trace contextRef="#ctx0" brushRef="#br0" timeOffset="2">798 105 0,'0'-24'0,"0"0"31,0 48 0,0 0-15,0 0-16,0 1 15,0 23-15,0-24 0,0 25 16,0-25-16,-24 24 0,24-24 16,0 1-16,0-1 15,-24-24-15,48 0 32,-24-24-32,24 24 0,-24-25 15,24 1-15,1 0 0,-1 0 16,-24-25-16,24 25 15,0 0-15,0 0 0,1 0 16,-1 24 0,-24 24-1,0 0-15,-24 0 16,24 0-16,-25 1 16,1-25-16,0 24 0,0 0 15,0-24-15,-1 24 0,1-24 16,0 0-16,24 24 15,24-24 1,0 0-16,1 0 16,-1 0-16,24 0 0,-24 0 15,25 0-15,-1 0 16,-24 25-16,25-1 0,-25 0 16,0 0-16,-24 0 0,0 0 15</inkml:trace>
+</inkml:ink>
+</file>
+
+<file path=ppt/ink/ink21.xml><?xml version="1.0" encoding="utf-8"?>
+<inkml:ink xmlns:inkml="http://www.w3.org/2003/InkML">
+  <inkml:definitions>
+    <inkml:context xml:id="ctx0">
+      <inkml:inkSource xml:id="inkSrc0">
+        <inkml:traceFormat>
+          <inkml:channel name="X" type="integer" max="1920" units="cm"/>
+          <inkml:channel name="Y" type="integer" max="1080" units="cm"/>
+          <inkml:channel name="T" type="integer" max="2.14748E9" units="dev"/>
+        </inkml:traceFormat>
+        <inkml:channelProperties>
+          <inkml:channelProperty channel="X" name="resolution" value="55.81395" units="1/cm"/>
+          <inkml:channelProperty channel="Y" name="resolution" value="55.6701" units="1/cm"/>
+          <inkml:channelProperty channel="T" name="resolution" value="1" units="1/dev"/>
+        </inkml:channelProperties>
+      </inkml:inkSource>
+      <inkml:timestamp xml:id="ts0" timeString="2021-10-19T08:05:35.029"/>
+    </inkml:context>
+    <inkml:brush xml:id="br0">
+      <inkml:brushProperty name="width" value="0.05" units="cm"/>
+      <inkml:brushProperty name="height" value="0.05" units="cm"/>
+      <inkml:brushProperty name="fitToCurve" value="1"/>
+    </inkml:brush>
+  </inkml:definitions>
+  <inkml:trace contextRef="#ctx0" brushRef="#br0">74 127 0,'0'24'47,"-24"-24"-47,24 24 0,-24 0 15,24 0 1,-24 1-16,24-1 0,0 0 16,0 0-16,0 0 15,0 1-15,0-1 0,24 0 16,0-24-16,0 24 0,1-24 15,-1 0-15,0 0 16,0-24-16,0 24 0</inkml:trace>
+  <inkml:trace contextRef="#ctx0" brushRef="#br0" timeOffset="1">171 54 0,'-24'-24'16,"0"24"-16,24-24 15,-24 24-15,24 24 32,24-24-17</inkml:trace>
+  <inkml:trace contextRef="#ctx0" brushRef="#br0" timeOffset="2">461 272 0,'-24'0'0,"24"24"16,0-48 0,0 0-1,0-1 1,0 1-1,0 0 1,-24 24 0,0 0-16,0 0 15,24 24-15,-25-24 0,1 24 16,24 1-16,-24-25 16,24 24-16,0 0 0,0 0 15,0 0-15,0 1 16,24-1-16,0-24 15,1 0-15,23-24 16,-24 24-16,0-25 16,1 1-16,-1 0 15,0 0-15,0 0 0,0-25 16,-24 25-16,25-24 0,-1 23 16,-24 1-16,0 0 0,24 0 15,-24 0-15,0 48 16,-24 0-1,24 0-15,-24 0 16,24 1-16,0 23 0,0-24 16,0 25-16,0-25 0,0 0 15,0 0-15,24 0 16</inkml:trace>
+</inkml:ink>
+</file>
+
+<file path=ppt/ink/ink22.xml><?xml version="1.0" encoding="utf-8"?>
+<inkml:ink xmlns:inkml="http://www.w3.org/2003/InkML">
+  <inkml:definitions>
+    <inkml:context xml:id="ctx0">
+      <inkml:inkSource xml:id="inkSrc0">
+        <inkml:traceFormat>
+          <inkml:channel name="X" type="integer" max="1920" units="cm"/>
+          <inkml:channel name="Y" type="integer" max="1080" units="cm"/>
+          <inkml:channel name="T" type="integer" max="2.14748E9" units="dev"/>
+        </inkml:traceFormat>
+        <inkml:channelProperties>
+          <inkml:channelProperty channel="X" name="resolution" value="55.81395" units="1/cm"/>
+          <inkml:channelProperty channel="Y" name="resolution" value="55.6701" units="1/cm"/>
+          <inkml:channelProperty channel="T" name="resolution" value="1" units="1/dev"/>
+        </inkml:channelProperties>
+      </inkml:inkSource>
+      <inkml:timestamp xml:id="ts0" timeString="2021-10-19T08:05:35.032"/>
+    </inkml:context>
+    <inkml:brush xml:id="br0">
+      <inkml:brushProperty name="width" value="0.05" units="cm"/>
+      <inkml:brushProperty name="height" value="0.05" units="cm"/>
+      <inkml:brushProperty name="fitToCurve" value="1"/>
+    </inkml:brush>
+  </inkml:definitions>
+  <inkml:trace contextRef="#ctx0" brushRef="#br0">315 41 0,'-25'0'0,"25"-24"16,0 0-1,25 48 1,-25 0-16,0 1 16,0 23-16,0 0 0,0 1 15,0-1-15,0 25 0,-25-25 16,25 25-16,0-25 16,-24 25-16,0-25 0,24 0 15,-24 1-15,0-1 16,24 1-16,-25-25 0,1 0 15</inkml:trace>
+  <inkml:trace contextRef="#ctx0" brushRef="#br0" timeOffset="1">24 743 0,'-24'0'15,"24"24"1,24 0 0,-24 1-1,0-1-15,24 0 0,1 0 16,-1 0-16,0 1 0,-24-1 16,24-24-16,25 0 15</inkml:trace>
+  <inkml:trace contextRef="#ctx0" brushRef="#br0" timeOffset="2">508 816 0,'24'-25'16,"0"1"-16,-24 0 0,25 0 0,-25 0 15,-25 24 1,1 24-16,0-24 16,0 24-16,-24 0 15,23 0-15,1 1 0,0-1 16,0 0-16</inkml:trace>
+</inkml:ink>
+</file>
+
+<file path=ppt/ink/ink23.xml><?xml version="1.0" encoding="utf-8"?>
+<inkml:ink xmlns:inkml="http://www.w3.org/2003/InkML">
+  <inkml:definitions>
+    <inkml:context xml:id="ctx0">
+      <inkml:inkSource xml:id="inkSrc0">
+        <inkml:traceFormat>
+          <inkml:channel name="X" type="integer" max="1920" units="cm"/>
+          <inkml:channel name="Y" type="integer" max="1080" units="cm"/>
+          <inkml:channel name="T" type="integer" max="2.14748E9" units="dev"/>
+        </inkml:traceFormat>
+        <inkml:channelProperties>
+          <inkml:channelProperty channel="X" name="resolution" value="55.81395" units="1/cm"/>
+          <inkml:channelProperty channel="Y" name="resolution" value="55.6701" units="1/cm"/>
+          <inkml:channelProperty channel="T" name="resolution" value="1" units="1/dev"/>
+        </inkml:channelProperties>
+      </inkml:inkSource>
+      <inkml:timestamp xml:id="ts0" timeString="2021-10-19T08:05:40.266"/>
+    </inkml:context>
+    <inkml:brush xml:id="br0">
+      <inkml:brushProperty name="width" value="0.05" units="cm"/>
+      <inkml:brushProperty name="height" value="0.05" units="cm"/>
+      <inkml:brushProperty name="fitToCurve" value="1"/>
+    </inkml:brush>
+  </inkml:definitions>
+  <inkml:trace contextRef="#ctx0" brushRef="#br0">459 170 0,'0'25'62,"0"-1"-62,0 0 16,0 24-16,0 1 0,-24-1 16,0 25-16,24-1 15,-24 1-15,0-1 0,-1 25 16,1-24-16,0 24 0,0-25 15,24 25-15,-24-25 16,0 1-16,-1 0 0,25-25 16,-24 25-16,0-25 15,24 0-15,-24 1 0,0-1 16,24 0-16,-25-23 0,1 23 16,24-24-16,-24-24 15,24 24-15,-24 1 0,48-25 31,0 0-31,0-25 16,25 25 0,-1 0-16,25-24 0,-1 24 0,25 0 15,0 0-15,48 0 0,0 0 16,24 0-16,25 0 16,-1 24-16,1-24 0,24 0 15,-25 25-15,1-25 16,-1 0-16,-23 24 0,-25-24 15,0 0-15,-24 0 0,-24 0 16,-25 0-16,-23 0 16,-1-24-16,-24 24 0,-24-25 15,-24 25-15,0-24 16,0 24-16,-25-24 16,25 0-16,-24 24 0,23-24 15,1-1-15,0 1 16,0 24-16,0-24 0,24 0 15,0-24-15,0 23 0,0-23 16,0 0-16,0-1 16,0 1-16,24-25 0,-24 1 15,24-25-15,-24 24 16,24-23-16,25-98 16,-25 97-16,0 25 0,24-1 15,-23 1-15,-1 23 16,0 1-16,0-1 0,0 25 15,1 0-15,-25 0 16,0 0-16,0-1 16,-25 25-16,-23 0 15,0 0 1,-1 0-16,1 0 0,-25 0 16,25 0-16,-49 0 15,25 0-15,-49-24 0,0 24 16,0 0-16,-49-24 0,25 24 15,-48-24-15,23 24 16,-23-24-16,-1 24 0,25-24 16,0 24-16,23-25 0,1 25 15,49 0-15,-1 0 16,0 0-16,49 0 0,-1 0 16,25 0-16,-24 25 15,24-25-15,-1 0 16,25 24-1,-24-24-15,24 24 16,24-24 15,1 0-31,-1 0 16,0 0-16</inkml:trace>
+  <inkml:trace contextRef="#ctx0" brushRef="#br0" timeOffset="1">1306 25 0,'24'0'16,"0"0"-16,1 0 16,-25-24-16,24 24 0,0 0 15,0 24 1,0 1 0,-24-1-16,0 24 0,0-24 15,25 25-15,-25 23 16,0 1-16,24-1 0,-24 1 15,0 24-15,0-1 0,0 1 16,0 0-16,0 0 16,-24 24-16,24-25 0,-25 1 15,25 0-15,-24-24 16,24 23-16,-24-47 0,24 23 16,-24-23-16,0-1 0,24 0 15,-25-23-15,25-1 16,-24 0-16,24-48 15,0 0 1,0-25-16,24 1 0</inkml:trace>
+  <inkml:trace contextRef="#ctx0" brushRef="#br0" timeOffset="2">435 509 0,'-24'0'0,"0"0"16,0 0-1,-1 0 1,1 0-16,24 24 16,24-24-1,1 0-15,23 0 0,0 0 16,49 25-16,0-25 16,24 0-16,24 0 0,49 24 15,-1-24-15,1 0 0,23 24 16,-23-24-16,24 0 15,-25 24-15,-24-24 0,-23 0 16,-25 0-16,-25 0 0,-23 0 16,-49 0-16,0 0 15,-48 0-15,-24-24 16,-25 24-16,1 0 16</inkml:trace>
+  <inkml:trace contextRef="#ctx0" brushRef="#br0" timeOffset="3">556 243 0,'0'24'15,"24"-24"1,-24 24-1,0 1 1,0-1-16,25-24 16,-25 24-16,0 0 15,24 0-15,0 1 16,0-25-16,0 24 16,1-24-16,-1 0 15</inkml:trace>
+  <inkml:trace contextRef="#ctx0" brushRef="#br0" timeOffset="4">750 195 0,'-24'0'16,"-1"0"0,25 24 15</inkml:trace>
+  <inkml:trace contextRef="#ctx0" brushRef="#br0" timeOffset="5">919 364 0,'0'24'0,"0"-48"31,-24 24-15,24-24-16,0 0 16,-24 24-16,-1 0 31,1 0-31,0 24 16,0 0-16,24 0 15,0 0 1,0 1-16,24-25 15,0 24 1,0-24-16,1 0 16,-1-24-16,0-1 15,-24 1-15,24 24 16,-24-24-16,24 0 0,-24 0 16,25-1-16,-25 1 0,24 0 15,-24 0 1,0 48-1,0 0 1,0 0-16,0 1 0,24-1 16,0 48-1,-24-47-15,24 23 0</inkml:trace>
+  <inkml:trace contextRef="#ctx0" brushRef="#br0" timeOffset="6">1838 412 0,'24'-24'0,"1"24"16,-1 0 15,-24 24-15,0 1-16,0-1 16,0 0-1,0 0-15,0 0 0,0 1 16,-24-25-1,24 24-15,24-24 32,-24-24-17,24 24-15,0-25 0,0 25 0,1-24 16,-1 0-16,0 0 16,24 0-16,1 24 0,-25-25 15,24 25-15,-23 0 0,-1 0 16,0 0-16,0 0 15,-24 25-15,24-25 0,-24 24 16,0 0-16,0 0 16,0 0-16</inkml:trace>
+  <inkml:trace contextRef="#ctx0" brushRef="#br0" timeOffset="7">2637 485 0,'24'-24'16,"0"24"-16,-24-24 0,0-1 15,0 1-15,0 0 16,0 0-16,-24 0 16,0 24-16,-25 0 15,25 24-15,0-24 16,0 24-16,-1-24 0,25 24 15,-24-24-15,24 24 0,-24 1 16,24-1 0,24-24-1,0 0 1,1 0-16,-1-24 0,0 24 16,0 0-1,0-25-15,1 25 0,-1 0 0,0-24 16,0 24-16,0 0 15,1 24 1,-25 1-16,24-25 16,-24 24-16,0 0 0,24-24 15,-24 24-15</inkml:trace>
+</inkml:ink>
+</file>
+
+<file path=ppt/ink/ink24.xml><?xml version="1.0" encoding="utf-8"?>
+<inkml:ink xmlns:inkml="http://www.w3.org/2003/InkML">
+  <inkml:definitions>
+    <inkml:context xml:id="ctx0">
+      <inkml:inkSource xml:id="inkSrc0">
+        <inkml:traceFormat>
+          <inkml:channel name="X" type="integer" max="1920" units="cm"/>
+          <inkml:channel name="Y" type="integer" max="1080" units="cm"/>
+          <inkml:channel name="T" type="integer" max="2.14748E9" units="dev"/>
+        </inkml:traceFormat>
+        <inkml:channelProperties>
+          <inkml:channelProperty channel="X" name="resolution" value="55.81395" units="1/cm"/>
+          <inkml:channelProperty channel="Y" name="resolution" value="55.6701" units="1/cm"/>
+          <inkml:channelProperty channel="T" name="resolution" value="1" units="1/dev"/>
+        </inkml:channelProperties>
+      </inkml:inkSource>
+      <inkml:timestamp xml:id="ts0" timeString="2021-10-19T08:05:44.658"/>
+    </inkml:context>
+    <inkml:brush xml:id="br0">
+      <inkml:brushProperty name="width" value="0.05" units="cm"/>
+      <inkml:brushProperty name="height" value="0.05" units="cm"/>
+      <inkml:brushProperty name="fitToCurve" value="1"/>
+    </inkml:brush>
+  </inkml:definitions>
+  <inkml:trace contextRef="#ctx0" brushRef="#br0">136 49 0,'-24'24'15,"-1"-24"-15,1 0 0,0 0 16,0 0-16,0 0 16,48 0 15,24 0-31,-24 0 16,25 0-16,-1 0 0,1 0 15,-1 0-15,0 0 16,1-24-16,-25 24 0,24 0 15,-24 0-15,1 0 0,-25-24 16</inkml:trace>
+  <inkml:trace contextRef="#ctx0" brushRef="#br0" timeOffset="1">353 0 0,'-24'0'0,"0"0"16,0 0-16,0 25 0,0-25 15,24 24-15,-25-24 16,25 24-16,0 0 0,-24 0 15,24 1-15,0 23 16,0 0-16,0-24 0,0 25 16,0-25-16,0 24 0,0-23 15,0-1-15</inkml:trace>
+  <inkml:trace contextRef="#ctx0" brushRef="#br0" timeOffset="2">620 266 0,'0'-24'0,"-25"0"16,25 0 0,0 0-1,-24 24-15,24-24 0,-24 24 16,0 0-1,0 0-15,-1 0 0,1 24 16,0 0-16,0-24 0,24 24 16,-24 0-16,-1 0 15,25 1-15,-24-1 0,24 0 16,0 0-16,0 0 16,24 1-16,1-25 15,-25 24-15,24-24 16,0 0-16,0 0 15,0-24-15,1 24 16,-1-25-16,0 1 16,0 0-16,-24 0 15,0 0-15,24 24 16,-24-25-16,0 50 31,0-1-31,0 0 16,0 0-16,0 0 15,0 1-15,25-1 16,-1-24 0</inkml:trace>
+  <inkml:trace contextRef="#ctx0" brushRef="#br0" timeOffset="3">886 146 0,'0'-25'0,"-25"1"15,25 0-15,-24 0 16,0 48 0,24 0-1,0 0-15,0 1 16,0-1-16,-24 0 0,24 24 16,0-24-16,0 25 15,0-25-15,-24 0 0,24 0 16,0 1-16,-24-1 0,24 0 15,24-48 17,0 0-17,0-1-15,0 1 16,0 0-16,1 0 0,23 24 16,-24-24-16,25 24 15,-25 0-15,0 0 0,0 0 16,0 24-16,1 0 15,-25 0-15,0 0 16,-25 1-16,1-1 16,0 0-16,0-24 0,0 24 0,-25-24 15,25 0-15,-24 0 16,23 0-16,1 0 0,0 0 16,0-24-16,24 0 15,0 0-15</inkml:trace>
+  <inkml:trace contextRef="#ctx0" brushRef="#br0" timeOffset="4">1249 170 0,'0'-24'31,"-25"24"-31,50 0 31,-25 24-31,24 0 16,-24 0 0,0 0-16,0 25 15,0-25-15,0 0 0,0 0 16,0 0-16,0 1 16,-24-1-16</inkml:trace>
+  <inkml:trace contextRef="#ctx0" brushRef="#br0" timeOffset="5">1587 315 0,'0'-24'16,"24"24"15,1 0-16,-1 0-15,0 0 16,0 0-16,0 0 16,1 0-16,-1 0 15,0 0-15,-24-25 16,0 1 0,0 0-16,-24 24 15,0-24-15,-1 0 16,1 24-16,0 0 15,-49 24-15,49-48 0,0 48 16,-24 0-16,23 0 16,1 0-16,0 1 0,24 23 15,-24-24-15,24 0 16,0 1-16,0 23 0,24-24 16,-24 0-16,48-24 15,-23 25-15,23-25 0,0 0 16,1-25-16</inkml:trace>
+</inkml:ink>
+</file>
+
+<file path=ppt/ink/ink25.xml><?xml version="1.0" encoding="utf-8"?>
+<inkml:ink xmlns:inkml="http://www.w3.org/2003/InkML">
+  <inkml:definitions>
+    <inkml:context xml:id="ctx0">
+      <inkml:inkSource xml:id="inkSrc0">
+        <inkml:traceFormat>
+          <inkml:channel name="X" type="integer" max="1920" units="cm"/>
+          <inkml:channel name="Y" type="integer" max="1080" units="cm"/>
+          <inkml:channel name="T" type="integer" max="2.14748E9" units="dev"/>
+        </inkml:traceFormat>
+        <inkml:channelProperties>
+          <inkml:channelProperty channel="X" name="resolution" value="55.81395" units="1/cm"/>
+          <inkml:channelProperty channel="Y" name="resolution" value="55.6701" units="1/cm"/>
+          <inkml:channelProperty channel="T" name="resolution" value="1" units="1/dev"/>
+        </inkml:channelProperties>
+      </inkml:inkSource>
+      <inkml:timestamp xml:id="ts0" timeString="2021-10-19T08:05:44.664"/>
+    </inkml:context>
+    <inkml:brush xml:id="br0">
+      <inkml:brushProperty name="width" value="0.05" units="cm"/>
+      <inkml:brushProperty name="height" value="0.05" units="cm"/>
+      <inkml:brushProperty name="fitToCurve" value="1"/>
+    </inkml:brush>
+  </inkml:definitions>
+  <inkml:trace contextRef="#ctx0" brushRef="#br0">478 48 0,'0'-24'16,"0"0"15,-25 24 32,1 0-63,0 0 15,0 0-15,-25 0 16,25 24-16,-24-24 0,-1 24 16,1 0-16,24 0 0,-25 1 15,25-1-15,-24 0 0,48 24 16,-24-24-16,24 1 16,0 23-16,24-24 0,-24 25 15,24-25-15,24 0 16,-23 0-16,-1 0 0,24-24 15,-24 0-15,25 0 16,-25 0-16,24 0 0</inkml:trace>
+  <inkml:trace contextRef="#ctx0" brushRef="#br0" timeOffset="1">598 193 0,'-24'0'0,"0"0"16,24-24 30,24 24-30,0 0-16,1 24 16,-25 0-1,24 0-15,-24 1 16,0-1-16,0 0 0,0 24 16,0-23-16,0-1 15,-24 0-15,24 0 0,0 0 16,-25-24-16,25 25 15,-24-25-15,24-25 16,0 1-16,0 0 16,24 0-16,1-25 15,-1 25-15,0-24 16,24 24-16,-23-1 0,23 1 0,-24 0 16,0 0-16,1 24 15,-1 0-15,0 0 0,0 0 16</inkml:trace>
+  <inkml:trace contextRef="#ctx0" brushRef="#br0" timeOffset="2">1058 290 0,'0'24'0,"-24"-24"15,0 0-15,48 0 47,0 0-31,0 0-16,0 0 16,1 0-16,-1 0 0,0 0 15,0 0-15,0-24 16,1 0-16,-25-1 15,0 1-15,0 0 16,-25 0 0,1 24-16,0-24 15,0 24-15,0 0 16,-1 0-16,1 24 0,0-24 16,0 24-16,0 0 15,0 0-15,-1 1 0,25-1 16,0 0-16,0 24 0,0-23 15,0-1-15,25 0 16,-25 0-16,24 0 0,24 1 16,-24-25-16,25 0 15</inkml:trace>
+  <inkml:trace contextRef="#ctx0" brushRef="#br0" timeOffset="3">1663 338 0,'0'-24'16,"0"0"-16,-24 0 16,24-1-1,-25 25-15,25-24 16,-24 24-16,0-24 0,0 24 16,0 0-16,0 0 15,-1 24-15,1-24 16,0 24-16,0 1 15,0-25-15,-1 24 0,1 0 16,24 0-16,-24 0 0,24 1 16,0-1-1,0 0-15,24-24 16,25 0 0,-25 0-16,0 0 0,0 0 15,0-24-15,1 24 0,-1-24 16,0-1-1,0 25-15,-24-24 0,24 24 32,-24 24-17,-24-24-15,24 25 16,0-1-16,0 0 16,0 0-16,24-24 15,-24 24-15,24-24 0,1 0 16,-1 0-16,0-24 15,24 0-15,-23 24 0,-1-24 16,24-25-16,-24 25 16,1 0-16,-1-24 0,-24 23 15,24-23-15,-24 0 16,0 24-16,0-25 0,0 25 16,0 0-16,-24 0 0,0 48 31,24 0-31,0 0 15,0 25-15,0-25 0,0 24 16,0 0-16,0-23 16,0 23-16,0-24 0,0 0 15,0 1-15,0-1 16,0 0-16</inkml:trace>
+  <inkml:trace contextRef="#ctx0" brushRef="#br0" timeOffset="4">1881 387 0,'0'-25'0,"0"1"16,0 0-16,0 0 0,0 0 16,24-1-16,0 25 31,0 0-31,0 0 16,1 0-16,23 0 15,0 0-15,-24 0 0,25 0 16,-1 0-16,1 0 15,-25 0-15,24 0 0,-24-24 16,1 24-16,-25-24 16,-25 0-1,1 24-15,0 0 16,0 0-16,0 0 16,-1 0-16,-23 0 0,24 0 15,0 0-15,-1 24 0,1 0 16,0 0-16,0 1 15,24-1-15,0 0 0,0 24 16,0-23-16,0-1 0,24 0 16,0 0-16,25 0 15,-25-24-15,24 0 0</inkml:trace>
+</inkml:ink>
+</file>
+
+<file path=ppt/ink/ink26.xml><?xml version="1.0" encoding="utf-8"?>
+<inkml:ink xmlns:inkml="http://www.w3.org/2003/InkML">
+  <inkml:definitions>
+    <inkml:context xml:id="ctx0">
+      <inkml:inkSource xml:id="inkSrc0">
+        <inkml:traceFormat>
+          <inkml:channel name="X" type="integer" max="1920" units="cm"/>
+          <inkml:channel name="Y" type="integer" max="1080" units="cm"/>
+          <inkml:channel name="T" type="integer" max="2.14748E9" units="dev"/>
+        </inkml:traceFormat>
+        <inkml:channelProperties>
+          <inkml:channelProperty channel="X" name="resolution" value="55.81395" units="1/cm"/>
+          <inkml:channelProperty channel="Y" name="resolution" value="55.6701" units="1/cm"/>
+          <inkml:channelProperty channel="T" name="resolution" value="1" units="1/dev"/>
+        </inkml:channelProperties>
+      </inkml:inkSource>
+      <inkml:timestamp xml:id="ts0" timeString="2021-10-19T08:05:44.669"/>
+    </inkml:context>
+    <inkml:brush xml:id="br0">
+      <inkml:brushProperty name="width" value="0.05" units="cm"/>
+      <inkml:brushProperty name="height" value="0.05" units="cm"/>
+      <inkml:brushProperty name="fitToCurve" value="1"/>
+    </inkml:brush>
+  </inkml:definitions>
+  <inkml:trace contextRef="#ctx0" brushRef="#br0">73 100 0,'0'-24'16,"-24"24"31,24 24-47,-24 0 0,24 0 15,0 1-15,-24-1 0,24 24 16,0-24-16,0 25 16,0 23-1,24-48-15,-24 1 0,24-1 16,0 0-16,0-24 0,0 24 16,1-24-16</inkml:trace>
+  <inkml:trace contextRef="#ctx0" brushRef="#br0" timeOffset="1">242 221 0,'0'-24'0,"-24"24"0,24-24 16,0-1-1,24 25-15,1 0 16,-1 0-16,0 0 0,0 0 15,0 0 1,1 0-16,-25 25 0,0-1 16,0 0-16,-25-24 15,1 24-15,0 0 0,-24 25 16,-1-25 0,25 0-16,0-24 15,24 24-15,24-24 16,0 0-1,0 0-15,25 0 0,-1 0 16,1 0-16,-1 0 16,49-24-16,-49 24 15,-24 0-15,0-24 0</inkml:trace>
+  <inkml:trace contextRef="#ctx0" brushRef="#br0" timeOffset="2">775 27 0,'0'-24'0,"-25"24"15,25 24 1,0 1 0,0 23-16,25-24 15,-1 25-15,0-1 0,0 0 16,0 1-16,-24-1 15,25 25-15,-25-49 0,-25 24 16,-23 1-16,-25-25 16</inkml:trace>
+</inkml:ink>
+</file>
+
+<file path=ppt/ink/ink27.xml><?xml version="1.0" encoding="utf-8"?>
+<inkml:ink xmlns:inkml="http://www.w3.org/2003/InkML">
+  <inkml:definitions>
+    <inkml:context xml:id="ctx0">
+      <inkml:inkSource xml:id="inkSrc0">
+        <inkml:traceFormat>
+          <inkml:channel name="X" type="integer" max="1920" units="cm"/>
+          <inkml:channel name="Y" type="integer" max="1080" units="cm"/>
+          <inkml:channel name="T" type="integer" max="2.14748E9" units="dev"/>
+        </inkml:traceFormat>
+        <inkml:channelProperties>
+          <inkml:channelProperty channel="X" name="resolution" value="55.81395" units="1/cm"/>
+          <inkml:channelProperty channel="Y" name="resolution" value="55.6701" units="1/cm"/>
+          <inkml:channelProperty channel="T" name="resolution" value="1" units="1/dev"/>
+        </inkml:channelProperties>
+      </inkml:inkSource>
+      <inkml:timestamp xml:id="ts0" timeString="2021-10-19T08:05:44.672"/>
+    </inkml:context>
+    <inkml:brush xml:id="br0">
+      <inkml:brushProperty name="width" value="0.05" units="cm"/>
+      <inkml:brushProperty name="height" value="0.05" units="cm"/>
+      <inkml:brushProperty name="fitToCurve" value="1"/>
+    </inkml:brush>
+  </inkml:definitions>
+  <inkml:trace contextRef="#ctx0" brushRef="#br0">48 275 0,'-24'-25'16,"0"25"-16,48 0 15,0 0 1,1 0-1,-1 0-15,24 0 0,-24 0 16,1 0-16,-1-24 0,0 24 16</inkml:trace>
+  <inkml:trace contextRef="#ctx0" brushRef="#br0" timeOffset="1">387 129 0,'0'25'32,"24"-1"-17,-24 0 1,0 0-16,0 0 15,24 1-15,-24 23 0,0-24 16,0 0-16,0 25 16,0-25-16,0 0 0,-24 0 15,24 0 1,-24-24-16,24-24 16,0 0-1,0 0-15,0 0 16,0 0-16,0-25 15,0 25-15,0-24 0,0-1 0,0 1 16,24 24-16,-24-25 16,0 25-16,24-24 0,1 48 15,-25-25-15,24 25 16,0 0-16,0 0 0,0 25 16,1-25-16,-1 24 0,0 0 15,0 24-15,-24-23 16,0-1-16,0 0 0,-24 0 15,0 0-15,0 1 16,-1-25-16,-23 24 0,24-24 16,-25 0-16,25 0 0,0 0 15,0-24 1,24-1-16</inkml:trace>
+  <inkml:trace contextRef="#ctx0" brushRef="#br0" timeOffset="2">798 105 0,'0'-24'0,"0"0"31,0 48 0,0 0-15,0 0-16,0 1 15,0 23-15,0-24 0,0 25 16,0-25-16,-24 24 0,24-24 16,0 1-16,0-1 15,-24-24-15,48 0 32,-24-24-32,24 24 0,-24-25 15,24 1-15,1 0 0,-1 0 16,-24-25-16,24 25 15,0 0-15,0 0 0,1 0 16,-1 24 0,-24 24-1,0 0-15,-24 0 16,24 0-16,-25 1 16,1-25-16,0 24 0,0 0 15,0-24-15,-1 24 0,1-24 16,0 0-16,24 24 15,24-24 1,0 0-16,1 0 16,-1 0-16,24 0 0,-24 0 15,25 0-15,-1 0 16,-24 25-16,25-1 0,-25 0 16,0 0-16,-24 0 0,0 0 15</inkml:trace>
+</inkml:ink>
+</file>
+
+<file path=ppt/ink/ink28.xml><?xml version="1.0" encoding="utf-8"?>
+<inkml:ink xmlns:inkml="http://www.w3.org/2003/InkML">
+  <inkml:definitions>
+    <inkml:context xml:id="ctx0">
+      <inkml:inkSource xml:id="inkSrc0">
+        <inkml:traceFormat>
+          <inkml:channel name="X" type="integer" max="1920" units="cm"/>
+          <inkml:channel name="Y" type="integer" max="1080" units="cm"/>
+          <inkml:channel name="T" type="integer" max="2.14748E9" units="dev"/>
+        </inkml:traceFormat>
+        <inkml:channelProperties>
+          <inkml:channelProperty channel="X" name="resolution" value="55.81395" units="1/cm"/>
+          <inkml:channelProperty channel="Y" name="resolution" value="55.6701" units="1/cm"/>
+          <inkml:channelProperty channel="T" name="resolution" value="1" units="1/dev"/>
+        </inkml:channelProperties>
+      </inkml:inkSource>
+      <inkml:timestamp xml:id="ts0" timeString="2021-10-19T08:05:44.675"/>
+    </inkml:context>
+    <inkml:brush xml:id="br0">
+      <inkml:brushProperty name="width" value="0.05" units="cm"/>
+      <inkml:brushProperty name="height" value="0.05" units="cm"/>
+      <inkml:brushProperty name="fitToCurve" value="1"/>
+    </inkml:brush>
+  </inkml:definitions>
+  <inkml:trace contextRef="#ctx0" brushRef="#br0">74 127 0,'0'24'47,"-24"-24"-47,24 24 0,-24 0 15,24 0 1,-24 1-16,24-1 0,0 0 16,0 0-16,0 0 15,0 1-15,0-1 0,24 0 16,0-24-16,0 24 0,1-24 15,-1 0-15,0 0 16,0-24-16,0 24 0</inkml:trace>
+  <inkml:trace contextRef="#ctx0" brushRef="#br0" timeOffset="1">171 54 0,'-24'-24'16,"0"24"-16,24-24 15,-24 24-15,24 24 32,24-24-17</inkml:trace>
+  <inkml:trace contextRef="#ctx0" brushRef="#br0" timeOffset="2">461 272 0,'-24'0'0,"24"24"16,0-48 0,0 0-1,0-1 1,0 1-1,0 0 1,-24 24 0,0 0-16,0 0 15,24 24-15,-25-24 0,1 24 16,24 1-16,-24-25 16,24 24-16,0 0 0,0 0 15,0 0-15,0 1 16,24-1-16,0-24 15,1 0-15,23-24 16,-24 24-16,0-25 16,1 1-16,-1 0 15,0 0-15,0 0 0,0-25 16,-24 25-16,25-24 0,-1 23 16,-24 1-16,0 0 0,24 0 15,-24 0-15,0 48 16,-24 0-1,24 0-15,-24 0 16,24 1-16,0 23 0,0-24 16,0 25-16,0-25 0,0 0 15,0 0-15,24 0 16</inkml:trace>
+</inkml:ink>
+</file>
+
+<file path=ppt/ink/ink29.xml><?xml version="1.0" encoding="utf-8"?>
+<inkml:ink xmlns:inkml="http://www.w3.org/2003/InkML">
+  <inkml:definitions>
+    <inkml:context xml:id="ctx0">
+      <inkml:inkSource xml:id="inkSrc0">
+        <inkml:traceFormat>
+          <inkml:channel name="X" type="integer" max="1920" units="cm"/>
+          <inkml:channel name="Y" type="integer" max="1080" units="cm"/>
+          <inkml:channel name="T" type="integer" max="2.14748E9" units="dev"/>
+        </inkml:traceFormat>
+        <inkml:channelProperties>
+          <inkml:channelProperty channel="X" name="resolution" value="55.81395" units="1/cm"/>
+          <inkml:channelProperty channel="Y" name="resolution" value="55.6701" units="1/cm"/>
+          <inkml:channelProperty channel="T" name="resolution" value="1" units="1/dev"/>
+        </inkml:channelProperties>
+      </inkml:inkSource>
+      <inkml:timestamp xml:id="ts0" timeString="2021-10-19T08:05:44.678"/>
+    </inkml:context>
+    <inkml:brush xml:id="br0">
+      <inkml:brushProperty name="width" value="0.05" units="cm"/>
+      <inkml:brushProperty name="height" value="0.05" units="cm"/>
+      <inkml:brushProperty name="fitToCurve" value="1"/>
+    </inkml:brush>
+  </inkml:definitions>
+  <inkml:trace contextRef="#ctx0" brushRef="#br0">315 41 0,'-25'0'0,"25"-24"16,0 0-1,25 48 1,-25 0-16,0 1 16,0 23-16,0 0 0,0 1 15,0-1-15,0 25 0,-25-25 16,25 25-16,0-25 16,-24 25-16,0-25 0,24 0 15,-24 1-15,0-1 16,24 1-16,-25-25 0,1 0 15</inkml:trace>
+  <inkml:trace contextRef="#ctx0" brushRef="#br0" timeOffset="1">24 743 0,'-24'0'15,"24"24"1,24 0 0,-24 1-1,0-1-15,24 0 0,1 0 16,-1 0-16,0 1 0,-24-1 16,24-24-16,25 0 15</inkml:trace>
+  <inkml:trace contextRef="#ctx0" brushRef="#br0" timeOffset="2">508 816 0,'24'-25'16,"0"1"-16,-24 0 0,25 0 0,-25 0 15,-25 24 1,1 24-16,0-24 16,0 24-16,-24 0 15,23 0-15,1 1 0,0-1 16,0 0-16</inkml:trace>
+</inkml:ink>
+</file>
+
 <file path=ppt/ink/ink3.xml><?xml version="1.0" encoding="utf-8"?>
 <inkml:ink xmlns:inkml="http://www.w3.org/2003/InkML">
   <inkml:definitions>
@@ -501,6 +1004,346 @@
 </inkml:ink>
 </file>
 
+<file path=ppt/ink/ink30.xml><?xml version="1.0" encoding="utf-8"?>
+<inkml:ink xmlns:inkml="http://www.w3.org/2003/InkML">
+  <inkml:definitions>
+    <inkml:context xml:id="ctx0">
+      <inkml:inkSource xml:id="inkSrc0">
+        <inkml:traceFormat>
+          <inkml:channel name="X" type="integer" max="1920" units="cm"/>
+          <inkml:channel name="Y" type="integer" max="1080" units="cm"/>
+          <inkml:channel name="T" type="integer" max="2.14748E9" units="dev"/>
+        </inkml:traceFormat>
+        <inkml:channelProperties>
+          <inkml:channelProperty channel="X" name="resolution" value="55.81395" units="1/cm"/>
+          <inkml:channelProperty channel="Y" name="resolution" value="55.6701" units="1/cm"/>
+          <inkml:channelProperty channel="T" name="resolution" value="1" units="1/dev"/>
+        </inkml:channelProperties>
+      </inkml:inkSource>
+      <inkml:timestamp xml:id="ts0" timeString="2021-10-19T08:05:49.819"/>
+    </inkml:context>
+    <inkml:brush xml:id="br0">
+      <inkml:brushProperty name="width" value="0.05" units="cm"/>
+      <inkml:brushProperty name="height" value="0.05" units="cm"/>
+      <inkml:brushProperty name="fitToCurve" value="1"/>
+    </inkml:brush>
+  </inkml:definitions>
+  <inkml:trace contextRef="#ctx0" brushRef="#br0">459 170 0,'0'25'62,"0"-1"-62,0 0 16,0 24-16,0 1 0,-24-1 16,0 25-16,24-1 15,-24 1-15,0-1 0,-1 25 16,1-24-16,0 24 0,0-25 15,24 25-15,-24-25 16,0 1-16,-1 0 0,25-25 16,-24 25-16,0-25 15,24 0-15,-24 1 0,0-1 16,24 0-16,-25-23 0,1 23 16,24-24-16,-24-24 15,24 24-15,-24 1 0,48-25 31,0 0-31,0-25 16,25 25 0,-1 0-16,25-24 0,-1 24 0,25 0 15,0 0-15,48 0 0,0 0 16,24 0-16,25 0 16,-1 24-16,1-24 0,24 0 15,-25 25-15,1-25 16,-1 0-16,-23 24 0,-25-24 15,0 0-15,-24 0 0,-24 0 16,-25 0-16,-23 0 16,-1-24-16,-24 24 0,-24-25 15,-24 25-15,0-24 16,0 24-16,-25-24 16,25 0-16,-24 24 0,23-24 15,1-1-15,0 1 16,0 24-16,0-24 0,24 0 15,0-24-15,0 23 0,0-23 16,0 0-16,0-1 16,0 1-16,24-25 0,-24 1 15,24-25-15,-24 24 16,24-23-16,25-98 16,-25 97-16,0 25 0,24-1 15,-23 1-15,-1 23 16,0 1-16,0-1 0,0 25 15,1 0-15,-25 0 16,0 0-16,0-1 16,-25 25-16,-23 0 15,0 0 1,-1 0-16,1 0 0,-25 0 16,25 0-16,-49 0 15,25 0-15,-49-24 0,0 24 16,0 0-16,-49-24 0,25 24 15,-48-24-15,23 24 16,-23-24-16,-1 24 0,25-24 16,0 24-16,23-25 0,1 25 15,49 0-15,-1 0 16,0 0-16,49 0 0,-1 0 16,25 0-16,-24 25 15,24-25-15,-1 0 16,25 24-1,-24-24-15,24 24 16,24-24 15,1 0-31,-1 0 16,0 0-16</inkml:trace>
+  <inkml:trace contextRef="#ctx0" brushRef="#br0" timeOffset="1">1306 25 0,'24'0'16,"0"0"-16,1 0 16,-25-24-16,24 24 0,0 0 15,0 24 1,0 1 0,-24-1-16,0 24 0,0-24 15,25 25-15,-25 23 16,0 1-16,24-1 0,-24 1 15,0 24-15,0-1 0,0 1 16,0 0-16,0 0 16,-24 24-16,24-25 0,-25 1 15,25 0-15,-24-24 16,24 23-16,-24-47 0,24 23 16,-24-23-16,0-1 0,24 0 15,-25-23-15,25-1 16,-24 0-16,24-48 15,0 0 1,0-25-16,24 1 0</inkml:trace>
+  <inkml:trace contextRef="#ctx0" brushRef="#br0" timeOffset="2">435 509 0,'-24'0'0,"0"0"16,0 0-1,-1 0 1,1 0-16,24 24 16,24-24-1,1 0-15,23 0 0,0 0 16,49 25-16,0-25 16,24 0-16,24 0 0,49 24 15,-1-24-15,1 0 0,23 24 16,-23-24-16,24 0 15,-25 24-15,-24-24 0,-23 0 16,-25 0-16,-25 0 0,-23 0 16,-49 0-16,0 0 15,-48 0-15,-24-24 16,-25 24-16,1 0 16</inkml:trace>
+  <inkml:trace contextRef="#ctx0" brushRef="#br0" timeOffset="3">556 243 0,'0'24'15,"24"-24"1,-24 24-1,0 1 1,0-1-16,25-24 16,-25 24-16,0 0 15,24 0-15,0 1 16,0-25-16,0 24 16,1-24-16,-1 0 15</inkml:trace>
+  <inkml:trace contextRef="#ctx0" brushRef="#br0" timeOffset="4">750 195 0,'-24'0'16,"-1"0"0,25 24 15</inkml:trace>
+  <inkml:trace contextRef="#ctx0" brushRef="#br0" timeOffset="5">919 364 0,'0'24'0,"0"-48"31,-24 24-15,24-24-16,0 0 16,-24 24-16,-1 0 31,1 0-31,0 24 16,0 0-16,24 0 15,0 0 1,0 1-16,24-25 15,0 24 1,0-24-16,1 0 16,-1-24-16,0-1 15,-24 1-15,24 24 16,-24-24-16,24 0 0,-24 0 16,25-1-16,-25 1 0,24 0 15,-24 0 1,0 48-1,0 0 1,0 0-16,0 1 0,24-1 16,0 48-1,-24-47-15,24 23 0</inkml:trace>
+  <inkml:trace contextRef="#ctx0" brushRef="#br0" timeOffset="6">1838 412 0,'24'-24'0,"1"24"16,-1 0 15,-24 24-15,0 1-16,0-1 16,0 0-1,0 0-15,0 0 0,0 1 16,-24-25-1,24 24-15,24-24 32,-24-24-17,24 24-15,0-25 0,0 25 0,1-24 16,-1 0-16,0 0 16,24 0-16,1 24 0,-25-25 15,24 25-15,-23 0 0,-1 0 16,0 0-16,0 0 15,-24 25-15,24-25 0,-24 24 16,0 0-16,0 0 16,0 0-16</inkml:trace>
+  <inkml:trace contextRef="#ctx0" brushRef="#br0" timeOffset="7">2637 485 0,'24'-24'16,"0"24"-16,-24-24 0,0-1 15,0 1-15,0 0 16,0 0-16,-24 0 16,0 24-16,-25 0 15,25 24-15,0-24 16,0 24-16,-1-24 0,25 24 15,-24-24-15,24 24 0,-24 1 16,24-1 0,24-24-1,0 0 1,1 0-16,-1-24 0,0 24 16,0 0-1,0-25-15,1 25 0,-1 0 0,0-24 16,0 24-16,0 0 15,1 24 1,-25 1-16,24-25 16,-24 24-16,0 0 0,24-24 15,-24 24-15</inkml:trace>
+</inkml:ink>
+</file>
+
+<file path=ppt/ink/ink31.xml><?xml version="1.0" encoding="utf-8"?>
+<inkml:ink xmlns:inkml="http://www.w3.org/2003/InkML">
+  <inkml:definitions>
+    <inkml:context xml:id="ctx0">
+      <inkml:inkSource xml:id="inkSrc0">
+        <inkml:traceFormat>
+          <inkml:channel name="X" type="integer" max="1920" units="cm"/>
+          <inkml:channel name="Y" type="integer" max="1080" units="cm"/>
+          <inkml:channel name="T" type="integer" max="2.14748E9" units="dev"/>
+        </inkml:traceFormat>
+        <inkml:channelProperties>
+          <inkml:channelProperty channel="X" name="resolution" value="55.81395" units="1/cm"/>
+          <inkml:channelProperty channel="Y" name="resolution" value="55.6701" units="1/cm"/>
+          <inkml:channelProperty channel="T" name="resolution" value="1" units="1/dev"/>
+        </inkml:channelProperties>
+      </inkml:inkSource>
+      <inkml:timestamp xml:id="ts0" timeString="2021-10-19T08:06:34.008"/>
+    </inkml:context>
+    <inkml:brush xml:id="br0">
+      <inkml:brushProperty name="width" value="0.05" units="cm"/>
+      <inkml:brushProperty name="height" value="0.05" units="cm"/>
+      <inkml:brushProperty name="color" value="#ED1C24"/>
+      <inkml:brushProperty name="fitToCurve" value="1"/>
+    </inkml:brush>
+  </inkml:definitions>
+  <inkml:trace contextRef="#ctx0" brushRef="#br0">24 96 0,'-24'0'0,"24"-24"16,24 0-1,0 24 1,0 0-16,0-24 16,1 24-16,-1 0 0,0 0 15,0-24-15</inkml:trace>
+</inkml:ink>
+</file>
+
+<file path=ppt/ink/ink32.xml><?xml version="1.0" encoding="utf-8"?>
+<inkml:ink xmlns:inkml="http://www.w3.org/2003/InkML">
+  <inkml:definitions>
+    <inkml:context xml:id="ctx0">
+      <inkml:inkSource xml:id="inkSrc0">
+        <inkml:traceFormat>
+          <inkml:channel name="X" type="integer" max="1920" units="cm"/>
+          <inkml:channel name="Y" type="integer" max="1080" units="cm"/>
+          <inkml:channel name="T" type="integer" max="2.14748E9" units="dev"/>
+        </inkml:traceFormat>
+        <inkml:channelProperties>
+          <inkml:channelProperty channel="X" name="resolution" value="55.81395" units="1/cm"/>
+          <inkml:channelProperty channel="Y" name="resolution" value="55.6701" units="1/cm"/>
+          <inkml:channelProperty channel="T" name="resolution" value="1" units="1/dev"/>
+        </inkml:channelProperties>
+      </inkml:inkSource>
+      <inkml:timestamp xml:id="ts0" timeString="2021-10-19T08:06:35.033"/>
+    </inkml:context>
+    <inkml:brush xml:id="br0">
+      <inkml:brushProperty name="width" value="0.05" units="cm"/>
+      <inkml:brushProperty name="height" value="0.05" units="cm"/>
+      <inkml:brushProperty name="color" value="#ED1C24"/>
+      <inkml:brushProperty name="fitToCurve" value="1"/>
+    </inkml:brush>
+  </inkml:definitions>
+  <inkml:trace contextRef="#ctx0" brushRef="#br0">0 49 0,'0'-24'15,"24"-1"1,-24 50 15,0-1-15,0 0-16,0 0 15,0 0-15,0 1 0,0-1 16,0 0-16,0 0 0,0 0 16,24-24-1,1 0 1,-1-24-16,0 0 16,0 0-16,0 24 15,0-24-15,1-1 16,-25 1-1,-25 24-15,1 0 16,0 0-16,24 24 16,-24-24-16,0 0 0,-25 25 15,74-1 17,-1-24-32,0 24 15,24 0-15,1 0 16,-25 0-16,24 1 0,1-1 15,-25 0-15</inkml:trace>
+</inkml:ink>
+</file>
+
+<file path=ppt/ink/ink33.xml><?xml version="1.0" encoding="utf-8"?>
+<inkml:ink xmlns:inkml="http://www.w3.org/2003/InkML">
+  <inkml:definitions>
+    <inkml:context xml:id="ctx0">
+      <inkml:inkSource xml:id="inkSrc0">
+        <inkml:traceFormat>
+          <inkml:channel name="X" type="integer" max="1920" units="cm"/>
+          <inkml:channel name="Y" type="integer" max="1080" units="cm"/>
+          <inkml:channel name="T" type="integer" max="2.14748E9" units="dev"/>
+        </inkml:traceFormat>
+        <inkml:channelProperties>
+          <inkml:channelProperty channel="X" name="resolution" value="55.81395" units="1/cm"/>
+          <inkml:channelProperty channel="Y" name="resolution" value="55.6701" units="1/cm"/>
+          <inkml:channelProperty channel="T" name="resolution" value="1" units="1/dev"/>
+        </inkml:channelProperties>
+      </inkml:inkSource>
+      <inkml:timestamp xml:id="ts0" timeString="2021-10-19T08:06:34.317"/>
+    </inkml:context>
+    <inkml:brush xml:id="br0">
+      <inkml:brushProperty name="width" value="0.05" units="cm"/>
+      <inkml:brushProperty name="height" value="0.05" units="cm"/>
+      <inkml:brushProperty name="color" value="#ED1C24"/>
+      <inkml:brushProperty name="fitToCurve" value="1"/>
+    </inkml:brush>
+  </inkml:definitions>
+  <inkml:trace contextRef="#ctx0" brushRef="#br0">49 80 0,'-24'0'0,"24"-24"15,0 48 1,0 0 0,0 0-16,0 25 15,0-1-15,0 0 16,0 1-16,0 23 0,0-23 15,0-1-15,0 1 0,0-1 16,-25-24-16,25 0 16,0 1-16</inkml:trace>
+  <inkml:trace contextRef="#ctx0" brushRef="#br0" timeOffset="285">121 201 0,'0'-24'0,"0"-25"0,0 25 16,0 0-16,24 0 16,-24 0-16,25-1 15,-1 25-15,0 0 16,0 25-16,-24-1 16,24-24-16,-24 24 0,0 0 15,0 0 1,-24 1-16,0-1 0,0 0 15,0-24-15,-25 24 16,25 0-16,0-24 0,0 24 16,0-24-16,-1 0 0,25-24 31,25 0-31</inkml:trace>
+</inkml:ink>
+</file>
+
+<file path=ppt/ink/ink34.xml><?xml version="1.0" encoding="utf-8"?>
+<inkml:ink xmlns:inkml="http://www.w3.org/2003/InkML">
+  <inkml:definitions>
+    <inkml:context xml:id="ctx0">
+      <inkml:inkSource xml:id="inkSrc0">
+        <inkml:traceFormat>
+          <inkml:channel name="X" type="integer" max="1920" units="cm"/>
+          <inkml:channel name="Y" type="integer" max="1080" units="cm"/>
+          <inkml:channel name="T" type="integer" max="2.14748E9" units="dev"/>
+        </inkml:traceFormat>
+        <inkml:channelProperties>
+          <inkml:channelProperty channel="X" name="resolution" value="55.81395" units="1/cm"/>
+          <inkml:channelProperty channel="Y" name="resolution" value="55.6701" units="1/cm"/>
+          <inkml:channelProperty channel="T" name="resolution" value="1" units="1/dev"/>
+        </inkml:channelProperties>
+      </inkml:inkSource>
+      <inkml:timestamp xml:id="ts0" timeString="2021-10-19T08:05:15.611"/>
+    </inkml:context>
+    <inkml:brush xml:id="br0">
+      <inkml:brushProperty name="width" value="0.05" units="cm"/>
+      <inkml:brushProperty name="height" value="0.05" units="cm"/>
+      <inkml:brushProperty name="fitToCurve" value="1"/>
+    </inkml:brush>
+    <inkml:brush xml:id="br1">
+      <inkml:brushProperty name="width" value="0.05" units="cm"/>
+      <inkml:brushProperty name="height" value="0.05" units="cm"/>
+      <inkml:brushProperty name="color" value="#ED1C24"/>
+      <inkml:brushProperty name="fitToCurve" value="1"/>
+    </inkml:brush>
+  </inkml:definitions>
+  <inkml:trace contextRef="#ctx0" brushRef="#br0">266 100 0,'0'-24'16,"-24"24"31,24 24-47,-24 0 0,24 0 15,0 1-15,-24-1 0,24 24 16,0-24-16,0 25 16,0 23-1,24-48-15,-24 1 0,24-1 16,0 0-16,0-24 0,0 24 16,1-24-16</inkml:trace>
+  <inkml:trace contextRef="#ctx0" brushRef="#br0" timeOffset="348">435 221 0,'0'-24'0,"-24"24"0,24-24 16,0-1-1,24 25-15,1 0 16,-1 0-16,0 0 0,0 0 15,0 0 1,1 0-16,-25 25 0,0-1 16,0 0-16,-25-24 15,1 24-15,0 0 0,-24 25 16,-1-25 0,25 0-16,0-24 15,24 24-15,24-24 16,0 0-1,0 0-15,25 0 0,-1 0 16,1 0-16,-1 0 16,49-24-16,-49 24 15,-24 0-15,0-24 0</inkml:trace>
+  <inkml:trace contextRef="#ctx0" brushRef="#br0" timeOffset="571">968 27 0,'0'-24'0,"-25"24"15,25 24 1,0 1 0,0 23-16,25-24 15,-1 25-15,0-1 0,0 0 16,0 1-16,-24-1 15,25 25-15,-25-49 0,-25 24 16,-23 1-16,-25-25 16</inkml:trace>
+  <inkml:trace contextRef="#ctx0" brushRef="#br0" timeOffset="3582">48 1068 0,'-24'-25'16,"0"25"-16,48 0 15,0 0 1,1 0-1,-1 0-15,24 0 0,-24 0 16,1 0-16,-1-24 0,0 24 16</inkml:trace>
+  <inkml:trace contextRef="#ctx0" brushRef="#br0" timeOffset="4116">387 922 0,'0'25'32,"24"-1"-17,-24 0 1,0 0-16,0 0 15,24 1-15,-24 23 0,0-24 16,0 0-16,0 25 16,0-25-16,0 0 0,-24 0 15,24 0 1,-24-24-16,24-24 16,0 0-1,0 0-15,0 0 16,0 0-16,0-25 15,0 25-15,0-24 0,0-1 0,0 1 16,24 24-16,-24-25 16,0 25-16,24-24 0,1 48 15,-25-25-15,24 25 16,0 0-16,0 0 0,0 25 16,1-25-16,-1 24 0,0 0 15,0 24-15,-24-23 16,0-1-16,0 0 0,-24 0 15,0 0-15,0 1 16,-1-25-16,-23 24 0,24-24 16,-25 0-16,25 0 0,0 0 15,0-24 1,24-1-16</inkml:trace>
+  <inkml:trace contextRef="#ctx0" brushRef="#br0" timeOffset="4637">798 898 0,'0'-24'0,"0"0"31,0 48 0,0 0-15,0 0-16,0 1 15,0 23-15,0-24 0,0 25 16,0-25-16,-24 24 0,24-24 16,0 1-16,0-1 15,-24-24-15,48 0 32,-24-24-32,24 24 0,-24-25 15,24 1-15,1 0 0,-1 0 16,-24-25-16,24 25 15,0 0-15,0 0 0,1 0 16,-1 24 0,-24 24-1,0 0-15,-24 0 16,24 0-16,-25 1 16,1-25-16,0 24 0,0 0 15,0-24-15,-1 24 0,1-24 16,0 0-16,24 24 15,24-24 1,0 0-16,1 0 16,-1 0-16,24 0 0,-24 0 15,25 0-15,-1 0 16,-24 25-16,25-1 0,-25 0 16,0 0-16,-24 0 0,0 0 15</inkml:trace>
+  <inkml:trace contextRef="#ctx0" brushRef="#br1" timeOffset="76974">1500 1116 0,'-24'24'125,"24"0"-109,-25 1-16,1-25 16,0 24-16,0 0 15,0 0-15,-1 0 0</inkml:trace>
+  <inkml:trace contextRef="#ctx0" brushRef="#br1" timeOffset="77789">1959 922 0,'0'-24'0,"0"0"31,-24 24-31,0 0 16,24-24-1,-24 24-15,0 0 16,-1 24-16,1 0 16,0-24-16,0 24 15,0-24-15,0 25 16,-1-1-16,1-24 0,0 24 16,24 0-16,-24 0 15,24 1-15,0-1 16,0 0-16,24 0 15,0-24-15,0 0 16,1 0-16,-1 0 0,0 0 16,0-24-16,24 0 15,-23 0-15,-1-1 0,0 1 16,0 0-16,0 0 16,-24-25-16,0 25 0,25-24 15,-25-1-15,0 25 0,0-24 16,0 24-16,0 0 15,0-25-15,0 25 0,0 0 16,0 0-16,0 48 31,0 0-31,0 0 0,0 0 16,0 25-16,0-1 16,0 0-16,0 25 0,0-25 15,0 1-15,0 23 0,0-23 16,0-25-16,24 24 15</inkml:trace>
+</inkml:ink>
+</file>
+
+<file path=ppt/ink/ink35.xml><?xml version="1.0" encoding="utf-8"?>
+<inkml:ink xmlns:inkml="http://www.w3.org/2003/InkML">
+  <inkml:definitions>
+    <inkml:context xml:id="ctx0">
+      <inkml:inkSource xml:id="inkSrc0">
+        <inkml:traceFormat>
+          <inkml:channel name="X" type="integer" max="1920" units="cm"/>
+          <inkml:channel name="Y" type="integer" max="1080" units="cm"/>
+          <inkml:channel name="T" type="integer" max="2.14748E9" units="dev"/>
+        </inkml:traceFormat>
+        <inkml:channelProperties>
+          <inkml:channelProperty channel="X" name="resolution" value="55.81395" units="1/cm"/>
+          <inkml:channelProperty channel="Y" name="resolution" value="55.6701" units="1/cm"/>
+          <inkml:channelProperty channel="T" name="resolution" value="1" units="1/dev"/>
+        </inkml:channelProperties>
+      </inkml:inkSource>
+      <inkml:timestamp xml:id="ts0" timeString="2021-10-19T08:06:38.660"/>
+    </inkml:context>
+    <inkml:brush xml:id="br0">
+      <inkml:brushProperty name="width" value="0.05" units="cm"/>
+      <inkml:brushProperty name="height" value="0.05" units="cm"/>
+      <inkml:brushProperty name="color" value="#ED1C24"/>
+      <inkml:brushProperty name="fitToCurve" value="1"/>
+    </inkml:brush>
+  </inkml:definitions>
+  <inkml:trace contextRef="#ctx0" brushRef="#br0">217 218 0,'-24'-24'0,"24"-1"0,0 1 15,0 0-15,0 0 16,0 0 0,0 48-1,0 0-15,-24 0 16,24 0-16,0 25 0,-24-25 15,24 24-15,-24 1 0,24-1 16,-24 1-16,24-1 16,-25-24-16,1 25 0,24-25 15,-24 0-15,24 0 16,-24-24-16,24-24 16,0 0-16,24-25 15,-24 25 1,24-24-16,-24-1 0,24-23 15,1 23-15,-25 1 0,24 0 16,0-25-16,-24 49 16,24-24-16,0 23 15,0 1-15,1 24 0,-1 0 16,0 24-16,0 25 0,0-25 16,1 24-16,23 25 0,-24-25 15,0 1-15,1 23 16,-1-23-16,0-1 0,0-24 15,-24 25-15</inkml:trace>
+  <inkml:trace contextRef="#ctx0" brushRef="#br0" timeOffset="167">145 460 0,'0'-24'0,"0"-1"15,24 25 1,0-24-16,25 24 0,-25-24 16,24 24-16,1-24 0,-1 0 15</inkml:trace>
+  <inkml:trace contextRef="#ctx0" brushRef="#br0" timeOffset="485">629 49 0,'0'-25'15,"-24"25"-15,48 25 16,-24 23 0,24-24-16,-24 24 15,0 1-15,24 23 0,-24-23 16,0-1-16,0 1 15,0-1-15,-24 0 0,24 1 16,0-25-16,0 0 0,0 0 16,24-24-1,0 0-15,0 0 16,1-24-16,-1 24 16,0-24-16,24 24 0,-23-24 15,23 24-15,-24-24 16,0 24-16,25-25 0</inkml:trace>
+  <inkml:trace contextRef="#ctx0" brushRef="#br0" timeOffset="702">1016 169 0,'-24'-24'0,"24"0"32,24 24-32,0 0 0,24 0 15,1 0-15,-1 0 16,0 0-16,25-24 0,-25 24 16,1 0-16</inkml:trace>
+  <inkml:trace contextRef="#ctx0" brushRef="#br0" timeOffset="888">1258 73 0,'-73'24'16,"73"0"-16,0 0 16,0 0-16,0 25 15,0-1-15,0 1 0,24-1 16,0 0-16,1 49 15,-25-48-15,24-25 16,-24 0-16</inkml:trace>
+  <inkml:trace contextRef="#ctx0" brushRef="#br0" timeOffset="1184">1935 169 0,'-24'0'0,"0"-24"0,-1 24 16,25-24-16,-24 24 15,0-24-15,0 24 0,0 0 16,-1 24-16,1-24 0,0 24 16,0 0-16,0 1 15,0 23-15,24-24 0,-25 25 16,25-1-16,0-24 15,25 49-15,-1-49 16,0 0-16,24 0 0,-24 1 16,25-25-16,-1 0 15,-24 0-15,25 0 0,-25-25 16</inkml:trace>
+  <inkml:trace contextRef="#ctx0" brushRef="#br0" timeOffset="1308">1766 387 0,'-25'-24'16,"1"24"-16,0 0 16,24-24-16,24 24 15,0-24-15,25 24 16</inkml:trace>
+  <inkml:trace contextRef="#ctx0" brushRef="#br0" timeOffset="1866">2129 218 0,'-25'0'16,"1"0"-1,24 24 17,0 0-32,0 0 0,0 1 15,0-1-15,24 0 16,-24 24-16,0-23 0,0 23 15,0-24-15,0 0 0,0 1 16,0-1-16,0 0 16,-24-24-16,24-24 31,0 0-31,24-1 16,-24-23-16,0 0 15,25 23-15,-25-23 0,0-25 16,24 25-16,0 0 15,0-1-15,0 1 0,0 24 16,1-25-16,-1 25 0,0 24 16,24 0-16,-23 0 15,-1 24-15,-24 1 16,0-1-16,-24 24 0,-1-24 16,1 25-16,0-25 15,0 24-15,-25-24 0,25 1 16,-24-1-16,24-24 0,0 24 15,-1-24 1,25 24-16,25-24 16,-1 0-1,0 24-15,0-24 0,0 25 16,0-1-16,25 0 0,-25 0 16,0 0-16,0 1 15,49 23 1,-49-24-16,-24 0 0,24-24 15</inkml:trace>
+  <inkml:trace contextRef="#ctx0" brushRef="#br0" timeOffset="2291">2637 97 0,'-25'-24'0,"1"24"16,24-24 0,24 24-1,1 0 1,-1 0-16,0-25 0,24 25 15,1 0-15,-1 0 0,-24 0 16,25 0-16,-25 0 16,0 0-16,0 0 0,-48 0 31,0 0-31,0 0 16,-25 0-16,25 0 0,0 0 15,24 25-15,-24-25 16,-1 24-16,1 0 15,24 24-15,0-24 16,0 49-16,0-25 0,0 25 16,0 0-16,0-1 0,0 1 15</inkml:trace>
+</inkml:ink>
+</file>
+
+<file path=ppt/ink/ink36.xml><?xml version="1.0" encoding="utf-8"?>
+<inkml:ink xmlns:inkml="http://www.w3.org/2003/InkML">
+  <inkml:definitions>
+    <inkml:context xml:id="ctx0">
+      <inkml:inkSource xml:id="inkSrc0">
+        <inkml:traceFormat>
+          <inkml:channel name="X" type="integer" max="1920" units="cm"/>
+          <inkml:channel name="Y" type="integer" max="1080" units="cm"/>
+          <inkml:channel name="T" type="integer" max="2.14748E9" units="dev"/>
+        </inkml:traceFormat>
+        <inkml:channelProperties>
+          <inkml:channelProperty channel="X" name="resolution" value="55.81395" units="1/cm"/>
+          <inkml:channelProperty channel="Y" name="resolution" value="55.6701" units="1/cm"/>
+          <inkml:channelProperty channel="T" name="resolution" value="1" units="1/dev"/>
+        </inkml:channelProperties>
+      </inkml:inkSource>
+      <inkml:timestamp xml:id="ts0" timeString="2021-10-19T08:05:11.054"/>
+    </inkml:context>
+    <inkml:brush xml:id="br0">
+      <inkml:brushProperty name="width" value="0.05" units="cm"/>
+      <inkml:brushProperty name="height" value="0.05" units="cm"/>
+      <inkml:brushProperty name="fitToCurve" value="1"/>
+    </inkml:brush>
+    <inkml:brush xml:id="br1">
+      <inkml:brushProperty name="width" value="0.05" units="cm"/>
+      <inkml:brushProperty name="height" value="0.05" units="cm"/>
+      <inkml:brushProperty name="color" value="#ED1C24"/>
+      <inkml:brushProperty name="fitToCurve" value="1"/>
+    </inkml:brush>
+  </inkml:definitions>
+  <inkml:trace contextRef="#ctx0" brushRef="#br0">478 48 0,'0'-24'16,"0"0"15,-25 24 32,1 0-63,0 0 15,0 0-15,-25 0 16,25 24-16,-24-24 0,-1 24 16,1 0-16,24 0 0,-25 1 15,25-1-15,-24 0 0,48 24 16,-24-24-16,24 1 16,0 23-16,24-24 0,-24 25 15,24-25-15,24 0 16,-23 0-16,-1 0 0,24-24 15,-24 0-15,25 0 16,-25 0-16,24 0 0</inkml:trace>
+  <inkml:trace contextRef="#ctx0" brushRef="#br0" timeOffset="461">598 193 0,'-24'0'0,"0"0"16,24-24 30,24 24-30,0 0-16,1 24 16,-25 0-1,24 0-15,-24 1 16,0-1-16,0 0 0,0 24 16,0-23-16,0-1 15,-24 0-15,24 0 0,0 0 16,-25-24-16,25 25 15,-24-25-15,24-25 16,0 1-16,0 0 16,24 0-16,1-25 15,-1 25-15,0-24 16,24 24-16,-23-1 0,23 1 0,-24 0 16,0 0-16,1 24 15,-1 0-15,0 0 0,0 0 16</inkml:trace>
+  <inkml:trace contextRef="#ctx0" brushRef="#br0" timeOffset="892">1058 290 0,'0'24'0,"-24"-24"15,0 0-15,48 0 47,0 0-31,0 0-16,0 0 16,1 0-16,-1 0 0,0 0 15,0 0-15,0-24 16,1 0-16,-25-1 15,0 1-15,0 0 16,-25 0 0,1 24-16,0-24 15,0 24-15,0 0 16,-1 0-16,1 24 0,0-24 16,0 24-16,0 0 15,0 0-15,-1 1 0,25-1 16,0 0-16,0 24 0,0-23 15,0-1-15,25 0 16,-25 0-16,24 0 0,24 1 16,-24-25-16,25 0 15</inkml:trace>
+  <inkml:trace contextRef="#ctx0" brushRef="#br0" timeOffset="1541">1663 338 0,'0'-24'16,"0"0"-16,-24 0 16,24-1-1,-25 25-15,25-24 16,-24 24-16,0-24 0,0 24 16,0 0-16,0 0 15,-1 24-15,1-24 16,0 24-16,0 1 15,0-25-15,-1 24 0,1 0 16,24 0-16,-24 0 0,24 1 16,0-1-1,0 0-15,24-24 16,25 0 0,-25 0-16,0 0 0,0 0 15,0-24-15,1 24 0,-1-24 16,0-1-1,0 25-15,-24-24 0,24 24 32,-24 24-17,-24-24-15,24 25 16,0-1-16,0 0 16,0 0-16,24-24 15,-24 24-15,24-24 0,1 0 16,-1 0-16,0-24 15,24 0-15,-23 24 0,-1-24 16,24-25-16,-24 25 16,1 0-16,-1-24 0,-24 23 15,24-23-15,-24 0 16,0 24-16,0-25 0,0 25 16,0 0-16,-24 0 0,0 48 31,24 0-31,0 0 15,0 25-15,0-25 0,0 24 16,0 0-16,0-23 16,0 23-16,0-24 0,0 0 15,0 1-15,0-1 16,0 0-16</inkml:trace>
+  <inkml:trace contextRef="#ctx0" brushRef="#br0" timeOffset="1906">1881 387 0,'0'-25'0,"0"1"16,0 0-16,0 0 0,0 0 16,24-1-16,0 25 31,0 0-31,0 0 16,1 0-16,23 0 15,0 0-15,-24 0 0,25 0 16,-1 0-16,1 0 15,-25 0-15,24 0 0,-24-24 16,1 24-16,-25-24 16,-25 0-1,1 24-15,0 0 16,0 0-16,0 0 16,-1 0-16,-23 0 0,24 0 15,0 0-15,-1 24 0,1 0 16,0 0-16,0 1 15,24-1-15,0 0 0,0 24 16,0-23-16,0-1 0,24 0 16,0 0-16,25 0 15,-25-24-15,24 0 0</inkml:trace>
+  <inkml:trace contextRef="#ctx0" brushRef="#br1" timeOffset="86838">115 241 0,'0'25'16,"-25"-25"15,25 24-31,-24-24 16,0 24 0,24 0-1,24-24 1,0 0-16,25 0 0,23 0 15,25 0-15,0 0 0,48-24 16,0 0-16,25 0 16,-1-1-16,24 25 0,-23-24 15,-1 0-15,-24 0 16,-24 24-16,-24 0 0,-24 0 16,-25 0-16,0 0 15,-72 24 1,0-24-16</inkml:trace>
+</inkml:ink>
+</file>
+
+<file path=ppt/ink/ink37.xml><?xml version="1.0" encoding="utf-8"?>
+<inkml:ink xmlns:inkml="http://www.w3.org/2003/InkML">
+  <inkml:definitions>
+    <inkml:context xml:id="ctx0">
+      <inkml:inkSource xml:id="inkSrc0">
+        <inkml:traceFormat>
+          <inkml:channel name="X" type="integer" max="1920" units="cm"/>
+          <inkml:channel name="Y" type="integer" max="1080" units="cm"/>
+          <inkml:channel name="T" type="integer" max="2.14748E9" units="dev"/>
+        </inkml:traceFormat>
+        <inkml:channelProperties>
+          <inkml:channelProperty channel="X" name="resolution" value="55.81395" units="1/cm"/>
+          <inkml:channelProperty channel="Y" name="resolution" value="55.6701" units="1/cm"/>
+          <inkml:channelProperty channel="T" name="resolution" value="1" units="1/dev"/>
+        </inkml:channelProperties>
+      </inkml:inkSource>
+      <inkml:timestamp xml:id="ts0" timeString="2021-10-19T08:06:44.653"/>
+    </inkml:context>
+    <inkml:brush xml:id="br0">
+      <inkml:brushProperty name="width" value="0.05" units="cm"/>
+      <inkml:brushProperty name="height" value="0.05" units="cm"/>
+      <inkml:brushProperty name="color" value="#ED1C24"/>
+      <inkml:brushProperty name="fitToCurve" value="1"/>
+    </inkml:brush>
+  </inkml:definitions>
+  <inkml:trace contextRef="#ctx0" brushRef="#br0">365 27 0,'0'-24'0,"-24"24"15,48 0 48,0 0-48,1 0 1,-1 0-16,0 0 16,24 0-16,-23 0 0,47 0 15,-24 0-15,25 0 16,0 0-16,-1 0 0,1 0 16,-1 0-16,-23 0 15,23 0-15,1 0 0,-25 0 16,1 0-16,-25 0 0,24 0 15,-24 0-15,1 0 16,-25 24 0,-25 0-1,1-24 1,0 0-16,0 0 16,24 24 15,-24-24-16,24 25 17,0-1 15,0 0-32,0 0-15,0 0 16,0 1-16,0-1 15,0 0-15,0 0 0,0 0 16,0 1-16,0 23 16,0-24-16,0 25 0,0-25 15,0 0-15,0 24 0,0-24 16,0 25-16,-25-25 16,25 24-16,0-23 0,-24 23 15,24-24-15,0 25 16,-24-1-16,24 0 15,0-23-15,0-1 0,0 0 16,0 0-16,0 0 16,0 0-16,0 1 15,0-1-15,0 0 16,0 0-16,0 0 0,0 1 16,0-1-16,0 0 0,0 0 15,0 0-15,0 1 16,24-1-16,-24 0 15,0 0 1,24 0 0,-24 1-16,0-1 15,0 0 1,0 0-16,0 0 16,0 0-1,25-24 1,-25 25-16,0-1 94,0-48-48,-25 24-14,1 0-17,0 0 1,0 0 15,0 0-15,-1 0-1,1 0 1,24 24-16,-24-24 0,0 0 16,0 0-1,0 0-15,-1 0 0,1 0 16,0 0-16,0 0 16,0 24-16,-1-24 0,1 0 15,0 0-15,0 0 0,0 0 16,-1 0-1,1 0-15,0 0 16,0 0 0,0 0-16,-1 0 0,1 0 15,0 0-15,-24 0 16,24 24-16,-25-24 0,25 0 16,-24 0-16,23 0 0,-23 0 15,0 0-15,23 0 16,1 0-16,-24 24 0,24-24 15,-1 0-15,1 0 0,0 0 16,0 0 0,0 0-16,24 25 0,-24-25 15,-1 0 1,1 0 0,48 0 15,-24-25-31,25 25 15</inkml:trace>
+  <inkml:trace contextRef="#ctx0" brushRef="#br0" timeOffset="679">147 511 0,'25'0'31,"-25"24"-15,24-24-16,0 0 16,0 0-16,0 0 0,25 0 15,23 0-15,-23 0 0,48 0 16,-25 0-16,25 0 16,0 0-16,-25 0 0,25 0 15,-24 0-15,-1 0 16,49 0-16,-73 0 15,-23 0-15,-1 0 16,-24 24 0,-24-24-16,-25 0 15,25 0-15</inkml:trace>
+  <inkml:trace contextRef="#ctx0" brushRef="#br0" timeOffset="6295">728 245 0,'24'0'31,"-24"-24"-31,24 24 31,-48 0 32,24 24-48,-24 0-15,0 0 16,0-24-16,-1 24 0,25 1 16,-24-1-16,24 0 0,-24-24 15,24 24-15,0 0 16,24-24 0,0 0-16,1 0 15,-1 0 1,0-24-16,0 0 0,0 0 15,1 24-15,-1-24 16,0-1-16,-24-23 0,24 24 16,0 0-16,-24-25 15,25 25-15,-25 0 0,24 0 16,-24-1-16,0 1 0,-24 24 31,24 24-31,-25 1 0,25-1 16,-24 24-16,0 1 15,24-1-15,0-24 0,-24 25 16,24-25-16,0 24 0,0-24 16,24 1-16,0-25 15</inkml:trace>
+  <inkml:trace contextRef="#ctx0" brushRef="#br0" timeOffset="6744">1236 293 0,'-24'0'16,"0"0"-16,-1 0 15,25-24-15,-24 24 0,0 0 16,0 0 15,24-24-31,-24 24 31,24 24-15,-24-24 0,24 24-16,0 0 15,0 1 1,0-1 0,0 0-1,24-24-15,0 0 16,0-24-1,0 0 1,0-1 0,1 1-16,-25 0 15,24 24-15,-24 24 32,0 0-17,0 25-15,0-25 0,0 0 16,0 0-16,24 1 0</inkml:trace>
+</inkml:ink>
+</file>
+
+<file path=ppt/ink/ink38.xml><?xml version="1.0" encoding="utf-8"?>
+<inkml:ink xmlns:inkml="http://www.w3.org/2003/InkML">
+  <inkml:definitions>
+    <inkml:context xml:id="ctx0">
+      <inkml:inkSource xml:id="inkSrc0">
+        <inkml:traceFormat>
+          <inkml:channel name="X" type="integer" max="1920" units="cm"/>
+          <inkml:channel name="Y" type="integer" max="1080" units="cm"/>
+          <inkml:channel name="T" type="integer" max="2.14748E9" units="dev"/>
+        </inkml:traceFormat>
+        <inkml:channelProperties>
+          <inkml:channelProperty channel="X" name="resolution" value="55.81395" units="1/cm"/>
+          <inkml:channelProperty channel="Y" name="resolution" value="55.6701" units="1/cm"/>
+          <inkml:channelProperty channel="T" name="resolution" value="1" units="1/dev"/>
+        </inkml:channelProperties>
+      </inkml:inkSource>
+      <inkml:timestamp xml:id="ts0" timeString="2021-10-19T08:06:54.857"/>
+    </inkml:context>
+    <inkml:brush xml:id="br0">
+      <inkml:brushProperty name="width" value="0.05" units="cm"/>
+      <inkml:brushProperty name="height" value="0.05" units="cm"/>
+      <inkml:brushProperty name="color" value="#ED1C24"/>
+      <inkml:brushProperty name="fitToCurve" value="1"/>
+    </inkml:brush>
+  </inkml:definitions>
+  <inkml:trace contextRef="#ctx0" brushRef="#br0">73 1306 0,'-24'0'0,"-1"0"0,25-24 15,-24 24-15,48-24 32,1 24-32,-1 0 15,24 0-15,1-25 0,23 25 16,25-24-16,48 24 0,0-24 15,25 24-15,47-24 0,-23 24 16,24 0-16,-1-24 16,1 24-16,-49 0 0,1 0 15,-49 0-15,-25 0 16,-47 0-16,-73 0 16</inkml:trace>
+  <inkml:trace contextRef="#ctx0" brushRef="#br0" timeOffset="726">678 266 0,'-25'0'15,"25"-24"-15,-24 24 16,0 0-16,24 24 31,-24 0-31,24 0 0,0 25 16,-24-1-16,24 0 15,-25 1-15,25-1 0,-24 0 16,24 1-16,-24-1 16,24-24-16,-24 1 0,24-1 15,-24 0-15,24 0 0,-24-24 32,24-24-32,0 0 0,0 0 15,0-1-15,0 1 0,0-24 16,0-1-16,24 25 15,0-24-15,0 0 0,0-1 16,0-23-16,1 23 16,23 25-16,-24-24 15,25 23-15,-25 1 0,0 0 0,24 24 16,-23 0-16,-1 0 16,-24 24-16,24 0 0,-24 25 15,24-1-15,-24 1 16,0-1-16,24 25 0,-24-25 15,0 0-15,25 1 0,-25-1 16,0 0-16,0 1 16,0-25-16,0 0 0,0 0 15,0 1-15</inkml:trace>
+  <inkml:trace contextRef="#ctx0" brushRef="#br0" timeOffset="900">629 774 0,'-24'-24'0,"0"-1"0,24 1 16,0 0-16,0 0 15,24 0-15,-24-1 16,48 25-16,-23-24 0,23 0 16,-24 24-16,25-24 15,47 0-15</inkml:trace>
+  <inkml:trace contextRef="#ctx0" brushRef="#br0" timeOffset="1242">1113 217 0,'0'-24'16,"24"24"-1,-24 24 1,24-24-16,1 25 0,-25-1 16,0 24-16,24-24 15,-24 25-15,0-25 0,0 24 16,0 1-16,0-25 0,-24 24 16,24-24-16,0 25 15,-25-25-15,25 0 0,0 0 16,0 1-1,25-25-15,-1 0 16,0 0-16,0 0 0,0-25 0,25 25 16,-1-24-16,1 0 15,-1 0-15,24 0 0,-47-1 16,23-23-16</inkml:trace>
+  <inkml:trace contextRef="#ctx0" brushRef="#br0" timeOffset="1426">1718 242 0,'-24'-25'16,"-1"1"0,1 24-16,24-24 15,-24 24-15,48 0 47,0 24-47,1-24 0,-1 24 16,24-24-16,-24 0 15,25 0-15</inkml:trace>
+  <inkml:trace contextRef="#ctx0" brushRef="#br0" timeOffset="1660">1839 193 0,'-24'0'0,"-1"0"0,1 0 15,24 24 1,0 1 0,0-1-16,24 0 15,-24 0-15,25 25 16,-25-25-16,24 24 0,-24-24 16,0 1-16,0 23 0,0-24 15,0 0-15,0 0 16,24 1-16</inkml:trace>
+  <inkml:trace contextRef="#ctx0" brushRef="#br0" timeOffset="1924">2323 411 0,'0'-24'16,"0"0"-16,-25-1 0,1 25 15,0-24-15,-24 24 16,23 0-16,1 0 0,-24 24 16,24 1-16,-1-1 15,1 24-15,24 1 0,0-1 16,-24 0-16,24-24 0,0 25 16,0-1-16,24-24 15,0 25-15,1-25 0,-1-24 16,24 24-16,1-24 15,-25 0-15</inkml:trace>
+  <inkml:trace contextRef="#ctx0" brushRef="#br0" timeOffset="2083">2347 556 0,'-49'0'0,"25"-24"0,-24 24 15,24-24-15,-1 24 0,1 0 16,48 0-1,1-24-15,-1 24 16,24 0-16,1 0 16,-1-25-16</inkml:trace>
+  <inkml:trace contextRef="#ctx0" brushRef="#br0" timeOffset="2615">2613 314 0,'-49'0'31,"25"0"-31,24 24 16,-24 1-16,24-1 15,-24 0-15,24 24 16,-24-23-16,24 23 0,0-24 16,-24 0-16,24 25 0,0-25 15,0 0-15,0 0 16,24-24 15,-24-24-31,0 0 0,0 0 16,24-1-16,-24 1 0,0-24 15,24 0-15,0-1 16,-24 1-16,24-25 0,1 25 16,-1-25-16,0 25 15,24-1-15,-23 1 0,-1 24 16,0 0-16,0 24 0,0 0 15,-24 48 1,0-24-16,-48 97 16,24-72-16,-25 23 0,1-23 15,0-1-15,-1 0 16,1 1-16,0-25 0,23 0 16,1 0-16,0-24 15,24 24-15,48-24 31,-23 0-31,23 0 0,0 0 16,25 25-16,-25-1 0,25 24 16,-1 1-16,-23-1 15,-1 25-15,25-1 0,-49 1 16,0-1-16</inkml:trace>
+</inkml:ink>
+</file>
+
+<file path=ppt/ink/ink39.xml><?xml version="1.0" encoding="utf-8"?>
+<inkml:ink xmlns:inkml="http://www.w3.org/2003/InkML">
+  <inkml:definitions>
+    <inkml:context xml:id="ctx0">
+      <inkml:inkSource xml:id="inkSrc0">
+        <inkml:traceFormat>
+          <inkml:channel name="X" type="integer" max="1920" units="cm"/>
+          <inkml:channel name="Y" type="integer" max="1080" units="cm"/>
+          <inkml:channel name="T" type="integer" max="2.14748E9" units="dev"/>
+        </inkml:traceFormat>
+        <inkml:channelProperties>
+          <inkml:channelProperty channel="X" name="resolution" value="55.81395" units="1/cm"/>
+          <inkml:channelProperty channel="Y" name="resolution" value="55.6701" units="1/cm"/>
+          <inkml:channelProperty channel="T" name="resolution" value="1" units="1/dev"/>
+        </inkml:channelProperties>
+      </inkml:inkSource>
+      <inkml:timestamp xml:id="ts0" timeString="2021-10-19T08:06:59.493"/>
+    </inkml:context>
+    <inkml:brush xml:id="br0">
+      <inkml:brushProperty name="width" value="0.05" units="cm"/>
+      <inkml:brushProperty name="height" value="0.05" units="cm"/>
+      <inkml:brushProperty name="color" value="#ED1C24"/>
+      <inkml:brushProperty name="fitToCurve" value="1"/>
+    </inkml:brush>
+  </inkml:definitions>
+  <inkml:trace contextRef="#ctx0" brushRef="#br0">339 73 0,'24'0'16,"0"0"-16,0 0 15,1 0 1,-1-24-16,0 24 0,0 0 15,0-24-15,1 24 16,23-24-16,-24 24 0,0 0 16,25 0-16,-25 0 15,0 0-15,0 0 16,0 0-16,1 0 0,23 0 16,-24 0-16,25 0 15,-25 0-15,24 0 0,1 0 16,-1 24-16,0-24 0,1 0 15,-1 0-15,0 24 16,25-24-16,-25 0 0,1 0 16,-25 24-16,24-24 15,-23 0-15,-1 0 0,0 0 16,-48 25 62,24-1-62,0 0-16,-24 24 15,-1 1-15,25-1 16,0 1-16,0-1 0,-24 0 16,24 1-16,0-1 15,0 0-15,0 1 16,0-1-16,0 1 0,0-1 15,0 0-15,0 1 0,0-1 16,0-24-16,0 25 0,-24-1 16,24 0-16,0 1 15,0-1-15,0 1 0,0-25 16,0 24-16,0 1 16,0-1-16,0-24 0,0 25 15,0-25-15,0 24 0,0 0 16,0-23-16,-24-1 15,0 24-15,24-24 0,0 1 16,-25-1-16,25 0 16,-24 0-16,24 0 15,-24-24-15,24 25 0,-24-25 16,24 24-16,-24-24 16,-1 24-1,1-24 1,24 24-1,-24-24 1,0 0 0,0 0-1,0 0-15,-1 0 0,1 0 16,0 0 0,0 0-16,0 0 15,-1 0-15,-23 0 16,24-24-16,-25 24 0,-23-24 15,23 0-15,-23-1 16,-1 1-16,-23 0 0,23 0 16,-24 0-16,25 24 0,-1-25 15,1 25-15,23 0 16,1 0-16,-1 0 0,25 0 16</inkml:trace>
+  <inkml:trace contextRef="#ctx0" brushRef="#br0" timeOffset="583">121 654 0,'0'-24'31,"24"24"-31,1 0 16,-1 0-1,24 0-15,-24 0 0,49 0 16,-25 0-16,25 0 16,24 0-16,-1 0 15,1 24-15,24-24 0,-24 0 0,0 0 16,-25 0-16,1 0 15,-1-24-15,-23 24 0,-25 0 16,-24-24 0,-24 24-16,-1 0 0,1 0 15</inkml:trace>
+  <inkml:trace contextRef="#ctx0" brushRef="#br0" timeOffset="1363">919 340 0,'25'0'16,"-25"-25"-16,0 1 16,-25 24-1,1 0 1,0 0-16,0 0 15,0 0-15,-25 0 0,25 0 16,0 24-16,0-24 0,0 25 16,-1-25-16,1 24 15,24 0 1,24 0 0,1-24-1,-1 0-15,0 0 16,0 0-16,24-24 15,-23 24-15,23 0 16,-24-24-16,25 24 0,-25-24 16,24-1-16,-24 1 0,1 0 15,-1-24-15,0 23 0,-24-23 16,24 24-16,-24 0 16,0-25-16,0 25 0,-24 24 15,24-24-15,-24 24 16,24 24-16,-24-24 0,-1 24 15,1 25-15,0-25 0,0 24 16,24 1-16,0-1 16,0 0-16,0-23 15,24 23-15,0-24 0,0 0 0,1-24 16,-1 0-16,24 0 16</inkml:trace>
+</inkml:ink>
+</file>
+
 <file path=ppt/ink/ink4.xml><?xml version="1.0" encoding="utf-8"?>
 <inkml:ink xmlns:inkml="http://www.w3.org/2003/InkML">
   <inkml:definitions>
@@ -528,6 +1371,282 @@
   </inkml:definitions>
   <inkml:trace contextRef="#ctx0" brushRef="#br0">0 270 0,'24'-24'406,"1"24"-390,47 0-16,-23 0 15,-1 0-15,49 0 16,-49 0-16,25 0 16,23 0-16,-47 0 15,48 0-15,-25 0 16,1 24-16,23-24 15,1 24-15,-73-24 16,73 0-16,-48 0 16,-1 0-16,24 0 15,-23 0-15,23 0 32,-47 0-32,23 0 15,-24 0-15,0 0 0,49 0 16,0 0-1,-49 0 1,0 0 0,48 0-16,-47 0 15,23 0-15,-24 0 32</inkml:trace>
   <inkml:trace contextRef="#ctx0" brushRef="#br0" timeOffset="652">1766 4 0,'24'0'62,"0"0"-46,49 0-16,-25 0 16,49 0-16,-24 24 15,24 25-15,-73-49 16,0 24-16,0-24 16,0 0-16,0 24 15,1-24 1,-25 49-1,0-25 32,-49 48-31,-23-23-16,23-25 16,-47 48-1,-1-47-15,48 47 16,1-72-16,24 0 15,24 24-15,-24 1 16,-1-25 0,74 0 77,-1 0-77</inkml:trace>
+</inkml:ink>
+</file>
+
+<file path=ppt/ink/ink40.xml><?xml version="1.0" encoding="utf-8"?>
+<inkml:ink xmlns:inkml="http://www.w3.org/2003/InkML">
+  <inkml:definitions>
+    <inkml:context xml:id="ctx0">
+      <inkml:inkSource xml:id="inkSrc0">
+        <inkml:traceFormat>
+          <inkml:channel name="X" type="integer" max="1920" units="cm"/>
+          <inkml:channel name="Y" type="integer" max="1080" units="cm"/>
+          <inkml:channel name="T" type="integer" max="2.14748E9" units="dev"/>
+        </inkml:traceFormat>
+        <inkml:channelProperties>
+          <inkml:channelProperty channel="X" name="resolution" value="55.81395" units="1/cm"/>
+          <inkml:channelProperty channel="Y" name="resolution" value="55.6701" units="1/cm"/>
+          <inkml:channelProperty channel="T" name="resolution" value="1" units="1/dev"/>
+        </inkml:channelProperties>
+      </inkml:inkSource>
+      <inkml:timestamp xml:id="ts0" timeString="2021-10-19T08:07:04.430"/>
+    </inkml:context>
+    <inkml:brush xml:id="br0">
+      <inkml:brushProperty name="width" value="0.05" units="cm"/>
+      <inkml:brushProperty name="height" value="0.05" units="cm"/>
+      <inkml:brushProperty name="color" value="#ED1C24"/>
+      <inkml:brushProperty name="fitToCurve" value="1"/>
+    </inkml:brush>
+  </inkml:definitions>
+  <inkml:trace contextRef="#ctx0" brushRef="#br0">73 24 0,'-24'0'0,"0"0"0,-1-24 16,1 24-16,48 0 31,25 0-31,-1 24 15,1 0-15,23-24 16,25 25-16,0-25 0,24 24 16,0-24-16,24 24 0,24-24 15,-24 0-15,25 0 16,-25 0-16,0 0 0,-24 0 16,0 0-16,-49 0 15,-23 0-15,-1 0 0,-24 0 16,-24-24-1,-24 24 1,0 0-16</inkml:trace>
+</inkml:ink>
+</file>
+
+<file path=ppt/ink/ink41.xml><?xml version="1.0" encoding="utf-8"?>
+<inkml:ink xmlns:inkml="http://www.w3.org/2003/InkML">
+  <inkml:definitions>
+    <inkml:context xml:id="ctx0">
+      <inkml:inkSource xml:id="inkSrc0">
+        <inkml:traceFormat>
+          <inkml:channel name="X" type="integer" max="1920" units="cm"/>
+          <inkml:channel name="Y" type="integer" max="1080" units="cm"/>
+          <inkml:channel name="T" type="integer" max="2.14748E9" units="dev"/>
+        </inkml:traceFormat>
+        <inkml:channelProperties>
+          <inkml:channelProperty channel="X" name="resolution" value="55.81395" units="1/cm"/>
+          <inkml:channelProperty channel="Y" name="resolution" value="55.6701" units="1/cm"/>
+          <inkml:channelProperty channel="T" name="resolution" value="1" units="1/dev"/>
+        </inkml:channelProperties>
+      </inkml:inkSource>
+      <inkml:timestamp xml:id="ts0" timeString="2021-10-19T08:07:05.028"/>
+    </inkml:context>
+    <inkml:brush xml:id="br0">
+      <inkml:brushProperty name="width" value="0.05" units="cm"/>
+      <inkml:brushProperty name="height" value="0.05" units="cm"/>
+      <inkml:brushProperty name="color" value="#ED1C24"/>
+      <inkml:brushProperty name="fitToCurve" value="1"/>
+    </inkml:brush>
+  </inkml:definitions>
+  <inkml:trace contextRef="#ctx0" brushRef="#br0">3 99 0,'0'-25'31,"24"25"-15,-24 25 15,0-1-31,0 0 16,0 0-16,0 25 15,-24-25-15,24 24 0,0-24 16,0 25-16,0-25 0,0 0 16,0 24-16,0-23 15,0-1-15,0 0 16</inkml:trace>
+  <inkml:trace contextRef="#ctx0" brushRef="#br0" timeOffset="296">75 244 0,'0'-24'0,"0"-1"0,24 1 16,-24 0-16,25 0 15,-25 0-15,24-1 16,0 1-16,0 0 16,0 24-16,1-24 15,-1 24-15,0 24 16,0-24-16,-24 24 0,24 0 16,0 25-16,-24-25 15,25 24-15,-25 1 0,24-1 16,-24 0-16,0 1 15,0-1-15,24-24 0,-24 25 16,0-25-16,0 0 0,0 0 16,-24-24-1</inkml:trace>
+  <inkml:trace contextRef="#ctx0" brushRef="#br0" timeOffset="476">148 340 0,'24'0'16,"0"0"-1,0 0-15,1 25 0,23-25 16,24 0-16,-23 0 16,-1 0-16,25 0 0,-25 0 15,25 0-15</inkml:trace>
+  <inkml:trace contextRef="#ctx0" brushRef="#br0" timeOffset="1693">704 50 0,'0'24'78,"0"1"-62,0-1-1,-24 24-15,24-24 0,0 1 16,0-1-16,0 24 0,0-24 15,0 0-15,0 25 16,0-25-16,0 0 0,0 0 16,0 1-16,0-1 15,0 0 1,24-24-16,0 24 31,1-24-15,-1 0-16,0 0 0,24 0 15,-24 0 1,1 0-16,-1 0 0,24 0 16,-24 0-16,1 0 15,-1 0-15,0 0 0,0 0 16,-24-24-16</inkml:trace>
+  <inkml:trace contextRef="#ctx0" brushRef="#br0" timeOffset="1975">1115 195 0,'0'-24'0,"0"0"31,25 24-15,-1 0 0,0 0-16,24 0 0,-23 0 15,23 0-15,0 0 16,1 0-16,-1 0 0,-24 0 16,25 0-16,-25 0 0</inkml:trace>
+  <inkml:trace contextRef="#ctx0" brushRef="#br0" timeOffset="2178">1333 123 0,'-24'0'15,"24"24"1,0 0 15,24 0-31,-24 1 16,24-1-16,-24 24 0,0-24 15,0 0-15,0 25 0,0-25 16,24 0-16,-24 25 16,0-25-16,25 0 15</inkml:trace>
+  <inkml:trace contextRef="#ctx0" brushRef="#br0" timeOffset="2517">1962 220 0,'24'-25'16,"-24"1"-1,-24 24 1,0 0-1,0 0-15,-1 0 16,1 0-16,0 24 0,0-24 16,0 25-16,0-1 15,-1 0-15,25 0 0,-24 0 16,24 0-16,-24 25 0,24-25 16,0 0-16,24 0 15,0 1-15,1 23 0,23-24 16,-24 0-1,0-24-15,25 0 0,-25 0 16</inkml:trace>
+  <inkml:trace contextRef="#ctx0" brushRef="#br0" timeOffset="2684">1841 340 0,'-24'0'15,"24"25"-15,24-25 16,0 0-16,25 0 16,-25 0-16,24 0 15,1 0-15,-1 0 0</inkml:trace>
+  <inkml:trace contextRef="#ctx0" brushRef="#br0" timeOffset="3271">2301 244 0,'0'-24'16,"-24"-1"-1,24 50 17,0-1-17,0 0 1,24 0-16,-24 24 0,0-23 15,0-1-15,0 0 0,0 24 16,-24-23-16,24-1 16,-25 0-16,25 0 15,0-48 32,0 0-31,0 0-16,0-25 0,0 25 15,25-24-15,-25-1 16,24 1-16,-24 24 0,24-25 16,0 1-16,0 24 15,0 0-15,1 24 0,-1 0 16,0 0-16,24 0 0,-23 0 16,-1 48-1,0-24-15,-24 0 0,0 1 16,0-1-16,-24 0 0,0 0 15,-1 0-15,-23 0 16,24 1-16,-25-25 0,25 24 16,-24-24-16,24 0 15,0 24-15,24 0 32,24-24-32,0 24 15,0-24-15,0 25 0,25-1 16,-25 0-16,24 0 15,1 25-15,-25-25 0,24 24 16,-24-24-16</inkml:trace>
+</inkml:ink>
+</file>
+
+<file path=ppt/ink/ink42.xml><?xml version="1.0" encoding="utf-8"?>
+<inkml:ink xmlns:inkml="http://www.w3.org/2003/InkML">
+  <inkml:definitions>
+    <inkml:context xml:id="ctx0">
+      <inkml:inkSource xml:id="inkSrc0">
+        <inkml:traceFormat>
+          <inkml:channel name="X" type="integer" max="1920" units="cm"/>
+          <inkml:channel name="Y" type="integer" max="1080" units="cm"/>
+          <inkml:channel name="T" type="integer" max="2.14748E9" units="dev"/>
+        </inkml:traceFormat>
+        <inkml:channelProperties>
+          <inkml:channelProperty channel="X" name="resolution" value="55.81395" units="1/cm"/>
+          <inkml:channelProperty channel="Y" name="resolution" value="55.6701" units="1/cm"/>
+          <inkml:channelProperty channel="T" name="resolution" value="1" units="1/dev"/>
+        </inkml:channelProperties>
+      </inkml:inkSource>
+      <inkml:timestamp xml:id="ts0" timeString="2021-10-19T08:07:09.915"/>
+    </inkml:context>
+    <inkml:brush xml:id="br0">
+      <inkml:brushProperty name="width" value="0.05" units="cm"/>
+      <inkml:brushProperty name="height" value="0.05" units="cm"/>
+      <inkml:brushProperty name="color" value="#ED1C24"/>
+      <inkml:brushProperty name="fitToCurve" value="1"/>
+    </inkml:brush>
+  </inkml:definitions>
+  <inkml:trace contextRef="#ctx0" brushRef="#br0">120 331 0,'25'0'0,"-1"0"15,0 0 1,-24-24-16,0 0 16,0 0-1,-24 24 1,0 0-1,-1 0-15,1 0 16,0 0-16,0 24 16,0-24-16,0 24 15,24 0 1,24-24 15,0 0-15,0 0-16,0-24 15,0 24 1,1-24-16,-1 0 0,0 24 16,0-24-16,0-1 15,1 1-15,-1 0 0,0 0 16,-24 0-16,24-1 0,-24 1 16,24 24-1,-48 0 16,24 24-31,-24 1 16,24-1-16,-24 0 16,24 0-16,0 0 15,0 25-15,0-25 16,0 0-16,24 0 16,-24 1-16,24-25 15,0 0-15,-24 24 0,25-24 16,23 0-16,-24 0 15,0-24-15,1-1 0</inkml:trace>
+  <inkml:trace contextRef="#ctx0" brushRef="#br0" timeOffset="400">822 210 0,'-24'0'0,"48"0"47,0 0-31,0 0-16,1 0 0,-1 0 15,0 0-15,0 0 16,0 0-16,1 0 0,-1 0 16,0-24-16</inkml:trace>
+  <inkml:trace contextRef="#ctx0" brushRef="#br0" timeOffset="923">1306 41 0,'0'24'31,"24"0"-15,-24 1 0,0-1-16,0 0 15,0 0-15,24 25 0,-24-25 16,0 48-1,0-47-15,24-1 0,-24 0 16,0 0-16,0 0 16,0-48 31,0 0-47,-24 0 0,24 0 15,0-1-15,0 1 0,-24 0 16,24-24-16,0 23 15,0 1-15,0 0 0,0-24 16,24 23-16,0 1 16,1 24-16,-25-24 15,24 24-15,0 0 0,0 24 16,0-24-16,-24 24 16,25-24-16,-25 25 0,24-25 15,-24 24-15,0 0 16,-24-24-16,-1 24 0,1-24 15,0 0-15,-24 24 16,23-24-16,1 0 0,0 0 16,0 0-16,0 0 0,24-24 15,0 0 1</inkml:trace>
+  <inkml:trace contextRef="#ctx0" brushRef="#br0" timeOffset="1440">1717 17 0,'24'0'0,"0"0"0,1 0 16,-25-24-1,-25 48 32,25 0-47,0 0 16,0 0-16,-24 25 15,24-25-15,0 0 16,0 0-16,-24 1 0,24-1 16,0 0-16,0 0 15,24-48 17,0 0-17,-24 0-15,25 24 0,-1-25 16,-24 1-16,24 0 15,0 0-15,0 0 16,1-1-16,-25 50 31,0-1-15,-25-24 0,25 24-1,0 0 1,25 0-1,-1 1 1,0-1-16,0-24 16,0 24-16,1 0 15,-1 0-15,0 1 0,0-1 16,-24 0-16,24-24 16</inkml:trace>
+</inkml:ink>
+</file>
+
+<file path=ppt/ink/ink43.xml><?xml version="1.0" encoding="utf-8"?>
+<inkml:ink xmlns:inkml="http://www.w3.org/2003/InkML">
+  <inkml:definitions>
+    <inkml:context xml:id="ctx0">
+      <inkml:inkSource xml:id="inkSrc0">
+        <inkml:traceFormat>
+          <inkml:channel name="X" type="integer" max="1920" units="cm"/>
+          <inkml:channel name="Y" type="integer" max="1080" units="cm"/>
+          <inkml:channel name="T" type="integer" max="2.14748E9" units="dev"/>
+        </inkml:traceFormat>
+        <inkml:channelProperties>
+          <inkml:channelProperty channel="X" name="resolution" value="55.81395" units="1/cm"/>
+          <inkml:channelProperty channel="Y" name="resolution" value="55.6701" units="1/cm"/>
+          <inkml:channelProperty channel="T" name="resolution" value="1" units="1/dev"/>
+        </inkml:channelProperties>
+      </inkml:inkSource>
+      <inkml:timestamp xml:id="ts0" timeString="2021-10-19T08:05:22.223"/>
+    </inkml:context>
+    <inkml:brush xml:id="br0">
+      <inkml:brushProperty name="width" value="0.05" units="cm"/>
+      <inkml:brushProperty name="height" value="0.05" units="cm"/>
+      <inkml:brushProperty name="fitToCurve" value="1"/>
+    </inkml:brush>
+  </inkml:definitions>
+  <inkml:trace contextRef="#ctx0" brushRef="#br0">5627 170 0,'0'25'62,"0"-1"-62,0 0 16,0 24-16,0 1 0,-24-1 16,0 25-16,24-1 15,-24 1-15,0-1 0,-1 25 16,1-24-16,0 24 0,0-25 15,24 25-15,-24-25 16,0 1-16,-1 0 0,25-25 16,-24 25-16,0-25 15,24 0-15,-24 1 0,0-1 16,24 0-16,-25-23 0,1 23 16,24-24-16,-24-24 15,24 24-15,-24 1 0,48-25 31,0 0-31,0-25 16,25 25 0,-1 0-16,25-24 0,-1 24 0,25 0 15,0 0-15,48 0 0,0 0 16,24 0-16,25 0 16,-1 24-16,1-24 0,24 0 15,-25 25-15,1-25 16,-1 0-16,-23 24 0,-25-24 15,0 0-15,-24 0 0,-24 0 16,-25 0-16,-23 0 16,-1-24-16,-24 24 0,-24-25 15,-24 25-15,0-24 16,0 24-16,-25-24 16,25 0-16,-24 24 0,23-24 15,1-1-15,0 1 16,0 24-16,0-24 0,24 0 15,0-24-15,0 23 0,0-23 16,0 0-16,0-1 16,0 1-16,24-25 0,-24 1 15,24-25-15,-24 24 16,24-23-16,25-98 16,-25 97-16,0 25 0,24-1 15,-23 1-15,-1 23 16,0 1-16,0-1 0,0 25 15,1 0-15,-25 0 16,0 0-16,0-1 16,-25 25-16,-23 0 15,0 0 1,-1 0-16,1 0 0,-25 0 16,25 0-16,-49 0 15,25 0-15,-49-24 0,0 24 16,0 0-16,-49-24 0,25 24 15,-48-24-15,23 24 16,-23-24-16,-1 24 0,25-24 16,0 24-16,23-25 0,1 25 15,49 0-15,-1 0 16,0 0-16,49 0 0,-1 0 16,25 0-16,-24 25 15,24-25-15,-1 0 16,25 24-1,-24-24-15,24 24 16,24-24 15,1 0-31,-1 0 16,0 0-16</inkml:trace>
+  <inkml:trace contextRef="#ctx0" brushRef="#br0" timeOffset="455">6474 25 0,'24'0'16,"0"0"-16,1 0 16,-25-24-16,24 24 0,0 0 15,0 24 1,0 1 0,-24-1-16,0 24 0,0-24 15,25 25-15,-25 23 16,0 1-16,24-1 0,-24 1 15,0 24-15,0-1 0,0 1 16,0 0-16,0 0 16,-24 24-16,24-25 0,-25 1 15,25 0-15,-24-24 16,24 23-16,-24-47 0,24 23 16,-24-23-16,0-1 0,24 0 15,-25-23-15,25-1 16,-24 0-16,24-48 15,0 0 1,0-25-16,24 1 0</inkml:trace>
+  <inkml:trace contextRef="#ctx0" brushRef="#br0" timeOffset="883">5603 509 0,'-24'0'0,"0"0"16,0 0-1,-1 0 1,1 0-16,24 24 16,24-24-1,1 0-15,23 0 0,0 0 16,49 25-16,0-25 16,24 0-16,24 0 0,49 24 15,-1-24-15,1 0 0,23 24 16,-23-24-16,24 0 15,-25 24-15,-24-24 0,-23 0 16,-25 0-16,-25 0 0,-23 0 16,-49 0-16,0 0 15,-48 0-15,-24-24 16,-25 24-16,1 0 16</inkml:trace>
+  <inkml:trace contextRef="#ctx0" brushRef="#br0" timeOffset="1398">5724 243 0,'0'24'15,"24"-24"1,-24 24-1,0 1 1,0-1-16,25-24 16,-25 24-16,0 0 15,24 0-15,0 1 16,0-25-16,0 24 16,1-24-16,-1 0 15</inkml:trace>
+  <inkml:trace contextRef="#ctx0" brushRef="#br0" timeOffset="1543">5918 195 0,'-24'0'16,"-1"0"0,25 24 15</inkml:trace>
+  <inkml:trace contextRef="#ctx0" brushRef="#br0" timeOffset="1985">6087 364 0,'0'24'0,"0"-48"31,-24 24-15,24-24-16,0 0 16,-24 24-16,-1 0 31,1 0-31,0 24 16,0 0-16,24 0 15,0 0 1,0 1-16,24-25 15,0 24 1,0-24-16,1 0 16,-1-24-16,0-1 15,-24 1-15,24 24 16,-24-24-16,24 0 0,-24 0 16,25-1-16,-25 1 0,24 0 15,-24 0 1,0 48-1,0 0 1,0 0-16,0 1 0,24-1 16,0 48-1,-24-47-15,24 23 0</inkml:trace>
+  <inkml:trace contextRef="#ctx0" brushRef="#br0" timeOffset="2476">7006 412 0,'24'-24'0,"1"24"16,-1 0 15,-24 24-15,0 1-16,0-1 16,0 0-1,0 0-15,0 0 0,0 1 16,-24-25-1,24 24-15,24-24 32,-24-24-17,24 24-15,0-25 0,0 25 0,1-24 16,-1 0-16,0 0 16,24 0-16,1 24 0,-25-25 15,24 25-15,-23 0 0,-1 0 16,0 0-16,0 0 15,-24 25-15,24-25 0,-24 24 16,0 0-16,0 0 16,0 0-16</inkml:trace>
+  <inkml:trace contextRef="#ctx0" brushRef="#br0" timeOffset="2861">7805 485 0,'24'-24'16,"0"24"-16,-24-24 0,0-1 15,0 1-15,0 0 16,0 0-16,-24 0 16,0 24-16,-25 0 15,25 24-15,0-24 16,0 24-16,-1-24 0,25 24 15,-24-24-15,24 24 0,-24 1 16,24-1 0,24-24-1,0 0 1,1 0-16,-1-24 0,0 24 16,0 0-1,0-25-15,1 25 0,-1 0 0,0-24 16,0 24-16,0 0 15,1 24 1,-25 1-16,24-25 16,-24 24-16,0 0 0,24-24 15,-24 24-15</inkml:trace>
+  <inkml:trace contextRef="#ctx0" brushRef="#br0" timeOffset="176851">368 606 0,'0'24'16,"0"0"-1,0 0 1,0 1 0,0-1-16,0 0 15,0 0-15,0 25 0,-24-25 16,24 0-16,-25 0 16,25 24-16,0 1 0,0-25 15,0 24-15,-24 1 16,24-1-16,0 25 0,-24-25 15,24 1-15,-24-1 16,0 24-16,24-23 0,-24-1 16,-1 25-16,1-25 0,0 25 15,0-25-15,0 25 16,-1-25-16,1 25 0,24-25 16,-24 25-16,24-25 15,0 0-15,0 1 0,0-1 16,0-24-16,0 1 0,24-1 15,-24 0-15,0 0 16,24-24 0,1 24-1,-50-72 1,50 48 0,-25-24-16,24 24 15,0-24-15,0-1 16,25 1-16,-25 24 0,0-24 15,24 24-15,1-24 16,23 24-16,-23-24 0,47-1 16,-23 25-16,24-24 15,-1 0-15,25 0 0,-24 24 16,24-24-16,-24-1 0,0 25 16,-1-24-16,1 24 15,0-24-15,-24 24 0,-1 0 16,1-24-16,-25 24 0,0 0 15,1 0-15,-1 0 16,-24 0-16,1 0 16,-1 0-16,-24-24 0,24 24 15,0 0-15,0 0 16,1 0 0,-1 0-1,-24 24-15,24-24 16,0 0-1,-24-24 1,24 24 0,-24-25 15,0 1-15,0 0-16,0 0 15,0 0 1,0 0-16,0-25 0,0 25 15,-24 0-15,24-25 16,0 1-16,0-49 16,0 49-16,0-1 0,0-23 15,0 24-15,0-25 16,0 25-16,0-25 0,24 25 16,-24-1-16,0 1 15,0-1-15,0 1 0,0 0 16,0 24-16,0-1 0,0 1 15,0-48 1,0 47-16,0 1 16,0 0-16,0 0 0,0 0 15,0-1-15,0 1 16,0 0-16,0 0 0,0 0 16,24 24-16,-24-25 15,-24 25 32,0 0-47,24 25 0,-48-25 16,24 0-16,-25 24 0,-23-24 15,-1 24-15,-48-24 16,0 24-16,-24-24 0,0 24 16,-25-24-16,1 25 15,0-1-15,-1-24 16,25 24-16,0-24 0,48 24 0,25-24 15,-1 0-15,25 0 16,24 24-16,0-24 0,24 25 31,24-25-15,-24 24 0,24-24-16,0 0 15,0 0 32,0 24-16</inkml:trace>
+  <inkml:trace contextRef="#ctx0" brushRef="#br0" timeOffset="177276">1094 582 0,'24'0'0,"0"-25"16,0 25-16,0 0 16,-24 25-16,25-1 15,-25 24-15,24-24 16,-24 25-16,0 23 16,0 1-16,0-1 0,0 25 15,0 0-15,0 0 16,-24 0-16,24-1 0,0-23 15,0 24-15,0-25 16,0 1-16,0-1 0,24-23 16,-24 23-16,24-48 15,-24 25-15,0-25 0,24 0 16,-24 0-16,0 1 0,24-25 16,-24-25-1,0-23-15</inkml:trace>
+  <inkml:trace contextRef="#ctx0" brushRef="#br0" timeOffset="178895">5109 1114 0,'24'0'31,"1"0"0,-50-24 16,25-1-31,-24 25-16,24-24 0,0 0 16,-24 0-16,24 0 15,0-1-15,-24 1 0,24 0 16,0-24-16,-24 24 15,24-1-15,-25 1 0,1 0 16,0 24-16,0 0 16,-25 0-16,25 24 15,-24 0-15,0 1 0,-1-1 0,25 24 16,-24-24-16,23 25 16,-23-25-16,24 24 0,0-24 15,24 1-15,-25-1 0,1-24 16,24 24-16,-24-24 15,0 0-15,0 0 16,-1 0 0,25-24-16,-24 24 0,0-24 15,0-1-15,0 25 0,24-24 16,-24 0-16,-1 0 16,25 0-16,-24-1 0,0 25 15,0 0-15,0 0 16,-1 0-16,1 25 0,-24-1 15,24 0-15,-25 0 0,25 0 16,-24 25-16,23-25 16,1 0-16,0 0 15,0-24-15,24 25 0,-24-25 16,24-25 15,0 1-31,0 0 16,-24 0-16,24 0 15,-25-1-15,25 1 16,-24 24-16,0 0 0,0 0 16,0 24-16,-1 1 15,1-1-15,0 0 16,0 0-16,0-24 0,24 24 16,-25-24-16,25 25 0,-24-25 15,0 0 1,0-25-16,0 1 31,-1 24-31,1 0 16,0 0-16,0 0 0,0 24 15,0 1-15,-1-25 16,1 24-16,0 0 0,0-24 16,0 0-16</inkml:trace>
+  <inkml:trace contextRef="#ctx0" brushRef="#br0" timeOffset="179263">3174 969 0,'24'-25'16,"0"25"-16,1-24 0,-1 24 15,-24-24-15,24 24 16,-48 0 15,0 24-31,-1-24 0,-23 24 16,0 1-16,-1 23 0,-23-24 16,23 25-16,1-1 15,-25 0-15,49 1 0,-24-25 16,24 24-16,-1-23 15,25 47 1,0-48-16,25 0 0,-1 1 16,0-1-16,0 0 0,24 0 15,1-24-15,-1 24 0,1-24 16,-1 0-16,0 0 16,1 0-16</inkml:trace>
+  <inkml:trace contextRef="#ctx0" brushRef="#br0" timeOffset="179741">3077 388 0,'24'-24'0,"-24"0"15,25 0 1,-1 24-16,-48 0 31,24 24-31,-25 0 16,1-24-16,0 48 0,-24 1 16,48-1-1,-25-24-15,25 25 0,0-25 16,25 0-16,-25 24 0,24-23 15,24-25-15,-24 24 16,25-24-16,-25 0 0,24 0 16,1 0-16,-25-24 15,0-1-15,0 1 0,0 0 16</inkml:trace>
+  <inkml:trace contextRef="#ctx0" brushRef="#br0" timeOffset="180284">3488 291 0,'25'0'0,"-25"-24"16,-25 24-1,25 24-15,-24-24 16,24 25-16,-24-1 0,24 0 15,0 0-15,-24 0 0,24 0 16,0 1-16,0-1 16,0 0-16,24 0 0,-24 0 15,0 1-15,24-25 0,-24 24 16,24-24-16,1 0 16,-1-24-16,0 24 15,-24-25-15,24 25 16,-24-24-16,0 0 0,0 0 15,0 0-15,0-1 0,0 1 16,-24 0-16,24 0 16,-24 24-16,0 0 15,-1 0-15,1 0 16,24 24 0,24-24-1</inkml:trace>
+  <inkml:trace contextRef="#ctx0" brushRef="#br0" timeOffset="180757">3755 267 0,'0'-24'0,"0"0"0,0 0 16,-25 24-1,25-25-15,0 50 31,25-1-31,-25 0 0,24 0 16,-24 0-16,0 25 0,24-25 16,0 73-1,-24-49-15,0 0 0,0 1 16,0-25-16,0 24 16,0-23-16,0-1 0,0 0 15,-24-24 1,24-24-1,0-25-15,-24 25 16,24-24-16,0-1 0,0 1 16,0 0-16,24-1 15,-24-23-15,24 23 0,-24 25 16,24-24-16,0 48 0,1-24 16,-1 24-16,0 24 15,0-24-15,-24 48 0,24-24 16,-24 25-16,0-25 15,-24 24-15,0 1 0,0-25 16,0 0-16,-1 0 0,-23 0 16,24 1-16,0-25 15,0 0-15,24-25 0,-25 25 16,25-24-16,0 0 16</inkml:trace>
+  <inkml:trace contextRef="#ctx0" brushRef="#br0" timeOffset="181167">4117 243 0,'25'0'0,"-25"24"63,0 0-48,0 1 1,0-1-16,0 0 0,0 0 16,0 0-16,0 0 0,0 1 15,0-1-15,24 0 16,0-48 15,0 24-31,-24-24 16,24-1-16,-24 1 0,25 0 0,-25 0 15,24-24-15,-24 23 16,24 1-16,-24 48 31,0 1-31,0 23 16,0 0-16,0 1 0,0-1 16,0 0-16,0 1 15,0-1-15,0 1 0,0-25 16</inkml:trace>
+  <inkml:trace contextRef="#ctx0" brushRef="#br0" timeOffset="182179">513 1162 0,'24'0'0,"0"0"16,1 0-16,-1 0 15,0 0-15,24 0 0,-23 0 16,23-24-16,0 24 16,1 0-16,-25-24 0,24 24 15,1 0-15,-1 0 0,0-24 16,-23 24-16,-1 0 15</inkml:trace>
+  <inkml:trace contextRef="#ctx0" brushRef="#br0" timeOffset="182532">1553 1065 0,'0'25'16,"24"-25"-16,1 0 0,-1 0 15,24 0-15,25 0 16,-1 0-16,1 0 0,-25 0 16,25 0-16,-25-25 0,1 25 15,-25 0-15</inkml:trace>
+  <inkml:trace contextRef="#ctx0" brushRef="#br0" timeOffset="182898">465 1549 0,'24'0'46,"0"0"-46,0-24 0,25 24 16,-1 0-16,25-24 0,23 24 16,1-24-16,-24 24 15,23-25-15,1 25 0,-24 0 16,-1-24-16,-23 24 16,-1 0-16,-24 0 0</inkml:trace>
+  <inkml:trace contextRef="#ctx0" brushRef="#br0" timeOffset="183246">1674 1598 0,'24'0'0,"25"0"15,-1 0-15,0 0 0,25-25 16,-25 25-16,25 0 16,0-24-16,-1 24 0,-23 0 15,-1-24-15,0 24 16</inkml:trace>
+  <inkml:trace contextRef="#ctx0" brushRef="#br0" timeOffset="183553">392 2106 0,'-24'24'16,"24"0"-16,24-24 15,-24-24-15,24 24 16,25-24-16,-1-1 0,0 25 16,49-24-16,-24 0 15,48 0-15,-25 24 0,1-24 16,24-1-16,-48 25 15</inkml:trace>
+  <inkml:trace contextRef="#ctx0" brushRef="#br0" timeOffset="185687">8593 896 0,'24'24'0,"0"-24"15,-24 24-15,24-24 16,0 25-16,-24-1 0,25 0 16,-1 0-16,24 0 15,-24 1-15,1-1 0,23 24 16,-24-24-16,24 25 0,1-25 16,-25 0-16,24 0 15,-23 1-15,-1-25 0,0 0 16,0 0-1</inkml:trace>
+  <inkml:trace contextRef="#ctx0" brushRef="#br0" timeOffset="185957">9125 799 0,'0'25'15,"-24"-1"1,-1 0-16,25 0 0,-24 0 16,-24 25-16,24-1 15,-25-24-15,25 25 0,-24-1 16,24 0-16,-25-23 16,25 23-16,-24-24 0,23 25 15,1-25-15,0 0 16,24 0-16,-24 0 0,24 0 15</inkml:trace>
+  <inkml:trace contextRef="#ctx0" brushRef="#br0" timeOffset="186552">9101 582 0,'-25'-25'15,"1"25"-15,0 0 16,0-24-16,0 24 16,-25 0-16,1 0 0,0 0 15,23 0-15,-23 0 16,0 0-16,23 24 0,-23-24 15,24 25-15,-25-1 0,25 24 16,0-24-16,-24 25 16,23-1-16,1 1 0,-24-1 15,24 0-15,0 1 16,-1 23-16,1-23 0,24-1 16,0 25-16,0-25 15,0 0-15,0 1 0,24-1 16,1 0-16,23 1 0,0-1 15,1-24-15,-1 1 16,25-1-16,-1 0 0,1-24 16,-1 0-16,1 0 0,24 0 15,-25-24-15,1 24 16,24-24-16,-49-25 16,25 25-16,-1 0 0,-24-25 0,-23 1 15,23 0-15,-24-25 16,0 25-16,-24-25 0,0 1 15,0 23-15,0-23 16,-24-1-16,24 25 0,-24-25 16,-24 25-16,23 24 15,-23-25-15,0 25 0,-1 24 16,1 0-16,0 0 0,-25 0 16,25 0-16,-1 0 15,-23 24-15,23-24 0,25 24 16,-24-24-16,-1 25 15</inkml:trace>
+  <inkml:trace contextRef="#ctx0" brushRef="#br0" timeOffset="188870">8278 2662 0,'0'-24'0,"24"24"16,1 0-1,-1 0-15,-24 24 0,24-24 16,-24 48 0,0-23-16,0 23 0,0 0 15,0 1-15,-24-1 16,0 0-16,24 25 0,-25-25 16,1 25-16,24-25 0,-24 25 15,24-25-15,0 25 16,0-25-16,0 25 0,0-25 15,0 1-15,0-1 16,0 0-16,0-23 0,24 23 16,-24 0-16,0-23 0,0 23 15,24-24-15,-24 0 16,0 0-16,0 1 0,0-1 31,25-24 16,-1 0-47,0-24 16,0 24-16,24-25 0,-23 25 15,47 0-15,-23-24 16,23 24-16,25 0 0,-24-24 16,47 24-16,-23 0 15,24 0-15,24 0 0,-24 0 16,0 24-16,24-24 0,-24 0 15,0 0-15,-24 0 16,0 0-16,-25-24 16,1 24-16,0 0 0,-25-24 15,0 24-15,1 0 0,-1-24 16,0 24-16,1 0 0,-1 0 16,-24 0-16,49 0 15,-25 0-15,1 24 0,-1-24 16,25 24-16,-25-24 15,0 0-15,1 0 0,-25 0 16,24 0-16,-23 0 0,-1 0 16,0-24-1,0 24 17,0 0-17,1 0-15,-1 0 16,0 0-16,0-24 15,-24 0-15,0-1 16,0 1 0,0-24-16,-24 24 0,24-1 15,0-23-15,0 24 0,0-25 16,0 1-16,0 24 16,0-49-16,0 25 0,0 0 15,0-25-15,0 0 16,0 25-16,-24-25 0,0 1 15,-1-1-15,1 25 0,-24-73 16,-1 48 0,25 25-16,0 0 0,24-1 15,-24 25-15,24-24 0,0 23 16,0 1-16,24 0 16,-24 0-16,24 0 0,0 0 15,-24-1 1,0 1-16,0 0 15,-24 0-15,0 24 16,0 0 0,0-24-16,-1 24 15,1 0-15,0 0 0,0 0 16,0 0-16,-25 0 0,1 0 16,-25 0-16,1 0 15,-1 0-15,-24-25 0,1 25 16,-25 0-16,24 0 0,-24 0 15,24 0-15,0 25 16,1-25-16,23 24 0,1 0 16,-1-24-16,0 24 0,25-24 15,-25 24-15,25-24 16,-24 25-16,23-25 0,1 0 16,-1 24-16,-23-24 15,23 0-15,25 24 0,-24-24 16,-1 0-16,1 0 0,0 24 15,24-24-15,-25 0 16,1 0-16,24 0 0,-25 0 16,25 0-1,0 0-15,0 0 0,-1 0 16,1 0 15,24 24-15,-24 0-1,0 1-15,0-25 16,24 24-16,0 0 16,0 0-1,24-24-15,0 0 16</inkml:trace>
+  <inkml:trace contextRef="#ctx0" brushRef="#br0" timeOffset="189366">9343 2275 0,'0'24'31,"0"0"-15,0 1-16,-25-1 0,25 0 15,0 24-15,-24 1 16,24-1-16,0 0 0,0 1 16,0 23-16,0 1 0,-24 0 15,24-25-15,0 24 16,0 1-16,0 0 0,0-1 16,0-23-16,24 23 0,-24-23 15,0-1-15,0 0 16,24-24-16,-24 25 15,0-25-15,0 0 0,0 0 16,25 1-16,-25-1 16,24-24-1</inkml:trace>
+  <inkml:trace contextRef="#ctx0" brushRef="#br0" timeOffset="189781">9996 2275 0,'0'24'15,"0"0"1,0 1 0,24-25-16,-24 24 0,0 0 15,0 0-15,0 24 0,24-23 16,-24-1-16,0 24 16,0 1-16,24-1 0,-24 0 15,0 25-15,0-25 16,0 25-16,0-25 0,0 25 15,0-25-15,24 25 0,-24-25 16,0 25-16,0-25 0,0 1 16,0-1-16,0 0 15,0 1-15,0-1 16,0-24-16,0 0 16,0 1-16,-24-25 15</inkml:trace>
+  <inkml:trace contextRef="#ctx0" brushRef="#br0" timeOffset="190272">8327 2928 0,'-49'24'16,"25"-24"-16,0 24 0,0-24 16,-1 0-16,1 0 0,48 0 46,1 0-46,-1 0 16,24 0-16,1 0 16,-1 0-16,24 0 0,1 0 0,24-24 15,0 24-15,24 0 16,-1 0-16,26 0 0,23-24 16,0 24-16,1-24 15,-1 24-15,-24-24 0,24 0 16,-23 24-16,-1-25 0,-24 25 15,0 0-15,0-24 16,-49 24-16,1 0 0,-1 0 16,-48 0-16,25 0 15,-25 0-15,0 0 16,-48 0 0,24-24-1</inkml:trace>
+  <inkml:trace contextRef="#ctx0" brushRef="#br0" timeOffset="192186">8786 2662 0,'24'0'16,"-24"24"-16,25-24 31,-50 24 47,1-24-62,0 0-1,0 0-15,0 25 0,-1-25 16,1 0-16,0 24 16,0 0-16,0 0 15,24 0 1,0 1-16,0-1 15,24 0 1,0-24 0,0 0-16,0 0 15,1 0-15,-1-24 16,0 0 0,0-1-16,0 1 0,1 0 15,-25 0-15,0-25 16,24 25-16,-24 0 0,0 0 15,0 0-15,0-1 16,0 1-16,-24 24 16,24 24-1,0 1-15,-25-1 16,25 0-16,0 24 16,0-23-16,25 23 0,-25-24 15,0 0-15,24 1 16,-24-1-16,24-24 0,0 24 15</inkml:trace>
+  <inkml:trace contextRef="#ctx0" brushRef="#br0" timeOffset="192607">9488 2686 0,'0'24'63,"24"1"-47,-24-1-1,0 0-15,24 0 16,0 0-1,-24 1-15,0-1 0,24-24 16,1 24 0,-1-24-16</inkml:trace>
+  <inkml:trace contextRef="#ctx0" brushRef="#br0" timeOffset="192775">9536 2517 0,'-24'0'0,"0"0"16,24 24-1,24-24-15,0 0 16,0 24-16,0-24 16,1 0-16,-1 0 0,0 0 15</inkml:trace>
+  <inkml:trace contextRef="#ctx0" brushRef="#br0" timeOffset="193349">10431 2638 0,'-24'0'16,"24"-24"-16,0 48 62,0 0-46,0 0-16,0 0 15,0 1-15,0-1 16,0 0-16,0 0 16,0 0-1,24-24 1,-24-24-1,24 24 1,0-24-16,1 0 0,-1 0 16,-24-1-16,24 25 0,0-24 15,0 0-15,1 24 16,-1-24-16,0 24 16,0 0-1,-24 24-15,0 0 16,24 0-16,1 1 15,-25-1-15,24-24 0,-24 24 16,24 0-16,0-24 0,-24 24 16,24-24-16</inkml:trace>
+  <inkml:trace contextRef="#ctx0" brushRef="#br0" timeOffset="195792">1964 2396 0,'25'0'94,"-25"24"-79,24-24-15,-24 24 16,24-24-16,-24 24 16,24-24-16,0 25 0,1-1 31,-25 0-31,0 0 15,0 0 1,-25 1-16,25-1 16,-24 48-1,24-47-15,0-1 0,-24 24 16,24 1-16,0-1 0,0-24 16,0 73-1,0-49-15,0 1 0,0-25 16,0 24-16,0 1 0,0-25 15,0 24-15,0-24 16,0 1-16,0-1 0,0 0 16,0 0-16,0 0 15,24 0-15,-24 1 16,0-1-16,24-24 0,-24 24 16,0 0-16,0 0 15,25-24-15,-25 25 16,0-1-1,0 0-15,0 0 16,-25 0-16,25 1 0,0-1 16,0 0-16,0 0 15,0 0-15,0 1 0,0-1 16,25 0 0,-1-24-1,24 0-15,-24 0 16,49-24-16,-1 24 15,-23 0-15,23-24 0,1-1 16,0 25-16,-1 0 0,1-24 16,-1 24-16,1 0 15,-25 0-15,-24 0 0,25 0 16,-49 24 0,0 1-1,-24-1-15,-1-24 16,25 24-16,-24 0 15,0 0-15,24 0 16,24-24-16,-24 25 16,24-25-16,1 24 0,-1-24 15,24 0-15,-24 0 16,73 0-16,-48 0 16,23 0-16,-24 0 0,25 0 15,0 0 1,23 0-16,-23 0 0,24 0 0,-1 0 15,1-24-15,24 24 0,-24 0 16,0 0-16,24-25 16,-25 25-16,1 0 0,0-24 15,-24 24-15,23 0 16,-47 0-16,23-24 0,-48 24 16,25 0-16,-25 0 0,0 0 15,0 0-15,1 0 31,-1 0-15,0 0 0,0 0-16,25 24 0,-25-24 15,24 0-15,0 0 16,1 0-16,-1 0 0,1 0 16,47 24-1,-47-24-15,-1 0 0,1 25 16,-25-25-16,24 24 0,-24-24 15,25 0-15,-25 0 16,24 0-16,-24 0 0,25-24 16,-25-1-16,24 1 15,1 0-15,-25 0 0,24 0 16,25 0-16,-25-1 0,1 1 16,23 0-16,-23-24 15,23 23-15,-23 25 0,23-24 16,-23 0-16,23 24 15,-24-24-15,1 24 0,-1 0 16,1 0-16,-25 0 0,24 0 16,1 0-16,-1 24 15,0-24-15,1 0 0,-1 0 16,0 0-16,1 24 16,-1-24-16,1 0 0,-1 0 15,0 0-15,1 0 0,-25 0 16,0 0-16,25 0 15,-25 0-15,0-24 0,0 24 16,0 0 0,-24-24-16,-24 24 47,0-24-32,0 24 1</inkml:trace>
+  <inkml:trace contextRef="#ctx0" brushRef="#br0" timeOffset="196315">7335 3364 0,'-24'0'15,"-1"0"1,25 24 0,0 0 15,25-24-31,-1 24 16,0-24-16,0 24 0,24-24 15,1 24-15,23-24 16,1 25-16,-25-1 0,25-24 15,0 24-15,-1 0 16,-24-24-16,1 24 0,-1-24 16,-24 25-16,1-25 0,-1 0 15,-24 24-15,0 0 16,-24 0 0,-1 0-16,1-24 15,0 25-15,0-1 0,-25-24 16,25 24-16,-24 0 0,0 0 15,23-24-15,-23 25 16,0-1-16,23 0 0,-23 0 16,24 0-16,-25-24 15,25 24-15,24 1 0,-24-1 16,0-24-16,24 24 0,-24 0 16,24 0-1,0-48 16,0 0-31</inkml:trace>
+</inkml:ink>
+</file>
+
+<file path=ppt/ink/ink44.xml><?xml version="1.0" encoding="utf-8"?>
+<inkml:ink xmlns:inkml="http://www.w3.org/2003/InkML">
+  <inkml:definitions>
+    <inkml:context xml:id="ctx0">
+      <inkml:inkSource xml:id="inkSrc0">
+        <inkml:traceFormat>
+          <inkml:channel name="X" type="integer" max="1920" units="cm"/>
+          <inkml:channel name="Y" type="integer" max="1080" units="cm"/>
+          <inkml:channel name="T" type="integer" max="2.14748E9" units="dev"/>
+        </inkml:traceFormat>
+        <inkml:channelProperties>
+          <inkml:channelProperty channel="X" name="resolution" value="55.81395" units="1/cm"/>
+          <inkml:channelProperty channel="Y" name="resolution" value="55.6701" units="1/cm"/>
+          <inkml:channelProperty channel="T" name="resolution" value="1" units="1/dev"/>
+        </inkml:channelProperties>
+      </inkml:inkSource>
+      <inkml:timestamp xml:id="ts0" timeString="2021-10-19T08:09:41.570"/>
+    </inkml:context>
+    <inkml:brush xml:id="br0">
+      <inkml:brushProperty name="width" value="0.05" units="cm"/>
+      <inkml:brushProperty name="height" value="0.05" units="cm"/>
+      <inkml:brushProperty name="fitToCurve" value="1"/>
+    </inkml:brush>
+  </inkml:definitions>
+  <inkml:trace contextRef="#ctx0" brushRef="#br0">171 24 0,'-25'-24'0,"1"24"0,0 0 15,0 0-15,0 0 0,-1 24 16,1-24-16,24 24 15,0 0-15,0 0 0,0 1 16,0 23-16,24-24 0,-24 24 16,25 1-16,-25-25 15,0 24-15,24-23 0,-24 23 16,0-24-16,0 0 16,0 1-16,0-1 0,0 0 15,0 0-15,0 0 16,24-24-16,0 0 15,25 0-15,-25 0 16,24 0-16,1 0 16,-1-24-16,0 0 0</inkml:trace>
+</inkml:ink>
+</file>
+
+<file path=ppt/ink/ink45.xml><?xml version="1.0" encoding="utf-8"?>
+<inkml:ink xmlns:inkml="http://www.w3.org/2003/InkML">
+  <inkml:definitions>
+    <inkml:context xml:id="ctx0">
+      <inkml:inkSource xml:id="inkSrc0">
+        <inkml:traceFormat>
+          <inkml:channel name="X" type="integer" max="1920" units="cm"/>
+          <inkml:channel name="Y" type="integer" max="1080" units="cm"/>
+          <inkml:channel name="T" type="integer" max="2.14748E9" units="dev"/>
+        </inkml:traceFormat>
+        <inkml:channelProperties>
+          <inkml:channelProperty channel="X" name="resolution" value="55.81395" units="1/cm"/>
+          <inkml:channelProperty channel="Y" name="resolution" value="55.6701" units="1/cm"/>
+          <inkml:channelProperty channel="T" name="resolution" value="1" units="1/dev"/>
+        </inkml:channelProperties>
+      </inkml:inkSource>
+      <inkml:timestamp xml:id="ts0" timeString="2021-10-19T08:09:43.054"/>
+    </inkml:context>
+    <inkml:brush xml:id="br0">
+      <inkml:brushProperty name="width" value="0.05" units="cm"/>
+      <inkml:brushProperty name="height" value="0.05" units="cm"/>
+      <inkml:brushProperty name="fitToCurve" value="1"/>
+    </inkml:brush>
+  </inkml:definitions>
+  <inkml:trace contextRef="#ctx0" brushRef="#br0">1621 411 0,'24'0'31,"-48"0"-15,-24 0-1,24 24 1,-25-24-16,1 0 0,-25 0 15,-23 25-15,-1-25 0,0 0 16,-24 0-16,24-25 16,-24 25-16,25-24 0,-25 24 15,24-24-15,24 0 16,1 0-16,-1-25 0,25 25 16,24 0-16,-1 0 0,25 0 15,0-1 1,0 1-16,25 24 15,-1 0-15,-24 24 16,24 1-16</inkml:trace>
+  <inkml:trace contextRef="#ctx0" brushRef="#br0" timeOffset="413">726 48 0,'0'-24'0,"0"0"31,-24 24-31,-24 0 16,23 24-1,-23-24-15,0 24 16,-1-24-16,1 25 0,-25-1 16,1 0-16,23 0 0,-23-24 15,23 24-15,1 1 0,24-1 16,0-24-16,-1 24 15,25 0-15,25 0 16,-1 0-16,24 1 16,-24-1-16,25 0 15,-1 24-15,1 1 0,-1-1 16</inkml:trace>
+</inkml:ink>
+</file>
+
+<file path=ppt/ink/ink46.xml><?xml version="1.0" encoding="utf-8"?>
+<inkml:ink xmlns:inkml="http://www.w3.org/2003/InkML">
+  <inkml:definitions>
+    <inkml:context xml:id="ctx0">
+      <inkml:inkSource xml:id="inkSrc0">
+        <inkml:traceFormat>
+          <inkml:channel name="X" type="integer" max="1920" units="cm"/>
+          <inkml:channel name="Y" type="integer" max="1080" units="cm"/>
+          <inkml:channel name="T" type="integer" max="2.14748E9" units="dev"/>
+        </inkml:traceFormat>
+        <inkml:channelProperties>
+          <inkml:channelProperty channel="X" name="resolution" value="55.81395" units="1/cm"/>
+          <inkml:channelProperty channel="Y" name="resolution" value="55.6701" units="1/cm"/>
+          <inkml:channelProperty channel="T" name="resolution" value="1" units="1/dev"/>
+        </inkml:channelProperties>
+      </inkml:inkSource>
+      <inkml:timestamp xml:id="ts0" timeString="2021-10-19T08:09:42"/>
+    </inkml:context>
+    <inkml:brush xml:id="br0">
+      <inkml:brushProperty name="width" value="0.05" units="cm"/>
+      <inkml:brushProperty name="height" value="0.05" units="cm"/>
+      <inkml:brushProperty name="fitToCurve" value="1"/>
+    </inkml:brush>
+  </inkml:definitions>
+  <inkml:trace contextRef="#ctx0" brushRef="#br0">73 486 0,'-49'0'0,"25"0"15,72 0 17,1 0-32,23 0 0,25 0 15,0 0-15,24 0 16,0 0-16,24-25 0,-24 25 16,24-24-16,-24 24 15,0-24-15,0 24 0,-24-24 16,-25 0-16,1 24 0,-25-24 15,0 24-15,1-25 16,-25 25-16,0-24 0,0 24 16,-24-24-16,0 0 47</inkml:trace>
+  <inkml:trace contextRef="#ctx0" brushRef="#br0" timeOffset="325">1524 26 0,'-24'0'0,"24"-24"15,24 24 17,0 0-32,0 0 15,25 0-15,-25 24 16,24-24-16,25 0 0,-25 24 16,1 0-16,-1 1 0,0-1 15,1 0-15,-1 0 0,-24 25 16,1-25-16,-25 24 15,0 1-15,-49-1 0,1-24 16,-1 24-16,-47 1 16,-1-25-16,0 24 0,-24-23 15</inkml:trace>
+</inkml:ink>
+</file>
+
+<file path=ppt/ink/ink47.xml><?xml version="1.0" encoding="utf-8"?>
+<inkml:ink xmlns:inkml="http://www.w3.org/2003/InkML">
+  <inkml:definitions>
+    <inkml:context xml:id="ctx0">
+      <inkml:inkSource xml:id="inkSrc0">
+        <inkml:traceFormat>
+          <inkml:channel name="X" type="integer" max="1920" units="cm"/>
+          <inkml:channel name="Y" type="integer" max="1080" units="cm"/>
+          <inkml:channel name="T" type="integer" max="2.14748E9" units="dev"/>
+        </inkml:traceFormat>
+        <inkml:channelProperties>
+          <inkml:channelProperty channel="X" name="resolution" value="55.81395" units="1/cm"/>
+          <inkml:channelProperty channel="Y" name="resolution" value="55.6701" units="1/cm"/>
+          <inkml:channelProperty channel="T" name="resolution" value="1" units="1/dev"/>
+        </inkml:channelProperties>
+      </inkml:inkSource>
+      <inkml:timestamp xml:id="ts0" timeString="2021-10-19T08:09:40.255"/>
+    </inkml:context>
+    <inkml:brush xml:id="br0">
+      <inkml:brushProperty name="width" value="0.05" units="cm"/>
+      <inkml:brushProperty name="height" value="0.05" units="cm"/>
+      <inkml:brushProperty name="fitToCurve" value="1"/>
+    </inkml:brush>
+  </inkml:definitions>
+  <inkml:trace contextRef="#ctx0" brushRef="#br0">539 124 0,'-24'-24'15,"24"0"-15,24 24 31,-24 24-15,24-24-16,-24 24 16,0 25-16,24-25 0,1 24 15,-25-24-15,0 25 16,24-25-16,-24 24 0,0-23 16,0 23-16,0-24 0,0 0 15,0 1-15</inkml:trace>
+  <inkml:trace contextRef="#ctx0" brushRef="#br0" timeOffset="378">128 269 0,'-24'0'0,"-25"-24"0,25 0 15,0 24-15,24-24 16,0 0-16,0-1 0,24 1 16,0 0-16,25 0 15,-1 0-15,25 24 0,-1-24 16,1 24-16,-1 0 16,1 0-16,-1 0 0,1 24 15,-25 0-15,1 24 0,-25 1 16,24 47-1,-48-47-15,-24 23 0,0-23 16,0-1-16,-25 1 0,-23-1 16,-1-24-16,1 24 15,-1-23-15,1-1 0,23 0 16,-23 0-16,23 0 16,25-24-16,0 0 0,0-24 15,24 0-15,24 0 0</inkml:trace>
+  <inkml:trace contextRef="#ctx0" brushRef="#br0" timeOffset="667">1289 124 0,'-24'0'0,"24"-24"16,0 48 15,0 0-31,24 1 0,-24-1 16,24 0-16,-24 24 0,24 1 15,-24-25-15,25 24 16,-25 1-16,0-25 0,0 24 15,0-23-15,0-1 16,-25 0-16</inkml:trace>
+  <inkml:trace contextRef="#ctx0" brushRef="#br0" timeOffset="966">1216 173 0,'0'-25'0,"0"1"15,-24-24-15,24 24 16,24 0-16,25-1 16,23 25-1,-23 0-15,23 0 16,-23 0-16,23 0 0,1 25 16,-25-1-16,1 0 15,-25 0-15,0 24 0,-24 1 16,0-25-16,-24 24 0,-25 1 15,1-1-15,-25-24 16,1 25-16,-1-25 0,-23 24 16,23-23-16,25-1 15,-25-24-15,25 24 0,23-24 16,1 0-16</inkml:trace>
 </inkml:ink>
 </file>
 
@@ -828,7 +1947,7 @@
           <a:p>
             <a:fld id="{8FFC6F69-B44F-47C0-94B0-F8979272EA92}" type="datetimeFigureOut">
               <a:rPr lang="en-US" smtClean="0"/>
-              <a:t>10/18/2021</a:t>
+              <a:t>10/19/2021</a:t>
             </a:fld>
             <a:endParaRPr lang="en-US"/>
           </a:p>
@@ -1026,7 +2145,7 @@
           <a:p>
             <a:fld id="{8FFC6F69-B44F-47C0-94B0-F8979272EA92}" type="datetimeFigureOut">
               <a:rPr lang="en-US" smtClean="0"/>
-              <a:t>10/18/2021</a:t>
+              <a:t>10/19/2021</a:t>
             </a:fld>
             <a:endParaRPr lang="en-US"/>
           </a:p>
@@ -1234,7 +2353,7 @@
           <a:p>
             <a:fld id="{8FFC6F69-B44F-47C0-94B0-F8979272EA92}" type="datetimeFigureOut">
               <a:rPr lang="en-US" smtClean="0"/>
-              <a:t>10/18/2021</a:t>
+              <a:t>10/19/2021</a:t>
             </a:fld>
             <a:endParaRPr lang="en-US"/>
           </a:p>
@@ -1432,7 +2551,7 @@
           <a:p>
             <a:fld id="{8FFC6F69-B44F-47C0-94B0-F8979272EA92}" type="datetimeFigureOut">
               <a:rPr lang="en-US" smtClean="0"/>
-              <a:t>10/18/2021</a:t>
+              <a:t>10/19/2021</a:t>
             </a:fld>
             <a:endParaRPr lang="en-US"/>
           </a:p>
@@ -1707,7 +2826,7 @@
           <a:p>
             <a:fld id="{8FFC6F69-B44F-47C0-94B0-F8979272EA92}" type="datetimeFigureOut">
               <a:rPr lang="en-US" smtClean="0"/>
-              <a:t>10/18/2021</a:t>
+              <a:t>10/19/2021</a:t>
             </a:fld>
             <a:endParaRPr lang="en-US"/>
           </a:p>
@@ -1972,7 +3091,7 @@
           <a:p>
             <a:fld id="{8FFC6F69-B44F-47C0-94B0-F8979272EA92}" type="datetimeFigureOut">
               <a:rPr lang="en-US" smtClean="0"/>
-              <a:t>10/18/2021</a:t>
+              <a:t>10/19/2021</a:t>
             </a:fld>
             <a:endParaRPr lang="en-US"/>
           </a:p>
@@ -2384,7 +3503,7 @@
           <a:p>
             <a:fld id="{8FFC6F69-B44F-47C0-94B0-F8979272EA92}" type="datetimeFigureOut">
               <a:rPr lang="en-US" smtClean="0"/>
-              <a:t>10/18/2021</a:t>
+              <a:t>10/19/2021</a:t>
             </a:fld>
             <a:endParaRPr lang="en-US"/>
           </a:p>
@@ -2525,7 +3644,7 @@
           <a:p>
             <a:fld id="{8FFC6F69-B44F-47C0-94B0-F8979272EA92}" type="datetimeFigureOut">
               <a:rPr lang="en-US" smtClean="0"/>
-              <a:t>10/18/2021</a:t>
+              <a:t>10/19/2021</a:t>
             </a:fld>
             <a:endParaRPr lang="en-US"/>
           </a:p>
@@ -2638,7 +3757,7 @@
           <a:p>
             <a:fld id="{8FFC6F69-B44F-47C0-94B0-F8979272EA92}" type="datetimeFigureOut">
               <a:rPr lang="en-US" smtClean="0"/>
-              <a:t>10/18/2021</a:t>
+              <a:t>10/19/2021</a:t>
             </a:fld>
             <a:endParaRPr lang="en-US"/>
           </a:p>
@@ -2949,7 +4068,7 @@
           <a:p>
             <a:fld id="{8FFC6F69-B44F-47C0-94B0-F8979272EA92}" type="datetimeFigureOut">
               <a:rPr lang="en-US" smtClean="0"/>
-              <a:t>10/18/2021</a:t>
+              <a:t>10/19/2021</a:t>
             </a:fld>
             <a:endParaRPr lang="en-US"/>
           </a:p>
@@ -3237,7 +4356,7 @@
           <a:p>
             <a:fld id="{8FFC6F69-B44F-47C0-94B0-F8979272EA92}" type="datetimeFigureOut">
               <a:rPr lang="en-US" smtClean="0"/>
-              <a:t>10/18/2021</a:t>
+              <a:t>10/19/2021</a:t>
             </a:fld>
             <a:endParaRPr lang="en-US"/>
           </a:p>
@@ -3478,7 +4597,7 @@
           <a:p>
             <a:fld id="{8FFC6F69-B44F-47C0-94B0-F8979272EA92}" type="datetimeFigureOut">
               <a:rPr lang="en-US" smtClean="0"/>
-              <a:t>10/18/2021</a:t>
+              <a:t>10/19/2021</a:t>
             </a:fld>
             <a:endParaRPr lang="en-US"/>
           </a:p>
@@ -3895,8 +5014,8 @@
           <a:chExt cx="0" cy="0"/>
         </a:xfrm>
       </p:grpSpPr>
-      <mc:AlternateContent xmlns:mc="http://schemas.openxmlformats.org/markup-compatibility/2006">
-        <mc:Choice xmlns:p14="http://schemas.microsoft.com/office/powerpoint/2010/main" Requires="p14">
+      <mc:AlternateContent xmlns:mc="http://schemas.openxmlformats.org/markup-compatibility/2006" xmlns:p14="http://schemas.microsoft.com/office/powerpoint/2010/main">
+        <mc:Choice Requires="p14">
           <p:contentPart p14:bwMode="auto" r:id="rId2">
             <p14:nvContentPartPr>
               <p14:cNvPr id="44" name="Ink 43">
@@ -3915,7 +5034,7 @@
             </p14:xfrm>
           </p:contentPart>
         </mc:Choice>
-        <mc:Fallback>
+        <mc:Fallback xmlns="">
           <p:pic>
             <p:nvPicPr>
               <p:cNvPr id="44" name="Ink 43">
@@ -3946,8 +5065,8 @@
           </p:pic>
         </mc:Fallback>
       </mc:AlternateContent>
-      <mc:AlternateContent xmlns:mc="http://schemas.openxmlformats.org/markup-compatibility/2006">
-        <mc:Choice xmlns:p14="http://schemas.microsoft.com/office/powerpoint/2010/main" Requires="p14">
+      <mc:AlternateContent xmlns:mc="http://schemas.openxmlformats.org/markup-compatibility/2006" xmlns:p14="http://schemas.microsoft.com/office/powerpoint/2010/main">
+        <mc:Choice Requires="p14">
           <p:contentPart p14:bwMode="auto" r:id="rId4">
             <p14:nvContentPartPr>
               <p14:cNvPr id="74" name="Ink 73">
@@ -3966,7 +5085,7 @@
             </p14:xfrm>
           </p:contentPart>
         </mc:Choice>
-        <mc:Fallback>
+        <mc:Fallback xmlns="">
           <p:pic>
             <p:nvPicPr>
               <p:cNvPr id="74" name="Ink 73">
@@ -4576,8 +5695,8 @@
           </a:p>
         </p:txBody>
       </p:sp>
-      <mc:AlternateContent xmlns:mc="http://schemas.openxmlformats.org/markup-compatibility/2006">
-        <mc:Choice xmlns:p14="http://schemas.microsoft.com/office/powerpoint/2010/main" Requires="p14">
+      <mc:AlternateContent xmlns:mc="http://schemas.openxmlformats.org/markup-compatibility/2006" xmlns:p14="http://schemas.microsoft.com/office/powerpoint/2010/main">
+        <mc:Choice Requires="p14">
           <p:contentPart p14:bwMode="auto" r:id="rId2">
             <p14:nvContentPartPr>
               <p14:cNvPr id="18" name="Ink 17">
@@ -4596,7 +5715,7 @@
             </p14:xfrm>
           </p:contentPart>
         </mc:Choice>
-        <mc:Fallback>
+        <mc:Fallback xmlns="">
           <p:pic>
             <p:nvPicPr>
               <p:cNvPr id="18" name="Ink 17">
@@ -5647,8 +6766,8 @@
           </a:p>
         </p:txBody>
       </p:sp>
-      <mc:AlternateContent xmlns:mc="http://schemas.openxmlformats.org/markup-compatibility/2006">
-        <mc:Choice xmlns:p14="http://schemas.microsoft.com/office/powerpoint/2010/main" Requires="p14">
+      <mc:AlternateContent xmlns:mc="http://schemas.openxmlformats.org/markup-compatibility/2006" xmlns:p14="http://schemas.microsoft.com/office/powerpoint/2010/main">
+        <mc:Choice Requires="p14">
           <p:contentPart p14:bwMode="auto" r:id="rId4">
             <p14:nvContentPartPr>
               <p14:cNvPr id="38" name="Ink 37">
@@ -5667,7 +6786,7 @@
             </p14:xfrm>
           </p:contentPart>
         </mc:Choice>
-        <mc:Fallback>
+        <mc:Fallback xmlns="">
           <p:pic>
             <p:nvPicPr>
               <p:cNvPr id="38" name="Ink 37">
@@ -5698,8 +6817,8 @@
           </p:pic>
         </mc:Fallback>
       </mc:AlternateContent>
-      <mc:AlternateContent xmlns:mc="http://schemas.openxmlformats.org/markup-compatibility/2006">
-        <mc:Choice xmlns:p14="http://schemas.microsoft.com/office/powerpoint/2010/main" Requires="p14">
+      <mc:AlternateContent xmlns:mc="http://schemas.openxmlformats.org/markup-compatibility/2006" xmlns:p14="http://schemas.microsoft.com/office/powerpoint/2010/main">
+        <mc:Choice Requires="p14">
           <p:contentPart p14:bwMode="auto" r:id="rId6">
             <p14:nvContentPartPr>
               <p14:cNvPr id="41" name="Ink 40">
@@ -5718,7 +6837,7 @@
             </p14:xfrm>
           </p:contentPart>
         </mc:Choice>
-        <mc:Fallback>
+        <mc:Fallback xmlns="">
           <p:pic>
             <p:nvPicPr>
               <p:cNvPr id="41" name="Ink 40">
@@ -5749,8 +6868,8 @@
           </p:pic>
         </mc:Fallback>
       </mc:AlternateContent>
-      <mc:AlternateContent xmlns:mc="http://schemas.openxmlformats.org/markup-compatibility/2006">
-        <mc:Choice xmlns:p14="http://schemas.microsoft.com/office/powerpoint/2010/main" Requires="p14">
+      <mc:AlternateContent xmlns:mc="http://schemas.openxmlformats.org/markup-compatibility/2006" xmlns:p14="http://schemas.microsoft.com/office/powerpoint/2010/main">
+        <mc:Choice Requires="p14">
           <p:contentPart p14:bwMode="auto" r:id="rId8">
             <p14:nvContentPartPr>
               <p14:cNvPr id="44" name="Ink 43">
@@ -5769,7 +6888,7 @@
             </p14:xfrm>
           </p:contentPart>
         </mc:Choice>
-        <mc:Fallback>
+        <mc:Fallback xmlns="">
           <p:pic>
             <p:nvPicPr>
               <p:cNvPr id="44" name="Ink 43">
@@ -5800,8 +6919,8 @@
           </p:pic>
         </mc:Fallback>
       </mc:AlternateContent>
-      <mc:AlternateContent xmlns:mc="http://schemas.openxmlformats.org/markup-compatibility/2006">
-        <mc:Choice xmlns:p14="http://schemas.microsoft.com/office/powerpoint/2010/main" Requires="p14">
+      <mc:AlternateContent xmlns:mc="http://schemas.openxmlformats.org/markup-compatibility/2006" xmlns:p14="http://schemas.microsoft.com/office/powerpoint/2010/main">
+        <mc:Choice Requires="p14">
           <p:contentPart p14:bwMode="auto" r:id="rId10">
             <p14:nvContentPartPr>
               <p14:cNvPr id="47" name="Ink 46">
@@ -5820,7 +6939,7 @@
             </p14:xfrm>
           </p:contentPart>
         </mc:Choice>
-        <mc:Fallback>
+        <mc:Fallback xmlns="">
           <p:pic>
             <p:nvPicPr>
               <p:cNvPr id="47" name="Ink 46">
@@ -5851,8 +6970,8 @@
           </p:pic>
         </mc:Fallback>
       </mc:AlternateContent>
-      <mc:AlternateContent xmlns:mc="http://schemas.openxmlformats.org/markup-compatibility/2006">
-        <mc:Choice xmlns:p14="http://schemas.microsoft.com/office/powerpoint/2010/main" Requires="p14">
+      <mc:AlternateContent xmlns:mc="http://schemas.openxmlformats.org/markup-compatibility/2006" xmlns:p14="http://schemas.microsoft.com/office/powerpoint/2010/main">
+        <mc:Choice Requires="p14">
           <p:contentPart p14:bwMode="auto" r:id="rId12">
             <p14:nvContentPartPr>
               <p14:cNvPr id="52" name="Ink 51">
@@ -5871,7 +6990,7 @@
             </p14:xfrm>
           </p:contentPart>
         </mc:Choice>
-        <mc:Fallback>
+        <mc:Fallback xmlns="">
           <p:pic>
             <p:nvPicPr>
               <p:cNvPr id="52" name="Ink 51">
@@ -5902,8 +7021,8 @@
           </p:pic>
         </mc:Fallback>
       </mc:AlternateContent>
-      <mc:AlternateContent xmlns:mc="http://schemas.openxmlformats.org/markup-compatibility/2006">
-        <mc:Choice xmlns:p14="http://schemas.microsoft.com/office/powerpoint/2010/main" Requires="p14">
+      <mc:AlternateContent xmlns:mc="http://schemas.openxmlformats.org/markup-compatibility/2006" xmlns:p14="http://schemas.microsoft.com/office/powerpoint/2010/main">
+        <mc:Choice Requires="p14">
           <p:contentPart p14:bwMode="auto" r:id="rId14">
             <p14:nvContentPartPr>
               <p14:cNvPr id="53" name="Ink 52">
@@ -5922,7 +7041,7 @@
             </p14:xfrm>
           </p:contentPart>
         </mc:Choice>
-        <mc:Fallback>
+        <mc:Fallback xmlns="">
           <p:pic>
             <p:nvPicPr>
               <p:cNvPr id="53" name="Ink 52">
@@ -5953,8 +7072,8 @@
           </p:pic>
         </mc:Fallback>
       </mc:AlternateContent>
-      <mc:AlternateContent xmlns:mc="http://schemas.openxmlformats.org/markup-compatibility/2006">
-        <mc:Choice xmlns:p14="http://schemas.microsoft.com/office/powerpoint/2010/main" Requires="p14">
+      <mc:AlternateContent xmlns:mc="http://schemas.openxmlformats.org/markup-compatibility/2006" xmlns:p14="http://schemas.microsoft.com/office/powerpoint/2010/main">
+        <mc:Choice Requires="p14">
           <p:contentPart p14:bwMode="auto" r:id="rId16">
             <p14:nvContentPartPr>
               <p14:cNvPr id="56" name="Ink 55">
@@ -5973,7 +7092,7 @@
             </p14:xfrm>
           </p:contentPart>
         </mc:Choice>
-        <mc:Fallback>
+        <mc:Fallback xmlns="">
           <p:pic>
             <p:nvPicPr>
               <p:cNvPr id="56" name="Ink 55">
@@ -6004,8 +7123,8 @@
           </p:pic>
         </mc:Fallback>
       </mc:AlternateContent>
-      <mc:AlternateContent xmlns:mc="http://schemas.openxmlformats.org/markup-compatibility/2006">
-        <mc:Choice xmlns:p14="http://schemas.microsoft.com/office/powerpoint/2010/main" Requires="p14">
+      <mc:AlternateContent xmlns:mc="http://schemas.openxmlformats.org/markup-compatibility/2006" xmlns:p14="http://schemas.microsoft.com/office/powerpoint/2010/main">
+        <mc:Choice Requires="p14">
           <p:contentPart p14:bwMode="auto" r:id="rId18">
             <p14:nvContentPartPr>
               <p14:cNvPr id="59" name="Ink 58">
@@ -6024,7 +7143,7 @@
             </p14:xfrm>
           </p:contentPart>
         </mc:Choice>
-        <mc:Fallback>
+        <mc:Fallback xmlns="">
           <p:pic>
             <p:nvPicPr>
               <p:cNvPr id="59" name="Ink 58">
@@ -6055,8 +7174,8 @@
           </p:pic>
         </mc:Fallback>
       </mc:AlternateContent>
-      <mc:AlternateContent xmlns:mc="http://schemas.openxmlformats.org/markup-compatibility/2006">
-        <mc:Choice xmlns:p14="http://schemas.microsoft.com/office/powerpoint/2010/main" Requires="p14">
+      <mc:AlternateContent xmlns:mc="http://schemas.openxmlformats.org/markup-compatibility/2006" xmlns:p14="http://schemas.microsoft.com/office/powerpoint/2010/main">
+        <mc:Choice Requires="p14">
           <p:contentPart p14:bwMode="auto" r:id="rId20">
             <p14:nvContentPartPr>
               <p14:cNvPr id="62" name="Ink 61">
@@ -6075,7 +7194,7 @@
             </p14:xfrm>
           </p:contentPart>
         </mc:Choice>
-        <mc:Fallback>
+        <mc:Fallback xmlns="">
           <p:pic>
             <p:nvPicPr>
               <p:cNvPr id="62" name="Ink 61">
@@ -6136,8 +7255,8 @@
           <a:chExt cx="0" cy="0"/>
         </a:xfrm>
       </p:grpSpPr>
-      <mc:AlternateContent xmlns:mc="http://schemas.openxmlformats.org/markup-compatibility/2006">
-        <mc:Choice xmlns:p14="http://schemas.microsoft.com/office/powerpoint/2010/main" Requires="p14">
+      <mc:AlternateContent xmlns:mc="http://schemas.openxmlformats.org/markup-compatibility/2006" xmlns:p14="http://schemas.microsoft.com/office/powerpoint/2010/main">
+        <mc:Choice Requires="p14">
           <p:contentPart p14:bwMode="auto" r:id="rId2">
             <p14:nvContentPartPr>
               <p14:cNvPr id="168" name="Ink 167">
@@ -6156,7 +7275,7 @@
             </p14:xfrm>
           </p:contentPart>
         </mc:Choice>
-        <mc:Fallback>
+        <mc:Fallback xmlns="">
           <p:pic>
             <p:nvPicPr>
               <p:cNvPr id="168" name="Ink 167">
@@ -6217,6 +7336,2729 @@
           <a:chExt cx="0" cy="0"/>
         </a:xfrm>
       </p:grpSpPr>
+      <p:sp>
+        <p:nvSpPr>
+          <p:cNvPr id="2" name="Rectangle 1">
+            <a:extLst>
+              <a:ext uri="{FF2B5EF4-FFF2-40B4-BE49-F238E27FC236}">
+                <a16:creationId xmlns:a16="http://schemas.microsoft.com/office/drawing/2014/main" id="{1376E375-6C4B-485D-97C2-53B9CD6957F9}"/>
+              </a:ext>
+            </a:extLst>
+          </p:cNvPr>
+          <p:cNvSpPr/>
+          <p:nvPr/>
+        </p:nvSpPr>
+        <p:spPr>
+          <a:xfrm>
+            <a:off x="322217" y="3143794"/>
+            <a:ext cx="1959429" cy="1767840"/>
+          </a:xfrm>
+          <a:prstGeom prst="rect">
+            <a:avLst/>
+          </a:prstGeom>
+        </p:spPr>
+        <p:style>
+          <a:lnRef idx="2">
+            <a:schemeClr val="accent1">
+              <a:shade val="50000"/>
+            </a:schemeClr>
+          </a:lnRef>
+          <a:fillRef idx="1">
+            <a:schemeClr val="accent1"/>
+          </a:fillRef>
+          <a:effectRef idx="0">
+            <a:schemeClr val="accent1"/>
+          </a:effectRef>
+          <a:fontRef idx="minor">
+            <a:schemeClr val="lt1"/>
+          </a:fontRef>
+        </p:style>
+        <p:txBody>
+          <a:bodyPr rtlCol="0" anchor="ctr"/>
+          <a:lstStyle/>
+          <a:p>
+            <a:pPr algn="ctr"/>
+            <a:r>
+              <a:rPr lang="en-US" dirty="0"/>
+              <a:t>D</a:t>
+            </a:r>
+          </a:p>
+        </p:txBody>
+      </p:sp>
+      <p:sp>
+        <p:nvSpPr>
+          <p:cNvPr id="3" name="Rectangle 2">
+            <a:extLst>
+              <a:ext uri="{FF2B5EF4-FFF2-40B4-BE49-F238E27FC236}">
+                <a16:creationId xmlns:a16="http://schemas.microsoft.com/office/drawing/2014/main" id="{D3851083-4E3E-4F37-A2F4-58A2EAD63E45}"/>
+              </a:ext>
+            </a:extLst>
+          </p:cNvPr>
+          <p:cNvSpPr/>
+          <p:nvPr/>
+        </p:nvSpPr>
+        <p:spPr>
+          <a:xfrm>
+            <a:off x="5081452" y="3143794"/>
+            <a:ext cx="1959429" cy="1767840"/>
+          </a:xfrm>
+          <a:prstGeom prst="rect">
+            <a:avLst/>
+          </a:prstGeom>
+        </p:spPr>
+        <p:style>
+          <a:lnRef idx="2">
+            <a:schemeClr val="accent1">
+              <a:shade val="50000"/>
+            </a:schemeClr>
+          </a:lnRef>
+          <a:fillRef idx="1">
+            <a:schemeClr val="accent1"/>
+          </a:fillRef>
+          <a:effectRef idx="0">
+            <a:schemeClr val="accent1"/>
+          </a:effectRef>
+          <a:fontRef idx="minor">
+            <a:schemeClr val="lt1"/>
+          </a:fontRef>
+        </p:style>
+        <p:txBody>
+          <a:bodyPr rtlCol="0" anchor="ctr"/>
+          <a:lstStyle/>
+          <a:p>
+            <a:pPr algn="ctr"/>
+            <a:r>
+              <a:rPr lang="en-US" dirty="0"/>
+              <a:t>Q</a:t>
+            </a:r>
+          </a:p>
+        </p:txBody>
+      </p:sp>
+      <p:sp>
+        <p:nvSpPr>
+          <p:cNvPr id="4" name="Rectangle 3">
+            <a:extLst>
+              <a:ext uri="{FF2B5EF4-FFF2-40B4-BE49-F238E27FC236}">
+                <a16:creationId xmlns:a16="http://schemas.microsoft.com/office/drawing/2014/main" id="{E4195042-C44C-4D91-B37C-ED48B9D65567}"/>
+              </a:ext>
+            </a:extLst>
+          </p:cNvPr>
+          <p:cNvSpPr/>
+          <p:nvPr/>
+        </p:nvSpPr>
+        <p:spPr>
+          <a:xfrm>
+            <a:off x="9714411" y="3143794"/>
+            <a:ext cx="1959429" cy="1767840"/>
+          </a:xfrm>
+          <a:prstGeom prst="rect">
+            <a:avLst/>
+          </a:prstGeom>
+        </p:spPr>
+        <p:style>
+          <a:lnRef idx="2">
+            <a:schemeClr val="accent1">
+              <a:shade val="50000"/>
+            </a:schemeClr>
+          </a:lnRef>
+          <a:fillRef idx="1">
+            <a:schemeClr val="accent1"/>
+          </a:fillRef>
+          <a:effectRef idx="0">
+            <a:schemeClr val="accent1"/>
+          </a:effectRef>
+          <a:fontRef idx="minor">
+            <a:schemeClr val="lt1"/>
+          </a:fontRef>
+        </p:style>
+        <p:txBody>
+          <a:bodyPr rtlCol="0" anchor="ctr"/>
+          <a:lstStyle/>
+          <a:p>
+            <a:pPr algn="ctr"/>
+            <a:r>
+              <a:rPr lang="en-US" dirty="0"/>
+              <a:t>P</a:t>
+            </a:r>
+          </a:p>
+        </p:txBody>
+      </p:sp>
+      <mc:AlternateContent xmlns:mc="http://schemas.openxmlformats.org/markup-compatibility/2006">
+        <mc:Choice xmlns:p14="http://schemas.microsoft.com/office/powerpoint/2010/main" Requires="p14">
+          <p:contentPart p14:bwMode="auto" r:id="rId2">
+            <p14:nvContentPartPr>
+              <p14:cNvPr id="17" name="Ink 16">
+                <a:extLst>
+                  <a:ext uri="{FF2B5EF4-FFF2-40B4-BE49-F238E27FC236}">
+                    <a16:creationId xmlns:a16="http://schemas.microsoft.com/office/drawing/2014/main" id="{C443C25B-996B-49B1-BCDA-60D43A0C4F12}"/>
+                  </a:ext>
+                </a:extLst>
+              </p14:cNvPr>
+              <p14:cNvContentPartPr/>
+              <p14:nvPr/>
+            </p14:nvContentPartPr>
+            <p14:xfrm>
+              <a:off x="1283537" y="2081211"/>
+              <a:ext cx="650160" cy="193680"/>
+            </p14:xfrm>
+          </p:contentPart>
+        </mc:Choice>
+        <mc:Fallback>
+          <p:pic>
+            <p:nvPicPr>
+              <p:cNvPr id="17" name="Ink 16">
+                <a:extLst>
+                  <a:ext uri="{FF2B5EF4-FFF2-40B4-BE49-F238E27FC236}">
+                    <a16:creationId xmlns:a16="http://schemas.microsoft.com/office/drawing/2014/main" id="{C443C25B-996B-49B1-BCDA-60D43A0C4F12}"/>
+                  </a:ext>
+                </a:extLst>
+              </p:cNvPr>
+              <p:cNvPicPr/>
+              <p:nvPr/>
+            </p:nvPicPr>
+            <p:blipFill>
+              <a:blip r:embed="rId3"/>
+              <a:stretch>
+                <a:fillRect/>
+              </a:stretch>
+            </p:blipFill>
+            <p:spPr>
+              <a:xfrm>
+                <a:off x="1274537" y="2072211"/>
+                <a:ext cx="667800" cy="211320"/>
+              </a:xfrm>
+              <a:prstGeom prst="rect">
+                <a:avLst/>
+              </a:prstGeom>
+            </p:spPr>
+          </p:pic>
+        </mc:Fallback>
+      </mc:AlternateContent>
+      <mc:AlternateContent xmlns:mc="http://schemas.openxmlformats.org/markup-compatibility/2006">
+        <mc:Choice xmlns:p14="http://schemas.microsoft.com/office/powerpoint/2010/main" Requires="p14">
+          <p:contentPart p14:bwMode="auto" r:id="rId4">
+            <p14:nvContentPartPr>
+              <p14:cNvPr id="30" name="Ink 29">
+                <a:extLst>
+                  <a:ext uri="{FF2B5EF4-FFF2-40B4-BE49-F238E27FC236}">
+                    <a16:creationId xmlns:a16="http://schemas.microsoft.com/office/drawing/2014/main" id="{7137F9D6-1F46-4A24-B2AC-D742F49DED9E}"/>
+                  </a:ext>
+                </a:extLst>
+              </p14:cNvPr>
+              <p14:cNvContentPartPr/>
+              <p14:nvPr/>
+            </p14:nvContentPartPr>
+            <p14:xfrm>
+              <a:off x="1697537" y="2366691"/>
+              <a:ext cx="237240" cy="159120"/>
+            </p14:xfrm>
+          </p:contentPart>
+        </mc:Choice>
+        <mc:Fallback>
+          <p:pic>
+            <p:nvPicPr>
+              <p:cNvPr id="30" name="Ink 29">
+                <a:extLst>
+                  <a:ext uri="{FF2B5EF4-FFF2-40B4-BE49-F238E27FC236}">
+                    <a16:creationId xmlns:a16="http://schemas.microsoft.com/office/drawing/2014/main" id="{7137F9D6-1F46-4A24-B2AC-D742F49DED9E}"/>
+                  </a:ext>
+                </a:extLst>
+              </p:cNvPr>
+              <p:cNvPicPr/>
+              <p:nvPr/>
+            </p:nvPicPr>
+            <p:blipFill>
+              <a:blip r:embed="rId5"/>
+              <a:stretch>
+                <a:fillRect/>
+              </a:stretch>
+            </p:blipFill>
+            <p:spPr>
+              <a:xfrm>
+                <a:off x="1688537" y="2357691"/>
+                <a:ext cx="254880" cy="176760"/>
+              </a:xfrm>
+              <a:prstGeom prst="rect">
+                <a:avLst/>
+              </a:prstGeom>
+            </p:spPr>
+          </p:pic>
+        </mc:Fallback>
+      </mc:AlternateContent>
+      <mc:AlternateContent xmlns:mc="http://schemas.openxmlformats.org/markup-compatibility/2006">
+        <mc:Choice xmlns:p14="http://schemas.microsoft.com/office/powerpoint/2010/main" Requires="p14">
+          <p:contentPart p14:bwMode="auto" r:id="rId6">
+            <p14:nvContentPartPr>
+              <p14:cNvPr id="43" name="Ink 42">
+                <a:extLst>
+                  <a:ext uri="{FF2B5EF4-FFF2-40B4-BE49-F238E27FC236}">
+                    <a16:creationId xmlns:a16="http://schemas.microsoft.com/office/drawing/2014/main" id="{38D64238-64F5-408C-B8F9-E08EC7F8DCB7}"/>
+                  </a:ext>
+                </a:extLst>
+              </p14:cNvPr>
+              <p14:cNvContentPartPr/>
+              <p14:nvPr/>
+            </p14:nvContentPartPr>
+            <p14:xfrm>
+              <a:off x="1393337" y="2710851"/>
+              <a:ext cx="209520" cy="347040"/>
+            </p14:xfrm>
+          </p:contentPart>
+        </mc:Choice>
+        <mc:Fallback>
+          <p:pic>
+            <p:nvPicPr>
+              <p:cNvPr id="43" name="Ink 42">
+                <a:extLst>
+                  <a:ext uri="{FF2B5EF4-FFF2-40B4-BE49-F238E27FC236}">
+                    <a16:creationId xmlns:a16="http://schemas.microsoft.com/office/drawing/2014/main" id="{38D64238-64F5-408C-B8F9-E08EC7F8DCB7}"/>
+                  </a:ext>
+                </a:extLst>
+              </p:cNvPr>
+              <p:cNvPicPr/>
+              <p:nvPr/>
+            </p:nvPicPr>
+            <p:blipFill>
+              <a:blip r:embed="rId7"/>
+              <a:stretch>
+                <a:fillRect/>
+              </a:stretch>
+            </p:blipFill>
+            <p:spPr>
+              <a:xfrm>
+                <a:off x="1384337" y="2701851"/>
+                <a:ext cx="227160" cy="364680"/>
+              </a:xfrm>
+              <a:prstGeom prst="rect">
+                <a:avLst/>
+              </a:prstGeom>
+            </p:spPr>
+          </p:pic>
+        </mc:Fallback>
+      </mc:AlternateContent>
+      <mc:AlternateContent xmlns:mc="http://schemas.openxmlformats.org/markup-compatibility/2006">
+        <mc:Choice xmlns:p14="http://schemas.microsoft.com/office/powerpoint/2010/main" Requires="p14">
+          <p:contentPart p14:bwMode="auto" r:id="rId8">
+            <p14:nvContentPartPr>
+              <p14:cNvPr id="44" name="Ink 43">
+                <a:extLst>
+                  <a:ext uri="{FF2B5EF4-FFF2-40B4-BE49-F238E27FC236}">
+                    <a16:creationId xmlns:a16="http://schemas.microsoft.com/office/drawing/2014/main" id="{5FA034B9-5687-48C2-9745-035D5D3E865A}"/>
+                  </a:ext>
+                </a:extLst>
+              </p14:cNvPr>
+              <p14:cNvContentPartPr/>
+              <p14:nvPr/>
+            </p14:nvContentPartPr>
+            <p14:xfrm>
+              <a:off x="5833852" y="2107637"/>
+              <a:ext cx="650160" cy="193680"/>
+            </p14:xfrm>
+          </p:contentPart>
+        </mc:Choice>
+        <mc:Fallback>
+          <p:pic>
+            <p:nvPicPr>
+              <p:cNvPr id="44" name="Ink 43">
+                <a:extLst>
+                  <a:ext uri="{FF2B5EF4-FFF2-40B4-BE49-F238E27FC236}">
+                    <a16:creationId xmlns:a16="http://schemas.microsoft.com/office/drawing/2014/main" id="{5FA034B9-5687-48C2-9745-035D5D3E865A}"/>
+                  </a:ext>
+                </a:extLst>
+              </p:cNvPr>
+              <p:cNvPicPr/>
+              <p:nvPr/>
+            </p:nvPicPr>
+            <p:blipFill>
+              <a:blip r:embed="rId3"/>
+              <a:stretch>
+                <a:fillRect/>
+              </a:stretch>
+            </p:blipFill>
+            <p:spPr>
+              <a:xfrm>
+                <a:off x="5824852" y="2098637"/>
+                <a:ext cx="667800" cy="211320"/>
+              </a:xfrm>
+              <a:prstGeom prst="rect">
+                <a:avLst/>
+              </a:prstGeom>
+            </p:spPr>
+          </p:pic>
+        </mc:Fallback>
+      </mc:AlternateContent>
+      <mc:AlternateContent xmlns:mc="http://schemas.openxmlformats.org/markup-compatibility/2006">
+        <mc:Choice xmlns:p14="http://schemas.microsoft.com/office/powerpoint/2010/main" Requires="p14">
+          <p:contentPart p14:bwMode="auto" r:id="rId9">
+            <p14:nvContentPartPr>
+              <p14:cNvPr id="45" name="Ink 44">
+                <a:extLst>
+                  <a:ext uri="{FF2B5EF4-FFF2-40B4-BE49-F238E27FC236}">
+                    <a16:creationId xmlns:a16="http://schemas.microsoft.com/office/drawing/2014/main" id="{3032F06B-75E3-4A52-8EF3-5D16A24FF142}"/>
+                  </a:ext>
+                </a:extLst>
+              </p14:cNvPr>
+              <p14:cNvContentPartPr/>
+              <p14:nvPr/>
+            </p14:nvContentPartPr>
+            <p14:xfrm>
+              <a:off x="4831252" y="2116637"/>
+              <a:ext cx="861480" cy="183240"/>
+            </p14:xfrm>
+          </p:contentPart>
+        </mc:Choice>
+        <mc:Fallback>
+          <p:pic>
+            <p:nvPicPr>
+              <p:cNvPr id="45" name="Ink 44">
+                <a:extLst>
+                  <a:ext uri="{FF2B5EF4-FFF2-40B4-BE49-F238E27FC236}">
+                    <a16:creationId xmlns:a16="http://schemas.microsoft.com/office/drawing/2014/main" id="{3032F06B-75E3-4A52-8EF3-5D16A24FF142}"/>
+                  </a:ext>
+                </a:extLst>
+              </p:cNvPr>
+              <p:cNvPicPr/>
+              <p:nvPr/>
+            </p:nvPicPr>
+            <p:blipFill>
+              <a:blip r:embed="rId10"/>
+              <a:stretch>
+                <a:fillRect/>
+              </a:stretch>
+            </p:blipFill>
+            <p:spPr>
+              <a:xfrm>
+                <a:off x="4822252" y="2107637"/>
+                <a:ext cx="879120" cy="200880"/>
+              </a:xfrm>
+              <a:prstGeom prst="rect">
+                <a:avLst/>
+              </a:prstGeom>
+            </p:spPr>
+          </p:pic>
+        </mc:Fallback>
+      </mc:AlternateContent>
+      <mc:AlternateContent xmlns:mc="http://schemas.openxmlformats.org/markup-compatibility/2006">
+        <mc:Choice xmlns:p14="http://schemas.microsoft.com/office/powerpoint/2010/main" Requires="p14">
+          <p:contentPart p14:bwMode="auto" r:id="rId11">
+            <p14:nvContentPartPr>
+              <p14:cNvPr id="46" name="Ink 45">
+                <a:extLst>
+                  <a:ext uri="{FF2B5EF4-FFF2-40B4-BE49-F238E27FC236}">
+                    <a16:creationId xmlns:a16="http://schemas.microsoft.com/office/drawing/2014/main" id="{BC6BDB56-101C-4D34-A5D6-3639B7FD61A4}"/>
+                  </a:ext>
+                </a:extLst>
+              </p14:cNvPr>
+              <p14:cNvContentPartPr/>
+              <p14:nvPr/>
+            </p14:nvContentPartPr>
+            <p14:xfrm>
+              <a:off x="6648892" y="2097917"/>
+              <a:ext cx="320760" cy="210600"/>
+            </p14:xfrm>
+          </p:contentPart>
+        </mc:Choice>
+        <mc:Fallback>
+          <p:pic>
+            <p:nvPicPr>
+              <p:cNvPr id="46" name="Ink 45">
+                <a:extLst>
+                  <a:ext uri="{FF2B5EF4-FFF2-40B4-BE49-F238E27FC236}">
+                    <a16:creationId xmlns:a16="http://schemas.microsoft.com/office/drawing/2014/main" id="{BC6BDB56-101C-4D34-A5D6-3639B7FD61A4}"/>
+                  </a:ext>
+                </a:extLst>
+              </p:cNvPr>
+              <p:cNvPicPr/>
+              <p:nvPr/>
+            </p:nvPicPr>
+            <p:blipFill>
+              <a:blip r:embed="rId12"/>
+              <a:stretch>
+                <a:fillRect/>
+              </a:stretch>
+            </p:blipFill>
+            <p:spPr>
+              <a:xfrm>
+                <a:off x="6639892" y="2088917"/>
+                <a:ext cx="338400" cy="228240"/>
+              </a:xfrm>
+              <a:prstGeom prst="rect">
+                <a:avLst/>
+              </a:prstGeom>
+            </p:spPr>
+          </p:pic>
+        </mc:Fallback>
+      </mc:AlternateContent>
+      <mc:AlternateContent xmlns:mc="http://schemas.openxmlformats.org/markup-compatibility/2006">
+        <mc:Choice xmlns:p14="http://schemas.microsoft.com/office/powerpoint/2010/main" Requires="p14">
+          <p:contentPart p14:bwMode="auto" r:id="rId13">
+            <p14:nvContentPartPr>
+              <p14:cNvPr id="47" name="Ink 46">
+                <a:extLst>
+                  <a:ext uri="{FF2B5EF4-FFF2-40B4-BE49-F238E27FC236}">
+                    <a16:creationId xmlns:a16="http://schemas.microsoft.com/office/drawing/2014/main" id="{1C2FBFED-D94D-42DF-AE65-04EA8931B428}"/>
+                  </a:ext>
+                </a:extLst>
+              </p14:cNvPr>
+              <p14:cNvContentPartPr/>
+              <p14:nvPr/>
+            </p14:nvContentPartPr>
+            <p14:xfrm>
+              <a:off x="6579412" y="2383397"/>
+              <a:ext cx="418320" cy="187200"/>
+            </p14:xfrm>
+          </p:contentPart>
+        </mc:Choice>
+        <mc:Fallback>
+          <p:pic>
+            <p:nvPicPr>
+              <p:cNvPr id="47" name="Ink 46">
+                <a:extLst>
+                  <a:ext uri="{FF2B5EF4-FFF2-40B4-BE49-F238E27FC236}">
+                    <a16:creationId xmlns:a16="http://schemas.microsoft.com/office/drawing/2014/main" id="{1C2FBFED-D94D-42DF-AE65-04EA8931B428}"/>
+                  </a:ext>
+                </a:extLst>
+              </p:cNvPr>
+              <p:cNvPicPr/>
+              <p:nvPr/>
+            </p:nvPicPr>
+            <p:blipFill>
+              <a:blip r:embed="rId14"/>
+              <a:stretch>
+                <a:fillRect/>
+              </a:stretch>
+            </p:blipFill>
+            <p:spPr>
+              <a:xfrm>
+                <a:off x="6570412" y="2374397"/>
+                <a:ext cx="435960" cy="204840"/>
+              </a:xfrm>
+              <a:prstGeom prst="rect">
+                <a:avLst/>
+              </a:prstGeom>
+            </p:spPr>
+          </p:pic>
+        </mc:Fallback>
+      </mc:AlternateContent>
+      <mc:AlternateContent xmlns:mc="http://schemas.openxmlformats.org/markup-compatibility/2006">
+        <mc:Choice xmlns:p14="http://schemas.microsoft.com/office/powerpoint/2010/main" Requires="p14">
+          <p:contentPart p14:bwMode="auto" r:id="rId15">
+            <p14:nvContentPartPr>
+              <p14:cNvPr id="48" name="Ink 47">
+                <a:extLst>
+                  <a:ext uri="{FF2B5EF4-FFF2-40B4-BE49-F238E27FC236}">
+                    <a16:creationId xmlns:a16="http://schemas.microsoft.com/office/drawing/2014/main" id="{26B6537F-A4C7-439C-95DB-59286B6EF9AA}"/>
+                  </a:ext>
+                </a:extLst>
+              </p14:cNvPr>
+              <p14:cNvContentPartPr/>
+              <p14:nvPr/>
+            </p14:nvContentPartPr>
+            <p14:xfrm>
+              <a:off x="6247852" y="2393117"/>
+              <a:ext cx="237240" cy="159120"/>
+            </p14:xfrm>
+          </p:contentPart>
+        </mc:Choice>
+        <mc:Fallback>
+          <p:pic>
+            <p:nvPicPr>
+              <p:cNvPr id="48" name="Ink 47">
+                <a:extLst>
+                  <a:ext uri="{FF2B5EF4-FFF2-40B4-BE49-F238E27FC236}">
+                    <a16:creationId xmlns:a16="http://schemas.microsoft.com/office/drawing/2014/main" id="{26B6537F-A4C7-439C-95DB-59286B6EF9AA}"/>
+                  </a:ext>
+                </a:extLst>
+              </p:cNvPr>
+              <p:cNvPicPr/>
+              <p:nvPr/>
+            </p:nvPicPr>
+            <p:blipFill>
+              <a:blip r:embed="rId5"/>
+              <a:stretch>
+                <a:fillRect/>
+              </a:stretch>
+            </p:blipFill>
+            <p:spPr>
+              <a:xfrm>
+                <a:off x="6238852" y="2384117"/>
+                <a:ext cx="254880" cy="176760"/>
+              </a:xfrm>
+              <a:prstGeom prst="rect">
+                <a:avLst/>
+              </a:prstGeom>
+            </p:spPr>
+          </p:pic>
+        </mc:Fallback>
+      </mc:AlternateContent>
+      <mc:AlternateContent xmlns:mc="http://schemas.openxmlformats.org/markup-compatibility/2006">
+        <mc:Choice xmlns:p14="http://schemas.microsoft.com/office/powerpoint/2010/main" Requires="p14">
+          <p:contentPart p14:bwMode="auto" r:id="rId16">
+            <p14:nvContentPartPr>
+              <p14:cNvPr id="49" name="Ink 48">
+                <a:extLst>
+                  <a:ext uri="{FF2B5EF4-FFF2-40B4-BE49-F238E27FC236}">
+                    <a16:creationId xmlns:a16="http://schemas.microsoft.com/office/drawing/2014/main" id="{2EB2B222-4212-407E-AFF7-073317D27901}"/>
+                  </a:ext>
+                </a:extLst>
+              </p14:cNvPr>
+              <p14:cNvContentPartPr/>
+              <p14:nvPr/>
+            </p14:nvContentPartPr>
+            <p14:xfrm>
+              <a:off x="5943652" y="2737277"/>
+              <a:ext cx="209520" cy="347040"/>
+            </p14:xfrm>
+          </p:contentPart>
+        </mc:Choice>
+        <mc:Fallback>
+          <p:pic>
+            <p:nvPicPr>
+              <p:cNvPr id="49" name="Ink 48">
+                <a:extLst>
+                  <a:ext uri="{FF2B5EF4-FFF2-40B4-BE49-F238E27FC236}">
+                    <a16:creationId xmlns:a16="http://schemas.microsoft.com/office/drawing/2014/main" id="{2EB2B222-4212-407E-AFF7-073317D27901}"/>
+                  </a:ext>
+                </a:extLst>
+              </p:cNvPr>
+              <p:cNvPicPr/>
+              <p:nvPr/>
+            </p:nvPicPr>
+            <p:blipFill>
+              <a:blip r:embed="rId7"/>
+              <a:stretch>
+                <a:fillRect/>
+              </a:stretch>
+            </p:blipFill>
+            <p:spPr>
+              <a:xfrm>
+                <a:off x="5934652" y="2728277"/>
+                <a:ext cx="227160" cy="364680"/>
+              </a:xfrm>
+              <a:prstGeom prst="rect">
+                <a:avLst/>
+              </a:prstGeom>
+            </p:spPr>
+          </p:pic>
+        </mc:Fallback>
+      </mc:AlternateContent>
+      <mc:AlternateContent xmlns:mc="http://schemas.openxmlformats.org/markup-compatibility/2006">
+        <mc:Choice xmlns:p14="http://schemas.microsoft.com/office/powerpoint/2010/main" Requires="p14">
+          <p:contentPart p14:bwMode="auto" r:id="rId17">
+            <p14:nvContentPartPr>
+              <p14:cNvPr id="50" name="Ink 49">
+                <a:extLst>
+                  <a:ext uri="{FF2B5EF4-FFF2-40B4-BE49-F238E27FC236}">
+                    <a16:creationId xmlns:a16="http://schemas.microsoft.com/office/drawing/2014/main" id="{EFD1B674-EC47-4237-9023-E1EFCB371624}"/>
+                  </a:ext>
+                </a:extLst>
+              </p14:cNvPr>
+              <p14:cNvContentPartPr/>
+              <p14:nvPr/>
+            </p14:nvContentPartPr>
+            <p14:xfrm>
+              <a:off x="709817" y="5194251"/>
+              <a:ext cx="1176840" cy="680040"/>
+            </p14:xfrm>
+          </p:contentPart>
+        </mc:Choice>
+        <mc:Fallback>
+          <p:pic>
+            <p:nvPicPr>
+              <p:cNvPr id="50" name="Ink 49">
+                <a:extLst>
+                  <a:ext uri="{FF2B5EF4-FFF2-40B4-BE49-F238E27FC236}">
+                    <a16:creationId xmlns:a16="http://schemas.microsoft.com/office/drawing/2014/main" id="{EFD1B674-EC47-4237-9023-E1EFCB371624}"/>
+                  </a:ext>
+                </a:extLst>
+              </p:cNvPr>
+              <p:cNvPicPr/>
+              <p:nvPr/>
+            </p:nvPicPr>
+            <p:blipFill>
+              <a:blip r:embed="rId18"/>
+              <a:stretch>
+                <a:fillRect/>
+              </a:stretch>
+            </p:blipFill>
+            <p:spPr>
+              <a:xfrm>
+                <a:off x="700817" y="5185251"/>
+                <a:ext cx="1194480" cy="697680"/>
+              </a:xfrm>
+              <a:prstGeom prst="rect">
+                <a:avLst/>
+              </a:prstGeom>
+            </p:spPr>
+          </p:pic>
+        </mc:Fallback>
+      </mc:AlternateContent>
+      <mc:AlternateContent xmlns:mc="http://schemas.openxmlformats.org/markup-compatibility/2006">
+        <mc:Choice xmlns:p14="http://schemas.microsoft.com/office/powerpoint/2010/main" Requires="p14">
+          <p:contentPart p14:bwMode="auto" r:id="rId19">
+            <p14:nvContentPartPr>
+              <p14:cNvPr id="51" name="Ink 50">
+                <a:extLst>
+                  <a:ext uri="{FF2B5EF4-FFF2-40B4-BE49-F238E27FC236}">
+                    <a16:creationId xmlns:a16="http://schemas.microsoft.com/office/drawing/2014/main" id="{DF8CF3EB-05B2-4F88-AD07-66648879D22A}"/>
+                  </a:ext>
+                </a:extLst>
+              </p14:cNvPr>
+              <p14:cNvContentPartPr/>
+              <p14:nvPr/>
+            </p14:nvContentPartPr>
+            <p14:xfrm>
+              <a:off x="10479567" y="2123605"/>
+              <a:ext cx="650160" cy="193680"/>
+            </p14:xfrm>
+          </p:contentPart>
+        </mc:Choice>
+        <mc:Fallback>
+          <p:pic>
+            <p:nvPicPr>
+              <p:cNvPr id="51" name="Ink 50">
+                <a:extLst>
+                  <a:ext uri="{FF2B5EF4-FFF2-40B4-BE49-F238E27FC236}">
+                    <a16:creationId xmlns:a16="http://schemas.microsoft.com/office/drawing/2014/main" id="{DF8CF3EB-05B2-4F88-AD07-66648879D22A}"/>
+                  </a:ext>
+                </a:extLst>
+              </p:cNvPr>
+              <p:cNvPicPr/>
+              <p:nvPr/>
+            </p:nvPicPr>
+            <p:blipFill>
+              <a:blip r:embed="rId3"/>
+              <a:stretch>
+                <a:fillRect/>
+              </a:stretch>
+            </p:blipFill>
+            <p:spPr>
+              <a:xfrm>
+                <a:off x="10470567" y="2114605"/>
+                <a:ext cx="667800" cy="211320"/>
+              </a:xfrm>
+              <a:prstGeom prst="rect">
+                <a:avLst/>
+              </a:prstGeom>
+            </p:spPr>
+          </p:pic>
+        </mc:Fallback>
+      </mc:AlternateContent>
+      <mc:AlternateContent xmlns:mc="http://schemas.openxmlformats.org/markup-compatibility/2006">
+        <mc:Choice xmlns:p14="http://schemas.microsoft.com/office/powerpoint/2010/main" Requires="p14">
+          <p:contentPart p14:bwMode="auto" r:id="rId20">
+            <p14:nvContentPartPr>
+              <p14:cNvPr id="52" name="Ink 51">
+                <a:extLst>
+                  <a:ext uri="{FF2B5EF4-FFF2-40B4-BE49-F238E27FC236}">
+                    <a16:creationId xmlns:a16="http://schemas.microsoft.com/office/drawing/2014/main" id="{F8ECEA69-1A8D-42C9-B3C8-423406954AFA}"/>
+                  </a:ext>
+                </a:extLst>
+              </p14:cNvPr>
+              <p14:cNvContentPartPr/>
+              <p14:nvPr/>
+            </p14:nvContentPartPr>
+            <p14:xfrm>
+              <a:off x="9476967" y="2132605"/>
+              <a:ext cx="861480" cy="183240"/>
+            </p14:xfrm>
+          </p:contentPart>
+        </mc:Choice>
+        <mc:Fallback>
+          <p:pic>
+            <p:nvPicPr>
+              <p:cNvPr id="52" name="Ink 51">
+                <a:extLst>
+                  <a:ext uri="{FF2B5EF4-FFF2-40B4-BE49-F238E27FC236}">
+                    <a16:creationId xmlns:a16="http://schemas.microsoft.com/office/drawing/2014/main" id="{F8ECEA69-1A8D-42C9-B3C8-423406954AFA}"/>
+                  </a:ext>
+                </a:extLst>
+              </p:cNvPr>
+              <p:cNvPicPr/>
+              <p:nvPr/>
+            </p:nvPicPr>
+            <p:blipFill>
+              <a:blip r:embed="rId10"/>
+              <a:stretch>
+                <a:fillRect/>
+              </a:stretch>
+            </p:blipFill>
+            <p:spPr>
+              <a:xfrm>
+                <a:off x="9467967" y="2123605"/>
+                <a:ext cx="879120" cy="200880"/>
+              </a:xfrm>
+              <a:prstGeom prst="rect">
+                <a:avLst/>
+              </a:prstGeom>
+            </p:spPr>
+          </p:pic>
+        </mc:Fallback>
+      </mc:AlternateContent>
+      <mc:AlternateContent xmlns:mc="http://schemas.openxmlformats.org/markup-compatibility/2006">
+        <mc:Choice xmlns:p14="http://schemas.microsoft.com/office/powerpoint/2010/main" Requires="p14">
+          <p:contentPart p14:bwMode="auto" r:id="rId21">
+            <p14:nvContentPartPr>
+              <p14:cNvPr id="53" name="Ink 52">
+                <a:extLst>
+                  <a:ext uri="{FF2B5EF4-FFF2-40B4-BE49-F238E27FC236}">
+                    <a16:creationId xmlns:a16="http://schemas.microsoft.com/office/drawing/2014/main" id="{15C3B199-D30F-4338-9408-AA389252A2A8}"/>
+                  </a:ext>
+                </a:extLst>
+              </p14:cNvPr>
+              <p14:cNvContentPartPr/>
+              <p14:nvPr/>
+            </p14:nvContentPartPr>
+            <p14:xfrm>
+              <a:off x="11294607" y="2113885"/>
+              <a:ext cx="320760" cy="210600"/>
+            </p14:xfrm>
+          </p:contentPart>
+        </mc:Choice>
+        <mc:Fallback>
+          <p:pic>
+            <p:nvPicPr>
+              <p:cNvPr id="53" name="Ink 52">
+                <a:extLst>
+                  <a:ext uri="{FF2B5EF4-FFF2-40B4-BE49-F238E27FC236}">
+                    <a16:creationId xmlns:a16="http://schemas.microsoft.com/office/drawing/2014/main" id="{15C3B199-D30F-4338-9408-AA389252A2A8}"/>
+                  </a:ext>
+                </a:extLst>
+              </p:cNvPr>
+              <p:cNvPicPr/>
+              <p:nvPr/>
+            </p:nvPicPr>
+            <p:blipFill>
+              <a:blip r:embed="rId12"/>
+              <a:stretch>
+                <a:fillRect/>
+              </a:stretch>
+            </p:blipFill>
+            <p:spPr>
+              <a:xfrm>
+                <a:off x="11285607" y="2104885"/>
+                <a:ext cx="338400" cy="228240"/>
+              </a:xfrm>
+              <a:prstGeom prst="rect">
+                <a:avLst/>
+              </a:prstGeom>
+            </p:spPr>
+          </p:pic>
+        </mc:Fallback>
+      </mc:AlternateContent>
+      <mc:AlternateContent xmlns:mc="http://schemas.openxmlformats.org/markup-compatibility/2006">
+        <mc:Choice xmlns:p14="http://schemas.microsoft.com/office/powerpoint/2010/main" Requires="p14">
+          <p:contentPart p14:bwMode="auto" r:id="rId22">
+            <p14:nvContentPartPr>
+              <p14:cNvPr id="54" name="Ink 53">
+                <a:extLst>
+                  <a:ext uri="{FF2B5EF4-FFF2-40B4-BE49-F238E27FC236}">
+                    <a16:creationId xmlns:a16="http://schemas.microsoft.com/office/drawing/2014/main" id="{78A6573E-C23D-4365-8EDC-9B085083BBFF}"/>
+                  </a:ext>
+                </a:extLst>
+              </p14:cNvPr>
+              <p14:cNvContentPartPr/>
+              <p14:nvPr/>
+            </p14:nvContentPartPr>
+            <p14:xfrm>
+              <a:off x="11225127" y="2399365"/>
+              <a:ext cx="418320" cy="187200"/>
+            </p14:xfrm>
+          </p:contentPart>
+        </mc:Choice>
+        <mc:Fallback>
+          <p:pic>
+            <p:nvPicPr>
+              <p:cNvPr id="54" name="Ink 53">
+                <a:extLst>
+                  <a:ext uri="{FF2B5EF4-FFF2-40B4-BE49-F238E27FC236}">
+                    <a16:creationId xmlns:a16="http://schemas.microsoft.com/office/drawing/2014/main" id="{78A6573E-C23D-4365-8EDC-9B085083BBFF}"/>
+                  </a:ext>
+                </a:extLst>
+              </p:cNvPr>
+              <p:cNvPicPr/>
+              <p:nvPr/>
+            </p:nvPicPr>
+            <p:blipFill>
+              <a:blip r:embed="rId14"/>
+              <a:stretch>
+                <a:fillRect/>
+              </a:stretch>
+            </p:blipFill>
+            <p:spPr>
+              <a:xfrm>
+                <a:off x="11216127" y="2390365"/>
+                <a:ext cx="435960" cy="204840"/>
+              </a:xfrm>
+              <a:prstGeom prst="rect">
+                <a:avLst/>
+              </a:prstGeom>
+            </p:spPr>
+          </p:pic>
+        </mc:Fallback>
+      </mc:AlternateContent>
+      <mc:AlternateContent xmlns:mc="http://schemas.openxmlformats.org/markup-compatibility/2006">
+        <mc:Choice xmlns:p14="http://schemas.microsoft.com/office/powerpoint/2010/main" Requires="p14">
+          <p:contentPart p14:bwMode="auto" r:id="rId23">
+            <p14:nvContentPartPr>
+              <p14:cNvPr id="55" name="Ink 54">
+                <a:extLst>
+                  <a:ext uri="{FF2B5EF4-FFF2-40B4-BE49-F238E27FC236}">
+                    <a16:creationId xmlns:a16="http://schemas.microsoft.com/office/drawing/2014/main" id="{9F3315C2-F51A-427B-A5B9-D082DBF28793}"/>
+                  </a:ext>
+                </a:extLst>
+              </p14:cNvPr>
+              <p14:cNvContentPartPr/>
+              <p14:nvPr/>
+            </p14:nvContentPartPr>
+            <p14:xfrm>
+              <a:off x="10893567" y="2409085"/>
+              <a:ext cx="237240" cy="159120"/>
+            </p14:xfrm>
+          </p:contentPart>
+        </mc:Choice>
+        <mc:Fallback>
+          <p:pic>
+            <p:nvPicPr>
+              <p:cNvPr id="55" name="Ink 54">
+                <a:extLst>
+                  <a:ext uri="{FF2B5EF4-FFF2-40B4-BE49-F238E27FC236}">
+                    <a16:creationId xmlns:a16="http://schemas.microsoft.com/office/drawing/2014/main" id="{9F3315C2-F51A-427B-A5B9-D082DBF28793}"/>
+                  </a:ext>
+                </a:extLst>
+              </p:cNvPr>
+              <p:cNvPicPr/>
+              <p:nvPr/>
+            </p:nvPicPr>
+            <p:blipFill>
+              <a:blip r:embed="rId5"/>
+              <a:stretch>
+                <a:fillRect/>
+              </a:stretch>
+            </p:blipFill>
+            <p:spPr>
+              <a:xfrm>
+                <a:off x="10884567" y="2400085"/>
+                <a:ext cx="254880" cy="176760"/>
+              </a:xfrm>
+              <a:prstGeom prst="rect">
+                <a:avLst/>
+              </a:prstGeom>
+            </p:spPr>
+          </p:pic>
+        </mc:Fallback>
+      </mc:AlternateContent>
+      <mc:AlternateContent xmlns:mc="http://schemas.openxmlformats.org/markup-compatibility/2006">
+        <mc:Choice xmlns:p14="http://schemas.microsoft.com/office/powerpoint/2010/main" Requires="p14">
+          <p:contentPart p14:bwMode="auto" r:id="rId24">
+            <p14:nvContentPartPr>
+              <p14:cNvPr id="56" name="Ink 55">
+                <a:extLst>
+                  <a:ext uri="{FF2B5EF4-FFF2-40B4-BE49-F238E27FC236}">
+                    <a16:creationId xmlns:a16="http://schemas.microsoft.com/office/drawing/2014/main" id="{60036788-3C0B-4EEB-A23D-F187D85038C5}"/>
+                  </a:ext>
+                </a:extLst>
+              </p14:cNvPr>
+              <p14:cNvContentPartPr/>
+              <p14:nvPr/>
+            </p14:nvContentPartPr>
+            <p14:xfrm>
+              <a:off x="10589367" y="2753245"/>
+              <a:ext cx="209520" cy="347040"/>
+            </p14:xfrm>
+          </p:contentPart>
+        </mc:Choice>
+        <mc:Fallback>
+          <p:pic>
+            <p:nvPicPr>
+              <p:cNvPr id="56" name="Ink 55">
+                <a:extLst>
+                  <a:ext uri="{FF2B5EF4-FFF2-40B4-BE49-F238E27FC236}">
+                    <a16:creationId xmlns:a16="http://schemas.microsoft.com/office/drawing/2014/main" id="{60036788-3C0B-4EEB-A23D-F187D85038C5}"/>
+                  </a:ext>
+                </a:extLst>
+              </p:cNvPr>
+              <p:cNvPicPr/>
+              <p:nvPr/>
+            </p:nvPicPr>
+            <p:blipFill>
+              <a:blip r:embed="rId7"/>
+              <a:stretch>
+                <a:fillRect/>
+              </a:stretch>
+            </p:blipFill>
+            <p:spPr>
+              <a:xfrm>
+                <a:off x="10580367" y="2744245"/>
+                <a:ext cx="227160" cy="364680"/>
+              </a:xfrm>
+              <a:prstGeom prst="rect">
+                <a:avLst/>
+              </a:prstGeom>
+            </p:spPr>
+          </p:pic>
+        </mc:Fallback>
+      </mc:AlternateContent>
+      <mc:AlternateContent xmlns:mc="http://schemas.openxmlformats.org/markup-compatibility/2006">
+        <mc:Choice xmlns:p14="http://schemas.microsoft.com/office/powerpoint/2010/main" Requires="p14">
+          <p:contentPart p14:bwMode="auto" r:id="rId25">
+            <p14:nvContentPartPr>
+              <p14:cNvPr id="57" name="Ink 56">
+                <a:extLst>
+                  <a:ext uri="{FF2B5EF4-FFF2-40B4-BE49-F238E27FC236}">
+                    <a16:creationId xmlns:a16="http://schemas.microsoft.com/office/drawing/2014/main" id="{F0F4DC81-C52D-4804-A06C-C91D60D38E00}"/>
+                  </a:ext>
+                </a:extLst>
+              </p14:cNvPr>
+              <p14:cNvContentPartPr/>
+              <p14:nvPr/>
+            </p14:nvContentPartPr>
+            <p14:xfrm>
+              <a:off x="5625146" y="5226471"/>
+              <a:ext cx="1176840" cy="680040"/>
+            </p14:xfrm>
+          </p:contentPart>
+        </mc:Choice>
+        <mc:Fallback>
+          <p:pic>
+            <p:nvPicPr>
+              <p:cNvPr id="57" name="Ink 56">
+                <a:extLst>
+                  <a:ext uri="{FF2B5EF4-FFF2-40B4-BE49-F238E27FC236}">
+                    <a16:creationId xmlns:a16="http://schemas.microsoft.com/office/drawing/2014/main" id="{F0F4DC81-C52D-4804-A06C-C91D60D38E00}"/>
+                  </a:ext>
+                </a:extLst>
+              </p:cNvPr>
+              <p:cNvPicPr/>
+              <p:nvPr/>
+            </p:nvPicPr>
+            <p:blipFill>
+              <a:blip r:embed="rId18"/>
+              <a:stretch>
+                <a:fillRect/>
+              </a:stretch>
+            </p:blipFill>
+            <p:spPr>
+              <a:xfrm>
+                <a:off x="5616146" y="5217471"/>
+                <a:ext cx="1194480" cy="697680"/>
+              </a:xfrm>
+              <a:prstGeom prst="rect">
+                <a:avLst/>
+              </a:prstGeom>
+            </p:spPr>
+          </p:pic>
+        </mc:Fallback>
+      </mc:AlternateContent>
+      <p:sp>
+        <p:nvSpPr>
+          <p:cNvPr id="58" name="TextBox 57">
+            <a:extLst>
+              <a:ext uri="{FF2B5EF4-FFF2-40B4-BE49-F238E27FC236}">
+                <a16:creationId xmlns:a16="http://schemas.microsoft.com/office/drawing/2014/main" id="{AB4A27E5-7E1A-40A7-8B18-046BB532ACBF}"/>
+              </a:ext>
+            </a:extLst>
+          </p:cNvPr>
+          <p:cNvSpPr txBox="1"/>
+          <p:nvPr/>
+        </p:nvSpPr>
+        <p:spPr>
+          <a:xfrm>
+            <a:off x="9907707" y="5874291"/>
+            <a:ext cx="1959429" cy="369332"/>
+          </a:xfrm>
+          <a:prstGeom prst="rect">
+            <a:avLst/>
+          </a:prstGeom>
+          <a:noFill/>
+        </p:spPr>
+        <p:txBody>
+          <a:bodyPr wrap="square" rtlCol="0">
+            <a:spAutoFit/>
+          </a:bodyPr>
+          <a:lstStyle/>
+          <a:p>
+            <a:r>
+              <a:rPr lang="en-US" dirty="0"/>
+              <a:t>10 records</a:t>
+            </a:r>
+          </a:p>
+        </p:txBody>
+      </p:sp>
+      <p:sp>
+        <p:nvSpPr>
+          <p:cNvPr id="59" name="TextBox 58">
+            <a:extLst>
+              <a:ext uri="{FF2B5EF4-FFF2-40B4-BE49-F238E27FC236}">
+                <a16:creationId xmlns:a16="http://schemas.microsoft.com/office/drawing/2014/main" id="{CD35B0D1-0658-44AB-BA69-54F3E4745045}"/>
+              </a:ext>
+            </a:extLst>
+          </p:cNvPr>
+          <p:cNvSpPr txBox="1"/>
+          <p:nvPr/>
+        </p:nvSpPr>
+        <p:spPr>
+          <a:xfrm>
+            <a:off x="5386757" y="5927860"/>
+            <a:ext cx="1959429" cy="369332"/>
+          </a:xfrm>
+          <a:prstGeom prst="rect">
+            <a:avLst/>
+          </a:prstGeom>
+          <a:noFill/>
+        </p:spPr>
+        <p:txBody>
+          <a:bodyPr wrap="square" rtlCol="0">
+            <a:spAutoFit/>
+          </a:bodyPr>
+          <a:lstStyle/>
+          <a:p>
+            <a:r>
+              <a:rPr lang="en-US" dirty="0"/>
+              <a:t>0 records</a:t>
+            </a:r>
+          </a:p>
+        </p:txBody>
+      </p:sp>
+      <p:sp>
+        <p:nvSpPr>
+          <p:cNvPr id="60" name="TextBox 59">
+            <a:extLst>
+              <a:ext uri="{FF2B5EF4-FFF2-40B4-BE49-F238E27FC236}">
+                <a16:creationId xmlns:a16="http://schemas.microsoft.com/office/drawing/2014/main" id="{269348A1-6780-42DA-A5DA-BB58173846A0}"/>
+              </a:ext>
+            </a:extLst>
+          </p:cNvPr>
+          <p:cNvSpPr txBox="1"/>
+          <p:nvPr/>
+        </p:nvSpPr>
+        <p:spPr>
+          <a:xfrm>
+            <a:off x="754981" y="5927860"/>
+            <a:ext cx="1959429" cy="369332"/>
+          </a:xfrm>
+          <a:prstGeom prst="rect">
+            <a:avLst/>
+          </a:prstGeom>
+          <a:noFill/>
+        </p:spPr>
+        <p:txBody>
+          <a:bodyPr wrap="square" rtlCol="0">
+            <a:spAutoFit/>
+          </a:bodyPr>
+          <a:lstStyle/>
+          <a:p>
+            <a:r>
+              <a:rPr lang="en-US" dirty="0"/>
+              <a:t>0 records</a:t>
+            </a:r>
+          </a:p>
+        </p:txBody>
+      </p:sp>
+      <mc:AlternateContent xmlns:mc="http://schemas.openxmlformats.org/markup-compatibility/2006">
+        <mc:Choice xmlns:p14="http://schemas.microsoft.com/office/powerpoint/2010/main" Requires="p14">
+          <p:contentPart p14:bwMode="auto" r:id="rId26">
+            <p14:nvContentPartPr>
+              <p14:cNvPr id="63" name="Ink 62">
+                <a:extLst>
+                  <a:ext uri="{FF2B5EF4-FFF2-40B4-BE49-F238E27FC236}">
+                    <a16:creationId xmlns:a16="http://schemas.microsoft.com/office/drawing/2014/main" id="{B5B7BA1B-F121-4B07-9521-03752099B375}"/>
+                  </a:ext>
+                </a:extLst>
+              </p14:cNvPr>
+              <p14:cNvContentPartPr/>
+              <p14:nvPr/>
+            </p14:nvContentPartPr>
+            <p14:xfrm>
+              <a:off x="2839097" y="2368851"/>
+              <a:ext cx="69840" cy="34920"/>
+            </p14:xfrm>
+          </p:contentPart>
+        </mc:Choice>
+        <mc:Fallback>
+          <p:pic>
+            <p:nvPicPr>
+              <p:cNvPr id="63" name="Ink 62">
+                <a:extLst>
+                  <a:ext uri="{FF2B5EF4-FFF2-40B4-BE49-F238E27FC236}">
+                    <a16:creationId xmlns:a16="http://schemas.microsoft.com/office/drawing/2014/main" id="{B5B7BA1B-F121-4B07-9521-03752099B375}"/>
+                  </a:ext>
+                </a:extLst>
+              </p:cNvPr>
+              <p:cNvPicPr/>
+              <p:nvPr/>
+            </p:nvPicPr>
+            <p:blipFill>
+              <a:blip r:embed="rId27"/>
+              <a:stretch>
+                <a:fillRect/>
+              </a:stretch>
+            </p:blipFill>
+            <p:spPr>
+              <a:xfrm>
+                <a:off x="2830097" y="2359851"/>
+                <a:ext cx="87480" cy="52560"/>
+              </a:xfrm>
+              <a:prstGeom prst="rect">
+                <a:avLst/>
+              </a:prstGeom>
+            </p:spPr>
+          </p:pic>
+        </mc:Fallback>
+      </mc:AlternateContent>
+      <mc:AlternateContent xmlns:mc="http://schemas.openxmlformats.org/markup-compatibility/2006">
+        <mc:Choice xmlns:p14="http://schemas.microsoft.com/office/powerpoint/2010/main" Requires="p14">
+          <p:contentPart p14:bwMode="auto" r:id="rId28">
+            <p14:nvContentPartPr>
+              <p14:cNvPr id="66" name="Ink 65">
+                <a:extLst>
+                  <a:ext uri="{FF2B5EF4-FFF2-40B4-BE49-F238E27FC236}">
+                    <a16:creationId xmlns:a16="http://schemas.microsoft.com/office/drawing/2014/main" id="{AD739B38-CAB1-427E-BA5D-26D5D378BF2A}"/>
+                  </a:ext>
+                </a:extLst>
+              </p14:cNvPr>
+              <p14:cNvContentPartPr/>
+              <p14:nvPr/>
+            </p14:nvContentPartPr>
+            <p14:xfrm>
+              <a:off x="3169937" y="2264091"/>
+              <a:ext cx="131040" cy="122400"/>
+            </p14:xfrm>
+          </p:contentPart>
+        </mc:Choice>
+        <mc:Fallback>
+          <p:pic>
+            <p:nvPicPr>
+              <p:cNvPr id="66" name="Ink 65">
+                <a:extLst>
+                  <a:ext uri="{FF2B5EF4-FFF2-40B4-BE49-F238E27FC236}">
+                    <a16:creationId xmlns:a16="http://schemas.microsoft.com/office/drawing/2014/main" id="{AD739B38-CAB1-427E-BA5D-26D5D378BF2A}"/>
+                  </a:ext>
+                </a:extLst>
+              </p:cNvPr>
+              <p:cNvPicPr/>
+              <p:nvPr/>
+            </p:nvPicPr>
+            <p:blipFill>
+              <a:blip r:embed="rId29"/>
+              <a:stretch>
+                <a:fillRect/>
+              </a:stretch>
+            </p:blipFill>
+            <p:spPr>
+              <a:xfrm>
+                <a:off x="3160937" y="2255091"/>
+                <a:ext cx="148680" cy="140040"/>
+              </a:xfrm>
+              <a:prstGeom prst="rect">
+                <a:avLst/>
+              </a:prstGeom>
+            </p:spPr>
+          </p:pic>
+        </mc:Fallback>
+      </mc:AlternateContent>
+      <mc:AlternateContent xmlns:mc="http://schemas.openxmlformats.org/markup-compatibility/2006">
+        <mc:Choice xmlns:p14="http://schemas.microsoft.com/office/powerpoint/2010/main" Requires="p14">
+          <p:contentPart p14:bwMode="auto" r:id="rId30">
+            <p14:nvContentPartPr>
+              <p14:cNvPr id="67" name="Ink 66">
+                <a:extLst>
+                  <a:ext uri="{FF2B5EF4-FFF2-40B4-BE49-F238E27FC236}">
+                    <a16:creationId xmlns:a16="http://schemas.microsoft.com/office/drawing/2014/main" id="{A70A8E6B-A58E-41BE-82D3-EAE290531271}"/>
+                  </a:ext>
+                </a:extLst>
+              </p14:cNvPr>
+              <p14:cNvContentPartPr/>
+              <p14:nvPr/>
+            </p14:nvContentPartPr>
+            <p14:xfrm>
+              <a:off x="3004337" y="2261571"/>
+              <a:ext cx="96480" cy="238320"/>
+            </p14:xfrm>
+          </p:contentPart>
+        </mc:Choice>
+        <mc:Fallback>
+          <p:pic>
+            <p:nvPicPr>
+              <p:cNvPr id="67" name="Ink 66">
+                <a:extLst>
+                  <a:ext uri="{FF2B5EF4-FFF2-40B4-BE49-F238E27FC236}">
+                    <a16:creationId xmlns:a16="http://schemas.microsoft.com/office/drawing/2014/main" id="{A70A8E6B-A58E-41BE-82D3-EAE290531271}"/>
+                  </a:ext>
+                </a:extLst>
+              </p:cNvPr>
+              <p:cNvPicPr/>
+              <p:nvPr/>
+            </p:nvPicPr>
+            <p:blipFill>
+              <a:blip r:embed="rId31"/>
+              <a:stretch>
+                <a:fillRect/>
+              </a:stretch>
+            </p:blipFill>
+            <p:spPr>
+              <a:xfrm>
+                <a:off x="2995337" y="2252571"/>
+                <a:ext cx="114120" cy="255960"/>
+              </a:xfrm>
+              <a:prstGeom prst="rect">
+                <a:avLst/>
+              </a:prstGeom>
+            </p:spPr>
+          </p:pic>
+        </mc:Fallback>
+      </mc:AlternateContent>
+      <mc:AlternateContent xmlns:mc="http://schemas.openxmlformats.org/markup-compatibility/2006">
+        <mc:Choice xmlns:p14="http://schemas.microsoft.com/office/powerpoint/2010/main" Requires="p14">
+          <p:contentPart p14:bwMode="auto" r:id="rId32">
+            <p14:nvContentPartPr>
+              <p14:cNvPr id="68" name="Ink 67">
+                <a:extLst>
+                  <a:ext uri="{FF2B5EF4-FFF2-40B4-BE49-F238E27FC236}">
+                    <a16:creationId xmlns:a16="http://schemas.microsoft.com/office/drawing/2014/main" id="{1FC33D58-CB9F-4FD1-9E5E-3EC98E96E9EB}"/>
+                  </a:ext>
+                </a:extLst>
+              </p14:cNvPr>
+              <p14:cNvContentPartPr/>
+              <p14:nvPr/>
+            </p14:nvContentPartPr>
+            <p14:xfrm>
+              <a:off x="2029097" y="2071491"/>
+              <a:ext cx="723240" cy="472680"/>
+            </p14:xfrm>
+          </p:contentPart>
+        </mc:Choice>
+        <mc:Fallback>
+          <p:pic>
+            <p:nvPicPr>
+              <p:cNvPr id="68" name="Ink 67">
+                <a:extLst>
+                  <a:ext uri="{FF2B5EF4-FFF2-40B4-BE49-F238E27FC236}">
+                    <a16:creationId xmlns:a16="http://schemas.microsoft.com/office/drawing/2014/main" id="{1FC33D58-CB9F-4FD1-9E5E-3EC98E96E9EB}"/>
+                  </a:ext>
+                </a:extLst>
+              </p:cNvPr>
+              <p:cNvPicPr/>
+              <p:nvPr/>
+            </p:nvPicPr>
+            <p:blipFill>
+              <a:blip r:embed="rId33"/>
+              <a:stretch>
+                <a:fillRect/>
+              </a:stretch>
+            </p:blipFill>
+            <p:spPr>
+              <a:xfrm>
+                <a:off x="2020097" y="2062491"/>
+                <a:ext cx="740880" cy="490320"/>
+              </a:xfrm>
+              <a:prstGeom prst="rect">
+                <a:avLst/>
+              </a:prstGeom>
+            </p:spPr>
+          </p:pic>
+        </mc:Fallback>
+      </mc:AlternateContent>
+      <mc:AlternateContent xmlns:mc="http://schemas.openxmlformats.org/markup-compatibility/2006">
+        <mc:Choice xmlns:p14="http://schemas.microsoft.com/office/powerpoint/2010/main" Requires="p14">
+          <p:contentPart p14:bwMode="auto" r:id="rId34">
+            <p14:nvContentPartPr>
+              <p14:cNvPr id="79" name="Ink 78">
+                <a:extLst>
+                  <a:ext uri="{FF2B5EF4-FFF2-40B4-BE49-F238E27FC236}">
+                    <a16:creationId xmlns:a16="http://schemas.microsoft.com/office/drawing/2014/main" id="{1C167D68-CE7A-439E-8EB1-43B47D7A7B4C}"/>
+                  </a:ext>
+                </a:extLst>
+              </p14:cNvPr>
+              <p14:cNvContentPartPr/>
+              <p14:nvPr/>
+            </p14:nvContentPartPr>
+            <p14:xfrm>
+              <a:off x="418097" y="1750371"/>
+              <a:ext cx="1063080" cy="235440"/>
+            </p14:xfrm>
+          </p:contentPart>
+        </mc:Choice>
+        <mc:Fallback>
+          <p:pic>
+            <p:nvPicPr>
+              <p:cNvPr id="79" name="Ink 78">
+                <a:extLst>
+                  <a:ext uri="{FF2B5EF4-FFF2-40B4-BE49-F238E27FC236}">
+                    <a16:creationId xmlns:a16="http://schemas.microsoft.com/office/drawing/2014/main" id="{1C167D68-CE7A-439E-8EB1-43B47D7A7B4C}"/>
+                  </a:ext>
+                </a:extLst>
+              </p:cNvPr>
+              <p:cNvPicPr/>
+              <p:nvPr/>
+            </p:nvPicPr>
+            <p:blipFill>
+              <a:blip r:embed="rId35"/>
+              <a:stretch>
+                <a:fillRect/>
+              </a:stretch>
+            </p:blipFill>
+            <p:spPr>
+              <a:xfrm>
+                <a:off x="409097" y="1741371"/>
+                <a:ext cx="1080720" cy="253080"/>
+              </a:xfrm>
+              <a:prstGeom prst="rect">
+                <a:avLst/>
+              </a:prstGeom>
+            </p:spPr>
+          </p:pic>
+        </mc:Fallback>
+      </mc:AlternateContent>
+      <mc:AlternateContent xmlns:mc="http://schemas.openxmlformats.org/markup-compatibility/2006">
+        <mc:Choice xmlns:p14="http://schemas.microsoft.com/office/powerpoint/2010/main" Requires="p14">
+          <p:contentPart p14:bwMode="auto" r:id="rId36">
+            <p14:nvContentPartPr>
+              <p14:cNvPr id="80" name="Ink 79">
+                <a:extLst>
+                  <a:ext uri="{FF2B5EF4-FFF2-40B4-BE49-F238E27FC236}">
+                    <a16:creationId xmlns:a16="http://schemas.microsoft.com/office/drawing/2014/main" id="{C8BC95E9-141A-4103-B35E-53C050DE5146}"/>
+                  </a:ext>
+                </a:extLst>
+              </p14:cNvPr>
+              <p14:cNvContentPartPr/>
+              <p14:nvPr/>
+            </p14:nvContentPartPr>
+            <p14:xfrm>
+              <a:off x="280937" y="2090211"/>
+              <a:ext cx="861480" cy="183240"/>
+            </p14:xfrm>
+          </p:contentPart>
+        </mc:Choice>
+        <mc:Fallback>
+          <p:pic>
+            <p:nvPicPr>
+              <p:cNvPr id="80" name="Ink 79">
+                <a:extLst>
+                  <a:ext uri="{FF2B5EF4-FFF2-40B4-BE49-F238E27FC236}">
+                    <a16:creationId xmlns:a16="http://schemas.microsoft.com/office/drawing/2014/main" id="{C8BC95E9-141A-4103-B35E-53C050DE5146}"/>
+                  </a:ext>
+                </a:extLst>
+              </p:cNvPr>
+              <p:cNvPicPr/>
+              <p:nvPr/>
+            </p:nvPicPr>
+            <p:blipFill>
+              <a:blip r:embed="rId37"/>
+              <a:stretch>
+                <a:fillRect/>
+              </a:stretch>
+            </p:blipFill>
+            <p:spPr>
+              <a:xfrm>
+                <a:off x="271937" y="2081211"/>
+                <a:ext cx="879120" cy="200880"/>
+              </a:xfrm>
+              <a:prstGeom prst="rect">
+                <a:avLst/>
+              </a:prstGeom>
+            </p:spPr>
+          </p:pic>
+        </mc:Fallback>
+      </mc:AlternateContent>
+      <mc:AlternateContent xmlns:mc="http://schemas.openxmlformats.org/markup-compatibility/2006">
+        <mc:Choice xmlns:p14="http://schemas.microsoft.com/office/powerpoint/2010/main" Requires="p14">
+          <p:contentPart p14:bwMode="auto" r:id="rId38">
+            <p14:nvContentPartPr>
+              <p14:cNvPr id="86" name="Ink 85">
+                <a:extLst>
+                  <a:ext uri="{FF2B5EF4-FFF2-40B4-BE49-F238E27FC236}">
+                    <a16:creationId xmlns:a16="http://schemas.microsoft.com/office/drawing/2014/main" id="{4C76453F-A0C9-4152-8C4A-31CA96DCC21E}"/>
+                  </a:ext>
+                </a:extLst>
+              </p14:cNvPr>
+              <p14:cNvContentPartPr/>
+              <p14:nvPr/>
+            </p14:nvContentPartPr>
+            <p14:xfrm>
+              <a:off x="1723457" y="5258931"/>
+              <a:ext cx="515160" cy="631080"/>
+            </p14:xfrm>
+          </p:contentPart>
+        </mc:Choice>
+        <mc:Fallback>
+          <p:pic>
+            <p:nvPicPr>
+              <p:cNvPr id="86" name="Ink 85">
+                <a:extLst>
+                  <a:ext uri="{FF2B5EF4-FFF2-40B4-BE49-F238E27FC236}">
+                    <a16:creationId xmlns:a16="http://schemas.microsoft.com/office/drawing/2014/main" id="{4C76453F-A0C9-4152-8C4A-31CA96DCC21E}"/>
+                  </a:ext>
+                </a:extLst>
+              </p:cNvPr>
+              <p:cNvPicPr/>
+              <p:nvPr/>
+            </p:nvPicPr>
+            <p:blipFill>
+              <a:blip r:embed="rId39"/>
+              <a:stretch>
+                <a:fillRect/>
+              </a:stretch>
+            </p:blipFill>
+            <p:spPr>
+              <a:xfrm>
+                <a:off x="1714457" y="5249931"/>
+                <a:ext cx="532800" cy="648720"/>
+              </a:xfrm>
+              <a:prstGeom prst="rect">
+                <a:avLst/>
+              </a:prstGeom>
+            </p:spPr>
+          </p:pic>
+        </mc:Fallback>
+      </mc:AlternateContent>
+      <mc:AlternateContent xmlns:mc="http://schemas.openxmlformats.org/markup-compatibility/2006">
+        <mc:Choice xmlns:p14="http://schemas.microsoft.com/office/powerpoint/2010/main" Requires="p14">
+          <p:contentPart p14:bwMode="auto" r:id="rId40">
+            <p14:nvContentPartPr>
+              <p14:cNvPr id="96" name="Ink 95">
+                <a:extLst>
+                  <a:ext uri="{FF2B5EF4-FFF2-40B4-BE49-F238E27FC236}">
+                    <a16:creationId xmlns:a16="http://schemas.microsoft.com/office/drawing/2014/main" id="{2CA1D376-894C-4C4F-AE7A-03C2082912C7}"/>
+                  </a:ext>
+                </a:extLst>
+              </p14:cNvPr>
+              <p14:cNvContentPartPr/>
+              <p14:nvPr/>
+            </p14:nvContentPartPr>
+            <p14:xfrm>
+              <a:off x="4876697" y="1776651"/>
+              <a:ext cx="1089000" cy="470520"/>
+            </p14:xfrm>
+          </p:contentPart>
+        </mc:Choice>
+        <mc:Fallback>
+          <p:pic>
+            <p:nvPicPr>
+              <p:cNvPr id="96" name="Ink 95">
+                <a:extLst>
+                  <a:ext uri="{FF2B5EF4-FFF2-40B4-BE49-F238E27FC236}">
+                    <a16:creationId xmlns:a16="http://schemas.microsoft.com/office/drawing/2014/main" id="{2CA1D376-894C-4C4F-AE7A-03C2082912C7}"/>
+                  </a:ext>
+                </a:extLst>
+              </p:cNvPr>
+              <p:cNvPicPr/>
+              <p:nvPr/>
+            </p:nvPicPr>
+            <p:blipFill>
+              <a:blip r:embed="rId41"/>
+              <a:stretch>
+                <a:fillRect/>
+              </a:stretch>
+            </p:blipFill>
+            <p:spPr>
+              <a:xfrm>
+                <a:off x="4867697" y="1767651"/>
+                <a:ext cx="1106640" cy="488160"/>
+              </a:xfrm>
+              <a:prstGeom prst="rect">
+                <a:avLst/>
+              </a:prstGeom>
+            </p:spPr>
+          </p:pic>
+        </mc:Fallback>
+      </mc:AlternateContent>
+      <mc:AlternateContent xmlns:mc="http://schemas.openxmlformats.org/markup-compatibility/2006">
+        <mc:Choice xmlns:p14="http://schemas.microsoft.com/office/powerpoint/2010/main" Requires="p14">
+          <p:contentPart p14:bwMode="auto" r:id="rId42">
+            <p14:nvContentPartPr>
+              <p14:cNvPr id="100" name="Ink 99">
+                <a:extLst>
+                  <a:ext uri="{FF2B5EF4-FFF2-40B4-BE49-F238E27FC236}">
+                    <a16:creationId xmlns:a16="http://schemas.microsoft.com/office/drawing/2014/main" id="{174F67F4-7B88-4492-9F8C-16F2186C8CB8}"/>
+                  </a:ext>
+                </a:extLst>
+              </p14:cNvPr>
+              <p14:cNvContentPartPr/>
+              <p14:nvPr/>
+            </p14:nvContentPartPr>
+            <p14:xfrm>
+              <a:off x="6609737" y="5259651"/>
+              <a:ext cx="583920" cy="699480"/>
+            </p14:xfrm>
+          </p:contentPart>
+        </mc:Choice>
+        <mc:Fallback>
+          <p:pic>
+            <p:nvPicPr>
+              <p:cNvPr id="100" name="Ink 99">
+                <a:extLst>
+                  <a:ext uri="{FF2B5EF4-FFF2-40B4-BE49-F238E27FC236}">
+                    <a16:creationId xmlns:a16="http://schemas.microsoft.com/office/drawing/2014/main" id="{174F67F4-7B88-4492-9F8C-16F2186C8CB8}"/>
+                  </a:ext>
+                </a:extLst>
+              </p:cNvPr>
+              <p:cNvPicPr/>
+              <p:nvPr/>
+            </p:nvPicPr>
+            <p:blipFill>
+              <a:blip r:embed="rId43"/>
+              <a:stretch>
+                <a:fillRect/>
+              </a:stretch>
+            </p:blipFill>
+            <p:spPr>
+              <a:xfrm>
+                <a:off x="6600737" y="5250651"/>
+                <a:ext cx="601560" cy="717120"/>
+              </a:xfrm>
+              <a:prstGeom prst="rect">
+                <a:avLst/>
+              </a:prstGeom>
+            </p:spPr>
+          </p:pic>
+        </mc:Fallback>
+      </mc:AlternateContent>
+      <mc:AlternateContent xmlns:mc="http://schemas.openxmlformats.org/markup-compatibility/2006">
+        <mc:Choice xmlns:p14="http://schemas.microsoft.com/office/powerpoint/2010/main" Requires="p14">
+          <p:contentPart p14:bwMode="auto" r:id="rId44">
+            <p14:nvContentPartPr>
+              <p14:cNvPr id="101" name="Ink 100">
+                <a:extLst>
+                  <a:ext uri="{FF2B5EF4-FFF2-40B4-BE49-F238E27FC236}">
+                    <a16:creationId xmlns:a16="http://schemas.microsoft.com/office/drawing/2014/main" id="{E80DB4E8-BEA3-47FC-B066-2E3E47D9C589}"/>
+                  </a:ext>
+                </a:extLst>
+              </p14:cNvPr>
+              <p14:cNvContentPartPr/>
+              <p14:nvPr/>
+            </p14:nvContentPartPr>
+            <p14:xfrm>
+              <a:off x="9500897" y="2203251"/>
+              <a:ext cx="743760" cy="67320"/>
+            </p14:xfrm>
+          </p:contentPart>
+        </mc:Choice>
+        <mc:Fallback>
+          <p:pic>
+            <p:nvPicPr>
+              <p:cNvPr id="101" name="Ink 100">
+                <a:extLst>
+                  <a:ext uri="{FF2B5EF4-FFF2-40B4-BE49-F238E27FC236}">
+                    <a16:creationId xmlns:a16="http://schemas.microsoft.com/office/drawing/2014/main" id="{E80DB4E8-BEA3-47FC-B066-2E3E47D9C589}"/>
+                  </a:ext>
+                </a:extLst>
+              </p:cNvPr>
+              <p:cNvPicPr/>
+              <p:nvPr/>
+            </p:nvPicPr>
+            <p:blipFill>
+              <a:blip r:embed="rId45"/>
+              <a:stretch>
+                <a:fillRect/>
+              </a:stretch>
+            </p:blipFill>
+            <p:spPr>
+              <a:xfrm>
+                <a:off x="9491897" y="2194251"/>
+                <a:ext cx="761400" cy="84960"/>
+              </a:xfrm>
+              <a:prstGeom prst="rect">
+                <a:avLst/>
+              </a:prstGeom>
+            </p:spPr>
+          </p:pic>
+        </mc:Fallback>
+      </mc:AlternateContent>
+      <mc:AlternateContent xmlns:mc="http://schemas.openxmlformats.org/markup-compatibility/2006">
+        <mc:Choice xmlns:p14="http://schemas.microsoft.com/office/powerpoint/2010/main" Requires="p14">
+          <p:contentPart p14:bwMode="auto" r:id="rId46">
+            <p14:nvContentPartPr>
+              <p14:cNvPr id="112" name="Ink 111">
+                <a:extLst>
+                  <a:ext uri="{FF2B5EF4-FFF2-40B4-BE49-F238E27FC236}">
+                    <a16:creationId xmlns:a16="http://schemas.microsoft.com/office/drawing/2014/main" id="{CB87B1A0-DC66-4925-9898-7FB4AE368324}"/>
+                  </a:ext>
+                </a:extLst>
+              </p14:cNvPr>
+              <p14:cNvContentPartPr/>
+              <p14:nvPr/>
+            </p14:nvContentPartPr>
+            <p14:xfrm>
+              <a:off x="9691697" y="1871691"/>
+              <a:ext cx="950400" cy="253440"/>
+            </p14:xfrm>
+          </p:contentPart>
+        </mc:Choice>
+        <mc:Fallback>
+          <p:pic>
+            <p:nvPicPr>
+              <p:cNvPr id="112" name="Ink 111">
+                <a:extLst>
+                  <a:ext uri="{FF2B5EF4-FFF2-40B4-BE49-F238E27FC236}">
+                    <a16:creationId xmlns:a16="http://schemas.microsoft.com/office/drawing/2014/main" id="{CB87B1A0-DC66-4925-9898-7FB4AE368324}"/>
+                  </a:ext>
+                </a:extLst>
+              </p:cNvPr>
+              <p:cNvPicPr/>
+              <p:nvPr/>
+            </p:nvPicPr>
+            <p:blipFill>
+              <a:blip r:embed="rId47"/>
+              <a:stretch>
+                <a:fillRect/>
+              </a:stretch>
+            </p:blipFill>
+            <p:spPr>
+              <a:xfrm>
+                <a:off x="9682697" y="1862691"/>
+                <a:ext cx="968040" cy="271080"/>
+              </a:xfrm>
+              <a:prstGeom prst="rect">
+                <a:avLst/>
+              </a:prstGeom>
+            </p:spPr>
+          </p:pic>
+        </mc:Fallback>
+      </mc:AlternateContent>
+      <mc:AlternateContent xmlns:mc="http://schemas.openxmlformats.org/markup-compatibility/2006">
+        <mc:Choice xmlns:p14="http://schemas.microsoft.com/office/powerpoint/2010/main" Requires="p14">
+          <p:contentPart p14:bwMode="auto" r:id="rId48">
+            <p14:nvContentPartPr>
+              <p14:cNvPr id="117" name="Ink 116">
+                <a:extLst>
+                  <a:ext uri="{FF2B5EF4-FFF2-40B4-BE49-F238E27FC236}">
+                    <a16:creationId xmlns:a16="http://schemas.microsoft.com/office/drawing/2014/main" id="{FEA31103-D4B7-46E1-82B1-A5CC3519A988}"/>
+                  </a:ext>
+                </a:extLst>
+              </p14:cNvPr>
+              <p14:cNvContentPartPr/>
+              <p14:nvPr/>
+            </p14:nvContentPartPr>
+            <p14:xfrm>
+              <a:off x="11060057" y="2693571"/>
+              <a:ext cx="766440" cy="159480"/>
+            </p14:xfrm>
+          </p:contentPart>
+        </mc:Choice>
+        <mc:Fallback>
+          <p:pic>
+            <p:nvPicPr>
+              <p:cNvPr id="117" name="Ink 116">
+                <a:extLst>
+                  <a:ext uri="{FF2B5EF4-FFF2-40B4-BE49-F238E27FC236}">
+                    <a16:creationId xmlns:a16="http://schemas.microsoft.com/office/drawing/2014/main" id="{FEA31103-D4B7-46E1-82B1-A5CC3519A988}"/>
+                  </a:ext>
+                </a:extLst>
+              </p:cNvPr>
+              <p:cNvPicPr/>
+              <p:nvPr/>
+            </p:nvPicPr>
+            <p:blipFill>
+              <a:blip r:embed="rId49"/>
+              <a:stretch>
+                <a:fillRect/>
+              </a:stretch>
+            </p:blipFill>
+            <p:spPr>
+              <a:xfrm>
+                <a:off x="11051057" y="2684571"/>
+                <a:ext cx="784080" cy="177120"/>
+              </a:xfrm>
+              <a:prstGeom prst="rect">
+                <a:avLst/>
+              </a:prstGeom>
+            </p:spPr>
+          </p:pic>
+        </mc:Fallback>
+      </mc:AlternateContent>
+      <mc:AlternateContent xmlns:mc="http://schemas.openxmlformats.org/markup-compatibility/2006">
+        <mc:Choice xmlns:p14="http://schemas.microsoft.com/office/powerpoint/2010/main" Requires="p14">
+          <p:contentPart p14:bwMode="auto" r:id="rId50">
+            <p14:nvContentPartPr>
+              <p14:cNvPr id="150" name="Ink 149">
+                <a:extLst>
+                  <a:ext uri="{FF2B5EF4-FFF2-40B4-BE49-F238E27FC236}">
+                    <a16:creationId xmlns:a16="http://schemas.microsoft.com/office/drawing/2014/main" id="{A61ADEA8-3DAD-48A8-95CC-26D8604CE5CD}"/>
+                  </a:ext>
+                </a:extLst>
+              </p14:cNvPr>
+              <p14:cNvContentPartPr/>
+              <p14:nvPr/>
+            </p14:nvContentPartPr>
+            <p14:xfrm>
+              <a:off x="8245217" y="5128843"/>
+              <a:ext cx="4123440" cy="1479728"/>
+            </p14:xfrm>
+          </p:contentPart>
+        </mc:Choice>
+        <mc:Fallback>
+          <p:pic>
+            <p:nvPicPr>
+              <p:cNvPr id="150" name="Ink 149">
+                <a:extLst>
+                  <a:ext uri="{FF2B5EF4-FFF2-40B4-BE49-F238E27FC236}">
+                    <a16:creationId xmlns:a16="http://schemas.microsoft.com/office/drawing/2014/main" id="{A61ADEA8-3DAD-48A8-95CC-26D8604CE5CD}"/>
+                  </a:ext>
+                </a:extLst>
+              </p:cNvPr>
+              <p:cNvPicPr/>
+              <p:nvPr/>
+            </p:nvPicPr>
+            <p:blipFill>
+              <a:blip r:embed="rId51"/>
+              <a:stretch>
+                <a:fillRect/>
+              </a:stretch>
+            </p:blipFill>
+            <p:spPr>
+              <a:xfrm>
+                <a:off x="8236217" y="5119842"/>
+                <a:ext cx="4141080" cy="1497370"/>
+              </a:xfrm>
+              <a:prstGeom prst="rect">
+                <a:avLst/>
+              </a:prstGeom>
+            </p:spPr>
+          </p:pic>
+        </mc:Fallback>
+      </mc:AlternateContent>
+      <mc:AlternateContent xmlns:mc="http://schemas.openxmlformats.org/markup-compatibility/2006">
+        <mc:Choice xmlns:p14="http://schemas.microsoft.com/office/powerpoint/2010/main" Requires="p14">
+          <p:contentPart p14:bwMode="auto" r:id="rId52">
+            <p14:nvContentPartPr>
+              <p14:cNvPr id="155" name="Ink 154">
+                <a:extLst>
+                  <a:ext uri="{FF2B5EF4-FFF2-40B4-BE49-F238E27FC236}">
+                    <a16:creationId xmlns:a16="http://schemas.microsoft.com/office/drawing/2014/main" id="{22CD9445-9F02-40DC-A579-FB51B8F1B028}"/>
+                  </a:ext>
+                </a:extLst>
+              </p14:cNvPr>
+              <p14:cNvContentPartPr/>
+              <p14:nvPr/>
+            </p14:nvContentPartPr>
+            <p14:xfrm>
+              <a:off x="4005497" y="2638851"/>
+              <a:ext cx="140040" cy="218520"/>
+            </p14:xfrm>
+          </p:contentPart>
+        </mc:Choice>
+        <mc:Fallback>
+          <p:pic>
+            <p:nvPicPr>
+              <p:cNvPr id="155" name="Ink 154">
+                <a:extLst>
+                  <a:ext uri="{FF2B5EF4-FFF2-40B4-BE49-F238E27FC236}">
+                    <a16:creationId xmlns:a16="http://schemas.microsoft.com/office/drawing/2014/main" id="{22CD9445-9F02-40DC-A579-FB51B8F1B028}"/>
+                  </a:ext>
+                </a:extLst>
+              </p:cNvPr>
+              <p:cNvPicPr/>
+              <p:nvPr/>
+            </p:nvPicPr>
+            <p:blipFill>
+              <a:blip r:embed="rId53"/>
+              <a:stretch>
+                <a:fillRect/>
+              </a:stretch>
+            </p:blipFill>
+            <p:spPr>
+              <a:xfrm>
+                <a:off x="3996497" y="2629851"/>
+                <a:ext cx="157680" cy="236160"/>
+              </a:xfrm>
+              <a:prstGeom prst="rect">
+                <a:avLst/>
+              </a:prstGeom>
+            </p:spPr>
+          </p:pic>
+        </mc:Fallback>
+      </mc:AlternateContent>
+      <mc:AlternateContent xmlns:mc="http://schemas.openxmlformats.org/markup-compatibility/2006">
+        <mc:Choice xmlns:p14="http://schemas.microsoft.com/office/powerpoint/2010/main" Requires="p14">
+          <p:contentPart p14:bwMode="auto" r:id="rId54">
+            <p14:nvContentPartPr>
+              <p14:cNvPr id="160" name="Ink 159">
+                <a:extLst>
+                  <a:ext uri="{FF2B5EF4-FFF2-40B4-BE49-F238E27FC236}">
+                    <a16:creationId xmlns:a16="http://schemas.microsoft.com/office/drawing/2014/main" id="{9103EA3F-43ED-46BF-A2FC-49629DAC0FAF}"/>
+                  </a:ext>
+                </a:extLst>
+              </p14:cNvPr>
+              <p14:cNvContentPartPr/>
+              <p14:nvPr/>
+            </p14:nvContentPartPr>
+            <p14:xfrm>
+              <a:off x="2551457" y="2612571"/>
+              <a:ext cx="583920" cy="191880"/>
+            </p14:xfrm>
+          </p:contentPart>
+        </mc:Choice>
+        <mc:Fallback>
+          <p:pic>
+            <p:nvPicPr>
+              <p:cNvPr id="160" name="Ink 159">
+                <a:extLst>
+                  <a:ext uri="{FF2B5EF4-FFF2-40B4-BE49-F238E27FC236}">
+                    <a16:creationId xmlns:a16="http://schemas.microsoft.com/office/drawing/2014/main" id="{9103EA3F-43ED-46BF-A2FC-49629DAC0FAF}"/>
+                  </a:ext>
+                </a:extLst>
+              </p:cNvPr>
+              <p:cNvPicPr/>
+              <p:nvPr/>
+            </p:nvPicPr>
+            <p:blipFill>
+              <a:blip r:embed="rId55"/>
+              <a:stretch>
+                <a:fillRect/>
+              </a:stretch>
+            </p:blipFill>
+            <p:spPr>
+              <a:xfrm>
+                <a:off x="2542457" y="2603571"/>
+                <a:ext cx="601560" cy="209520"/>
+              </a:xfrm>
+              <a:prstGeom prst="rect">
+                <a:avLst/>
+              </a:prstGeom>
+            </p:spPr>
+          </p:pic>
+        </mc:Fallback>
+      </mc:AlternateContent>
+      <mc:AlternateContent xmlns:mc="http://schemas.openxmlformats.org/markup-compatibility/2006">
+        <mc:Choice xmlns:p14="http://schemas.microsoft.com/office/powerpoint/2010/main" Requires="p14">
+          <p:contentPart p14:bwMode="auto" r:id="rId56">
+            <p14:nvContentPartPr>
+              <p14:cNvPr id="161" name="Ink 160">
+                <a:extLst>
+                  <a:ext uri="{FF2B5EF4-FFF2-40B4-BE49-F238E27FC236}">
+                    <a16:creationId xmlns:a16="http://schemas.microsoft.com/office/drawing/2014/main" id="{9D0AF779-7568-4DD1-B654-0D73B5E5BA72}"/>
+                  </a:ext>
+                </a:extLst>
+              </p14:cNvPr>
+              <p14:cNvContentPartPr/>
+              <p14:nvPr/>
+            </p14:nvContentPartPr>
+            <p14:xfrm>
+              <a:off x="4450097" y="2559651"/>
+              <a:ext cx="760680" cy="218880"/>
+            </p14:xfrm>
+          </p:contentPart>
+        </mc:Choice>
+        <mc:Fallback>
+          <p:pic>
+            <p:nvPicPr>
+              <p:cNvPr id="161" name="Ink 160">
+                <a:extLst>
+                  <a:ext uri="{FF2B5EF4-FFF2-40B4-BE49-F238E27FC236}">
+                    <a16:creationId xmlns:a16="http://schemas.microsoft.com/office/drawing/2014/main" id="{9D0AF779-7568-4DD1-B654-0D73B5E5BA72}"/>
+                  </a:ext>
+                </a:extLst>
+              </p:cNvPr>
+              <p:cNvPicPr/>
+              <p:nvPr/>
+            </p:nvPicPr>
+            <p:blipFill>
+              <a:blip r:embed="rId57"/>
+              <a:stretch>
+                <a:fillRect/>
+              </a:stretch>
+            </p:blipFill>
+            <p:spPr>
+              <a:xfrm>
+                <a:off x="4441097" y="2550651"/>
+                <a:ext cx="778320" cy="236520"/>
+              </a:xfrm>
+              <a:prstGeom prst="rect">
+                <a:avLst/>
+              </a:prstGeom>
+            </p:spPr>
+          </p:pic>
+        </mc:Fallback>
+      </mc:AlternateContent>
+      <mc:AlternateContent xmlns:mc="http://schemas.openxmlformats.org/markup-compatibility/2006">
+        <mc:Choice xmlns:p14="http://schemas.microsoft.com/office/powerpoint/2010/main" Requires="p14">
+          <p:contentPart p14:bwMode="auto" r:id="rId58">
+            <p14:nvContentPartPr>
+              <p14:cNvPr id="162" name="Ink 161">
+                <a:extLst>
+                  <a:ext uri="{FF2B5EF4-FFF2-40B4-BE49-F238E27FC236}">
+                    <a16:creationId xmlns:a16="http://schemas.microsoft.com/office/drawing/2014/main" id="{57496A8A-DAEA-4958-9337-88FB884B0960}"/>
+                  </a:ext>
+                </a:extLst>
+              </p14:cNvPr>
+              <p14:cNvContentPartPr/>
+              <p14:nvPr/>
+            </p14:nvContentPartPr>
+            <p14:xfrm>
+              <a:off x="3254537" y="2672331"/>
+              <a:ext cx="648720" cy="280440"/>
+            </p14:xfrm>
+          </p:contentPart>
+        </mc:Choice>
+        <mc:Fallback>
+          <p:pic>
+            <p:nvPicPr>
+              <p:cNvPr id="162" name="Ink 161">
+                <a:extLst>
+                  <a:ext uri="{FF2B5EF4-FFF2-40B4-BE49-F238E27FC236}">
+                    <a16:creationId xmlns:a16="http://schemas.microsoft.com/office/drawing/2014/main" id="{57496A8A-DAEA-4958-9337-88FB884B0960}"/>
+                  </a:ext>
+                </a:extLst>
+              </p:cNvPr>
+              <p:cNvPicPr/>
+              <p:nvPr/>
+            </p:nvPicPr>
+            <p:blipFill>
+              <a:blip r:embed="rId59"/>
+              <a:stretch>
+                <a:fillRect/>
+              </a:stretch>
+            </p:blipFill>
+            <p:spPr>
+              <a:xfrm>
+                <a:off x="3245537" y="2663331"/>
+                <a:ext cx="666360" cy="298080"/>
+              </a:xfrm>
+              <a:prstGeom prst="rect">
+                <a:avLst/>
+              </a:prstGeom>
+            </p:spPr>
+          </p:pic>
+        </mc:Fallback>
+      </mc:AlternateContent>
+      <p:sp>
+        <p:nvSpPr>
+          <p:cNvPr id="163" name="Scroll: Vertical 162">
+            <a:extLst>
+              <a:ext uri="{FF2B5EF4-FFF2-40B4-BE49-F238E27FC236}">
+                <a16:creationId xmlns:a16="http://schemas.microsoft.com/office/drawing/2014/main" id="{04E881F0-531B-4477-8808-0E88F21956AD}"/>
+              </a:ext>
+            </a:extLst>
+          </p:cNvPr>
+          <p:cNvSpPr/>
+          <p:nvPr/>
+        </p:nvSpPr>
+        <p:spPr>
+          <a:xfrm>
+            <a:off x="601319" y="-137031"/>
+            <a:ext cx="1471835" cy="1070795"/>
+          </a:xfrm>
+          <a:prstGeom prst="verticalScroll">
+            <a:avLst/>
+          </a:prstGeom>
+        </p:spPr>
+        <p:style>
+          <a:lnRef idx="2">
+            <a:schemeClr val="accent1">
+              <a:shade val="50000"/>
+            </a:schemeClr>
+          </a:lnRef>
+          <a:fillRef idx="1">
+            <a:schemeClr val="accent1"/>
+          </a:fillRef>
+          <a:effectRef idx="0">
+            <a:schemeClr val="accent1"/>
+          </a:effectRef>
+          <a:fontRef idx="minor">
+            <a:schemeClr val="lt1"/>
+          </a:fontRef>
+        </p:style>
+        <p:txBody>
+          <a:bodyPr rtlCol="0" anchor="ctr"/>
+          <a:lstStyle/>
+          <a:p>
+            <a:pPr algn="ctr"/>
+            <a:r>
+              <a:rPr lang="en-US" sz="1100" dirty="0"/>
+              <a:t>Table </a:t>
+            </a:r>
+            <a:r>
+              <a:rPr lang="en-US" sz="1100" dirty="0" err="1"/>
+              <a:t>kna</a:t>
+            </a:r>
+            <a:r>
+              <a:rPr lang="en-US" sz="1100" dirty="0"/>
+              <a:t> {</a:t>
+            </a:r>
+          </a:p>
+          <a:p>
+            <a:pPr algn="ctr"/>
+            <a:r>
+              <a:rPr lang="en-US" sz="1100" dirty="0"/>
+              <a:t>Key id</a:t>
+            </a:r>
+          </a:p>
+          <a:p>
+            <a:pPr algn="ctr"/>
+            <a:r>
+              <a:rPr lang="en-US" sz="1100" dirty="0"/>
+              <a:t>name</a:t>
+            </a:r>
+          </a:p>
+          <a:p>
+            <a:pPr algn="ctr"/>
+            <a:r>
+              <a:rPr lang="en-US" sz="1100" dirty="0"/>
+              <a:t>}</a:t>
+            </a:r>
+          </a:p>
+        </p:txBody>
+      </p:sp>
+      <p:sp>
+        <p:nvSpPr>
+          <p:cNvPr id="164" name="TextBox 163">
+            <a:extLst>
+              <a:ext uri="{FF2B5EF4-FFF2-40B4-BE49-F238E27FC236}">
+                <a16:creationId xmlns:a16="http://schemas.microsoft.com/office/drawing/2014/main" id="{6CB722CF-57D6-4407-AEB8-C7E7C596DDA1}"/>
+              </a:ext>
+            </a:extLst>
+          </p:cNvPr>
+          <p:cNvSpPr txBox="1"/>
+          <p:nvPr/>
+        </p:nvSpPr>
+        <p:spPr>
+          <a:xfrm>
+            <a:off x="-195858" y="-43302"/>
+            <a:ext cx="1227909" cy="923330"/>
+          </a:xfrm>
+          <a:prstGeom prst="rect">
+            <a:avLst/>
+          </a:prstGeom>
+          <a:noFill/>
+        </p:spPr>
+        <p:txBody>
+          <a:bodyPr wrap="square" rtlCol="0">
+            <a:spAutoFit/>
+          </a:bodyPr>
+          <a:lstStyle/>
+          <a:p>
+            <a:r>
+              <a:rPr lang="en-US" dirty="0"/>
+              <a:t>Design time object</a:t>
+            </a:r>
+          </a:p>
+        </p:txBody>
+      </p:sp>
+      <p:sp>
+        <p:nvSpPr>
+          <p:cNvPr id="165" name="Rectangle: Rounded Corners 164">
+            <a:extLst>
+              <a:ext uri="{FF2B5EF4-FFF2-40B4-BE49-F238E27FC236}">
+                <a16:creationId xmlns:a16="http://schemas.microsoft.com/office/drawing/2014/main" id="{B348DD6C-E191-4E88-B285-BCA1D39DF4F1}"/>
+              </a:ext>
+            </a:extLst>
+          </p:cNvPr>
+          <p:cNvSpPr/>
+          <p:nvPr/>
+        </p:nvSpPr>
+        <p:spPr>
+          <a:xfrm>
+            <a:off x="601319" y="1332411"/>
+            <a:ext cx="1471835" cy="391783"/>
+          </a:xfrm>
+          <a:prstGeom prst="roundRect">
+            <a:avLst/>
+          </a:prstGeom>
+        </p:spPr>
+        <p:style>
+          <a:lnRef idx="2">
+            <a:schemeClr val="accent1">
+              <a:shade val="50000"/>
+            </a:schemeClr>
+          </a:lnRef>
+          <a:fillRef idx="1">
+            <a:schemeClr val="accent1"/>
+          </a:fillRef>
+          <a:effectRef idx="0">
+            <a:schemeClr val="accent1"/>
+          </a:effectRef>
+          <a:fontRef idx="minor">
+            <a:schemeClr val="lt1"/>
+          </a:fontRef>
+        </p:style>
+        <p:txBody>
+          <a:bodyPr rtlCol="0" anchor="ctr"/>
+          <a:lstStyle/>
+          <a:p>
+            <a:pPr algn="ctr"/>
+            <a:r>
+              <a:rPr lang="en-US" dirty="0"/>
+              <a:t>Engine</a:t>
+            </a:r>
+          </a:p>
+        </p:txBody>
+      </p:sp>
+      <p:cxnSp>
+        <p:nvCxnSpPr>
+          <p:cNvPr id="167" name="Straight Arrow Connector 166">
+            <a:extLst>
+              <a:ext uri="{FF2B5EF4-FFF2-40B4-BE49-F238E27FC236}">
+                <a16:creationId xmlns:a16="http://schemas.microsoft.com/office/drawing/2014/main" id="{0DAE844F-7D3E-4DB2-87AC-44BAACF5ADF4}"/>
+              </a:ext>
+            </a:extLst>
+          </p:cNvPr>
+          <p:cNvCxnSpPr>
+            <a:stCxn id="163" idx="2"/>
+            <a:endCxn id="165" idx="0"/>
+          </p:cNvCxnSpPr>
+          <p:nvPr/>
+        </p:nvCxnSpPr>
+        <p:spPr>
+          <a:xfrm>
+            <a:off x="1337237" y="933764"/>
+            <a:ext cx="0" cy="398647"/>
+          </a:xfrm>
+          <a:prstGeom prst="straightConnector1">
+            <a:avLst/>
+          </a:prstGeom>
+          <a:ln>
+            <a:tailEnd type="triangle"/>
+          </a:ln>
+        </p:spPr>
+        <p:style>
+          <a:lnRef idx="1">
+            <a:schemeClr val="accent1"/>
+          </a:lnRef>
+          <a:fillRef idx="0">
+            <a:schemeClr val="accent1"/>
+          </a:fillRef>
+          <a:effectRef idx="0">
+            <a:schemeClr val="accent1"/>
+          </a:effectRef>
+          <a:fontRef idx="minor">
+            <a:schemeClr val="tx1"/>
+          </a:fontRef>
+        </p:style>
+      </p:cxnSp>
+      <p:sp>
+        <p:nvSpPr>
+          <p:cNvPr id="169" name="TextBox 168">
+            <a:extLst>
+              <a:ext uri="{FF2B5EF4-FFF2-40B4-BE49-F238E27FC236}">
+                <a16:creationId xmlns:a16="http://schemas.microsoft.com/office/drawing/2014/main" id="{B8A3C48F-2272-4744-96B2-3427815D9711}"/>
+              </a:ext>
+            </a:extLst>
+          </p:cNvPr>
+          <p:cNvSpPr txBox="1"/>
+          <p:nvPr/>
+        </p:nvSpPr>
+        <p:spPr>
+          <a:xfrm>
+            <a:off x="1479623" y="957898"/>
+            <a:ext cx="1690314" cy="369332"/>
+          </a:xfrm>
+          <a:prstGeom prst="rect">
+            <a:avLst/>
+          </a:prstGeom>
+          <a:noFill/>
+        </p:spPr>
+        <p:txBody>
+          <a:bodyPr wrap="square" rtlCol="0">
+            <a:spAutoFit/>
+          </a:bodyPr>
+          <a:lstStyle/>
+          <a:p>
+            <a:r>
+              <a:rPr lang="en-US" b="1" dirty="0"/>
+              <a:t>activate</a:t>
+            </a:r>
+          </a:p>
+        </p:txBody>
+      </p:sp>
+      <p:sp>
+        <p:nvSpPr>
+          <p:cNvPr id="170" name="Scroll: Vertical 169">
+            <a:extLst>
+              <a:ext uri="{FF2B5EF4-FFF2-40B4-BE49-F238E27FC236}">
+                <a16:creationId xmlns:a16="http://schemas.microsoft.com/office/drawing/2014/main" id="{3FFC4441-68DC-45D6-BB41-B4B4A4046502}"/>
+              </a:ext>
+            </a:extLst>
+          </p:cNvPr>
+          <p:cNvSpPr/>
+          <p:nvPr/>
+        </p:nvSpPr>
+        <p:spPr>
+          <a:xfrm>
+            <a:off x="5330151" y="-171926"/>
+            <a:ext cx="1471835" cy="1070795"/>
+          </a:xfrm>
+          <a:prstGeom prst="verticalScroll">
+            <a:avLst/>
+          </a:prstGeom>
+        </p:spPr>
+        <p:style>
+          <a:lnRef idx="2">
+            <a:schemeClr val="accent1">
+              <a:shade val="50000"/>
+            </a:schemeClr>
+          </a:lnRef>
+          <a:fillRef idx="1">
+            <a:schemeClr val="accent1"/>
+          </a:fillRef>
+          <a:effectRef idx="0">
+            <a:schemeClr val="accent1"/>
+          </a:effectRef>
+          <a:fontRef idx="minor">
+            <a:schemeClr val="lt1"/>
+          </a:fontRef>
+        </p:style>
+        <p:txBody>
+          <a:bodyPr rtlCol="0" anchor="ctr"/>
+          <a:lstStyle/>
+          <a:p>
+            <a:pPr algn="ctr"/>
+            <a:r>
+              <a:rPr lang="en-US" sz="1100" dirty="0"/>
+              <a:t>Table </a:t>
+            </a:r>
+            <a:r>
+              <a:rPr lang="en-US" sz="1100" dirty="0" err="1"/>
+              <a:t>kna</a:t>
+            </a:r>
+            <a:r>
+              <a:rPr lang="en-US" sz="1100" dirty="0"/>
+              <a:t> {</a:t>
+            </a:r>
+          </a:p>
+          <a:p>
+            <a:pPr algn="ctr"/>
+            <a:r>
+              <a:rPr lang="en-US" sz="1100" dirty="0"/>
+              <a:t>Key id</a:t>
+            </a:r>
+          </a:p>
+          <a:p>
+            <a:pPr algn="ctr"/>
+            <a:r>
+              <a:rPr lang="en-US" sz="1100" dirty="0"/>
+              <a:t>name</a:t>
+            </a:r>
+          </a:p>
+          <a:p>
+            <a:pPr algn="ctr"/>
+            <a:r>
+              <a:rPr lang="en-US" sz="1100" dirty="0"/>
+              <a:t>}</a:t>
+            </a:r>
+          </a:p>
+        </p:txBody>
+      </p:sp>
+      <p:sp>
+        <p:nvSpPr>
+          <p:cNvPr id="171" name="Rectangle: Rounded Corners 170">
+            <a:extLst>
+              <a:ext uri="{FF2B5EF4-FFF2-40B4-BE49-F238E27FC236}">
+                <a16:creationId xmlns:a16="http://schemas.microsoft.com/office/drawing/2014/main" id="{12726CA9-88DE-4553-B12F-11758A1F7BA7}"/>
+              </a:ext>
+            </a:extLst>
+          </p:cNvPr>
+          <p:cNvSpPr/>
+          <p:nvPr/>
+        </p:nvSpPr>
+        <p:spPr>
+          <a:xfrm>
+            <a:off x="5330151" y="1297516"/>
+            <a:ext cx="1471835" cy="391783"/>
+          </a:xfrm>
+          <a:prstGeom prst="roundRect">
+            <a:avLst/>
+          </a:prstGeom>
+        </p:spPr>
+        <p:style>
+          <a:lnRef idx="2">
+            <a:schemeClr val="accent1">
+              <a:shade val="50000"/>
+            </a:schemeClr>
+          </a:lnRef>
+          <a:fillRef idx="1">
+            <a:schemeClr val="accent1"/>
+          </a:fillRef>
+          <a:effectRef idx="0">
+            <a:schemeClr val="accent1"/>
+          </a:effectRef>
+          <a:fontRef idx="minor">
+            <a:schemeClr val="lt1"/>
+          </a:fontRef>
+        </p:style>
+        <p:txBody>
+          <a:bodyPr rtlCol="0" anchor="ctr"/>
+          <a:lstStyle/>
+          <a:p>
+            <a:pPr algn="ctr"/>
+            <a:r>
+              <a:rPr lang="en-US" dirty="0"/>
+              <a:t>Engine</a:t>
+            </a:r>
+          </a:p>
+        </p:txBody>
+      </p:sp>
+      <p:cxnSp>
+        <p:nvCxnSpPr>
+          <p:cNvPr id="172" name="Straight Arrow Connector 171">
+            <a:extLst>
+              <a:ext uri="{FF2B5EF4-FFF2-40B4-BE49-F238E27FC236}">
+                <a16:creationId xmlns:a16="http://schemas.microsoft.com/office/drawing/2014/main" id="{1FD78867-2668-4C1C-B1E0-05EDAB9A3379}"/>
+              </a:ext>
+            </a:extLst>
+          </p:cNvPr>
+          <p:cNvCxnSpPr>
+            <a:stCxn id="170" idx="2"/>
+            <a:endCxn id="171" idx="0"/>
+          </p:cNvCxnSpPr>
+          <p:nvPr/>
+        </p:nvCxnSpPr>
+        <p:spPr>
+          <a:xfrm>
+            <a:off x="6066069" y="898869"/>
+            <a:ext cx="0" cy="398647"/>
+          </a:xfrm>
+          <a:prstGeom prst="straightConnector1">
+            <a:avLst/>
+          </a:prstGeom>
+          <a:ln>
+            <a:tailEnd type="triangle"/>
+          </a:ln>
+        </p:spPr>
+        <p:style>
+          <a:lnRef idx="1">
+            <a:schemeClr val="accent1"/>
+          </a:lnRef>
+          <a:fillRef idx="0">
+            <a:schemeClr val="accent1"/>
+          </a:fillRef>
+          <a:effectRef idx="0">
+            <a:schemeClr val="accent1"/>
+          </a:effectRef>
+          <a:fontRef idx="minor">
+            <a:schemeClr val="tx1"/>
+          </a:fontRef>
+        </p:style>
+      </p:cxnSp>
+      <p:sp>
+        <p:nvSpPr>
+          <p:cNvPr id="173" name="TextBox 172">
+            <a:extLst>
+              <a:ext uri="{FF2B5EF4-FFF2-40B4-BE49-F238E27FC236}">
+                <a16:creationId xmlns:a16="http://schemas.microsoft.com/office/drawing/2014/main" id="{9B2D1EB5-CA85-4BE4-AE9A-F0D4B4A3A665}"/>
+              </a:ext>
+            </a:extLst>
+          </p:cNvPr>
+          <p:cNvSpPr txBox="1"/>
+          <p:nvPr/>
+        </p:nvSpPr>
+        <p:spPr>
+          <a:xfrm>
+            <a:off x="6208455" y="923003"/>
+            <a:ext cx="1690314" cy="369332"/>
+          </a:xfrm>
+          <a:prstGeom prst="rect">
+            <a:avLst/>
+          </a:prstGeom>
+          <a:noFill/>
+        </p:spPr>
+        <p:txBody>
+          <a:bodyPr wrap="square" rtlCol="0">
+            <a:spAutoFit/>
+          </a:bodyPr>
+          <a:lstStyle/>
+          <a:p>
+            <a:r>
+              <a:rPr lang="en-US" b="1" dirty="0"/>
+              <a:t>activate</a:t>
+            </a:r>
+          </a:p>
+        </p:txBody>
+      </p:sp>
+      <p:sp>
+        <p:nvSpPr>
+          <p:cNvPr id="174" name="Scroll: Vertical 173">
+            <a:extLst>
+              <a:ext uri="{FF2B5EF4-FFF2-40B4-BE49-F238E27FC236}">
+                <a16:creationId xmlns:a16="http://schemas.microsoft.com/office/drawing/2014/main" id="{B372FC8E-8D9B-4177-BEEB-8455B622B9AA}"/>
+              </a:ext>
+            </a:extLst>
+          </p:cNvPr>
+          <p:cNvSpPr/>
+          <p:nvPr/>
+        </p:nvSpPr>
+        <p:spPr>
+          <a:xfrm>
+            <a:off x="9753292" y="-105502"/>
+            <a:ext cx="1471835" cy="1070795"/>
+          </a:xfrm>
+          <a:prstGeom prst="verticalScroll">
+            <a:avLst/>
+          </a:prstGeom>
+        </p:spPr>
+        <p:style>
+          <a:lnRef idx="2">
+            <a:schemeClr val="accent1">
+              <a:shade val="50000"/>
+            </a:schemeClr>
+          </a:lnRef>
+          <a:fillRef idx="1">
+            <a:schemeClr val="accent1"/>
+          </a:fillRef>
+          <a:effectRef idx="0">
+            <a:schemeClr val="accent1"/>
+          </a:effectRef>
+          <a:fontRef idx="minor">
+            <a:schemeClr val="lt1"/>
+          </a:fontRef>
+        </p:style>
+        <p:txBody>
+          <a:bodyPr rtlCol="0" anchor="ctr"/>
+          <a:lstStyle/>
+          <a:p>
+            <a:pPr algn="ctr"/>
+            <a:r>
+              <a:rPr lang="en-US" sz="1100" dirty="0"/>
+              <a:t>Table </a:t>
+            </a:r>
+            <a:r>
+              <a:rPr lang="en-US" sz="1100" dirty="0" err="1"/>
+              <a:t>kna</a:t>
+            </a:r>
+            <a:r>
+              <a:rPr lang="en-US" sz="1100" dirty="0"/>
+              <a:t> {</a:t>
+            </a:r>
+          </a:p>
+          <a:p>
+            <a:pPr algn="ctr"/>
+            <a:r>
+              <a:rPr lang="en-US" sz="1100" dirty="0"/>
+              <a:t>Key id</a:t>
+            </a:r>
+          </a:p>
+          <a:p>
+            <a:pPr algn="ctr"/>
+            <a:r>
+              <a:rPr lang="en-US" sz="1100" dirty="0"/>
+              <a:t>name</a:t>
+            </a:r>
+          </a:p>
+          <a:p>
+            <a:pPr algn="ctr"/>
+            <a:r>
+              <a:rPr lang="en-US" sz="1100" dirty="0"/>
+              <a:t>}</a:t>
+            </a:r>
+          </a:p>
+        </p:txBody>
+      </p:sp>
+      <p:sp>
+        <p:nvSpPr>
+          <p:cNvPr id="175" name="Rectangle: Rounded Corners 174">
+            <a:extLst>
+              <a:ext uri="{FF2B5EF4-FFF2-40B4-BE49-F238E27FC236}">
+                <a16:creationId xmlns:a16="http://schemas.microsoft.com/office/drawing/2014/main" id="{3D02AB85-B5DB-4A42-B867-CC6531EB4F23}"/>
+              </a:ext>
+            </a:extLst>
+          </p:cNvPr>
+          <p:cNvSpPr/>
+          <p:nvPr/>
+        </p:nvSpPr>
+        <p:spPr>
+          <a:xfrm>
+            <a:off x="9753292" y="1363940"/>
+            <a:ext cx="1471835" cy="391783"/>
+          </a:xfrm>
+          <a:prstGeom prst="roundRect">
+            <a:avLst/>
+          </a:prstGeom>
+        </p:spPr>
+        <p:style>
+          <a:lnRef idx="2">
+            <a:schemeClr val="accent1">
+              <a:shade val="50000"/>
+            </a:schemeClr>
+          </a:lnRef>
+          <a:fillRef idx="1">
+            <a:schemeClr val="accent1"/>
+          </a:fillRef>
+          <a:effectRef idx="0">
+            <a:schemeClr val="accent1"/>
+          </a:effectRef>
+          <a:fontRef idx="minor">
+            <a:schemeClr val="lt1"/>
+          </a:fontRef>
+        </p:style>
+        <p:txBody>
+          <a:bodyPr rtlCol="0" anchor="ctr"/>
+          <a:lstStyle/>
+          <a:p>
+            <a:pPr algn="ctr"/>
+            <a:r>
+              <a:rPr lang="en-US" dirty="0"/>
+              <a:t>Engine</a:t>
+            </a:r>
+          </a:p>
+        </p:txBody>
+      </p:sp>
+      <p:cxnSp>
+        <p:nvCxnSpPr>
+          <p:cNvPr id="176" name="Straight Arrow Connector 175">
+            <a:extLst>
+              <a:ext uri="{FF2B5EF4-FFF2-40B4-BE49-F238E27FC236}">
+                <a16:creationId xmlns:a16="http://schemas.microsoft.com/office/drawing/2014/main" id="{00D5B665-D91D-4192-ADD8-ECC7CC91F86C}"/>
+              </a:ext>
+            </a:extLst>
+          </p:cNvPr>
+          <p:cNvCxnSpPr>
+            <a:stCxn id="174" idx="2"/>
+            <a:endCxn id="175" idx="0"/>
+          </p:cNvCxnSpPr>
+          <p:nvPr/>
+        </p:nvCxnSpPr>
+        <p:spPr>
+          <a:xfrm>
+            <a:off x="10489210" y="965293"/>
+            <a:ext cx="0" cy="398647"/>
+          </a:xfrm>
+          <a:prstGeom prst="straightConnector1">
+            <a:avLst/>
+          </a:prstGeom>
+          <a:ln>
+            <a:tailEnd type="triangle"/>
+          </a:ln>
+        </p:spPr>
+        <p:style>
+          <a:lnRef idx="1">
+            <a:schemeClr val="accent1"/>
+          </a:lnRef>
+          <a:fillRef idx="0">
+            <a:schemeClr val="accent1"/>
+          </a:fillRef>
+          <a:effectRef idx="0">
+            <a:schemeClr val="accent1"/>
+          </a:effectRef>
+          <a:fontRef idx="minor">
+            <a:schemeClr val="tx1"/>
+          </a:fontRef>
+        </p:style>
+      </p:cxnSp>
+      <p:sp>
+        <p:nvSpPr>
+          <p:cNvPr id="177" name="TextBox 176">
+            <a:extLst>
+              <a:ext uri="{FF2B5EF4-FFF2-40B4-BE49-F238E27FC236}">
+                <a16:creationId xmlns:a16="http://schemas.microsoft.com/office/drawing/2014/main" id="{2B88E689-F4E7-445F-A5F3-0E1BEA99E3B0}"/>
+              </a:ext>
+            </a:extLst>
+          </p:cNvPr>
+          <p:cNvSpPr txBox="1"/>
+          <p:nvPr/>
+        </p:nvSpPr>
+        <p:spPr>
+          <a:xfrm>
+            <a:off x="10631596" y="989427"/>
+            <a:ext cx="1690314" cy="369332"/>
+          </a:xfrm>
+          <a:prstGeom prst="rect">
+            <a:avLst/>
+          </a:prstGeom>
+          <a:noFill/>
+        </p:spPr>
+        <p:txBody>
+          <a:bodyPr wrap="square" rtlCol="0">
+            <a:spAutoFit/>
+          </a:bodyPr>
+          <a:lstStyle/>
+          <a:p>
+            <a:r>
+              <a:rPr lang="en-US" b="1" dirty="0"/>
+              <a:t>activate</a:t>
+            </a:r>
+          </a:p>
+        </p:txBody>
+      </p:sp>
+      <p:sp>
+        <p:nvSpPr>
+          <p:cNvPr id="178" name="Rectangle 177">
+            <a:extLst>
+              <a:ext uri="{FF2B5EF4-FFF2-40B4-BE49-F238E27FC236}">
+                <a16:creationId xmlns:a16="http://schemas.microsoft.com/office/drawing/2014/main" id="{504FBD1F-7D12-4609-99BB-5EA6B0AD02C6}"/>
+              </a:ext>
+            </a:extLst>
+          </p:cNvPr>
+          <p:cNvSpPr/>
+          <p:nvPr/>
+        </p:nvSpPr>
+        <p:spPr>
+          <a:xfrm>
+            <a:off x="2641716" y="371745"/>
+            <a:ext cx="2037596" cy="679122"/>
+          </a:xfrm>
+          <a:prstGeom prst="rect">
+            <a:avLst/>
+          </a:prstGeom>
+        </p:spPr>
+        <p:style>
+          <a:lnRef idx="2">
+            <a:schemeClr val="accent1">
+              <a:shade val="50000"/>
+            </a:schemeClr>
+          </a:lnRef>
+          <a:fillRef idx="1">
+            <a:schemeClr val="accent1"/>
+          </a:fillRef>
+          <a:effectRef idx="0">
+            <a:schemeClr val="accent1"/>
+          </a:effectRef>
+          <a:fontRef idx="minor">
+            <a:schemeClr val="lt1"/>
+          </a:fontRef>
+        </p:style>
+        <p:txBody>
+          <a:bodyPr rtlCol="0" anchor="ctr"/>
+          <a:lstStyle/>
+          <a:p>
+            <a:pPr algn="ctr"/>
+            <a:r>
+              <a:rPr lang="en-US" dirty="0"/>
+              <a:t>DT objects stored in package</a:t>
+            </a:r>
+          </a:p>
+        </p:txBody>
+      </p:sp>
+      <p:sp>
+        <p:nvSpPr>
+          <p:cNvPr id="179" name="TextBox 178">
+            <a:extLst>
+              <a:ext uri="{FF2B5EF4-FFF2-40B4-BE49-F238E27FC236}">
+                <a16:creationId xmlns:a16="http://schemas.microsoft.com/office/drawing/2014/main" id="{1CBC9C0E-4941-44C4-9A4C-FF3888C6E83E}"/>
+              </a:ext>
+            </a:extLst>
+          </p:cNvPr>
+          <p:cNvSpPr txBox="1"/>
+          <p:nvPr/>
+        </p:nvSpPr>
+        <p:spPr>
+          <a:xfrm>
+            <a:off x="2721274" y="5318525"/>
+            <a:ext cx="2421214" cy="646331"/>
+          </a:xfrm>
+          <a:prstGeom prst="rect">
+            <a:avLst/>
+          </a:prstGeom>
+          <a:noFill/>
+        </p:spPr>
+        <p:txBody>
+          <a:bodyPr wrap="square" rtlCol="0">
+            <a:spAutoFit/>
+          </a:bodyPr>
+          <a:lstStyle/>
+          <a:p>
+            <a:r>
+              <a:rPr lang="en-US" b="1" dirty="0"/>
+              <a:t>Run time objects</a:t>
+            </a:r>
+          </a:p>
+          <a:p>
+            <a:r>
+              <a:rPr lang="en-US" b="1" dirty="0"/>
+              <a:t>Inside SCHEMA</a:t>
+            </a:r>
+          </a:p>
+        </p:txBody>
+      </p:sp>
     </p:spTree>
     <p:extLst>
       <p:ext uri="{BB962C8B-B14F-4D97-AF65-F5344CB8AC3E}">

--- a/ABAP on HANA/Whiteboard.pptx
+++ b/ABAP on HANA/Whiteboard.pptx
@@ -1650,6 +1650,65 @@
 </inkml:ink>
 </file>
 
+<file path=ppt/ink/ink48.xml><?xml version="1.0" encoding="utf-8"?>
+<inkml:ink xmlns:inkml="http://www.w3.org/2003/InkML">
+  <inkml:definitions>
+    <inkml:context xml:id="ctx0">
+      <inkml:inkSource xml:id="inkSrc0">
+        <inkml:traceFormat>
+          <inkml:channel name="X" type="integer" max="1920" units="cm"/>
+          <inkml:channel name="Y" type="integer" max="1080" units="cm"/>
+          <inkml:channel name="T" type="integer" max="2.14748E9" units="dev"/>
+        </inkml:traceFormat>
+        <inkml:channelProperties>
+          <inkml:channelProperty channel="X" name="resolution" value="55.81395" units="1/cm"/>
+          <inkml:channelProperty channel="Y" name="resolution" value="55.6701" units="1/cm"/>
+          <inkml:channelProperty channel="T" name="resolution" value="1" units="1/dev"/>
+        </inkml:channelProperties>
+      </inkml:inkSource>
+      <inkml:timestamp xml:id="ts0" timeString="2021-10-21T06:39:33.744"/>
+    </inkml:context>
+    <inkml:brush xml:id="br0">
+      <inkml:brushProperty name="width" value="0.05" units="cm"/>
+      <inkml:brushProperty name="height" value="0.05" units="cm"/>
+      <inkml:brushProperty name="fitToCurve" value="1"/>
+    </inkml:brush>
+  </inkml:definitions>
+  <inkml:trace contextRef="#ctx0" brushRef="#br0">267 436 0,'24'-25'0,"0"1"16,-24 0-1,0 0-15,0 0 16,-24 24-16,24-25 0,-24 1 15,-1 24-15,1 0 16,0 0-16,0 0 0,0 0 16,-1 0-16,1 24 0,0 1 15,0-1-15,24 0 16,-24 0-16,24 0 0,-25 1 16,25-1-16,0 0 15,0 0-15,0 0 0,25-24 16,-1 25-16,0-25 15,24 0-15,-23-25 16,-1 25-16,24-24 0,-24 0 16,1 0-16,23-25 0,-24 25 15,-24-24-15,24-25 16,1 25-16,-25-1 0,0 1 16,24 0-16,-24 24 15,0-1-15,0 1 0,0 48 16,0 1-1,0-1-15,0 24 16,0 0-16,0 1 0,0-1 16,0 1-16,0-1 15,0-24-15,0 25 0,0-25 16,0 0-16,24-24 0,-24 24 16</inkml:trace>
+</inkml:ink>
+</file>
+
+<file path=ppt/ink/ink49.xml><?xml version="1.0" encoding="utf-8"?>
+<inkml:ink xmlns:inkml="http://www.w3.org/2003/InkML">
+  <inkml:definitions>
+    <inkml:context xml:id="ctx0">
+      <inkml:inkSource xml:id="inkSrc0">
+        <inkml:traceFormat>
+          <inkml:channel name="X" type="integer" max="1920" units="cm"/>
+          <inkml:channel name="Y" type="integer" max="1080" units="cm"/>
+          <inkml:channel name="T" type="integer" max="2.14748E9" units="dev"/>
+        </inkml:traceFormat>
+        <inkml:channelProperties>
+          <inkml:channelProperty channel="X" name="resolution" value="55.81395" units="1/cm"/>
+          <inkml:channelProperty channel="Y" name="resolution" value="55.6701" units="1/cm"/>
+          <inkml:channelProperty channel="T" name="resolution" value="1" units="1/dev"/>
+        </inkml:channelProperties>
+      </inkml:inkSource>
+      <inkml:timestamp xml:id="ts0" timeString="2021-10-21T06:39:34.180"/>
+    </inkml:context>
+    <inkml:brush xml:id="br0">
+      <inkml:brushProperty name="width" value="0.05" units="cm"/>
+      <inkml:brushProperty name="height" value="0.05" units="cm"/>
+      <inkml:brushProperty name="fitToCurve" value="1"/>
+    </inkml:brush>
+  </inkml:definitions>
+  <inkml:trace contextRef="#ctx0" brushRef="#br0">0 48 0,'0'25'16,"0"-1"-1,0 0-15,0 0 16,0 0-16,0 25 15,0-25-15,0 0 0,0 24 16,0-23-16,0-1 16,0 24-16,0-24 0,0 1 15,0-1 1,24-24 0,-24-24-1,0-1 1,24 1-16,0 0 15,0 0-15,1 0 16,-1 24-16,0 0 16,0 0-16,0 24 0,1-24 15,-1 24-15,-24 0 0,24 25 16,-24-25-16,0 0 16,-24 0-16,0 25 0,-1-25 15,1 0 1,-24-24-16,24 0 0,-1 0 15,1 0-15,0 0 0,24-24 16</inkml:trace>
+  <inkml:trace contextRef="#ctx0" brushRef="#br0" timeOffset="234">338 48 0,'24'0'15,"1"25"1,-1-1 0,-24 0-16,24 0 15,-24 0-15,24 25 16,-24-25-16,24 24 0,-24 1 16,25-1-16,-25 25 15,0-49-15,0 24 0,0 1 16,0-25-16,-25 0 0</inkml:trace>
+  <inkml:trace contextRef="#ctx0" brushRef="#br0" timeOffset="762">387 387 0,'0'-24'15,"24"24"16,0 0-31,0 0 16,0 0-16,25 0 0,-1 0 16,1 0-16,-1 0 15,-24 0-15,25-24 0,-1 24 16,-24 0-16,0-25 16,0 1-16,-24 0 0,0 0 15,0 0-15,-24-1 16,0 25-1,0 0-15,24 25 0,-24-25 16,0 24-16,-1 0 16,1 24-16,0-23 0,0 23 15,0-24-15,24 0 0,-25 25 16,25-25-16,0 0 16,0 0-16,0 1 15,25-25-15,-1 0 16,-24-25-16,24 25 15,0-24-15,0 0 16,1 0-16,-1 0 0,0-1 16,0-23-16,0 24 0,-24 0 15,24 24-15,-24-25 16,25 25-16,-1 25 16,-24-1-16,0 0 15,0 0-15,0 0 16,0 25-16,0-25 0,24 0 15,-24 0-15,0 1 16,24-1-16</inkml:trace>
+  <inkml:trace contextRef="#ctx0" brushRef="#br0" timeOffset="1201">1088 97 0,'-24'-24'15,"24"-1"-15,-24 1 16,24 0-16,-24 24 16,24 24-16,0 0 15,0 1-15,0-1 16,0 24-16,0-24 0,0 25 16,0-1-16,0 0 15,0 1-15,0-1 0,0-24 16,0 25-16,0-25 15,0 0-15,0 0 0,0 1 16,24-50 15,-24 1-31,24 0 16,0 0-16,0 0 16,1-1-16,-1-23 0,0 24 15,0 24-15,0-24 0,25 24 16,-25 0-1,0 24-15,0 0 0,-24 24 16,0-23-16,0 23 0,0-24 16,0 0-16,-24 25 15,-24-25-15,24-24 16,-25 0-16,1 0 16,-1-24-16,1 0 0,-25-1 15</inkml:trace>
+</inkml:ink>
+</file>
+
 <file path=ppt/ink/ink5.xml><?xml version="1.0" encoding="utf-8"?>
 <inkml:ink xmlns:inkml="http://www.w3.org/2003/InkML">
   <inkml:definitions>
@@ -1677,6 +1736,446 @@
   </inkml:definitions>
   <inkml:trace contextRef="#ctx0" brushRef="#br0">0 97 0,'48'0'78,"97"0"-62,-24 0-16,73 0 16,-49-48-16,-24 48 15,-73 0-15,49 0 16,-24 0-16,-49 0 15,48 0-15,-23 0 16,23 0 0,-47 0-1,120 0 17,-121 0-32,49 0 31</inkml:trace>
   <inkml:trace contextRef="#ctx0" brushRef="#br0" timeOffset="1200">1524 0 0,'48'0'94,"73"0"-94,-24 24 15,-24-24-15,48 25 16,-1-1-16,26 48 16,-98-72-16,0 24 15,25 1 1,-121-25 93,-73 0-93,72 0 0,-23 0-16,-25 0 15,49 0-15,-1 0 16,1 48-16,24-48 15,-25 0-15,25 0 16,-24 0 0,23 0-1,25 24 1,-24 0 62,0-24-47,24 25 1</inkml:trace>
+</inkml:ink>
+</file>
+
+<file path=ppt/ink/ink50.xml><?xml version="1.0" encoding="utf-8"?>
+<inkml:ink xmlns:inkml="http://www.w3.org/2003/InkML">
+  <inkml:definitions>
+    <inkml:context xml:id="ctx0">
+      <inkml:inkSource xml:id="inkSrc0">
+        <inkml:traceFormat>
+          <inkml:channel name="X" type="integer" max="1920" units="cm"/>
+          <inkml:channel name="Y" type="integer" max="1080" units="cm"/>
+          <inkml:channel name="T" type="integer" max="2.14748E9" units="dev"/>
+        </inkml:traceFormat>
+        <inkml:channelProperties>
+          <inkml:channelProperty channel="X" name="resolution" value="55.81395" units="1/cm"/>
+          <inkml:channelProperty channel="Y" name="resolution" value="55.6701" units="1/cm"/>
+          <inkml:channelProperty channel="T" name="resolution" value="1" units="1/dev"/>
+        </inkml:channelProperties>
+      </inkml:inkSource>
+      <inkml:timestamp xml:id="ts0" timeString="2021-10-21T06:39:32.194"/>
+    </inkml:context>
+    <inkml:brush xml:id="br0">
+      <inkml:brushProperty name="width" value="0.05" units="cm"/>
+      <inkml:brushProperty name="height" value="0.05" units="cm"/>
+      <inkml:brushProperty name="fitToCurve" value="1"/>
+    </inkml:brush>
+  </inkml:definitions>
+  <inkml:trace contextRef="#ctx0" brushRef="#br0">25641 487 0,'0'24'16,"0"0"-1,0 0 1,0 1-16,0-1 15,0 0-15,0 0 16,0 0 0,25 1-16,-25-1 0,0 0 0,0 0 15,0 0-15,0-48 32,0 0-17,0-24 1,0 23-16,0-23 0,0 0 15,0-1-15,0 1 0,24-1 16,-24-23-16,24 24 16,-24 23-16,24-23 0,0 24 15,1 0-15,-1 24 16,0 0-16,0 24 0,0-24 16,1 24-16,-1 0 0,0 25 15,0-25-15,-24 0 16,0 0-16,0 0 0,0 0 15,-24 1-15,0-1 16,-25-24-16,1 24 0,24-24 16,-25 0-16,25 24 0,0-24 15,0 0-15,24 24 16,0 1 0,24-1-16,0-24 15,0 24-15,25 0 0,-25 0 16,24 1-16,-23-1 15,-1 0-15,0 0 0,0-24 16,-24 24-16,24-24 0</inkml:trace>
+  <inkml:trace contextRef="#ctx0" brushRef="#br0" timeOffset="379">26295 438 0,'0'-24'0,"-25"24"16,1 24-1,24 1 1,-24-1-16,24 0 16,0 0-16,-24 0 0,24 1 15,0 23-15,0-24 0,0 0 16,0 1-16,0-1 15,0 0-15,24 0 16,0-24 0,0-24-16,1 24 0,-1-24 15,-24 0-15,24-1 0,-24-23 16,24 24-16,-24-25 16,0 1-16,0 24 0,-24-25 15,0 25-15,24 0 0,-24 24 16,-1 0-1,1 24-15,24 0 0,-24 1 16,24-1-16,0 0 16,0 0-16</inkml:trace>
+  <inkml:trace contextRef="#ctx0" brushRef="#br0" timeOffset="983">26561 463 0,'0'-25'0,"-25"25"16,25-24-16,0 48 31,0 1-31,-24-1 16,24 0-16,-24 0 0,24 0 15,0 1-15,0-1 16,0 24-16,-24-24 0,24 1 15,0-1 1,0 0-16,24-24 16,-24-24-1,24 0 1,-24-1-16,24 1 0,1-24 16,-25 24-16,24-25 15,0 25-15,0-24 0,0 23 16,-24 1-1,25 24-15,-25 24 16,0 1-16,0-1 16,0 24-16,0-24 15,0 1-15,24 23 0,-24-24 16,0 0-16,24 1 0,-24-1 16,24-24-1,0-24 1,1-1-1,-25 1-15,24 0 0,0-24 16,0 23-16,0-23 0,1 0 16,-1 23-16,0 1 15,-24 0-15,24 24 16,-24 24-16,24 0 16,-24 25-16,0-25 15,0 24-15,0 1 0,0-1 16,0-24-16,0 25 15,0-25-15,24 0 0</inkml:trace>
+  <inkml:trace contextRef="#ctx0" brushRef="#br0" timeOffset="-893">25061 584 0,'0'24'16,"0"0"-1,0 0 1,0 0 0,0 1-16,24-1 15,-24 24-15,0-24 16,24 1-16,-24-1 0,0 0 15,24 0-15,-24 0 16</inkml:trace>
+  <inkml:trace contextRef="#ctx0" brushRef="#br0" timeOffset="-696">25182 559 0,'0'-48'0,"0"0"16,0-1-16,0 1 15,0 24-15,0-25 0,0 25 16,24 24 0,0 0-16,0 0 15,1 0-15,-1 24 0,0-24 16,0 25-16,-24-1 16,24-24-16,-24 24 0</inkml:trace>
+  <inkml:trace contextRef="#ctx0" brushRef="#br0" timeOffset="-563">25230 559 0,'-24'0'16,"24"25"-16,-24-1 0,0-24 16,24 24-1,24-24 1,0 0-16,0 0 16,0 0-16,25 0 0,-1 0 15</inkml:trace>
+  <inkml:trace contextRef="#ctx0" brushRef="#br0" timeOffset="-1506">24166 705 0,'-24'0'0,"-1"0"15,1 0 1,48 0 15,1-25-31,-1 25 16,0 0-16,0 0 0,0 0 15,1-24-15,23 24 16,-24 0-16,0 0 0,1 0 16,-1-24-16,0 24 15,0 0-15,-24-24 16,0 0-16,-24 24 15,0 0-15,24-25 16,-24 25-16,-1 0 16,25-24-16,-24 24 15,24 24 1,0 1 0,0-1-1,0 0-15,0 0 0,0 25 16,0-25-16,0 0 15,0 0-15,0 0 0,0 1 16,0-1-16,0 0 0</inkml:trace>
+  <inkml:trace contextRef="#ctx0" brushRef="#br0" timeOffset="-1327">24480 608 0,'0'-49'0,"0"25"15,-24 0-15,0 24 16,0 24 0,0-24-16,-1 24 0,1 25 15,0-25-15,0 24 0,0-23 16,-1-1-16,1 24 16,0-48-16</inkml:trace>
+  <inkml:trace contextRef="#ctx0" brushRef="#br0" timeOffset="-1164">24214 680 0,'24'0'15,"1"0"-15,-1 25 16,-24-1 0,24 0-16,0 0 0,0 0 15,1 1-15,-1-1 16,0 0-16,0 0 0</inkml:trace>
+  <inkml:trace contextRef="#ctx0" brushRef="#br0" timeOffset="51099">24069 1503 0,'0'-24'0,"-24"24"15,24-25 1,-24 25-16,-1 0 0,1 0 16,0-24-16,0 24 15,0 0-15,0 24 0,-1 1 16,1-25-16,0 24 0,0 0 16,0 0-16,24 0 15,0 1-15,0-1 16,0 0-16,24 0 15,0 0-15,0 1 0,0-25 16,25 24-16,-25 0 0,24 0 16,-24 0-16,1-24 15,-1 25-15,0-25 0,-24 24 16,-24-24 0,0 24-16,-1-24 0,1 0 15,-24 0-15,24 24 0,-25-24 16,25 0-16,0-24 15,0 24-15</inkml:trace>
+  <inkml:trace contextRef="#ctx0" brushRef="#br0" timeOffset="51514">24432 1551 0,'24'-24'0,"-24"0"15,0 0-15,-24-1 16,0 25 0,0 0-16,-1 0 15,1 0-15,0 25 16,0-1-16,24 0 0,-24 0 16,24 0-16,-25 25 15,25-25-15,0 24 0,0-23 16,25-1-16,-25 24 0,24-24 15,0 1-15,0-1 16,0-24-16,1 0 16,-1 0-16,0-24 15,-24-1-15,24 1 16,-24 0-16,24-24 0,-24-1 16,0 1-16,0-1 15,0 1-15,0 0 0,0 23 16,0-23-16,-24 24 15,0 24-15,0 0 16,0 24-16,-1 0 0,1 0 16,0 1-16,24-1 15</inkml:trace>
+  <inkml:trace contextRef="#ctx0" brushRef="#br0" timeOffset="51781">24359 1721 0,'0'24'0,"25"-24"32,-25 24-32,24-24 15,-24 24-15,24-24 0,-24 24 16,24 1-16,-24-1 15,24 0-15,-24 24 0,24-24 16,1 1-16,-25-1 16,24 24-16,0-24 15,0 1-15,0-25 0</inkml:trace>
+  <inkml:trace contextRef="#ctx0" brushRef="#br0" timeOffset="52106">24698 1382 0,'-24'0'16,"0"0"-16,24 24 16,0 0-1,24-24-15,-24 24 16,0 25-16,24-25 0,-24 0 15,0 0-15,24 1 16,-24-1-16,0 0 0,24 0 16,-24 0-16,0 1 15,0-1-15,25-24 16,-25 24-16,24 0 16,0-24-16,0 0 15,0 0-15,1 0 0,-1 0 16,24 0-16,0-24 0,-23 0 15,23 0-15,-24-1 16</inkml:trace>
+  <inkml:trace contextRef="#ctx0" brushRef="#br0" timeOffset="52321">25109 1382 0,'-24'-24'0,"24"0"16,24 24-16,0 0 16,1 0-16,-1 0 15,0 24-15,0 0 0,0 0 16,25 24-16,-25 1 0,-24-1 16,0 1-16,0 23 15,-24 1-15,-49-1 0</inkml:trace>
+  <inkml:trace contextRef="#ctx0" brushRef="#br0" timeOffset="-3670">21287 705 0,'24'-25'0,"1"1"15,-1 0-15,0 0 16,0 0-16,0 24 0,0-25 16,-24 1-16,0 0 15,-24 24 1,0 0-16,0 0 0,-24 0 15,-1 0-15,1 0 16,-1 24-16,1-24 0,0 24 16,-1 1-16,1-1 15,24 0-15,-1-24 0,1 24 16,24 0-16,24 1 0,1-1 16,-1 0-16,24 0 15,1 0-15,-1 1 0,0-1 16,25 0-16,-25-24 0,1 24 15,-1 0-15,-24 0 16,0 1-16,-24-1 0,-24 0 16,0 0-1,-24 0-15,-1 1 0,1-25 16,0 24-16,-1 0 0,1-24 16,24 0-16,-1 24 15,1-24-15,0 0 0,24-24 16</inkml:trace>
+  <inkml:trace contextRef="#ctx0" brushRef="#br0" timeOffset="-3243">21747 874 0,'0'24'78,"24"-24"-78,0 0 16,0 0 0,1 0-16,-1 0 0,0 0 15,0-24-15,0 0 16,0 24-16,-24-24 15,0-1-15,0 1 16,-24 0 0,0 24-16,0 0 15,0 0-15,0 0 16,-1 0-16,1 24 16,0 0-16,0 1 0,0-1 15,24 0-15,0 0 16,0 0-16,0 0 0,0 1 15,24-1 1,0-24-16,0 24 0,25-24 16,-1 0-16</inkml:trace>
+  <inkml:trace contextRef="#ctx0" brushRef="#br0" timeOffset="-3042">22231 559 0,'0'-24'15,"0"48"17,0 1-32,0-1 15,0 0-15,0 0 16,0 0-16,0 1 0,0-1 16,0 24-16,0-24 15,0 1-15,0-1 0,24 0 16</inkml:trace>
+  <inkml:trace contextRef="#ctx0" brushRef="#br0" timeOffset="-2669">22521 801 0,'0'25'46,"24"-25"-30,0-25 0,0 25-1,1-24-15,-1 24 16,0 0-16,-24-24 16,24 24-16,0-24 0,-24 0 15,0-1-15,-24 25 16,24-24-16,-24 24 15,0 0-15,0 0 0,-1 0 16,1 0-16,0 24 16,0-24-16,24 25 0,-24-1 15,24 24-15,-25-24 0,25 1 16,0-1-16,0 0 16,0 0-16,25 0 0,-1 0 15,0-24-15,24 0 16</inkml:trace>
+  <inkml:trace contextRef="#ctx0" brushRef="#br0" timeOffset="-2364">23053 632 0,'-24'0'0,"0"0"16,-1 0-1,1 0 1,0 0-16,0 24 16,0-24-16,24 24 15,-24 1-15,24-1 16,-25 0-16,25 0 16,0 0-16,0 1 0,25-25 15,-25 24-15,24 0 16,0 0-16,0-24 0,0 0 15,25 24-15,-25-24 16,24-24-16,-24 24 0,25-24 16,-25 0-16,24-25 0</inkml:trace>
+  <inkml:trace contextRef="#ctx0" brushRef="#br0" timeOffset="-2178">23343 487 0,'0'-24'15,"0"-25"-15,0 25 0,0 0 16,0 48 15,-24 0-31,24 0 0,0 1 16,0 23-16,0 0 15,0 1-15,0-1 0,0 1 16,0-25-16,0 24 16,0 1-16,0-25 0,0 24 15</inkml:trace>
+  <inkml:trace contextRef="#ctx0" brushRef="#br0" timeOffset="-2015">23247 729 0,'0'-24'16,"-25"24"0,50 0-1,-1 0 1,0-25-16,0 25 0,25 0 15,-1-24-15,-24 24 0,24-24 16</inkml:trace>
+  <inkml:trace contextRef="#ctx0" brushRef="#br0" timeOffset="-35490">8128 10986 0,'0'-25'16,"24"25"-16,-24 25 31,24-25-15,-24 24-16,0 0 0,0 0 15,0 0-15,24 25 0,-24-1 16,0 0-16,0 1 16,0-1-16,0 25 0,0-1 15,0 1-15,0 24 16,-24-25-16,24 25 0,0 0 15,0 0-15,0-25 16,0 25-16,0-25 0,0 25 16,0-24-16,0-1 0,0 1 15,0 24-15,0-25 16,24 1-16,-24-1 0,0 25 16,0-24-16,0 23 15,0-23-15,0 24 0,0 0 16,-24-1-16,24-23 0,-24 24 15,0-25-15,24 1 16,-49 96 0,49-96-16,-24-1 0,24-23 0,-24 23 15,0 1-15,24-1 16,0-23-16,0 23 0,-25 1 16,25-25-16,0 25 15,0-25-15,25 1 0,-25 23 16,0-23-16,24-1 0,-24-24 15,24 25-15,-24-25 16,0 24-16,24-24 0,-24 0 16,0 1-16,0-1 15,0 0-15,24-24 0,-24 24 16,0 0-16,0 1 16,25-25-16,-1 24 15,0-24 1,0 0-16,0-24 0,0 24 15,1-25-15,23 25 16,-24 0-16,25-24 0,-1 24 16,0-24-16,1 24 15,-1 0-15,25-24 0,-1 24 16,25 0-16,0-24 16,0 24-16,24-25 0,-1 25 15,1 0-15,25-24 0,-1 24 16,0 0-16,24 0 15,-24 0-15,25 0 0,-1 0 16,-24 0-16,24 0 16,1 0-16,-1 0 0,0 0 15,25 0-15,-25 0 16,1 0-16,-1 0 0,25 0 16,-25-24-16,0 24 0,1 0 15,-1 0-15,-24 0 16,24 0-16,-24 24 0,25-24 15,-25 0-15,24 24 0,-24-24 16,1 25-16,-1-25 16,0 0-16,0 24 0,0-24 15,-24 0-15,24 24 16,0-24-16,-24 0 0,24 0 16,-24 24-16,0-24 0,25 0 15,-26 0-15,-23 0 16,24 24-16,0-24 0,-24 0 15,0 0-15,24 25 16,-25-25-16,1 0 0,0 0 16,0 24-16,-1-24 0,1 0 15,0 0-15,0 0 16,-1 0-16,1-24 0,-24 24 16,-1 0-16,1 0 0,0-25 15,-1 25-15,1 0 16,-25 0-16,25 0 0,-25 0 15,25 0-15,-25 0 16,0 0-16,1 0 0,-1 0 16,0 0-16,1 0 0,-1 0 15,-24 0-15,25 0 16,-1 0-16,1 0 0,-25 0 16,24 0-16,1 0 15,-1 0-15,0 0 0,1 0 16,23 25-16,-23-25 0,23 0 15,-23 24-15,-1-24 16,25 0-16,-25 0 0,0 0 16,1 0-16,-25 0 15,24 0-15,-24 0 0,1 0 16,-1 0-16,0 0 16,0-24-1,-24-1-15,0 1 16,24 24-1,-24-24-15,0 0 16,0 0-16,0-1 16,0 1-1,0 0-15,-24 0 16,0 0 0,24 0-16,-24 24 0,24-25 15,-24 25-15,24-24 0,-25 0 16,25 0-16,-24 0 15,0-1-15,24-23 0,-24 24 16,0-25-16,24 1 16,-25-25-16,25 1 0,-24-1 15,24 1-15,-24-25 0,24 0 16,0 0-16,0 1 16,0-1-16,24 0 0,-24-24 15,24 24-15,-24-23 16,25 23-16,-25-24 0,0 0 15,0 24-15,0-24 0,0 24 16,0-24-16,0 25 16,-25-25-16,25 24 0,0 0 15,0 0-15,0 1 16,0-1-16,0 24 0,25 1 16,-25-1-16,24 1 0,-24-1 15,0 25-15,24-25 16,-24 25-16,0-1 0,0 1 15,0 0-15,24 23 0,-24-23 16,0 24-16,0 0 16,0-25-16,0 25 0,0 0 15,0 0-15,0-1 16,0 1-16,0 0 0,0 0 16,0 0-16,0 0 15,0-1-15,0 1 0,0 0 16,24-24-16,-24 23 0,0 1 15,0 0-15,0 0 16,0-25-16,0 25 0,25 0 16,-25 0-16,0 0 15,0-1-15,0 1 16,-25 24 0,25-24-16,-24 24 15,0 0 1,24 24-16,-24-24 15,0 24-15,-1-24 16,1 25-16,0-25 16,0 24-16,0-24 15,0 24-15,-1-24 16,1 0-16,0 24 16,-24-24-16,-1 0 0,1 0 15,-25 24-15,25-24 0,-49 0 16,25 0-16,-25 0 15,0 0-15,-24-24 0,24 24 16,-24 0-16,0-24 0,0 24 16,0 0-16,25 0 15,-25 0-15,24 0 0,0 0 16,-24 0-16,25 0 16,-1 0-16,-24 0 0,24 0 15,-24 0-15,0 0 0,0 0 16,0 0-16,0 0 15,-24 0-15,24 0 0,-24 0 16,0 0-16,0 0 16,24 0-16,-24 0 0,24 0 15,-24 0-15,24 0 0,0 0 16,0 0-16,24 0 16,-24 0-16,24 0 0,-24 0 15,25 0-15,-25 0 0,0 0 16,0-24-16,24 24 15,-24 0-15,0 0 0,0 0 16,0 0-16,24 0 16,1 0-16,-25-24 0,24 24 15,0 0-15,0 0 16,-24 0-16,25 0 0,-1 0 16,-24 0-16,24 0 0,-24 0 15,24 0-15,1 0 16,-1 0-16,0 0 0,0 0 15,1 0-15,23 0 16,0 0-16,1 0 0,-1-25 16,1 25-16,-1 0 0,25 0 15,-25 0-15,25 0 16,-25 0-16,25 0 0,0 0 16,-25 0-16,0 0 0,25 0 15,-25 0-15,25 0 16,-25 0-16,1-24 0,24 24 15,-25 0-15,25 0 16,-73 0-16,72 0 16,-23 0-16,23 0 0,1 0 15,-25 0-15,25 0 16,0 0-16,-1 0 0,1 0 16,-1 0-16,1 0 15,0 0-15,-1 0 0,25 0 16,0 0-16,-24 0 0,23 0 15,1 24-15,-24-24 16,24 0-16,-25 0 0,25 25 16,-24-25-16,23 0 15,1 0-15,-24 0 0,24 0 16,-1 0-16,1 0 16,0 0-16,0 0 15,0 0-15,0 0 16,-1 0-1,1 0-15,0 0 16,0 24-16,0-24 16,-1 0-1,1 24 1,0-24-16,0 0 16,0 0-1,24 24-15,-25-24 16,1 0-1,24 24 1,-24-24 0,24 25-16,-24-1 15,24 0 1,-24-24 0,-1 24-16,1 0 15,0 1 1,0-25-1,24 24-15,-24-24 0,0 0 16,24 24 0,-25-24-1,25 24-15,0 0 32,0 1-32,0-1 15,0 0-15,0 0 16,25 0-16,-25 0 15,0 1-15,0-1 0,0 0 16,0 0 0,0 0-16</inkml:trace>
+  <inkml:trace contextRef="#ctx0" brushRef="#br0" timeOffset="-34405">10861 14445 0,'0'-24'0,"0"-1"16,24 1-16,-24 0 15,24 24-15,-24-24 0,25 24 32,-25 24-32,0 0 15,0 0 1,0 25-16,0-25 0,0 24 16,0-23-16,0 23 0,0 0 15,0-24-15,0 25 16,0-25-16,0 0 0,-25 0 15</inkml:trace>
+  <inkml:trace contextRef="#ctx0" brushRef="#br0" timeOffset="-34058">10498 14421 0,'-48'-25'0,"24"1"0,-1-24 15,1 24-15,24-25 16,0 25-16,24 0 16,1 0-16,-1-1 0,24 1 15,1 24-15,-1 0 16,0 0-16,25 0 0,-1 24 0,-23 1 16,23-1-16,-23 24 15,-1 1-15,-24 23 0,1-23 16,-1 23-16,-24 1 15,0-1-15,0-23 0,-49-1 16,1 0-16,0 1 0,-1-25 16,-23 24-16,-1-48 15,25 25-15,-25-25 0,1 0 16,23 0-16,1 0 0,24-25 16,-1 1-16,25 0 15,25 0-15</inkml:trace>
+  <inkml:trace contextRef="#ctx0" brushRef="#br0" timeOffset="-33535">11587 14614 0,'0'-24'16,"24"0"-16,0 24 16,-24-24-16,0-1 15,24 25-15,-24-24 16,-24 0-16,0 24 16,0 0-16,0 0 0,-1 0 15,-23 0-15,24 0 16,-25 24-16,25-24 0,-24 24 15,24 1-15,-1-1 16,25 0-16,-24 0 0,24 0 16,0 0-16,24 1 0,1-25 15,-1 24-15,0-24 16,0 24-16,25-24 0,-25 0 16,24 0-16,-24 0 0,1 0 15,-1-24-15,0 24 16,0-24-16,0 24 0,-24-25 31,25 25-31,-25 25 16,0-1-1,0 0 1,24 0 0,-24 0-16,24-24 15,-24 25-15,24-25 0,0 0 16,0 0-1</inkml:trace>
+  <inkml:trace contextRef="#ctx0" brushRef="#br0" timeOffset="-33296">11998 14348 0,'0'-24'15,"0"0"-15,-24-1 0,24 50 31,0 71-15,0-47 0,0-1-16,0 1 0,0-1 15,0 24-15,24-23 0,-24-1 16,0 1-16,24-1 16,-24-24-16,0 25 0,0-25 15</inkml:trace>
+  <inkml:trace contextRef="#ctx0" brushRef="#br0" timeOffset="-32748">11853 14662 0,'-24'-24'0,"-1"0"16,50 24 15,-1 0-31,0 0 0,0 0 16,25 0-16,-1-24 15,0 24-15,25 0 0,-25 0 16,25 0-16,-25 0 16,25-24-16,-25 24 0,1 0 15,-1 0-15,-24 0 0,0 0 16,-24-24-16,0-1 16,0 1-1,-24 24-15,24-24 16,-24 24-16,0 0 0,0-24 15,-1 24-15,1 24 0,0-24 16,0 24-16,0 0 16,-1 1-16,1-1 0,0 24 15,24-24-15,-24 0 16,24 1-16,0 23 0,24-24 16,0-24-16,-24 24 0,24 1 15,1-25-15,23 0 16,-24 0-16,0 0 0,1 0 15,23-25-15,-24 1 16,-24 0-16,24 0 0,1 0 16,-1-1-16,0 1 15,-24 0-15,24 24 16,-24 24 0,0 25-1,24-25-15,-24 24 16,25-24-16,-25 1 0,24 23 15,-24-24-15,24 0 16,0 1-16,0-25 0,0 0 16</inkml:trace>
+  <inkml:trace contextRef="#ctx0" brushRef="#br0" timeOffset="-32251">12917 14348 0,'0'-24'16,"-24"24"-16,24 24 47,0 0-47,0 0 16,0 1-16,0 23 0,0-24 15,0 25-15,0-1 0,0 0 16,0-24-16,0 25 15,0-25-15,0 0 0,0 0 16,0 1-16,0-1 16,24-48-1,-24-1 1,0 1-16,24 0 16,-24 0-16,25 0 0,-1-25 15,0 25-15,0 0 0,0 0 16,25 0-16,-25 24 15,24 0-15,1 0 0,-25 0 16,24 24-16,-24 0 16,25 0-16,-25 0 0,0 25 15,-24-25-15,0 0 16,0 0-16,0 0 0,0 1 16,-48-25-16,24 24 0,-25-24 15,1 0-15,0 24 16,-25-24-16,25 0 0,-1 0 15,25 0-15,-24-24 16,23 24-16</inkml:trace>
+  <inkml:trace contextRef="#ctx0" brushRef="#br0" timeOffset="-31727">13788 14662 0,'24'-24'0,"0"24"16,-24-24-16,25 0 0,-1 24 15,-24-24-15,24 0 16,-24-1 0,-24 1-1,0 24 1,-1 0-16,1 0 0,-24 0 15,24 0-15,0 24 16,-25 1-16,25-25 0,0 24 16,0 0-16,24 24 15,-25-24-15,25 1 0,0 23 16,25-24-16,-25 0 0,24 1 16,0-1-16,0 0 15,0-24-15,25 0 0,-25 0 16,0 0-16,0-24 15,0 0-15,25 24 0,-25-49 16,0 25-16,-24 0 0,24 0 16,-24-1-16,25 1 15,-25 0-15,24 24 16,-24 24 0,0 0-1,0 1-15,24-1 0,-24 0 16,0 0-16,0 0 15,24 1-15,-24-1 0,0 0 16,24 0-16,1-24 31</inkml:trace>
+  <inkml:trace contextRef="#ctx0" brushRef="#br0" timeOffset="-31341">14586 14590 0,'25'-24'0,"-1"24"16,0-24-16,0-1 0,-24 1 15,-24 0 1,0 24-16,0-24 0,-25 24 16,25 0-16,-24 0 0,-1 24 15,25-24-15,0 24 16,0-24-16,-1 24 0,25 1 15,0-1-15,0 0 16,0 0-16,25-24 16,-25 24-16,24 0 0,0-24 15,0 25-15,0-1 16,1 0-16,-1-24 0,0 24 16,0 0-16,0 1 15,-24-1-15,0 0 16,-24-24-16,0 24 0,0-24 15,0 0-15,-1 0 16,-23 24-16,24-24 0,-25 0 16,25 0-16,0-24 0,0 24 15,24-24 1</inkml:trace>
+  <inkml:trace contextRef="#ctx0" brushRef="#br0" timeOffset="-30858">14949 14662 0,'0'-24'0,"0"0"16,-24 24 0,48 0 30,-24 24-30,24-24-16,1 0 16,-1 0-1,0 0-15,0 0 0,0 0 16,1-24-16,-1 24 16,0-24-16,0 24 0,-24-24 15,24 0-15,-24-1 0,0 1 16,-24 0-1,0 0-15,0 24 0,-25 0 16,1 0-16,0 0 16,23 24-16,-23 0 0,0 0 15,23 1-15,25 23 0,-24-24 16,24 24-16,0-23 16,24 23-16,1-24 15,-1 0-15,24 25 0,-24-25 16,25 0-16,-1-24 0,-24 24 15,25-24-15,-1 0 0,1 0 16,-1-24-16,0 24 16,-24-24-16,25 0 0,-25 0 15</inkml:trace>
+  <inkml:trace contextRef="#ctx0" brushRef="#br0" timeOffset="-39755">8055 608 0,'0'-24'16,"0"-1"-1,0 1 17,24 24-17,-24 24 32,-24-24-47,24 25 16,0-1-16,-24 0 0,24 0 15,0 0-15,-24 25 16,24-25-16,-25 24 0,25 1 16,0-1-16,-24 0 0,24 1 15,0-1-15,0 1 16,0 23-16,0-23 0,0 23 15,0-23-15,0 23 16,0 49-16,0-48 16,0-25-16,0 25 0,0-1 15,0 1-15,0-1 16,-24-23-16,24 23 0,0 1 16,0-25-16,0 1 0,0 23 15,-24-23-15,24-1 16,0 24-16,-24-23 15,24-1-15,0 1 0,-25-1 16,25 0-16,0 1 0,0-1 16,-24 1-16,24-1 15,0 0-15,0-24 0,-24 25 16,24-1-16,0 1 0,0-1 16,0 0-16,0-23 15,0 23-15,-24 0 0,24 1 16,0-1-16,0 0 0,0-23 15,0 23-15,0-24 16,-24 25-16,24-25 0,0 0 16,0 0-16,0 0 15,0 1 1,0-1 0,0 0-16,0 0 15,0 0-15,0 1 16,0-1-1,0 0 17,24-24-32,0 0 15,-24 24 1,24-24 0,0 0-1,1 0-15,-1 0 16,0-24-16,0 24 0,25 0 15,-1 0-15,0-24 0,1 24 16,23 0-16,1 0 16,-1-24-16,25 24 0,-24 0 15,24 0-15,23 0 16,-23 0-16,24-25 0,24 25 16,0 0-16,1 0 0,-1 0 15,24 0-15,-24 0 16,25 0-16,-25 0 0,24 0 15,-24 0-15,25 0 16,-25 0-16,0 0 0,0 25 16,0-25-16,0 0 0,-24 0 15,24 24-15,0-24 16,-24 0-16,0 0 0,25 0 16,-26 24-16,1-24 15,0 0-15,0 0 0,0 24 16,0-24-16,0 0 0,-24 0 15,0 0-15,24 0 16,-25 24-16,1-24 0,0 0 16,0 0-16,-25 0 15,25 24-15,0-24 0,0 0 16,-1 0-16,-23 25 0,24-25 16,-1 0-16,1 0 15,-24 24-15,24-24 0,-1 0 16,1 0-16,0 0 0,0 0 15,-1 24-15,1-24 16,0 0-16,0 0 0,-1 0 16,-23 0-16,24 0 15,-1 24-15,1-24 0,0 0 16,0 0-16,0 0 0,-25 0 16,25 0-16,0 0 15,-25 0-15,25 0 0,-24 0 16,23 0-16,-23 0 15,-1 0-15,25 0 0,0 0 16,-24 0-16,-1 0 0,25 0 16,-25 0-16,1 0 15,0-24-15,-1 24 0,1 0 16,-25 0-16,25 0 16,-25-24-16,0 24 0,1 0 15,-1 0-15,-24 0 16,25-24-16,-25 24 0,24 0 15,-23 0-15,-1-25 0,0 25 16,0 0 0,0-24-16,0 24 15,1-24 1,-1 24-16,0 0 16,0 0-1,0 0 1,1 0-16,-25-24 15,24 24 1,0 0 15,-24-24 1,0 0-1,0-1-16,0 1 1,-24 24-16,24-24 16,0 0-16,0 0 15,0-49-15,0 25 16,0-1-16,0 1 0,0-25 16,0 1-16,0-1 0,0-24 15,0 25-15,0-25 16,0 24-16,0 1 0,0-25 15,0 25-15,-24-25 16,24 24-16,0-24 0,0 25 16,0-1-16,0-23 0,0-1 15,0 24-15,0 1 16,0-25-16,0 24 0,0 1 16,0-1-16,0 25 15,0-25-15,0 25 0,0-1 16,0 1-16,-25 0 0,25-1 15,0 1-15,0 0 16,0-1-16,0 1 0,0-1 16,0 1-16,0 24 15,0-25-15,0 25 0,0-24 16,0 24-16,0-25 16,0 25-16,0 0 15,0 0-15,-24-25 0,24 25 16,0 0-16,-24 0 15,24 0-15,0-1 0,-24 1 16,24 0-16,0 0 0,0 0 16,0-1-1,0 1 1,0 0 0,24 0-1,-24 0 1,0 0-1,24 24 1,-24-25-16,0 1 16,0 0-1,0 0 1,-24 0 15,0 24-15,0 0 15,-1-25-31,1 25 16,0 0-16,0 0 0,0 0 15,-25 25-15,1-25 16,0 0-16,-1 0 0,-23 0 16,23 0-16,-48 0 0,25 0 15,-25 0-15,0 0 16,-24-25-16,0 25 0,1 0 15,-1-24-15,0 24 16,0 0-16,-24 0 0,24-24 16,-25 24-16,25 0 0,-24 0 15,0-24-15,0 24 16,24 0-16,-24-24 0,0 24 16,0 0-16,24-25 0,0 25 15,0 0-15,0 0 16,24-24-16,0 24 0,-24 0 15,25 0-15,-1-24 16,0 24-16,-24 0 0,24 0 16,1 0-16,-25 0 0,24 0 15,0 0-15,0 24 16,-24-24-16,25 0 0,-1 0 16,0 0-16,0 0 15,1 0-15,-1 0 0,-24 0 16,24 0-16,0 0 0,-24 0 15,25 0-15,-25-24 16,24 24-16,0 0 16,0 0-16,-24 0 0,25 0 15,23 0-15,-24 0 0,1 0 16,-1 0-16,24 0 0,-23 0 16,-1 0-16,24 0 15,1 0-15,-1 0 0,0 24 16,1-24-16,-1 0 15,1 0-15,-25 0 0,24 24 16,1-24-16,-1 0 0,1 0 16,-1 0-16,1 25 15,-1-25-15,0 0 0,1 0 16,23 0-16,-23 0 16,-1 24-16,25-24 0,-25 0 15,25 0-15,-25 24 16,25-24-16,0 0 0,-25 0 15,25 0-15,-1 0 0,1 0 16,-25 0-16,25 24 16,0-24-16,-1 0 0,1 0 15,-1 0-15,25 0 0,-24 0 16,0 0-16,-1 0 16,25 0-16,0 0 0,-25 0 15,25 0-15,0 0 0,-24 24 16,23-24-16,1 0 15,-24 0-15,24 0 0,-1 0 16,1 0-16,0 25 16,0-25-16,0 0 0,0 0 15,-1 0 1,1 0 46,24 24 1,-24-24-63,24 24 16,-24-24-16,24 24 15,-24 0-15,-1 1 16,25-1-16,-24 0 15,24 0 1,0 0-16,0 0 0,0 1 16,0-1-1,24 0-15,-24 0 0,25 0 16,-25 1-16,24-1 16,-24 0-16,0 0 15,0 0-15,0 1 16,0-1-1,0 0 1</inkml:trace>
+  <inkml:trace contextRef="#ctx0" brushRef="#br0" timeOffset="-29301">10401 946 0,'-24'0'31,"0"0"-31,24 25 16,-24-25-16,0 48 15,24-24-15,-25 25 0,1-1 16,0 0-16,24 1 0,-24-1 16,0 1-16,24-1 15,-24 0-15,-1-24 0,25 25 16,-24-25-16,24 0 15,-24-24-15,24-24 16,24 0 0,-24 0-16,24-25 15,-24-23-15,25 23 0,-1-23 16,-24-1-16,24 1 0,0-1 16,0 0-16,25 25 15,-25 0-15,0 24 0,0-1 16,25 25-16,-25 0 15,0 25-15,0-1 0,0 0 16,1 24-16,-1 1 0,0-1 16,0 0-16,0 25 15,-24-25-15,25 1 0,-25-1 16,24 1-16,-24-25 16,0 24-16,0-24 0,0 0 15,0 1 1</inkml:trace>
+  <inkml:trace contextRef="#ctx0" brushRef="#br0" timeOffset="-29134">10353 1261 0,'-24'-24'0,"0"24"16,-1 0-16,25-24 15,25 24 1,23-25-16,-24 25 15,25 0-15,-1-24 0,25 0 16,-1 24-16</inkml:trace>
+  <inkml:trace contextRef="#ctx0" brushRef="#br0" timeOffset="-28654">11006 922 0,'-24'-24'16,"0"24"-16,24-24 15,0 48 1,0 0 0,0 0-16,0 25 15,0-25-15,0 24 16,0 1-16,0-1 0,0 25 16,0-25-16,0 1 15,0-1-15,0 0 0,0 1 16,0-25-16,0 24 0,0-24 15,0 1-15,0-50 32,0 1-17,0 0-15,-24-24 0,24-1 16,0 1-16,0 0 0,0-25 16,0 25-16,24-1 15,-24 25-15,24-24 0,0 23 16,0 25-16,25-24 0,-25 24 15,0 0-15,0 0 16,25 24-16,-25 1 0,0-1 16,0 24-1,-24-24-15,0 1 0,0-1 16,-24 0-16,-24-24 0,24 24 16,-25 0-16,25-24 15,-24 0-15,23 0 0,-23 0 16,24 0-16,24-24 15</inkml:trace>
+  <inkml:trace contextRef="#ctx0" brushRef="#br0" timeOffset="-28143">11490 946 0,'0'-24'15,"0"0"-15,0 0 16,0 48 15,0 0-31,0 0 16,0 25-16,24-1 16,-24-24-16,0 25 0,0 23 15,0-23-15,0-1 0,0 1 16,24-1-16,-24 0 15,0-24-15,0 25 0,0-25 16,0 0-16,0 0 16,0-48 15,0 0-31,0-24 0,-24 23 16,24-47-16,0 24 0,24-1 15,-24 1-15,25-1 16,-1 1-16,0 0 0,24 23 15,-23 1-15,-1 0 16,24 24-16,0 0 0,-23 24 16,-1 0-16,24 1 0,-48-1 15,24 0-15,-24 24 16,0-23-16,-24-1 0,0 0 16,0 0-16,0 0 0,-1 1 15,-23-25-15,24 0 16,0 0-16,0 0 0,-1-25 15,1 25-15,24-48 16</inkml:trace>
+  <inkml:trace contextRef="#ctx0" brushRef="#br0" timeOffset="-27903">12071 922 0,'24'-24'0,"-24"0"15,24 24 17,-24 24-17,24 0-15,-24 0 0,24 1 16,-24 23-16,25 0 16,-25-23-16,0 23 0,0 0 15,0-23-15,0 23 0,0-24 16,0 0-16,0 1 15,-25-1-15</inkml:trace>
+  <inkml:trace contextRef="#ctx0" brushRef="#br0" timeOffset="-27700">12361 1067 0,'24'0'16,"0"25"15,-24-1-31,0 0 16,0 0-16,0 0 15,24 1-15,-24-1 0,0 0 16,0 0 0</inkml:trace>
+  <inkml:trace contextRef="#ctx0" brushRef="#br0" timeOffset="-27537">12530 922 0,'0'-24'0,"0"0"16,-24 48 31,24 0-47</inkml:trace>
+  <inkml:trace contextRef="#ctx0" brushRef="#br0" timeOffset="-27231">12893 1116 0,'24'0'0,"-24"-24"15,0-1 1,-24 25-16,0 0 16,0 0-16,-1 0 15,1 0 1,0 25-16,0-1 0,0 0 16,0 0-16,24 0 15,0 1-15,-25-1 0,25 0 16,0 0-16,25 0 15,-1 1-15,0-25 0,0 24 16,0-24-16,25 0 0,-1 0 16,0 0-16,1-24 15,-1 24-15</inkml:trace>
+  <inkml:trace contextRef="#ctx0" brushRef="#br0" timeOffset="-27104">13256 1164 0,'24'-24'0,"-24"0"0,0 0 31,0-1-31,-24 1 16,0 0 0,0 24-16,-25 0 15,25 0-15</inkml:trace>
+  <inkml:trace contextRef="#ctx0" brushRef="#br0" timeOffset="-26849">13062 1067 0,'-24'25'16,"0"-1"-16,0 0 0,24-24 0,0 48 15,0-23-15,-24 23 16,24-24-16,0 0 0,24-24 15,0 25-15,-24-1 16,24-24-16,25 0 0,-25 0 16,0 0-16,0-24 0,0 24 15,1-25-15,-1 1 16,-24 0-16,24 0 0,-24 0 16,0-1-1,0 1-15,0 48 31,0 1-15,0-1-16,0 0 16,24-24-16,-24 24 15,0 145-15</inkml:trace>
+  <inkml:trace contextRef="#ctx0" brushRef="#br0" timeOffset="-26645">13619 1019 0,'0'-24'16,"0"0"-16,0 24 0,0-25 16,0 1-16,-24 0 15,-1 0-15,1 24 16,24 24 62</inkml:trace>
+  <inkml:trace contextRef="#ctx0" brushRef="#br0" timeOffset="-26639">13546 922 0</inkml:trace>
+  <inkml:trace contextRef="#ctx0" brushRef="#br0" timeOffset="-26511">13522 1116 0,'0'24'0,"0"0"16,24 0-16,-24 1 16,24-1-16,-24 0 0,0 0 15,25-24-15,-25 24 16,0 1-16,24-25 15,-24 24-15,0 0 16</inkml:trace>
+  <inkml:trace contextRef="#ctx0" brushRef="#br0" timeOffset="-26149">13425 1164 0,'24'0'47,"-24"-24"-31,25 24-16,-1 0 15,0 0-15,0 0 16,0 0-16,1 0 16,-1 0-16,0 0 15,0 0-15,0 0 0,1 0 16,-1 0-16,0 0 0,0 0 16,0 0-1,0 0-15,1 0 16</inkml:trace>
+  <inkml:trace contextRef="#ctx0" brushRef="#br0" timeOffset="-25873">13861 1140 0,'0'-24'32,"0"48"-1,24 0-15,-24 0-16,0 1 15,0-1-15,0 0 16,0 0-16,0 0 15,0 1-15,0-1 16</inkml:trace>
+  <inkml:trace contextRef="#ctx0" brushRef="#br0" timeOffset="-25685">13885 946 0,'-24'0'16,"24"-24"-1,0 48 32</inkml:trace>
+  <inkml:trace contextRef="#ctx0" brushRef="#br0" timeOffset="-24757">14078 1067 0,'0'25'31,"0"-1"-31,0 0 15,0 0 1,0 0-16,0 1 0,0-1 16,0 0-16,25 0 15,-25 0-15,0 1 0,24-1 16,0-24-16,-24 24 0,24-24 16,0 0-16,1 0 15,-1 0-15,24-24 0,-24 24 16,0-24-16,-24-1 15,25 1-15,-25 0 0,0 0 16,0-25-16,-25 25 0,25 0 16,-24 0-16,0 0 15,0 24-15,24-25 0,-24 25 16,0 0-16,-1 0 16,1 0-16,0 25 15,24-1-15,-24-24 0,24 24 16,0 0-1,0 0-15,24 1 16,0-25 0,0-25-1,1 25-15,-1 0 0,-24-24 16,48 24-16,-24-24 16,0 0-16,1 24 0,-1 0 15,0-24-15,0 24 0,0 0 16,1 0-1,-1 0-15,-24 24 0,24 0 16,-24 0 0,24-24-16,-24 24 15,0 1 1,24-25 31,-24-25-32,25 25 1,-1-24-16,0 0 16,0 0-16,-24 0 0,24 24 15,1-25-15,-1 25 16,0 0 0,-24 25-16,24-1 15,-24 0-15,0 0 16,0 0-16,0 1 0,24-1 15,-24 0-15,0 0 16,0 0-16,0 1 16,24-25-1,1 0 1,-1-25 0,0 25-16,0-24 15,0 24-15,1-24 0,-1 24 16,-24-24-16,24 24 15</inkml:trace>
+  <inkml:trace contextRef="#ctx0" brushRef="#br0" timeOffset="-19240">12748 3994 0,'0'25'109,"0"-1"-109,-24 0 16,24 0-16,0 0 15,-24 1-15,24 23 16,0-24-16,0 0 0,-25 25 16,25-25-16,0 24 15,0-23-15,0 23 0,0 0 16,-24-24-16,24 25 0,0-1 16,0-24-16,0 25 15,0-1-15,0 1 0,0-1 16,0 0-16,0 1 15,-24-1-15,24 0 0,0-23 16,0 47-16,0-23 16,0-1-16,0 0 0,0 1 15,0-1-15,0 1 0,-24-1 16,24 0-16,0 1 16,0-1-16,0 0 0,0 1 15,0-1-15,0 1 0,0-25 16,0 24-16,0-24 15,0 25-15,0-1 0,0-24 16,0 25-16,0-25 16,0 0-16,0 24 0,0-23 15,0-1-15,0 0 0,0 0 16,0 0-16,0 1 16,0-1-16,0 24 0,0-24 15,0 1-15,0-1 16,0 24-16,0-24 0,24 0 15,-24 1-15,0-1 0,0 0 16,0 24-16,0-23 16,0-1-16,0 0 0,0 0 15,0 25 1,24-25-16,-24 0 0,0 0 16,0 0-16,0 1 0,0-1 15,0 0 1,0 0-16,0-48 47</inkml:trace>
+  <inkml:trace contextRef="#ctx0" brushRef="#br0" timeOffset="-18612">12700 7115 0,'24'0'16,"-24"-24"-16,0 0 16,-24 24 30,-1 24-30,1-24-16,0 0 0,0 24 16,0-24-16,-1 24 15,1-24-15,0 24 0,0 1 16,0-1-16,24 0 16,0 0-16,0 0 0,0 1 15,0-1-15,24 0 16,0 0-16,0-24 15,0 24-15,25-24 0,-25 0 16,24 0-16,1-24 0,-25 0 16,0 0-16,24 0 15,-23-1-15,-25 1 0,24-24 16,-24 24-16,0-25 16,0 25-16,0 0 0,0 0 15,0-1-15,-24 1 16,-1 0-16,1 0 15,0 24-15,0 0 0,0 0 16,0 0-16,-1 0 16,25 24-16,-24-24 0</inkml:trace>
+  <inkml:trace contextRef="#ctx0" brushRef="#br0" timeOffset="-17559">12675 7405 0,'0'25'63,"0"-1"-48,0 0-15,0 0 0,0 0 16,0 25-16,0-25 0,0 24 15,0-24-15,0 25 16,0-1-16,0 1 0,0-25 16,0 24-16,25 1 15,-25-1-15,0 0 0,24-24 16,-24 49-16,0-25 0,24 1 16,-24-1-16,0 1 15,24 23-15,-24-23 0,0 23 16,0-24-16,24 1 15,-24-1-15,0 1 0,0 23 16,0-23-16,0-1 0,24 0 16,-24 1-16,0-1 15,0 0-15,0 1 0,0-1 16,0-24-16,0 25 16,0-1-16,25-24 0,-25 1 15,0 23-15,0-24 0,0 0 16,0 25-1,0-25-15,0 0 0,0 0 0,0 25 16,0-25-16,0 0 16,24 0-16,-24 0 0,0 1 15,0-1-15,0 0 0,0 0 16,0 0-16,0 1 16,0-1-1,0 0 1,0 0-16,0 0 15,0 1-15,0-1 16,0 0-16,0 0 16,0 0-16,0 0 15,0 1-15,0-1 16,0 0 0,0 0-16,0 0 0,0 1 15,0-1 1,0 0 15,0 0-31,0 0 16,0 1-1,0-1 1,0 0 0,0 0-1,0 0 1,0 1-16,0-1 15,0 0 1,0 0 0,0-48 46</inkml:trace>
+  <inkml:trace contextRef="#ctx0" brushRef="#br0" timeOffset="-10599">13595 922 0,'0'-24'94,"0"0"-63,0 48 47,0 0-62,0 0-16,0 1 0,0-1 16,0 24-1,0-24-15,0 1 0,0-1 16,0 0-16,24 0 15,-24 0-15,0 1 0,0-1 16,24 0-16,-24 0 0,0 0 16,0 1-1,-24-1-15</inkml:trace>
+  <inkml:trace contextRef="#ctx0" brushRef="#br0" timeOffset="-6225">15651 1116 0,'24'-24'16,"0"24"0,-24 24-1,24 0 1,-24 0-1,0 0 1,0 1-16,0-1 0,0 0 16,0 24-16,0-23 15,0 23-15,0 0 0,0 1 16,0-1-16,0 25 16,0-25-16,0 25 0,0-1 15,0 1-15,0-1 0,0-23 16,0 23-16,0 1 15,0-1-15,0-23 0,0 23 16,0-23-16,0-1 16,0 25-16,0-25 0,0-24 15,-24 25-15,24-1 0,0-24 16,0 0-16,0 25 16,0-25-16,0 0 15,0 0 1,24-48 31,1 24-47,-1-24 15,0 24-15,0 0 16,0 0-16,0-24 16,1 24-16,23 0 0,0 0 15,1 0-15,23 0 16,1 0-16,0 0 0,23 0 15,1 0-15,-24 0 16,23 0-16,1 0 0,0 0 16,-25 0-16,1 0 0,0 24 15,-1-24-15,1 0 16,-25 0-16,1 0 0,-1 0 16,-24 0-16,24 0 0,-23 0 15,-1 0-15,0-24 16,0 24-16,-24-24 47,0-1-16,0 1-15,0 0-1,0 0 1,0 0-16,24-25 0,-24 25 15,0-24-15,0-1 16,25-23-16,-25 23 16,0-23-16,0-1 0,24 1 15,-24-25-15,0 24 0,0 1 16,0-1-16,0 1 0,0-1 16,0 25-16,0-25 15,-24 25-15,24-1 0,0 1 16,-25 0-16,25-1 15,-24 1-15,24-1 0,0 25 16,-24-24-16,24 24 0,-24-1 16,24 1-16,0 0 15,0 0-15,0 0 0,0-1 16,0 1 0,0 0-1,0 0 16,0 48 32,-24 0-47,-1 0-1,1-24 1,0 0-16,0 25 0,0-25 15,-25 0-15,25 0 0,-48 0 16,23 0-16,-23 0 16,-1 24-16,-24-24 0,25 0 15,-25 0-15,0 0 0,0 0 16,1 0-16,-1 0 16,24 0-16,-23 0 0,47 0 15,-23 0-15,23 0 16,25 0-16,-24 0 0,23 24 15,1-24-15,0 0 16,0 0-16,0 0 16,0 0 15,24 24 0,-25-24-31,1 0 31,0 24-15,0-24 0,0 0-1,24 25-15,-25-25 16,25 24 0,0 0-1,0 0 1,25-24-1,-25 24-15,24-24 0,-24 25 16,24-1-16,0-24 16,-24 24-1,24-24-15</inkml:trace>
+  <inkml:trace contextRef="#ctx0" brushRef="#br0" timeOffset="-5529">17223 946 0,'24'0'31,"-24"25"16,0-1-31,0 0-1,0 0-15,0 0 16,0 25-16,0-25 16,0 0-16,0 0 31,25-24-31,-1 0 16,0 0-1,24 0-15,-24-24 0,25 24 16,-1 0-16,1-24 0,-1 24 15</inkml:trace>
+  <inkml:trace contextRef="#ctx0" brushRef="#br0" timeOffset="-4230">17610 1624 0,'24'-24'16,"1"24"-1,47-49-15,-23 1 0,23 24 16,25-1-16,24-23 0,0 24 16,48-24-16,-24 23 15,49-23-15,-1 24 0,1 0 16,-1-1-16,1 1 16,-1 24-16,-23-24 0,-25 24 15,-24 0-15,0 0 0,-24 0 16,-25 0-16,-24 0 15,1 0-15,-25 0 0,0 0 16,-48 0 0,0 0-16,0 0 15,-1 0-15</inkml:trace>
+  <inkml:trace contextRef="#ctx0" brushRef="#br0" timeOffset="8419">9918 12679 0,'0'-24'16,"-25"24"-1,1 0 1,24 24-16,-24-24 16,0 24-16,0 0 15,24 0-15,-25 25 0,25-25 16,0 49-1,25-49-15,-1 24 0,0-24 16,0-24-16,0 25 0,25-1 16,-25-24-16,24 0 15,1 0-15,-1 0 0,-24-24 16,25-1-16,-25 1 0,0 0 16,0 0-16,-24 0 15,0-25-15,0 25 0,-24 0 16,0 0-16,0-1 15,-25 1-15,25 0 0,0 0 16,-24 24-16,23 0 0,1 0 16,0 0-1,24 24 1</inkml:trace>
+  <inkml:trace contextRef="#ctx0" brushRef="#br0" timeOffset="9011">10474 12679 0,'0'24'31,"0"0"-16,24 0 1,-24 25 0,0-25-16,0 24 0,24-23 15,-24-1 1,0 0-16,-24-48 47,24 0-47,-24-1 15,24 1-15,0-24 0,0 24 16,0-25-16,0 25 16,0-24-16,24 23 0,0 1 15,1 0-15,-1 0 16,0 24-16,0 0 16,0 0-16,1 24 0,-1 0 15,-24 0 1,0 1-16,0-1 0,0 0 15,-24 0-15,-1 0 16,-23 1-16,24-25 16,0 0-16,-1 0 15,1 0-15,48 0 32,1 0-32,-1 0 15,0 24-15,0-24 16,0 24-1,1-24-15,-1 24 0,0 0 0,0-24 16,-24 25-16,24-25 0,-24 24 16</inkml:trace>
+  <inkml:trace contextRef="#ctx0" brushRef="#br0" timeOffset="9444">10909 12655 0,'-24'0'0,"24"-25"0,-24 25 15,24 25 17,0-1-17,0 0-15,0 0 0,0 0 16,0 1-16,0-1 15,0 0-15,0 0 0,0 0 16,0-48 15,0 0-31,0 0 16,0-25 0,0 25-16,24 0 0,-24-24 15,24 23-15,-24 1 0,25 0 16,-25 0-16,24 0 15,0 24-15,0 24 16,-24 0 0,24 0-16,1 0 0,-25 1 15,24 23-15,-24-24 16,24 0-16,-24 25 0,24-25 16,-24 0-16,24 0 15,-24 1-15</inkml:trace>
+  <inkml:trace contextRef="#ctx0" brushRef="#br0" timeOffset="9656">10958 12727 0,'-24'0'16,"24"-24"15,24 24-31,0 0 15,0 0 1,25 0-16,-25 0 0,0 0 16,0 0-16,0 0 0,1 0 15,-1-24-15</inkml:trace>
+  <inkml:trace contextRef="#ctx0" brushRef="#br0" timeOffset="10351">12022 12727 0,'-24'0'15,"0"0"-15,0 0 16,48 0 15,0 0-15,24 0-16,1 0 0,-1 0 15,25 0-15,23 0 0,1 0 16,24 0-16,-24 0 16,24 0-16,-24-24 15,-1 24-15,1 0 0,-24 0 16,-1 0-16,-23 0 0,-25-24 16,0 24-16,0 0 0,-48 0 31,0 0-16,24-24-15</inkml:trace>
+  <inkml:trace contextRef="#ctx0" brushRef="#br0" timeOffset="10633">13183 12534 0,'-24'0'0,"0"0"15,24-24-15,24 48 47,0 0-47,1-24 16,23 24-16,-24-24 0,24 24 16,-23 0-16,23 1 15,-24-1-15,0-24 0,-24 24 16,0 0-16,0 0 15,-24 1-15,-24-1 16,24-24-16,-1 24 0,-23-24 16,24 24-16</inkml:trace>
+  <inkml:trace contextRef="#ctx0" brushRef="#br0" timeOffset="11334">14175 12582 0,'0'-24'15,"0"48"32,0 0-47,0 0 16,24 1-16,-24 23 0,0-24 16,0 0-16,0 1 15,0 23-15,0-24 0,0 0 16</inkml:trace>
+  <inkml:trace contextRef="#ctx0" brushRef="#br0" timeOffset="11562">14127 12606 0,'0'-24'15,"0"0"-15,24 24 32,0 24-32,0-24 15,1 24-15,-1 0 0,0 1 16,0-1-16,0 0 16,0 0-16,-24 0 0,25-24 15</inkml:trace>
+  <inkml:trace contextRef="#ctx0" brushRef="#br0" timeOffset="11983">14490 12582 0,'0'-24'0,"0"0"16,0 48 15,-25-24-31,25 24 0,0 0 15,0 0-15,-24 1 0,24-1 16,-24 0 0,24 0-16,0 0 15,24-24 17,-24-24-32,24 24 0,-24-24 15,25 0-15,-1 24 16,0-24-16,-24-1 0,24 1 15,0 24-15,-24-24 16,25 0-16,-1 0 16,0 24-16,0 0 15,0 24-15,1 0 16,-1 0-16,-24 0 16,24 1-16,-24-1 15,24 0-15,-24 24 0,0-23 16,0-1-16,0 0 15,0 0-15,0 0 0</inkml:trace>
+  <inkml:trace contextRef="#ctx0" brushRef="#br0" timeOffset="12457">14973 12655 0,'0'-25'0,"0"1"31,25 24-31,-25 24 16,24-24-1,-24 25-15,24-1 0,-24 0 16,24 0-16,-24 0 0,24 1 16,-24-1-1,25 0-15,-1-24 16,0-24 0,0 24-1,0-24-15,-24-1 0,25 1 16,-25 0-1,24 0-15,-24 0 0,-24 48 32,24 0-17,-25 24-15,25-23 0,0 23 16,-24 0-16,24-23 16,0 23-16,-24 0 0,24-23 15,0-1-15,0 0 16</inkml:trace>
+  <inkml:trace contextRef="#ctx0" brushRef="#br0" timeOffset="12875">15651 12582 0,'24'-24'16,"-24"0"-16,0 0 15,-24 24 1,0 0-16,-1 0 16,1 0-16,0 0 15,0 24-15,0-24 0,-1 0 16,1 24-16,0-24 0,24 24 15,-24 0-15,24 0 16,24-24-16,0 25 16,0-1-16,1-24 15,23 24-15,0-24 0,-23 24 16,23-24 0,0 24-16,-23-24 0,-25 25 15,-25-25-15,1 0 16,0 24-16,-24-24 15,-1 0-15,1 24 0,24-24 16,-25 0-16,25 0 16</inkml:trace>
+  <inkml:trace contextRef="#ctx0" brushRef="#br0" timeOffset="13297">15965 12558 0,'24'-24'15,"1"24"-15,-1-24 0,0-1 16,-24 50 0,-24-1-1,0-24-15,-1 24 0,-23 24 16,24-24-16,0 1 15,-1-1-15,1 0 0,24 0 16,0 0-16,0 1 16,24-1-16,1-24 0,-1 0 15,0 0-15,24 0 16,1 0-16,-25-24 0,24-1 16,-23 1-16,-1 0 0,0 0 15,0-25-15,-24 25 16,0 0-16,-24-24 0,0 24 15,0-25-15,-1 25 16,1 0-16,0 24 0,-24-24 16,23 24-16,1 0 0,0 24 15,24 0 1,0 0-16,0 0 0,0 1 16</inkml:trace>
+  <inkml:trace contextRef="#ctx0" brushRef="#br0" timeOffset="13547">16062 12679 0,'24'0'16,"0"-24"-1,1 24 1,-1 24-16,0-24 15,-24 24-15,24 0 16,0 0-16,-24 1 0,25 23 16,-25-24-16,24 25 15,-24-25-15,24 0 0,-24 0 16,24 0-16</inkml:trace>
+  <inkml:trace contextRef="#ctx0" brushRef="#br0" timeOffset="13884">16449 12485 0,'0'-24'0,"24"48"46,-24 1-46,0 23 16,24-24-16,-24 0 16,0 25-16,25-25 0,-25 0 15,0 24-15,24-23 0,-24-1 16,0 0-16,24-24 16,0 24-16,0-24 15,1 0-15,23 0 0,-24-24 16,25 24-16,-25-24 15,24 24-15,-24-24 0,0-1 16,-48 25 0,0 0-16,-24 0 0</inkml:trace>
+  <inkml:trace contextRef="#ctx0" brushRef="#br0" timeOffset="25682">20247 1092 0,'0'-25'0,"-24"25"15,0-24 1,-1 24-16,1 0 15,24-24-15,-24 24 16,48 0 125,0 0-126,1 0-15,-1-24 0,0 24 16,0 0-16,0 0 16,1 0-16,-1 0 0,0 0 15,0 0-15,0 0 0,0 0 16,1 0-1,-25 24-15,24-24 0,0 0 16,-24 24-16,24-24 16,-24 24-1,0 1 32,-24-25 16,0 0 30,24 24-93,-24-24 0,24 24 16,-25 0-16,1 0 16,0 25-16,0-25 15,24 0-15,-24 0 0,0 1 16,24-1 0</inkml:trace>
+  <inkml:trace contextRef="#ctx0" brushRef="#br0" timeOffset="48555">21118 1527 0,'0'-24'16,"24"24"0,-48 0 31,0 24-32,-1 0-15,25 0 16,-24 1-16,0-1 0,0 24 15,0 1-15,-1 23 16,25-23-16,0 23 0,0-24 16,0 1-16,25-1 15,-25 1-15,24-1 0,24-24 16,-24 0-16,25 1 0,-1-1 16,1-24-16</inkml:trace>
+  <inkml:trace contextRef="#ctx0" brushRef="#br0" timeOffset="49196">21747 1648 0,'0'-24'16,"-24"24"-1,-1 0 17,25 24-32,-24-24 15,24 24-15,-24 0 0,0 1 16,24 23-16,-24-24 0,24 25 15,-25-25-15,25 24 0,0-24 16,0 25-16,0-25 16,25 0-16,-25 0 0,24 0 15,0-24-15,0 25 16,0-25-16,1 0 16,-1 0-16,0-25 0,0 25 15,0-24-15,-24-24 16,25 24-16,-25-25 0,24 1 15,-24 24-15,0-25 16,0 1-16,0 0 0,-24-1 16,24 25-1,-25 24-15,1 0 16,24 24-16,-24 0 16,24 1-1</inkml:trace>
+  <inkml:trace contextRef="#ctx0" brushRef="#br0" timeOffset="49719">22231 1624 0,'-25'0'15,"25"24"17,0 0-17,0 0-15,0 1 0,0 23 16,0-24-16,0 25 0,0-25 16,0 24-16,0-24 15,0 0-15,0 1 0,0-1 16,0 0-1,0-48 1,0 0 0,0-1-16,0 1 15,0 0-15,0-24 0,0-1 16,0 1-16,25-25 16,-25 25-16,24 0 0,0-1 15,0 25-15,0 0 16,1 0-16,-1 24 0,0 0 15,0 0-15,0 24 0,0 0 16,-24 0-16,25-24 16,-25 24-16,0 1 0,-25-1 15,1 0-15,0 0 0,0 0 16,0 1-16,0-1 16,-1-24-16,1 24 0,0-24 15,48 0 16</inkml:trace>
+  <inkml:trace contextRef="#ctx0" brushRef="#br0" timeOffset="50005">22884 1575 0,'0'-24'16,"-24"24"-1,-25-24 1,25 24 0,0 24-16,0-24 0,-1 24 15,1 1-15,0-1 16,0 24-16,0-24 0,24 25 16,0-25-16,0 24 15,0 1-15,0-25 0,0 0 16,24 24-16,-24-23 0,24-25 15,0 24-15,0 0 16,1-24-16,-1 0 0,0 0 16,0-24-16</inkml:trace>
+  <inkml:trace contextRef="#ctx0" brushRef="#br0" timeOffset="50683">22811 1793 0,'-24'0'0,"0"-24"0,0 0 16,-1 24-16,1 0 15,48 0 1,1 0 0,-1-24-16,0 24 15,0 0-15,25-25 0,-25 25 16,24-24-16,-24 24 0,0-24 16,1 24-16,-1 0 15,0-24-15,0 0 16,-24-1-1,0 1-15,0 0 16,0 48 15,0 0-15,0 1 0,0 23-16,-24-24 0,24 0 15,0 25-15,0-25 16,0 0-16,0 25 0,0-25 15,0 0-15,0 0 16,0-48 15,0 0-31,0 0 16,24-25-16,-24 25 16,24-24-16,1-1 0,-1 25 15,-24 0-15,24 0 16,0-1-16,0 25 0,1 0 15,-25 25 1,24-1-16,-24 0 0,24 0 16,-24 25-16,0-25 0,24 0 15,-24 24-15,24-23 16,-24-1-16,0 0 0,25-24 16,-1 0-16,0 0 15,0-24 1,-24 0-16,24-1 0,-24 1 15,24-24-15,-24-1 16,25 1-16,-25 0 0,0 23 16,0-23-16,0 24 0,0 0 15,0-1 1,-25 25-16,25 25 16</inkml:trace>
+  <inkml:trace contextRef="#ctx0" brushRef="#br0" timeOffset="54953">13087 3970 0,'0'24'94,"0"1"-94,0-1 16,0 0-16,-25 0 0,25 25 15,0-25-15,0 24 16,0 1-16,0-1 0,0 0 16,0-23-16,0 23 15,0 0-15,0 1 0,0-1 16,0-24-16,0 25 0,25-1 16,-25-24-16,0 25 15,0-25-15,24 0 0,-24 24 16,0-23-16,0-1 15,0 0-15,24 0 0,-24 0 16,0 0-16,0 1 0,0-1 16,0 0-16,0 0 15,0-48 32,0 0-47</inkml:trace>
+  <inkml:trace contextRef="#ctx0" brushRef="#br0" timeOffset="55788">13111 5059 0,'0'24'93,"24"-24"-77,-24 24 0,24-24-1,0 0 1,1 24 0,-1-24-16,24 0 0,-24 0 15,25 0-15,23 0 16,-23 0-16,23 0 0,1-24 15,-1 24-15,1 0 16,-1 0-16,25 0 0,-24-24 16,24 24-16,-1 0 15,1 0-15,0 0 0,0 0 16,-1 0-16,1 0 0,0 0 16,24 0-16,0 0 15,-24-24-15,24 24 0,-1 0 16,1 0-16,-24 0 0,24 0 15,-24 0-15,24 0 16,-24 0-16,24 0 0,-25 0 16,1 0-16,0 0 15,0-24-15,-1 24 0,1 0 16,0 0-16,-25-25 0,25 25 16,0 0-16,-24-24 15,-1 24-15,1 0 0,-1 0 16,-23 0-16,-1 0 0,0 0 15,1-24-15,-1 24 16,1 0-16,-1 0 0,0 0 16,1 0-16,23 0 15,-48 0-15,25 0 0,-1 0 16,-24 0-16,1-24 16,-1 24-16,0 0 0,-24-24 78,24 24-63,0 0-15,1 0 0,-1 0 16,0 0-16</inkml:trace>
+  <inkml:trace contextRef="#ctx0" brushRef="#br0" timeOffset="56497">18167 4164 0,'0'24'47,"0"0"-47,0 0 16,0 1 0,0-1-1,0 0-15,0 0 16,24 0-16,-24 1 15,0-1 1,0 24-16,0-24 16,0 0-16,0 1 15,24-1-15,-24 24 0,0-24 16,0 25-16,0-25 0,0 24 16,0-23-16,0 23 15,0-24-15,0 0 0,24 1 16,-24-1-1,0 0-15,24-24 16,-24 24 0,0-48 15,0 0 0</inkml:trace>
+  <inkml:trace contextRef="#ctx0" brushRef="#br0" timeOffset="56814">18191 4164 0,'0'24'47,"0"0"-32,0 0 1,0 1-16,0-1 16,0 0-16,0 24 0,0-23 15,0 23-15,0 0 16,0-24-16,24 25 0,-24-1 16,0 1-16,0-25 0,0 24 15</inkml:trace>
+  <inkml:trace contextRef="#ctx0" brushRef="#br0" timeOffset="57540">13595 4502 0,'0'-24'16,"0"0"-16,0 48 46,0 0-46,24 1 16,-24-1-16,0 0 16,0 24-16,24-23 0,-24 23 15,0 0-15,0-23 16,24-1-16,-24 0 0</inkml:trace>
+  <inkml:trace contextRef="#ctx0" brushRef="#br0" timeOffset="57900">13304 4623 0,'-24'-24'16,"0"0"-16,24 0 15,0 0-15,0-1 16,0 1-16,24 0 15,0 24-15,0-24 16,25 24-16,-1 0 0,1 0 16,-1 24-16,0-24 0,1 24 15,-1 25-15,-24-25 16,25 24-16,-25-24 0,0 25 16,0-1-16,0-24 15,-24 25-15,0-25 0,-24 0 16,-24 0-16,24 25 15,-25-49-15,1 24 0,0 0 16,-25 0-16,25 0 0,-1-24 16,25 0-16,0 0 15,0 0-15,-1 0 0</inkml:trace>
+  <inkml:trace contextRef="#ctx0" brushRef="#br0" timeOffset="58584">13982 4575 0,'0'-24'15,"24"24"1,-24 24-1,24-24 1,-24 24-16,0 0 16,24 25-16,-24-25 15,0 0-15,0 25 16,0-25-16,24 0 0,-24 0 16,0 0-16,0 1 15,0-50 16,0 1-31,-24 0 16,24 0-16,0 0 16,0-25-16,0 1 0,-24 24 15,24-25-15,0 1 16,24 24-16,-24-25 0,24 25 16,1 0-16,-1 24 0,0-24 15,24 24-15,-23 0 16,-1 0-16,0 24 0,0-24 15,-24 24-15,24 0 16,-24 0-16,-24 1 16,0-25-16,0 24 0,24 0 15,-24-24-15,-1 24 16,1-24-16,0 0 0,24 24 31,24-24-15,0 0-16,1 0 15,-1 25-15,0-25 16,0 24-16,0 0 0,0-24 16,1 48-1,-25-23-15,-25-1 16,25 0-16,-24-24 0,0 24 16,0-24-16,0 0 15,-25 24-15,25-24 0,0 0 16,0-24-16</inkml:trace>
+  <inkml:trace contextRef="#ctx0" brushRef="#br0" timeOffset="59057">14780 4430 0,'0'24'32,"0"0"-17,0 0-15,0 1 16,0-1-16,0 0 16,0 24-16,0-23 0,0-1 15,0 24-15,0-24 0,0 1 16,0-1-16,0 0 15,0-48 17,0 0-32,0-1 0,0 1 15,0 0-15,0-24 0,0-1 16,0 1-16,0-1 16,24 1-16,-24 0 15,24 24-15,0-25 0,-24 25 16,25 0-16,-1 24 0,0 0 15,24 0-15,-23 24 16,-1 0-16,0 25 0,0-1 16,0 0-16,1 1 0,-25-1 15,24 0-15,0 1 16,-24-1-16,24-24 0,-24 25 16,24-25-16</inkml:trace>
+  <inkml:trace contextRef="#ctx0" brushRef="#br0" timeOffset="59245">14852 4575 0,'-24'0'0,"24"24"15,24-24 16,1-24-31,23 24 0,-24 0 16,25-24-16,-1 24 0</inkml:trace>
+  <inkml:trace contextRef="#ctx0" brushRef="#br0" timeOffset="59702">15240 4382 0,'0'-25'16,"-25"25"0,25-24-16,0 48 31,25 1-31,-1 23 16,-24-24-1,24 0-15,0 25 0,-24-25 0,24 24 16,-24-24-16,24 1 15,-24-1-15,0 0 0,25 0 16,-25 0 0,0-48-1,-25 0 1,25 0 0,0 0-16,-24-25 0,24 25 15,0 0-15,0 0 16,0-1-16,0 1 0,24 24 15,1-24-15,-1 24 0,0 0 16,24 24-16,-23-24 16,23 24-16,-24 1 0,0-1 15,1 0-15,-25 0 0,0 25 16,0-25-16,0 0 16,-25 0-16,1-24 0,-24 24 15,-1 1-15,1-25 16</inkml:trace>
+  <inkml:trace contextRef="#ctx0" brushRef="#br0" timeOffset="61532">15844 4527 0,'24'0'0,"-24"-25"16,25 25-16,-25-24 31,0 0-15,-25 24 15,1 0-31,0 0 15,-24 24-15,24-24 16,-1 24-16,1-24 0,0 25 16,0-1-16,0-24 0,24 24 15,0 0-15,24 0 16,0 1-16,24-1 16,-23-24-16,23 24 15,-24-24-15,24 24 0,-23-24 16,-1 24-16,0-24 0,0 0 15,-24 25-15,-24-1 16,0-24 0,0 0-16,-25 24 15,25-24-15,-24 0 16</inkml:trace>
+  <inkml:trace contextRef="#ctx0" brushRef="#br0" timeOffset="61782">16086 4357 0,'0'25'47,"0"-1"-32,0 0-15,0 0 0,0 0 16,0 25-16,24-1 0,-24-24 16,0 25-16,25-25 15,-25 24-15,0-24 0,0 1 16</inkml:trace>
+  <inkml:trace contextRef="#ctx0" brushRef="#br0" timeOffset="62137">16135 4696 0,'-25'-24'0,"25"0"0,0-1 15,-24 1-15,24 0 0,24 0 16,1 24 0,-1-24-16,0 24 0,0 0 15,25 0-15,-25 24 16,24-24-16,0 24 0,-23-24 15,-1 24-15,0 0 0,0 1 16,-24-1-16,0 0 16,0 0-16,0 0 0,-24-24 15,24 25-15,-24-25 16,0 0-16,24-25 31,0 1-31,0 0 16,0 0-16,24 0 0,0-1 15,0 1-15,0-24 0,1 48 16,-1-24-16,0-1 16,0 25-1</inkml:trace>
+  <inkml:trace contextRef="#ctx0" brushRef="#br0" timeOffset="62640">16788 4599 0,'24'0'0,"-24"-24"16,24 0 0,-24 0-1,0-1 1,-24 1-1,0 24 1,0 24-16,-1 1 16,25-1-1,-24 0-15,24 0 0,-24 0 16,24 1-16,0-1 0,0 0 16,0 0-16,0 0 15,24 1-15,-24-1 31,24-24-31,1-24 16,-25-1-16,24 25 16,0-24-16,-24 0 15,24 0-15,-24 0 0,24-1 16,-24 1 0,24 48-1,-24 1 1,0-1-1,0 0-15,0 0 0,25 0 16,-25 1 0,24-25-16,0 24 0</inkml:trace>
+  <inkml:trace contextRef="#ctx0" brushRef="#br0" timeOffset="62790">17199 4430 0,'0'-24'0,"0"0"16,-24 24 0,24 24 15</inkml:trace>
+  <inkml:trace contextRef="#ctx0" brushRef="#br0" timeOffset="65147">17102 4309 0,'0'-24'16,"0"48"46,0 0-46,24-24-16,-24 24 0,0 1 16,25-1-16,-25 0 0,0 0 15,24 0-15,-24 0 16,24 1-16,-24-1 0,0 0 15,24 0-15,-24 0 16,0 1-16,0-1 0,0 0 16,24 0-16,-24 0 0,0 1 15</inkml:trace>
+  <inkml:trace contextRef="#ctx0" brushRef="#br0" timeOffset="65345">17030 4599 0,'0'-24'16,"24"24"0,0 0-1,0 0-15,25-24 0,-1 24 16,0 0-16,1-24 0,-1 24 15</inkml:trace>
+  <inkml:trace contextRef="#ctx0" brushRef="#br0" timeOffset="65521">17513 4478 0,'0'-24'0,"-24"24"16,0 0 0,0 0-16,24 24 15,0 0 1,0 1-1,24-1-15,-24 24 0,0-24 16,24 1-16,-24 23 16,24-24-16,-24 0 0,25-24 15,-25 25-15</inkml:trace>
+  <inkml:trace contextRef="#ctx0" brushRef="#br0" timeOffset="65664">17513 4285 0,'-24'-24'0,"0"24"31,24 24-31</inkml:trace>
+  <inkml:trace contextRef="#ctx0" brushRef="#br0" timeOffset="66378">17707 4430 0,'24'0'0,"-24"24"15,0 0 1,0 0 0,0 1-1,0 47 1,0-48-1,0 1-15,24-1 16,-24 0-16,25-24 0,-25 24 16,24-24-16,0 0 0,0 0 15,0-24 1,-24 0-16,24 0 16,-24-1-1,0-47-15,-24 23 16,0 25-16,24 0 0,-24 0 15,0 0-15,0 0 16,-1 24-16,1 24 16,24 0-1,0 0 1,0 0-16,0 0 0,0 1 0,0-1 16,24 0-1,-24 0-15,25-24 16,-1 0-1,0-24-15,-24 0 16,24 24-16,0-24 0,0-1 16,1 1-16,-1 0 15,0 0-15,0 0 16,0 24-16,1 0 16,-1 24-1,-24 0-15,0 0 16,24 0-16,-24 1 15,0-1-15,0 0 32,24-24-32,-24-24 15,24 0 1,1-1 0,-25 1-16,24 0 15,0 24-15,-24-24 16,24 24-16,0 0 0,1 0 15,-25 24-15,24 0 0,-24 0 16,24 25-16,-24-25 16,0 24-16</inkml:trace>
+  <inkml:trace contextRef="#ctx0" brushRef="#br0" timeOffset="68243">16473 2858 0,'0'24'63,"0"0"-47,0 0-1,-24 0 1,24 0-16,0 25 15,0-25-15,0 24 16,0 1-16,0-1 0,0 1 16,0-1-16,0 25 0,0-25 15,0 24-15,0 1 16,0-25-16,0 25 0,24-25 16,-24 25-16,0-25 15,0 1-15,0-1 0,0-24 16,24 25-16,-24-25 0,0 0 15,0 0-15,0 0 16</inkml:trace>
+  <inkml:trace contextRef="#ctx0" brushRef="#br0" timeOffset="68561">16110 3825 0,'25'24'62,"-1"1"-62,0-25 16,0 24-16,0 0 15,1 0-15,-1-24 0,0 24 16,0 0-16,0 1 16,0-25-16</inkml:trace>
+  <inkml:trace contextRef="#ctx0" brushRef="#br0" timeOffset="68772">16643 3801 0,'0'-24'0,"-25"48"47,1 0-47,0-24 15,24 24-15,-48 1 0,23-1 16,1 0-16,0 0 16,-24 0-16,23 0 0,1 25 15,0-49-15</inkml:trace>
+  <inkml:trace contextRef="#ctx0" brushRef="#br0" timeOffset="72085">16449 5083 0,'-24'0'78,"24"24"-47,0 0-15,0 1-1,0-1-15,0 0 16,-24 0-16,24 0 16,0 49-16,0-25 15,0 1-15,0-25 16,24 24-16,-24 1 0,0-1 15,0-24-15,0 25 0,24-25 16,-24 0-16,0 0 16,0 0-16,24 1 0,-24-1 15,0 0-15,0 0 16,0 0-16,0 1 0,0-1 16,0 0-16,0 0 15,0 0-15,0 0 16,0 1-16,0-1 15,0 0 1,-24-24-16,24 24 16,-24-24-1,24 24-15,-24-24 16,24 25-16,-25-1 16,25 0-1,-24-24-15,24 24 16,24-24-16,1 24 15,-1-24 1,24 25-16,-24-25 0,1 24 16,23-24-16,-24 24 15,0-24-15,1 24 0,-1 0 16,-24 1-16,0-1 0,0 0 16,-24 0-16,-1 24 15,1-23-15,-24-1 0,24 0 16,-25 24-16,25-23 15,-24-1-15,23 0 0,1 0 16,0 0-16,0 1 0,24-1 16,0 0-1,24 0-15,0 0 0,0-24 16,1 25-16,-1-1 0,0 24 16,0-24-16,0 0 15,1 1-15,-25 23 0,0-24 16,0 25-16,0-25 15,-25 0-15,1 24 0,0-23 16,0 23-16,0-24 0,-25 0 16,25 1-16,0-1 15,0 0-15,24 0 0,-24 0 16,24 0-16,0 1 16,0-1-16,0 0 15,24 0-15,0 25 0,0-25 16,-24 0-16,24 24 15,0-23-15,-24 23 0,0-24 16,0 0-16,-24 25 16,0-25-16,0 0 0,0 0 15,0 0-15,24 1 0,-25-1 16,1-24-16,24 24 16,-24-24-16,24 24 0,0 0 15,0 1 1,24-1-16,0 0 15,-24 0-15,25-24 16,-25 24 0,24-24-16,-24 25 0,-24-25 31,24 24-31,-25-24 31,25 24 16,25-24-47,-25 24 16,0 0 15,24-24-15,-24 25-1,0-1-15,24 0 16,-24 0-16,0 24 15,0-23-15,0 23 16,24 0-16,-24 1 0,0-1 16,0 1-16,0-1 15,24 25-15,-24-25 0,0 0 16,0 25-16,24-25 0,-24 1 16,0 23-16,0-23 15,0-1-15,25 25 0,-25-25 16,0 0-16,0 1 15,0-1-15,0 0 0,0 1 16,0-1-16,0 1 0,0-1 16,0 0-16,0 1 15,0-1-15,0 0 0,0 1 16,0-1-16,0-24 0,24 25 16,-24-25-16,0 0 15,0 0-15,24 1 0,-24-1 16,0 0-16,0 0 15,24 0 1,-24 1-16,0-1 16,0 0-16,0 0 15,24-24 17,-24-24-17,0 0 1</inkml:trace>
+  <inkml:trace contextRef="#ctx0" brushRef="#br0" timeOffset="72342">16207 10260 0,'0'24'31,"24"0"-15,-24 0 0,25 1-16,-1-1 15,-24 0-15,24-24 0,-24 24 16,24-24-16</inkml:trace>
+  <inkml:trace contextRef="#ctx0" brushRef="#br0" timeOffset="72547">16667 10260 0,'-24'0'31,"-1"0"-31,-23 24 15,24-24-15,0 24 16,-1 0-16,-23 1 0,24 23 16,0-24-16,-1 25 0,1-25 15,24 0-15,-24 0 16,24 0-16,-24 0 0</inkml:trace>
+  <inkml:trace contextRef="#ctx0" brushRef="#br0" timeOffset="91843">17296 6728 0,'-24'-24'16,"48"24"15,0 0-31,-24 24 15,0 0 1,0 0-16,0 25 16,-24-25-16,24 24 0,-24 1 15,24 23-15,-25-23 16,1 23-16,24-23 0,-24 23 16,24-23-16,0-1 0,0 0 15,-24-23-15,24 23 16,0-24-16</inkml:trace>
+  <inkml:trace contextRef="#ctx0" brushRef="#br0" timeOffset="92089">17151 6970 0,'24'0'31,"0"24"-15,-24 0-16,24 0 0,-24 1 16,24 23-16,1-24 0,-1 0 15,24 25-15,-24-25 16,0 24-16,1-23 0,-1-1 16,24 0-16,-24 0 15,1 0-15,-1-24 0,0 25 16,0-25-16,0 0 0</inkml:trace>
+  <inkml:trace contextRef="#ctx0" brushRef="#br0" timeOffset="92295">17634 7067 0,'-24'-49'16,"24"-23"-16,0 23 0,-24 25 16,24-24-16,0 24 15,0-1-15,0 50 16,0-1-1,24 24-15,-24-24 0,24 25 16,-24-1-16,0 25 0,25-25 16,-25 0-16,0-23 15,0 23-15,0 0 0,0-23 16,0-1-16,0 0 16</inkml:trace>
+  <inkml:trace contextRef="#ctx0" brushRef="#br0" timeOffset="92851">18118 7212 0,'24'-24'15,"-24"-1"1,25 25-16,-25-24 0,0 0 15,0 0-15,0 0 0,0-1 16,0 1-16,-25 0 16,25 0-16,-24 24 0,0-24 15,0 24-15,0 0 16,-1 24-16,1 0 0,0 0 16,0 0-16,0 25 0,-1-25 15,1 24-15,24 1 16,0-25-16,-24 24 0,24-23 15,0-1-15,24 0 16,-24 0-16,24 0 0,1-24 16,-1 0-16,0 0 0,0 0 15,0 0-15,1-24 16,-1 0-16,0 0 0,0 0 16,0-1-16,1 1 15,-25-24-15,0 24 0,24-1 16,-24 1-16,0 0 0,0 48 31,0 0-15,24 1-16,-24 23 15,0-24-15,24 0 0,-24 1 16,24-1-16,-24 0 0,25 0 16,23 0-1,-24-24-15,0-24 16,0 24-16,1-24 0,-25 0 15,24 0-15</inkml:trace>
+  <inkml:trace contextRef="#ctx0" brushRef="#br0" timeOffset="93037">18505 7018 0,'0'-72'0,"-24"23"0,24 1 16,0 0-16,-24-1 16,24 25-16,0 0 0,0 48 15,0 0 1,0 0-16,24 25 15,-24-1-15,24 1 0,-24-1 16,24 0-16,-24 1 0,0-1 16,25 0-16,-25 1 15,0-1-15,0-24 0,0 1 16,0-1-16</inkml:trace>
+  <inkml:trace contextRef="#ctx0" brushRef="#br0" timeOffset="93385">18433 7139 0,'-25'-24'0,"50"24"31,-1 0-15,0-24-16,24 24 0,-23 0 15,23-24-15,0 24 16,1-25-16,-25 25 0,24-24 15,-23 0-15,-1 24 0,-24-24 16,24 24-16,-24-24 16,0 0-16,0-1 15,-24 25 1,24 25 0,0-1-16,0 0 15,0 0-15,0 0 16,0 25-16,0-25 0,0 0 15,24 24-15,-24-23 16,0-1-16,0 0 0,0 0 16</inkml:trace>
+  <inkml:trace contextRef="#ctx0" brushRef="#br0" timeOffset="93562">18868 6752 0,'0'-48'16,"-24"24"-16,24-1 0,-24 25 15,24 25 17,0-1-17</inkml:trace>
+  <inkml:trace contextRef="#ctx0" brushRef="#br0" timeOffset="93975">19062 6946 0,'0'24'31,"24"0"0,-24 0-15,24 0-16,-24 1 16,0-1-16,24 0 15,-24 0-15,24 0 0,-24 1 16,25-1 0,-1-24-1,0-24 1,-24-1-1,24 1-15,0 0 16,-24-24-16,25 23 16,-25-23-16,24 24 0,-24-24 15,0 23-15,0 1 0,24 0 16,-24 48 15,0 0-15,0 1-16,0-1 0,0 0 15,0 0-15</inkml:trace>
+  <inkml:trace contextRef="#ctx0" brushRef="#br0" timeOffset="94370">19570 6970 0,'-25'24'15,"1"-24"1,0 0-16,48 0 31,0-24-15,1 24-16,-1 0 0,0-24 16,0 24-16,0-24 15,1 24-15,-1-25 0,0 1 16,-24 0-16,24 24 15,-24-24-15,0 0 16,0-1-16,-24 25 0,24-24 16,-24 24-16,0 0 15,-1 0-15,1 24 0,-24 1 16,24-1-16,-1 24 0,1-24 16,0 25-16,0-1 15,24 25-15,0-25 0,24-24 16,0 25-16,25-25 15,-1 0-15,0 0 0,25-24 16,-25 0-16,25 0 0</inkml:trace>
+  <inkml:trace contextRef="#ctx0" brushRef="#br0" timeOffset="95006">18844 7986 0,'24'-48'0,"0"23"15,-24 1-15,24-24 16,1 24-16,-25-1 0,24 1 15,-24 0-15,0 0 16,-24 24-16,-1 0 16,1 0-16,0 24 0,-24-24 15,-1 24-15,1 0 16,0 1-16,-1-1 0,1 0 16,-1 0-16,1 0 0,24 1 15,24-1-15,0 0 16,48 24-16,1-24 15,23 1-15,1-1 16,-1-24-16,1 24 0,-25-24 16,25 24-16,-25-24 0,-24 24 15,1-24-15,-25 25 16,-49-1-16,1 0 0,-25 0 16,1 0-16,-25 1 15,-24-1-15,0 0 0,0 0 16,24 0-16,1-24 0,47 25 15,1-25-15,-1 0 16,98-25 0,-1 25-16</inkml:trace>
+  <inkml:trace contextRef="#ctx0" brushRef="#br0" timeOffset="95443">19134 7986 0,'0'-24'0,"0"0"15,0-1-15,24 1 0,-24 0 16,25 0-16,-1 24 16,-24-24-16,24 24 0,-24-25 15,0 50 16,-24-1-31,0 0 0,-1 0 16,25 25-16,-24-25 16,0 24-16,24 0 0,0 1 15,0-1-15,0-24 0,24 25 16,0-25-16,25 0 16,-1 0-16,1-24 0,-1 0 15,0-24-15,1 24 0,-1-48 16,0 24-16,-23-25 15,-1 25-15,0-49 0,-24 25 16,0 0-16,-24-1 16,0 1-16,-1 0 0,1 23 15,-24 1-15,24 0 0,-25 24 16,25 0-16,0 24 16,0 0-16,0 1 0,24-1 15,-25 0-15</inkml:trace>
+  <inkml:trace contextRef="#ctx0" brushRef="#br0" timeOffset="95733">19400 8155 0,'24'0'62,"1"0"-62,-1 24 16,0 1-16,0-1 15,0 0-15,1 0 16,-1 0-16,0 25 0,-24-25 16,24 0-16,-24 25 15,24-25-15,1 0 16,-25 0-16,24-24 15,-24-24 1</inkml:trace>
+  <inkml:trace contextRef="#ctx0" brushRef="#br0" timeOffset="96099">19884 7841 0,'-48'-49'16,"72"74"47,-24-1-48,24 0-15,-24 0 16,0 0-1,0 25-15,0-25 0,0 0 16,-24 0-16,24 25 16,0-25-16,-24 0 0,24 0 15,0 0-15,24 1 0,0-25 16,0 24-16,0-24 16,1 0-16,23 0 0,0 0 15,1-24-15,-1 24 0,1-25 16,-25 1-16,0 24 15,0-24-15</inkml:trace>
+  <inkml:trace contextRef="#ctx0" brushRef="#br0" timeOffset="133861">96 874 0,'24'0'156,"1"0"-156,-1 0 16,0 0-16,0-24 0,25 24 16,-25 0-16,24 0 0,-24 0 15,25 0-15,-25-24 16,0 24-16,0 0 15</inkml:trace>
+  <inkml:trace contextRef="#ctx0" brushRef="#br0" timeOffset="134420">24 1358 0,'24'0'16,"0"0"-1,0 0 1,0 0-16,1 0 16,-1 0-16,24 0 0,-24 0 15,1 0-15,-1-24 0,0 24 16,0 0-16,0 0 16</inkml:trace>
+  <inkml:trace contextRef="#ctx0" brushRef="#br0" timeOffset="135061">120 922 0,'0'24'94,"0"1"-79,0-1 1,0 0-1,0 0-15,-24 0 0,24 25 16,0-25-16,-24 0 0,24 0 16,0 1-16,0-1 15,0 0-15,-24 0 0,24 0 16,0 1-16,0-1 16</inkml:trace>
+  <inkml:trace contextRef="#ctx0" brushRef="#br0" timeOffset="135463">0 1188 0,'24'0'47,"0"0"-31,0 0-1,0 0-15,0 0 16,1-24-16,-1 24 0,0 0 16,0 0-16,0 0 15</inkml:trace>
+  <inkml:trace contextRef="#ctx0" brushRef="#br0" timeOffset="135781">435 1116 0,'24'0'47,"0"0"-32,-24 24-15,25-24 16,-25 24-16,24-24 15,0 24-15,0 1 0,-24-1 16,24 0-16,0-24 16,-24 24-16,25 0 0,-25 1 15,24-25-15</inkml:trace>
+  <inkml:trace contextRef="#ctx0" brushRef="#br0" timeOffset="136016">749 1067 0,'0'25'32,"-24"-25"-32,24 24 15,-24 0-15,24 0 16,-24 0-16,24 1 0,-24-25 15,-1 24-15,25 0 16,-24 0-16,0-24 0,24 24 16,-24-24-16,24 25 0</inkml:trace>
+  <inkml:trace contextRef="#ctx0" brushRef="#br0" timeOffset="136388">1040 1067 0,'0'-24'16,"0"0"-1,-24 48 32,-1-24-31,1 24-1,0 1-15,0-1 16,0-24-16,24 24 0,-25 0 16,25 0-16,0 1 15,25-1 1,-25 0-16,24-24 0,0 0 15,0 24-15,0-24 16,1 0-16,-1 0 0,0 0 16,0-24-16,0 24 15</inkml:trace>
+  <inkml:trace contextRef="#ctx0" brushRef="#br0" timeOffset="136573">919 1164 0,'-24'0'0,"48"0"31,0 0-15,0 0-16,0 0 16,25 0-16,-25-24 0,0 24 15,0 0-15,0 0 16</inkml:trace>
+  <inkml:trace contextRef="#ctx0" brushRef="#br0" timeOffset="137240">1475 1043 0,'0'-24'16,"24"24"-16,-48 0 31,0 0-15,0 0-1,0 0-15,-1 0 16,1 24-16,0-24 16,0 24-16,0 1 15,24-1 1,0 0-16,-25 0 0,25 0 0,0 1 16,0-1-16,0 0 15,25 0-15,-1-24 0,0 24 16,0 1-16,0-25 15,1 0-15,23 0 0,-24 0 16,25 0-16</inkml:trace>
+  <inkml:trace contextRef="#ctx0" brushRef="#br0" timeOffset="137960">2443 826 0,'24'-25'15,"-24"1"1,0 0 15,-24 24-31,0 0 16,24-24-16,-25 24 0,1 0 15,-24 0-15,24 0 16,-1 24-16,-23 0 16,24-24-16,0 24 0,-1 1 15,1-25-15,24 24 0,0 0 16,0 0-16,0 0 0,24 0 16,1 1-16,23-1 15,-24 0-15,25 0 0,-1 0 16,-24 1-16,25-1 0,-25 0 15,0-24-15,0 24 16,0 0-16,-24 1 16,-24-25-16,0 0 15,0 24-15,0-24 0,-1 0 16,-23 0-16,24 24 0,-25-24 16,25 0-16,0 0 15,0-24-15,0 24 0,24-24 16</inkml:trace>
+  <inkml:trace contextRef="#ctx0" brushRef="#br0" timeOffset="139374">3797 922 0,'25'0'15,"-1"0"32</inkml:trace>
+  <inkml:trace contextRef="#ctx0" brushRef="#br0" timeOffset="138398">2830 946 0,'24'0'15,"-24"-24"-15,24 24 0,-24-24 16,0 0 0,0 0-1,-24 24 1,0 24 0,0 0-16,24 0 0,-25 0 15,1 1-15,24-1 16,-24 0-16,24 24 0,0-23 15,0-1-15,0 0 0,0 24 16,24-48-16,0 25 16,1-1-16,-1-24 0,0 0 15,0 0-15,0 0 0,1 0 16,-1-24-16,0 24 16,0-25-16,0-23 0,1 24 15,-25 0-15,0-25 16,0 1-16,0-1 0,-25 25 15,25-24-15,-24 24 0,0 0 16,24-1-16,-24 1 16,0 24-16,-1 0 0,1 24 15</inkml:trace>
+  <inkml:trace contextRef="#ctx0" brushRef="#br0" timeOffset="138727">2927 1116 0,'-25'0'0,"25"-24"16,25 24 15,-1 0-16,-24 24 1,0 0 0,0 0-16,0 0 15,0 1-15,24-1 0,-24 0 16,0 0 0,0 0-16,24 1 15,0-1 1,1-24-16,-1 0 15,-24-24-15,24 24 0</inkml:trace>
+  <inkml:trace contextRef="#ctx0" brushRef="#br0" timeOffset="139118">3241 801 0,'0'-24'15,"0"0"-15,24 24 47,-24 24-31,0 0-1,0 1-15,0-1 16,0 0-16,0 0 16,0 0-16,0 0 0,0 1 15,0-1-15,0 0 16,0 0-16,0 0 0,24 1 16,1-1-1,-1-24-15,0 0 16,0 0-16,0 24 0,1-24 15,-1 0-15</inkml:trace>
+  <inkml:trace contextRef="#ctx0" brushRef="#br0" timeOffset="146110">3289 2253 0,'25'24'62,"-1"-24"-46,0 0 0,0 0-16,0 0 15,1 0-15,-1 0 16,0-24-16,0 24 16,0-24-16,1 24 15,-1-25-15,-24 1 0,24 0 16,-24 0-1,0 0-15,-24-1 0,0 1 16,-1 24-16,1 0 16,0 24-16,0-24 15,0 25-15,-1-1 0,1 24 16,24-24-16,0 25 16,0-25-16,0 0 0,0 25 15,24-25-15,1 0 0,-25 0 16,48 0-16,-24 0 15,0-24-15,1 0 0,-1 0 16</inkml:trace>
+  <inkml:trace contextRef="#ctx0" brushRef="#br0" timeOffset="146636">4378 2083 0,'24'-24'0,"0"0"15,-24 0-15,0 0 16,0-1-16,25 1 16,-25-24-16,0 24 0,-25 0 15,1-1-15,0 1 16,-24 24-16,23 0 16,1 24-16,-24-24 15,24 25-15,-1-1 0,-23 24 16,48-24-16,-24 25 0,24-25 15,0 24-15,0-24 16,24 1-16,0 23 0,25-24 16,-25 0-16,24 1 15,1-1-15,-1-24 0,-24 24 16,25 0-16,-25-24 0,0 24 16,-24 1-1,-24-1 1,0-24-16,-25 0 0,25 24 15,-24-24-15,-1 0 16,1 0-16,24 0 0,-1 0 16,-23-24-16</inkml:trace>
+  <inkml:trace contextRef="#ctx0" brushRef="#br0" timeOffset="147082">4741 2083 0,'24'-24'15,"0"0"-15,0 24 0,-24-24 16,25 0-16,-25-1 16,0 1-16,0 0 15,-25 24-15,25-24 16,-24 24-16,0 0 0,0 24 15,0 0-15,-1 0 0,1 25 16,24-25-16,-24 24 16,24 1-16,0-1 0,0-24 15,0 25-15,24-25 0,0 0 16,1 0-16,-1-24 16,0 25-16,0-25 0,25 0 15,-25 0-15,0-25 16,24 25-16,-23-24 0,-1 0 15,0-24-15,0 23 0,-24-23 16,0 0-16,0-1 16,-24 1-16,24-1 0,-24 1 15,0 24-15,-1 0 16,-23 24-16,24 0 0,0 0 16,-1 0-16,1 0 15,0 24-15,0-24 0,24 24 16,0 0-16</inkml:trace>
+  <inkml:trace contextRef="#ctx0" brushRef="#br0" timeOffset="147411">4886 2156 0,'0'-24'0,"0"0"16,0-1 15,24 25-31,0 0 16,1 0-16,-25 25 15,24-1-15,0 0 16,-24 0-16,24 25 0,-24-1 16,0-24-16,0 25 15,0-25-15,0 0 0,0 24 16,0-24-16,0 1 15,24-25-15,-24 24 16,25-24-16,-1 0 0,0 0 16,0-24-1,0 24-15,0-25 0,1 1 16,-1 24-16</inkml:trace>
+  <inkml:trace contextRef="#ctx0" brushRef="#br0" timeOffset="147767">5321 1696 0,'0'-24'0,"0"0"15,25 48 32,-25 0-47,0 1 0,0-1 16,24 0-16,-24 24 0,0-23 15,0 23-15,0-24 16,0 24-16,0-23 0,0 23 16,0-24-16,0 0 0,0 1 15,24-1-15,-24 0 16,24-24-16,-24 24 0,24-24 15,1 0-15,-1 0 0,24 0 16,-24 0-16,25 0 16,-25 0-16,0 0 0,24-24 15</inkml:trace>
+  <inkml:trace contextRef="#ctx0" brushRef="#br0" timeOffset="141645">1330 2108 0,'0'-25'31,"0"50"32,24-1-48,-24 0-15,0 0 0,24 25 16,-24-25-16,0 24 15,25-24-15,-25 25 0,0-25 16,0 24-16,0-24 16,0 1-16,0-1 0,0 0 15,-25-24-15</inkml:trace>
+  <inkml:trace contextRef="#ctx0" brushRef="#br0" timeOffset="141953">1306 2180 0,'24'24'31,"0"-24"-15,-24 25-16,24-1 0,25 0 16,-25 0-16,24 0 0,-23 1 15,23-1-15,0 0 16,-24 0-16,1 0 0,23 0 16,-24-24-16,0 25 0,-24-1 15,25-24-15</inkml:trace>
+  <inkml:trace contextRef="#ctx0" brushRef="#br0" timeOffset="142227">1765 2156 0,'0'-24'16,"0"48"31,0 0-32,25 0-15,-25 1 16,0 23-16,0-24 16,0 0-16,0 25 0,0-25 15,0 24-15,0-24 0,0 1 16,0-1-16,24-24 15,-24 24-15</inkml:trace>
+  <inkml:trace contextRef="#ctx0" brushRef="#br0" timeOffset="143081">2177 2325 0,'0'-24'32,"0"0"-17,0 0 1,-25 24-1,25-24 1,-24-1-16,0 25 16,0 0-1,0 0-15,0 0 16,24 25-16,-25-1 0,1-24 16,24 24-16,-24 0 15,24 0-15,0 1 0,0 23 16,0-24-16,0 0 15,24 0-15,-24 1 0,24-25 16,-24 24-16,25 0 0,-1-24 16,0 0-1,0 0-15,-24-24 16,24 24-16,-24-24 0,24-1 16,1 1-1,-25 0-15,0 0 0,0 0 16,0 0-16,24 24 15,-24-25-15,0 50 32,24-25-17,-24 24-15,0 0 0,0 0 16,24 0-16,-24 0 16,0 1-16,24-1 0,-24 0 15,25 0-15</inkml:trace>
+  <inkml:trace contextRef="#ctx0" brushRef="#br0" timeOffset="144615">2370 2035 0,'0'24'438,"0"-48"-1,0 0-406,0 48 16,24-24-47,-24 24 16,0 0-16,0 25 16,0-1-16,0 1 0,25-1 15,-25 0-15,24 1 0,-24-1 16,0 0-16,24-23 15,-24 23-15,0-24 0,0 0 16,0 1-16</inkml:trace>
+  <inkml:trace contextRef="#ctx0" brushRef="#br0" timeOffset="144849">2273 2350 0,'25'0'31,"-1"-25"-31,0 25 0,0 0 16,25 0-16,-1-24 0,-24 24 15,25 0-15,-25 0 16,24 0-16,-24 0 0,0 0 15,1 0-15</inkml:trace>
+  <inkml:trace contextRef="#ctx0" brushRef="#br0" timeOffset="145060">2636 2204 0,'0'-24'16,"0"48"15,24 1-31,-24-1 16,25 0-1,-25 0-15,24 0 0,-24 1 16,0-1-16,24 0 0,-24 0 16,0 0-16,0 0 15</inkml:trace>
+  <inkml:trace contextRef="#ctx0" brushRef="#br0" timeOffset="145236">2733 2011 0,'0'-24'15,"0"-1"-15,-24 1 16</inkml:trace>
+  <inkml:trace contextRef="#ctx0" brushRef="#br0" timeOffset="145622">2854 2229 0,'24'0'63,"0"24"-47,-24 0-16,25 0 0,-1 0 15,-24 1-15,24-1 16,-24 0-16,24 24 0,-24-24 15,0 1-15,24-25 16,-24 24-16,25-48 16,-25-1-1,24 1 1,-24-24-16,0 24 0,24-25 16,-24 25-16,0-24 0,24-1 15,-24 25-15,0 0 16,0 0-16,0 0 0,0-1 15,0 50 1</inkml:trace>
+  <inkml:trace contextRef="#ctx0" brushRef="#br0" timeOffset="152365">3991 3366 0,'0'-25'0,"0"1"16,0 0-16,0 0 15,-24 24-15,24-24 16,-24 24-16,-1 0 16,1 0-16,24 24 15,-24 0-15,0 0 0,0 25 16,-1-1-16,1 0 16,0 1-16,0 23 0,0-23 15,24-1-15,0 0 0,0-23 16,24 23-16,24-24 15,-24-24-15,25 0 16,-1-24-16</inkml:trace>
+  <inkml:trace contextRef="#ctx0" brushRef="#br0" timeOffset="152640">4160 3607 0,'0'25'15,"24"-25"1,-24 24-16</inkml:trace>
+  <inkml:trace contextRef="#ctx0" brushRef="#br0" timeOffset="151866">3386 3486 0,'0'-24'15,"0"0"1,24 0-16,-24 0 0,0 0 15,0-1-15,-24 25 16,24-24-16,-24 24 16,0 0-16,0 24 0,-1 1 15,1 23-15,0-24 16,-24 24-16,23 1 0,1-1 16,24 1-16,-24-1 0,24 0 15,0 1-15,0-25 16,0 0-16,24 0 0,0 1 15,25-1-15,-25-24 16,24 0-16,25-24 0</inkml:trace>
+  <inkml:trace contextRef="#ctx0" brushRef="#br0" timeOffset="152053">3241 3607 0,'-24'0'0,"0"25"16,-1-25-16,1 0 16,48 0-1,1 0 1,-1-25-16,0 25 0,0 0 16,25-24-16</inkml:trace>
+  <inkml:trace contextRef="#ctx0" brushRef="#br0" timeOffset="151004">2322 3486 0,'24'-24'15,"0"24"-15,-24-24 16,24 0-16,-24 0 0,25 0 15,-25-1-15,-25 25 16,1 0 0,0 0-16,0 25 0,0-1 15,-25 0-15,1 0 0,24 24 16,-25 1-16,25-25 16,0 24-16,0 1 0,0-1 15,24-24-15,0 1 16,24 23-16,-24-24 0,48 0 15,-24-24-15,25 25 0,-1-25 16,0 0-16,1 0 16,-25 0-16</inkml:trace>
+  <inkml:trace contextRef="#ctx0" brushRef="#br0" timeOffset="151147">2273 3680 0,'-48'0'0,"24"0"15,0 0-15,-1 0 16,50 0 0,-1 0-1,24 0-15</inkml:trace>
+  <inkml:trace contextRef="#ctx0" brushRef="#br0" timeOffset="151346">2588 3535 0,'0'-24'15,"0"-1"-15,24 25 16,-24 25-16,24-1 16,0 0-16,1 0 15,-1 25-15,0-25 0,0 24 16,0-24-16,-24 25 15,25-25-15</inkml:trace>
+  <inkml:trace contextRef="#ctx0" brushRef="#br0" timeOffset="151545">2878 3366 0,'-24'-25'15,"0"50"-15,0-1 16,-1 0-16,1 24 0,0 1 16,0 23-16,0-23 15,-25 23-15,25-23 0,-24-1 16,24 0-16,-1 1 16</inkml:trace>
+  <inkml:trace contextRef="#ctx0" brushRef="#br0" timeOffset="150349">1257 3583 0,'0'-24'15,"0"48"17,0 0-17,0 1 1,0-1-16,0 24 0,0-24 15,0 25-15</inkml:trace>
+  <inkml:trace contextRef="#ctx0" brushRef="#br0" timeOffset="150620">1282 3656 0,'-25'-49'0,"25"25"15,0-24-15,0 24 16,0-25-16,0 25 0,0 0 16,49 24-16,-25 0 15,24 24-15,-23 0 16,23 0-16,0 25 0,1-25 16,-1 24-16,-48 1 15,24-1-15,-24-24 0,0 25 16,-24-1-16,-24-24 0,-1 1 15,1-1-15,0 0 16,-1-24-16,-23 24 0</inkml:trace>
+  <inkml:trace contextRef="#ctx0" brushRef="#br0" timeOffset="149439">387 3438 0,'24'-24'16,"-24"0"0,0 0-1,-24 24 17,-1 0-32,1 0 0,0 0 15,0 24-15,0 0 0,-25 0 16,25 24-16,-24-23 15,23 23-15,1 0 0,24 1 16,0-1-16,0 1 16,0-1-16,0 0 0,24-23 15,1-1-15,-1 0 16,24 0-16,1-24 0,-25 0 16,24 0-16,25 0 0,-25 0 15</inkml:trace>
+  <inkml:trace contextRef="#ctx0" brushRef="#br0" timeOffset="149611">338 3728 0,'-48'0'16,"24"0"0,48 0-1,0 0-15,0 0 16,0 0-16,1 0 0,23-24 15,0 24-15,-23-24 16,23 24-16</inkml:trace>
+  <inkml:trace contextRef="#ctx0" brushRef="#br0" timeOffset="150160">774 3511 0,'0'-25'15,"-25"25"-15,25-24 16,-24 24 0,24 24-1,0 1-15,-24-1 16,24 24-16,0-24 0,-24 25 16,24-25-16,-24 24 15,24-23-15,0 23 0,0-24 16,0 0-16,0 1 15,0-50 1,24 25 0,-24-24-16,24 0 15,-24-24-15,0 23 0,24 1 16,-24 0-16,24-24 0,-24 23 16,25 1-1,-1 48 1,-24 1-1,24 23-15,-24-24 0,24 0 16,0 25-16,-24-25 16,25 0-16,-1 0 0,-24 1 15,24-1-15,0-24 0,0 0 16,1 0 0,-1-24-16,0-1 0,-24 1 15,24 0-15,-24-24 0,0-1 16,0 1-16,0-1 15,0 25-15,0-24 0,0 24 16,-24-1-16,0 25 31,24 25-15,0-1-16</inkml:trace>
+  <inkml:trace contextRef="#ctx0" brushRef="#br0" timeOffset="160558">5684 971 0,'0'-25'15,"0"1"1,24 24-16,1 0 16,-25-24-1,24 24 1,0 0-1,0 0-15,0 0 0,25 0 16,-25 0-16,24 0 0,1 0 16,-1 24-16,25-24 15,-25 0-15,0 24 0,-23-24 16,23 25-16,0-25 16,-23 24-16,-1-24 0,0 0 15,0 0-15,-24 24 0,24-24 16,1 0-1,-25 24 1,0 0 0,0 25-1,0-25-15,0 0 0,24 25 16,-24-1-16,0 25 16,0-25-16,0 24 0,0-23 15,0 23-15,0 1 16,0 24-16,0-25 0,0 25 15,24 0-15,-24 0 0,0-25 16,0 25-16,0-24 16,0 23-16,0-23 0,0-1 15,0 1-15,0-25 16,0 25-16,-24-25 0,24 1 16,0-1-16,0 0 15,0 1-15,0-1 0,-24-24 16,24 1-16,0 23 0,0-24 15,0 0-15,0 1 16,0-1-16,0 0 16,0 0-1,-25-24 48,1-24-48,0 24-15,-24 0 16,-1 0-16,1 0 0,-1 0 16,-23 0-16,-1 0 0,25 0 15,-25 0-15,25 0 16,0 0-16,-1 0 0,25 0 16,0 0-16</inkml:trace>
+  <inkml:trace contextRef="#ctx0" brushRef="#br0" timeOffset="162480">6531 2180 0,'-24'0'15,"24"-24"1,24 24 15,0 0-15,25 0-16,-25 0 0,48 0 15,-23 24-15,23-24 16,25 0-16,-24 0 0,23 24 16,1-24-16,0 0 0,-25 0 15,25 25-15,0-25 16,0 0-16,-25 0 0,25 24 16,-24-24-16,-1 0 15,1 0-15,-25 0 0,1 0 16,-25 0-16,0 24 15,24-24-15,-24 0 16,1 0 78,-1 0-79,0 0 1,0 0 0,0 0-1,1 0-15,-1 0 16,0 0-16,0 0 0,0 0 16,1 0-16,-1 24 0,0-24 15,0 0-15,25 0 0,-25 0 16,0 0-16,24 24 15,-24-24-15,1 0 0,-1 0 16,0 0-16,0 0 16,0 0-16,1 0 0,-1 0 15,0 0-15,0 0 16,0 0-16,1 0 16,-1 0-16,0 0 15,0 0 126,0 0-126,1 0 1,-25 25-16,24-25 0,0 0 16,24 0-16,-24 0 0,1 0 15,-1 24-15,24-24 16,-24 0-16,25 0 0,-25 0 16,24 0-16,-23 0 15,23 24-15,0-24 0,-23 0 16,23 24-16,-24-24 0,24 0 15,-23 0-15,23 0 16,-24 24-16,0-24 0,1 0 16,-1 0-16,0 0 0,0 0 15,-24 24-15,24-24 16,-48 0 218,0 0-202,0 0-1,24-24-16,-24 24-15,-1 0 32,1-24-1</inkml:trace>
+  <inkml:trace contextRef="#ctx0" brushRef="#br0" timeOffset="163043">9845 2470 0,'24'0'16,"-24"-24"15,0 48 63,0 1-63,0-1-31,0 0 0,0 24 16,0 1-16,0-1 0,0 1 15,0 23-15,-24 1 16,24-1-16,0-23 0,-24 23 16,24 1-16,0-1 15,0 1-15,0-25 0,0 25 16,0-1-16,0-23 0,0-1 15,0 1-15,0 23 16,0-48-16,0 25 0,0-25 16,0 24-16,0-23 15,0-1-15,0 0 16,0 0 0,24-24-1,-24 24 1,0 0-1,0 1-15,0-1 16,0 0-16,0 0 16,0 0 15</inkml:trace>
+  <inkml:trace contextRef="#ctx0" brushRef="#br0" timeOffset="166128">9821 4140 0,'0'-25'15,"0"50"157,24-25-172,0 0 109,0 0-93,-24 24-16,25-24 16,-1 0-1,0 0 1,0 0 0,0 0 15,-48 0-16,0 0 1,0 0-16,0 0 0,-25 0 16,-23 0-16,-1 0 15,1 0-15,-25 0 0,-24 0 16,24 24-16,0-24 16,-24 24-16,25-24 0,-1 24 15,-73 25 1,98-25-16,-1 24 0,1-23 15,23 23-15,1 0 0,0 1 16,23-1-16,1 0 16,-24 1-16,24 23 0,24-23 15,-25 23-15,1-23 0,24 23 16,-24-23-16,24-1 16,0 25-16,-24-25 0,24 0 15,0 1-15,24-1 16,-24 1-16,24-1 0,0-24 15,25 24-15,-25-23 0,24 23 16,25-24-16,-25 25 16,25-25-16,0 0 0,-1 0 15,25 0-15,-25 1 16,25-1-16,0 0 0,0 0 16,-1 0-16,1 1 0,0-1 15,0 0-15,0 0 16,-1 0-16,-23-24 0,-1 24 15,1 1-15,-25-1 0,1 0 16,-1-24-16,-24 24 16,1 0-16,-1 1 0,0-1 15,0 0-15,0 0 16,-24 0-16,0 1 16,0-1-16,0 0 0,0 0 15,0 0 1,0 1-16,0-1 0,0 0 15,0 0-15,-24 0 16,24 0-16,-24 1 16,0-1-16,24 0 15,-24 0-15,-1 0 0,-23 1 16,24-1-16,-25 0 0,1 0 16,0 0-16,-1 1 15,-23-1-15,23 0 0,-23-24 16,-1 24-16,25 0 0,-25 1 15,25-1-15,-1-24 16,1 24-16,0 0 0,-1 0 16,1 0-16,24 1 15,-25-1-15,25 0 0,0 0 16,0-24-16,0 24 0,-1 1 16,25-1-16,-24 0 15,0-24-15,24 24 0,-24 0 16,24 1-16,-24-25 15,24 24-15,0 0 0,0 0 16,0 0-16,0 1 16,0-1-1,0 0-15,24-24 0,-24 24 16,24 0-16,0-24 16,0 24-16,1-24 0,-1 25 15,0-1-15,24-24 0,1 24 16,-1 0-16,0-24 15,1 24-15,-1 1 0,1-25 16,-1 24-16,0 0 16,1-24-16,-25 24 0,24 0 15,-23-24-15,-1 25 0,24-1 16,-24-24-16,0 24 16,1 0-16,-1 0 15,-24 1 1,0-1-1,-24-24-15,24 24 0,-25 0 16,1-24-16,-24 24 16,24-24-16,-25 24 0,25-24 15,-24 25-15,-1-1 16,25-24-16,0 24 0,-24-24 16,23 0-16,1 24 0,0-24 15,0 24-15,0 1 16,-1-1-1,25 0-15,-24 0 0,24 0 16,-24 1 0,24-1-16,0 0 15,0 0-15,24 0 16,-24 1-16,24-1 0,1 0 16,-1 0-16,0 0 0,0 0 15,0 1-15,1 23 16,-1-24-16,0 0 0,0 25 15,0-25-15,1 24 16,-1-23-16,-24 23 0,24-24 16,-24 25-16,0-25 0,0 24 15,0-24-15,0 0 16,0 25-16,0-25 0,0 0 16,0 0-16,-24 1 15,24 23-15,-24-24 0,24 0 16,-25 1-16,25-1 15,0 0-15,-24 0 16,24 25 0,0-25-16,-24 0 0,24 0 15,0 0-15,0 0 16,0 1-16,0-1 16,0 0-16,0 0 15,0 0-15,0 1 16,0-1-16,-24 0 15,24 0-15,0 0 16,0 1-16,0-1 0,0 0 16,0 0-16,0 0 15,0 1-15,0-1 0,0 0 16,0 0 0,0 0-16,0 0 15,0 1 1,0-1-1</inkml:trace>
+  <inkml:trace contextRef="#ctx0" brushRef="#br0" timeOffset="166559">9168 9679 0,'-24'0'47,"24"24"-31,24 1 0,0-25-16,-24 24 15,24 0-15,0 0 16,0 0-16,1 1 15,-1-1-15,0 0 0,0 0 16,0 0-16,1 1 0,-25-1 16,24 24-16,-24-24 15,0 0-15,24 1 0,-24-1 16,0 0-16,24-24 16</inkml:trace>
+  <inkml:trace contextRef="#ctx0" brushRef="#br0" timeOffset="166957">9869 9703 0,'-24'0'16,"24"25"-16,0-1 16,-24-24-16,24 24 15,-24 0-15,24 0 16,0 1-16,-25-1 16,25 0-16,-24 0 0,0 0 15,0 25-15,0-25 0,-25 0 16,25 0-16,0 0 15,0 1-15,0-1 0,-1-24 16,1 0-16,24 24 16,-24-24-16,48 0 47,-24-24-32</inkml:trace>
+  <inkml:trace contextRef="#ctx0" brushRef="#br0" timeOffset="174856">1064 4938 0,'0'-24'16,"0"0"15,0-1 0,-24 25-15,0 0-1,-1 0-15,1 25 0,0-1 16,-24 0-16,23 0 0,1 24 16,0 1-16,0-1 15,0 1-15,24 23 0,0-23 16,0-1-16,24 0 0,0 1 16,0-25-16,0 24 15,25-24-15,-25-24 0,24 0 16,1 0-16,-1 0 15,0-24-15,1 0 0,-25-24 16,0 24-16,0-25 0,1 1 16,-25-1-16,0 1 15,0 0-15,-25-25 0,1 25 16,0 23-16,0-23 16,0 24-16,-25 0 0,25 24 15,0-24-15,-24 24 0,23 0 16,25 24-1</inkml:trace>
+  <inkml:trace contextRef="#ctx0" brushRef="#br0" timeOffset="175351">1548 4986 0,'0'-24'0,"-24"24"15,24 24 1,0 0 0,0 25-16,0-25 15,0 24-15,24 1 16,-24-1-16,0 1 0,0-1 15,24 0-15,-24-23 0,0 23 16,0-24-16,0 0 16,0 0-16,-24-24 15,24-24 1,-24 0-16,24 0 16,0-24-16,0-1 15,0 1-15,0-1 0,24-23 16,-24 23-16,24-23 0,-24 23 15,24 1-15,0 24 16,0 0-16,25 0 0,-25 24 16,0 0-16,25 24 15,-25 0-15,0 0 16,-24 0-16,0 25 0,0-25 16,-24-24-16,0 24 15,-1 0-15,-23 0 0,0-24 16,23 25-16,-23-25 0,0 0 15,24 0-15</inkml:trace>
+  <inkml:trace contextRef="#ctx0" brushRef="#br0" timeOffset="175645">2346 4914 0,'0'-24'0,"-24"24"0,0-25 15,-1 25-15,-23 0 16,24 25-16,0-1 16,-1-24-16,1 48 0,0-24 15,24 25-15,-24-25 0,24 24 16,-24 25-16,24-25 15,0 1-15,24-25 0,-24 24 16,24 1 0,24-1-16,1-48 0,-25 24 15,24-24-15</inkml:trace>
+  <inkml:trace contextRef="#ctx0" brushRef="#br0" timeOffset="175816">2177 5156 0,'-25'0'0,"1"0"16,0 0-16,48 0 31,0 0-31,25 0 0,-1 0 16,1 0-16,-1 0 0,0-25 15</inkml:trace>
+  <inkml:trace contextRef="#ctx0" brushRef="#br0" timeOffset="176350">2588 4986 0,'0'-24'0,"0"0"16,-24 24-16,24-24 0,0 48 31,0 0-15,0 0-16,0 25 0,0-25 15,-24 24-15,24 1 16,0-1-16,-25 0 0,25 1 16,-24-25-16,24 24 0,0-23 15,0-1 1,0-48 0,24-25-1,-24 25-15,25-24 0,-25-1 16,24 1-16,-24-1 15,24 1-15,-24 24 0,24-25 16,0 25-16,-24 0 0,24 24 16,1 0-1,-25 24-15,24 0 0,-24 1 16,24 23-16,-24 0 0,24 1 16,-24-1-16,24-24 15,1 25-15,-1-25 0,-24 24 16,24-23-16,0-25 15,0 24-15,1-24 0,-1-24 16,0-1-16,0 1 16,0 0-16,-24-24 15,25-1-15,-25-23 0,0 23 16,0 1-16,0-1 16,0 1-16,-25 24 0,25 0 15,0 0-15,-24 24 16,24 24-16,0 0 15</inkml:trace>
+  <inkml:trace contextRef="#ctx0" brushRef="#br0" timeOffset="176744">3894 4914 0,'24'-24'0,"1"-1"15,-25 1 1,0 0-16,-25 24 15,1 0-15,0-24 16,0 24-16,-25 0 0,1 0 16,0 24-16,-1 0 0,1 0 15,24 25-15,-25-1 16,25 0-16,0 1 0,0-1 16,24 1-16,0 23 15,24-23-15,0-1 0,0-24 16,1 25-16,23-25 0,0-24 15,1 0-15,23 0 16,-23 0-16,23 0 0</inkml:trace>
+  <inkml:trace contextRef="#ctx0" brushRef="#br0" timeOffset="177114">4184 4938 0,'0'-24'0,"0"0"16,-24 24-1,0 24 17,24 0-32,0 24 15,-24-24-15,24 25 0,0-1 16,0 1-16,0-25 15,0 24-15,24 1 0,0-25 16,0 0-16,1 0 0,-1-24 16,24 0-16,1 0 15,-25 0-15,24-24 0,1 0 16,-25-25-16,24 25 16,-24-24-16,1-1 0,-25 1 15,0 0-15,0-1 0,0 25 16,0-24-16,-25 24 15,1 24-15,24-25 0,-24 25 16,0 0-16</inkml:trace>
+  <inkml:trace contextRef="#ctx0" brushRef="#br0" timeOffset="177701">4765 4817 0,'24'0'0,"-24"-24"32,24 48-17,-24 0 1,0 0-16,0 1 0,0 23 16,0-24-16,25 24 0,-25 1 15,0-1-15,0 1 16,0-1-16,0-24 0,0 25 15,0-25-15,0 0 16,-25-24 0,25-24-16,-24 0 15,24-1-15,0-23 16,0 0-16,-24-1 0,24-23 16,0-1-16,0 25 0,24-25 15,-24 25-15,24-1 16,1 1-16,-1 24 0,0 0 15,0 24-15,25 0 16,-25 0-16,0 24 0,24 0 16,-23 0-16,-25 25 15,24-25-15,-24 0 0,0 24 16,-49 1 0,25-25-16,-24 0 0,24 0 15,-25-24-15,25 24 0,0-24 16,0 25-16,48-1 31,0-24-15,24 24-16,-23 0 15,23-24-15,-24 24 0,0 1 16,1-1-16,-1 0 0,0-24 16,-24 24-16,0 0 15,0 1 1</inkml:trace>
+  <inkml:trace contextRef="#ctx0" brushRef="#br0" timeOffset="178104">5394 4914 0,'24'-49'15,"0"25"-15,1 0 0,-1 0 16,-24 0-16,24 24 16,-24-25-16,0 1 15,-24 24-15,0 0 16,-1 24-16,-23-24 16,24 25-16,0-1 0,-1 0 15,1-24-15,24 24 16,0 0-16,0 1 0,0-1 15,24-24-15,1 24 0,-1 0 16,0 0-16,0 0 16,25 1-16,-25-1 0,0 0 15,0 0-15,-24 0 0,0 1 16,0-1 0,-24 0-16,0 0 0,0-24 15,-1 24-15,-23-24 16,24 0-16,-25 0 0,25 0 15,0 0-15,0 0 16</inkml:trace>
+  <inkml:trace contextRef="#ctx0" brushRef="#br0" timeOffset="178518">5805 4890 0,'24'-25'15,"1"1"-15,-25 0 16,0 0-16,0 0 16,-25 24-16,1 0 15,0 24-15,0-24 16,0 24-16,-1 0 0,25 25 16,-24-25-16,24 24 15,-24 0-15,24 1 0,0-25 16,0 24-16,24-23 0,-24 23 15,24-24-15,1 0 16,-1-24-16,0 0 16,24 0-16,-23 0 15,-1-24-15,0 0 0,0 0 16,-24 0-16,24-25 0,-24 25 16,0-24-16,-24-1 15,24 25-15,-24-24 0,0 24 16,0 24-16,-1-25 15,1 25-15,0 0 0,0 0 16,0 0-16,-1 0 0,1 0 16,24 25-1</inkml:trace>
+  <inkml:trace contextRef="#ctx0" brushRef="#br0" timeOffset="179120">6096 4841 0,'0'-24'0,"24"24"15,-24-24-15,0 48 16,24 0 0,-24 0-16,0 1 0,0 23 15,0 0-15,0-24 16,-24 49-16,24-25 0,0 1 15,-24-1-15,24 1 0,-25-25 16,25 0-16,0 0 16,0 0-16,-24-24 0,24-24 31,0 0-31,0-24 0,0-1 16,0-23-16,0-1 0,24 0 15,-24 1-15,25-1 16,-1 25-16,-24-25 0,24 25 15,0 0-15,0-1 0,0 25 16,1 24-16,-1 0 16,0 0-16,0 0 0,0 24 15,1 0-15,-25 25 16,0-25-16,0 24 0,0-23 16,-25 23-16,1-24 0,0 25 15,0-25-15,0 0 16,-25 0-16,25-24 0,0 24 15,0-24-15,0 24 16,24-48 0,24 24-1,0 0-15,0 0 0,0 0 16,25 0-16,-25 24 0,24 1 16,-24-1-16,1 24 15,-1-24-15,0 25 0,-24-25 16,24 0-16,0 25 0,-24-25 15,0 0-15,0 0 16,25-24-16,-25 24 0</inkml:trace>
+  <inkml:trace contextRef="#ctx0" brushRef="#br0" timeOffset="182564">6700 4696 0,'24'0'16,"-24"-24"-1,25 24 1,-1 0-16,24 0 16,-24 0-16,25 0 0,-25 0 15,24 0-15,1 0 16,-1 0-16,1 0 0,-1 0 15,-24 24-15,24 0 0,1 0 16,-25 1-16,24-1 16,-23 0-16,-1 24 0,0-23 15,0 23-15,0 0 16,1 1-16,-1 23 0,0-23 16,-24 23-16,24 1 0,0-1 15,1 1-15,-25-1 16,24 1-16,-24 0 0,24-1 15,-24 1-15,24 24 16,-24-25-16,0 1 0,0-25 16,0 25-16,0-1 0,0 1 15,0-1-15,-24 1 16,24-1-16,-24 1 0,24 0 16,-24-1-16,24 1 15,0-1-15,0 1 0,0-1 16,0 1-16,0-25 0,0 25 15,24-25-15,-24 25 16,0-25-16,0 1 0,0-1 16,0 25-16,0-25 15,-24 25-15,24-25 0,-25 25 16,1 48-16,24-49 16,-24-24-16,24 25 15,0 0-15,0-25 0,0 25 16,0-1-16,0-23 15,0 23-15,0-24 0,24 25 16,-24-25-16,24 25 0,-24-25 16,0 1-16,25 23 15,-25-23-15,24-1 0,-24 0 16,0 25-16,24-49 16,-24 25-16,24-1 0,-24 0 15,0 1-15,24-25 0,-24 24 16,24 1-16,-24-25 15,0 24-15,0-24 0,25 25 16,-25-25-16,24 24 16,-24-23-16,0-1 0,24 24 15,-24-24-15,0 1 0,24-1 16,-24 0-16,24 24 16,-24-23-16,25-1 0,-1 0 15,-24 0 1,24 0-16,0-24 15,-24 24-15,24-24 0,-24 25 16,25-25-16,-1 0 16,0 0-16,0 0 15,0 0 1,1 0-16,-1-25 16,0 25-1,-24-24-15</inkml:trace>
+  <inkml:trace contextRef="#ctx0" brushRef="#br0" timeOffset="182984">8176 9510 0,'0'24'16,"-24"0"-16,24 0 16,-24 1-1,24-1-15,0 0 0,0 0 16,0 0-16,0 1 15,0-1-15,24 0 0,-24 0 16,24 25-16,-24-25 0,24 0 16,-24 24-16,0 1 15,0-25-15,0 24 0,0 1 16,0-25-16,0 0 0,-24 24 16,0-23-16,0-1 15,-1 0-15,1 0 0,-24 0 16,24 1-16,-25-25 15,25 24-15,0-24 0,0 0 16</inkml:trace>
+</inkml:ink>
+</file>
+
+<file path=ppt/ink/ink51.xml><?xml version="1.0" encoding="utf-8"?>
+<inkml:ink xmlns:inkml="http://www.w3.org/2003/InkML">
+  <inkml:definitions>
+    <inkml:context xml:id="ctx0">
+      <inkml:inkSource xml:id="inkSrc0">
+        <inkml:traceFormat>
+          <inkml:channel name="X" type="integer" max="1920" units="cm"/>
+          <inkml:channel name="Y" type="integer" max="1080" units="cm"/>
+          <inkml:channel name="T" type="integer" max="2.14748E9" units="dev"/>
+        </inkml:traceFormat>
+        <inkml:channelProperties>
+          <inkml:channelProperty channel="X" name="resolution" value="55.81395" units="1/cm"/>
+          <inkml:channelProperty channel="Y" name="resolution" value="55.6701" units="1/cm"/>
+          <inkml:channelProperty channel="T" name="resolution" value="1" units="1/dev"/>
+        </inkml:channelProperties>
+      </inkml:inkSource>
+      <inkml:timestamp xml:id="ts0" timeString="2021-10-21T06:47:13.996"/>
+    </inkml:context>
+    <inkml:brush xml:id="br0">
+      <inkml:brushProperty name="width" value="0.05" units="cm"/>
+      <inkml:brushProperty name="height" value="0.05" units="cm"/>
+      <inkml:brushProperty name="fitToCurve" value="1"/>
+    </inkml:brush>
+  </inkml:definitions>
+  <inkml:trace contextRef="#ctx0" brushRef="#br0">2689 1213 0,'-25'-24'15,"1"24"-15,0 0 16,48 0 15,0 0-15,25 0-16,-25 0 16,24 0-16,1 0 0,-25 24 15,24-24-15,-23 0 16,-1 24-16,0 0 0,-24 0 15,-24 25 1,24-25-16,-24 0 0,-25 0 16,25 1-16,0-1 0,0 0 15,-1 0 1,25 0-16,-24 0 0,24 1 0</inkml:trace>
+  <inkml:trace contextRef="#ctx0" brushRef="#br0" timeOffset="-3198">173 1769 0,'24'-24'16,"0"24"0,-24-24-16,-24 24 46,24 24-30,-24-24-16,24 24 0,-24 25 16,-1-25-16,1 24 15,0 1-15,0-1 16,0 0-16,24 1 0,-25-25 0,25 0 16,0 0-16,25 0 15,-1 1-15,0-25 16,24 0-16,1-25 15,-25 25-15,24-24 0,-23-24 16,-1 24-16,0-1 16,0-23-16,-24 24 0,0-24 15,0 23-15,-24 1 0,0 0 16,0 0-16,24 0 16,-25 24-16,1 0 0,0 0 15,0 0-15,0 24 16,24 0-1</inkml:trace>
+  <inkml:trace contextRef="#ctx0" brushRef="#br0" timeOffset="-2826">391 1769 0,'-25'0'16,"50"0"0,-1 0-1,0 0-15,0 24 16,0-24-16,0 25 0,1-1 16,23 0-16,-24-24 0,0 24 15,-24 0-15,25 1 16,-25-1-16,0 0 0,0 0 15,-25-24 1,25 24-16,-24-24 0,0 0 16,0-24-16,0 0 15,24 0 1,0 0-16,0-1 0,0 1 16,24-24-16,0 24 15,24-49 1,-23 49-16,-1 24 0,0-24 0,0 24 15,0 0-15</inkml:trace>
+  <inkml:trace contextRef="#ctx0" brushRef="#br0" timeOffset="-2328">995 1818 0,'0'-25'0,"0"1"31,0 0-31,-24 0 32,0 24-32,0 0 15,0 24-15,-1 0 16,1 0-1,0-24-15,24 25 0,0-1 16,-24 0-16,24 0 16,0 0-16,24 1 15,0-1-15,0-24 16,1 0 0,-1-24-16,0 24 0,0-25 15,-24 1-15,24 0 16,0 0-16,-24-25 0,25 25 15,-25-24-15,0 24 0,0-25 16,0 1-16,0 24 16,0-1-16,0 1 0,-25 0 15,25 0-15,0 48 16,0 0 0,0 0-16,0 1 0,0 23 0,25 0 15,-25 1-15,24-1 16,-24 1-16,24-1 0,-24-24 15,0 25-15</inkml:trace>
+  <inkml:trace contextRef="#ctx0" brushRef="#br0" timeOffset="-1727">1334 1914 0,'-24'0'16,"0"0"0,24 25-16,-25-25 0,50 0 31,-1 0-15,0 0-16,-24-25 0,24 25 15,25-24 1</inkml:trace>
+  <inkml:trace contextRef="#ctx0" brushRef="#br0" timeOffset="-1050">1479 1648 0,'0'-24'0,"-24"0"0,24 0 16,0-1-16,0 1 16,24 48 15,-24 1-31,24-1 15,-24 0-15,24-24 16,-24 24-16,25 0 0,-25 1 16,0-1-16,24 0 15,-24 0-15,-24-48 47,24 0-47,0 0 16,0-1-16,0 1 0,0 0 15,0 0-15,0 0 16,0-1-16,0 1 0,0 0 16,24 24-1,-24 24-15,24 0 16,-24 1-16,24-1 16,-24 0-16,0 0 15,24-24-15,-24 24 0,0 1 16,25-25-1,-25-25 1,24 1-16,-24 0 16,24 24-16,-24-24 15,24 0-15,0-1 0,-24 1 16,25 0-16,-1 24 16,0 0-1,-24 24-15,24 0 16,-24 1-16,24-1 0,-24 0 15,0 0-15,25 0 0,-25 1 16,24-25 0</inkml:trace>
+  <inkml:trace contextRef="#ctx0" brushRef="#br0" timeOffset="-791">1915 1310 0,'-25'-49'15,"25"25"-15,0 0 0,0 0 16,0-1-16,25 25 16,-25 25-16,24-1 15,0 0-15,-24 0 16,24 25-16,0-1 0,0-24 16,1 25-16,-25-1 0,24 0 15,0-24-15,-24 25 16,24-25-16,-24 0 0,24 0 15,1-24-15,-1 0 16,0 0-16,0 0 0,0-24 16,-24 0-16</inkml:trace>
+  <inkml:trace contextRef="#ctx0" brushRef="#br0" timeOffset="-646">2132 1406 0,'-72'-24'0,"47"24"16,-23 0-16,24 0 0,0 0 15,48 0 17,0 0-32,0 0 0,0 0 15,1 0-15,23 0 16</inkml:trace>
+  <inkml:trace contextRef="#ctx0" brushRef="#br0" timeOffset="913">3342 1116 0,'-24'0'0,"-1"-24"31,1 0-16,24-1 1,24 25-16,1-24 16,-1 0-16,0 24 15,0 0-15,0 0 16,-24 24-16,25-24 16,-1 24-16,-24 1 0,0 23 0,0-24 15,0 25-15,-24-25 16,24 24-16,-25-24 0,1 25 15,0-25-15,0 0 16,0-24-16,24 24 0,-25-24 16,50 0-1,-1-24 1,0 24-16,0 0 0,25-24 16,-25 24-16,24-24 15,-24 24-15,25 0 0,-25 0 16,0 0-16,0-24 15</inkml:trace>
+  <inkml:trace contextRef="#ctx0" brushRef="#br0" timeOffset="1567">3850 1068 0,'0'-49'0,"-24"49"16,24-24-16,-25 24 15,1 0 1,24 24-16,-24 0 0,0 1 16,24-1-16,-24 0 15,24 0-15,0 0 0,0 1 16,0-1-16,24 0 16,-24 0-16,24-24 0,0 0 15,0 0-15,1 0 0,-1 0 16,0-24-16,0 0 15,0 0-15,1-1 0,-25 1 16,0 0-16,0 0 16,0 0-16,-25 24 0,25-25 15,-24 1-15,-24 24 0,24 0 16,-1-24-16,1 24 16,0 0-16,24 24 15,24-24 1,0 0-16,1 0 15,-1-24-15,24 24 0,-24 0 16,25-24-16,-1 24 16,0-24-16,-23 0 15,-1 24-15,0 0 0,0-25 16,0 25-16,1 0 0,-25 25 16,0-1-1,0 0 1,0 0-16,0 0 0,0 0 15,0 1-15,24-1 16,0 0 0,24-24-16,-23 0 0,23 0 15,-24-24-15,25 24 16,-1-24-16,-24-1 0,24 1 16,-23 0-16,-25 0 0,0 0 15,0 0-15,0-25 16,-25 25-16,-23 0 0,0 24 15,-25 0-15,25 0 16,-25 0-16,-24 24 0</inkml:trace>
+  <inkml:trace contextRef="#ctx0" brushRef="#br0" timeOffset="20593">10962 4479 0,'0'-25'0,"24"1"31,0 24-15,0 0-16,1 0 15,-25 24 1,24 1-16,-24-1 16,0 0-16,24-24 15,-24 24-15,0 0 0,24 0 16,0-24-16,-24 25 0,24-25 16,1 0-16,23 0 15,0-25-15,1 1 16,-1 0-16,1 0 0,23-24 15,-23 23-15,23-23 0,1 0 16,-25-1-16,25 1 0,-25-1 16,0 1-16,1 24 15,-25 0-15</inkml:trace>
+  <inkml:trace contextRef="#ctx0" brushRef="#br0" timeOffset="2928">2253 3196 0,'-24'-48'15,"24"24"-15,0 48 32,0 24-32,24 1 0,-24 23 15,24 1-15,-24 0 16,25 23-16,-25 1 0,0 24 16,24-24-16,-24 24 0,0 0 15,0 0-15,0 0 16,0 24-16,0-24 0,0 0 15,0 0-15,0 0 16,0-1-16,0 1 0,0-24 16,0 0-16,0 0 0,0-1 15,0-23-15,0 0 16,0-25-16,0 0 0,0 1 16,0-25-16,0 0 15,0 0-15,24-24 31,0 0-31,0-24 16,25 24-16,-1 0 0,0 0 16,1-24-16,23 24 15,25 0-15,0-24 0,24 24 16,0-24-16,48-1 0,1 1 16,23 0-16,1 0 15,-1 0-15,25 24 0,-49-25 16,0 1-16,-23 24 0,-25-24 15,-49 24-15,1 0 16,-25 0-16,-48-24 0,-24 0 31,-24 24-31,23-25 0,-23 25 16,24-24-16,-25 0 0,25 0 16,-24 0-16,48-25 15,-24 1-15,24-25 0,-25 1 16,25-25-16,0 0 15,0-24-15,0 0 0,0-24 16,0 0-16,0 24 0,0-24 16,25 0-16,-25 0 15,0 0-15,0-1 16,0 25-16,-25 1 0,25-1 16,-24 24-16,24 0 0,-24 0 15,24 25-15,-24-1 16,24 25-16,-24-1 0,24 25 15,-25-24-15,25 24 0,-24-1 16,24 1-16,-24 0 16,0 0-16,0 24 15,0-24-15,-25 24 16,25 0-16,-49 0 0,1 0 16,-25 24-16,0-24 0,-24 24 15,0-24-15,0 24 16,-24 0-16,24 1 0,-24-1 15,24 0-15,24-24 0,1 24 16,-1 0-16,24 1 16,25-1-16,0-24 0,-1 24 15,25 0-15,0-24 0,0 0 16,24 24-16,-25-24 16,1 0-16,0 0 0,0 0 15,0 0 1,0 0-16,-1 0 15,25 25-15</inkml:trace>
+  <inkml:trace contextRef="#ctx0" brushRef="#br0" timeOffset="3325">2447 3825 0,'-24'0'0,"24"-24"15,-25 24-15,25-24 16,25 0 15,23 24-31,0-24 0,25 24 16,-1-25-16,25 1 16,24 0-16,24-24 0,0 23 15,1 1-15,-1-24 0,0 24 16,-24 0-16,0-1 15,-24 25-15,-25-24 0,1 24 16,-49 0-16,0 0 0</inkml:trace>
+  <inkml:trace contextRef="#ctx0" brushRef="#br0" timeOffset="3607">2423 4164 0,'-49'24'16,"25"-24"-16,48 0 16,0-24-16,25 24 15,23-24-15,1 0 16,24-1-16,24 1 0,24 0 15,0 0-15,24-24 0,1 23 16,-1 1-16,-24 0 16,24 0-16,-48 24 0,0-24 15,-48 24-15,-1 0 16</inkml:trace>
+  <inkml:trace contextRef="#ctx0" brushRef="#br0" timeOffset="3835">2640 4575 0,'0'24'0,"0"1"16,24-25-16,25 0 16,-1-25-16,49 1 15,0 0-15,24 0 0,0-24 16,24 23-16,24 1 0,0-24 15,-23 24-15,-1-1 16,-24 25-16,-25-24 0,-23 24 16,-25 0-16,-23 24 15</inkml:trace>
+  <inkml:trace contextRef="#ctx0" brushRef="#br0" timeOffset="4028">3148 4938 0,'0'24'0,"0"1"0,24-25 31,25-25-31,-1 25 0,25-48 16,-1 24-16,49 0 0,0-25 16,0 25-16,24-24 15,0 23-15,-24 1 0,0 0 16</inkml:trace>
+  <inkml:trace contextRef="#ctx0" brushRef="#br0" timeOffset="4543">3027 3366 0,'0'-24'31,"0"-1"-15,0 50 15,0-1-15,0 0-16,0 0 15,0 0-15,0 1 0,0-1 16,0 0-16,0 0 0,0 0 15</inkml:trace>
+  <inkml:trace contextRef="#ctx0" brushRef="#br0" timeOffset="4860">3197 3317 0,'0'-24'31,"-25"0"-31,1 48 15,24 0 1,0 1-16,0-1 16,0 0-16,0 0 15,24-24-15,1 0 16,-1 0 0,0 0-16,-24-24 15,24 0-15,-24 0 16,0-1-1,0 1-15,-24 0 16,0 24 0,24 24-16,-24 0 15,24 1-15,0-1 16,0 0-16</inkml:trace>
+  <inkml:trace contextRef="#ctx0" brushRef="#br0" timeOffset="5244">3487 3390 0,'0'-24'0,"24"24"16,-24-24-16,-24 24 15,0 0 1,0 24 0,-1 0-16,25 0 15,0 0 1,25-24 0,-1 0-16,0 0 15,0 0-15,0-24 16,0 24-16,1-24 0,-1 0 15,0 0-15,0-1 16,-24 1-16,0 0 0,0 0 16,-24 0-16,0 24 0,0-25 15,-1 25-15,1 25 16,0-1-16,0 0 16</inkml:trace>
+  <inkml:trace contextRef="#ctx0" brushRef="#br0" timeOffset="5659">3245 3825 0,'0'-24'16,"0"0"-1,0 0 1,24 0-16,0 24 16,1-25-16,-1 25 15,0 0-15,0 0 0,0 0 16,-24 25-1,0-1-15,0 0 16,-24 0-16,0 0 16,0 1-16,0-25 15,24 24-15,-25-24 0,50 0 32,-1 0-17,0-24-15,0 24 0,0-25 16,25 1-16</inkml:trace>
+  <inkml:trace contextRef="#ctx0" brushRef="#br0" timeOffset="6253">3632 3632 0,'0'-24'0,"-24"24"16,0 0-1,24 24 1,-25-24-16,25 24 15,-24 0-15,24 0 16,0 1 0,24-25-16,-24 24 0,25-24 15,-1 0-15,0 0 16,0 0-16,0 0 16,1-24-16,-1 24 0,-24-25 15,24 25-15,-24-24 16,0 0-16,-24 24 15,0-24-15,-1 24 16,1 0-16,0 0 16,48 0 15,0-24-31,1 24 16,-1 0-16,0 0 15,0-25-15,0 25 0,1 0 16,-1 0-16,-24 25 15,0-1 1,0 0-16,0 0 16,0 0-16,0 1 15,24-1 1,0-24-16,0 0 16,1 0-16,-1-24 15,24 24-15,-24-25 0,0 1 16,1 0-16,-1 0 0,-24 0 15,24-1-15,-24 1 16,-24 24-16,0-24 0,-1 24 16,1 0-16,-24 0 15,24 0-15,-25 0 0,1 24 16,24 0-16,0 1 16,-1-1-16,1 0 0</inkml:trace>
+  <inkml:trace contextRef="#ctx0" brushRef="#br0" timeOffset="6885">3293 4188 0,'0'-24'16,"0"0"0,0 0-1,25 24-15,-1 0 16,0 0-16,0 0 16,0 0-1,-24 24-15,0 0 16,0 0-1,-24-24-15,24 24 16,-24-24-16,0 25 0,0-25 16,24 24-16,-25-24 15,50 0 1,-1 0 0,0 24-1,0-24 1,-24 24-1,0 0 1,-24-24-16,0 25 16,0-25-16,-1 24 15,1-24-15,0 0 16,0 0-16</inkml:trace>
+  <inkml:trace contextRef="#ctx0" brushRef="#br0" timeOffset="7489">3559 4164 0,'-24'0'47,"0"0"-47,0 0 15,24 24-15,-24-24 0,24 24 16,-24-24-1,24 25-15,24-25 16,0 24-16,0-24 16,0 0-16,0 0 15,1 0-15,-1-24 16,0 24-16,0 0 16,-24-25-16,0 1 15,0 0 1,-24 24-16,0 0 15,0 0-15,-1 0 0,25-24 16,-24 24-16,48 0 47,1 0-47,-1 0 16,24-24-16,-24 24 0,1 0 15,-1 0-15,0 0 16,0 0-16,0 0 0,-24 24 15,0 0 1,0 0 0,-24-24-16,24 24 0,0 1 15,24-25-15,1 0 16,-1 0 0,24 0-16,-24 0 0,1 0 15,23-25-15,-24 25 16,0-24-16,0 24 0,1-24 15,-25 0-15,-25 0 16,1 24 0,0-25-16,0 25 15,-24 0-15,23 0 0,-23 25 16,24-25-16,-25 24 0</inkml:trace>
+  <inkml:trace contextRef="#ctx0" brushRef="#br0" timeOffset="7950">3318 4624 0,'24'0'0,"-24"-25"16,0 1 0,24 24-1,-24 24 1,0 1 0,24-1-1,-24 0 1,24 0-1,1-24-15,-1-24 16,0 24 0,-24-24-16,24 24 0,-24-24 15,24 24-15,-24-25 0,0 1 32,0 48-17,-24 1-15,24-1 16,0 0-1,0 0-15,0 0 16</inkml:trace>
+  <inkml:trace contextRef="#ctx0" brushRef="#br0" timeOffset="8539">3680 4575 0,'25'0'16,"-25"-24"-16,-25 24 31,25 24-15,-24-24-16,0 24 15,24 1 1,24-25 0,0 0-16,1 0 15,-1 0 1,0 0-16,0-25 0,0 25 15,-24-24 1,0 0 0,-24 24-16,0 0 0,0 0 15,0-24 1,-1 24-16,50-24 31,-1 24-15,0 0-16,0 0 15,0 0-15,1 0 16,-1 0-16,0 24 16,-24 0-16,0 0 15,0 0 1,-24 1 0,24-1-1,0 0-15,24-24 16,0 0-16,0 0 15,1 0-15,-1 0 16,0-24-16,0 24 0,0-24 16,0 24-16,1-25 15,-1 1-15,-24 0 16,0 0-16,-24 24 0,24-24 16,-25 24-16,-23-24 15,24 24-15,-24 0 0,23 24 16,1-24-16,0 24 15</inkml:trace>
+  <inkml:trace contextRef="#ctx0" brushRef="#br0" timeOffset="9667">3439 5446 0,'24'-24'0,"-24"0"16,0 0-16,0-1 0,0 1 15,0 0 1,0 0-16,0 48 31,0 0-15,0 0-16,24-24 0,-24 25 15,24-1-15,-24 0 16,24-24-16,0 24 0,-24 0 16,25 1-16,-25-1 0,24-24 15,-24 24-15,0 0 16,0 0-16,-24 0 15,-1 1-15,25-50 32,0 1-32,-24 0 15,24 0-15,0 0 16,-24 0-16,24-25 0,0 25 16,0 0-16,0-25 15,0 25-15,0 0 0,24 0 16,0 24-16,1-24 15,-1-1-15,0 25 0,0 0 16,0-24-16,1 24 0,-1 0 16,0 0-16,0 0 0,0 0 15,-24 24 32,0 1-31,0-1-1,0 0-15,0 0 16,0 0-16,0 1 0,25-1 16,-25 0-16,24-24 15,-24 24-15,24-24 0,0 0 16,0 0 0,1 0-16,-1-24 0,0 0 15,-24 0-15,0-1 16,0 1-16,0 0 15,-24 0-15,0 0 0,-1 24 16,1-25-16,24 1 16,-48 0-16,48 0 15,24 24 17,0 0-32,-24 24 0,24-24 15,1 0-15,-1 0 0,0 0 16,0 0-16,0-24 15,0 24-15,1 0 16,-25 24 0,0 0-1,0 0-15,0 1 0,-25-1 16,25 0-16,0 24 31,0-23-31,25-25 0,-1 24 16,0-24-16,0 0 15,0 0-15,1 0 0,-1 0 16,24-24-16,-24-1 16,1 1-16,-1 0 15,-24 0-15,0 0 0,0-1 16,-24 1-16,-1 0 0,1 0 16,0 0-16,-24-1 0,23 25 15,-23 0-15,0 0 16,-1 0-16,1 25 0,24-25 15</inkml:trace>
+  <inkml:trace contextRef="#ctx0" brushRef="#br0" timeOffset="12235">1842 4793 0,'0'-24'16,"-24"24"-1,0 0 1,24-24-1,24 24 32,0 0-47,24-25 16,1 25-16,23-24 0,25 0 16,24 0-16,48 0 15,1-1-15,47 1 0,25-24 16,24 0-16,25-1 0,23 1 15,1-25-15,23 25 16,-23-1-16,-25-23 0,0 23 16,-48 1-16,-24 0 15,-25-1-15,-23 1 0,-25 0 16,-48 23-16</inkml:trace>
+  <inkml:trace contextRef="#ctx0" brushRef="#br0" timeOffset="18540">5350 4333 0,'0'-24'31,"0"0"-15,24 24-16,-24 24 78,0 0-78,24 1 0,-24-1 16,24 0-16,-24 24 15,24 1-15,1-1 0,-1 25 16,0-25-16,0 25 0,0-25 16,0 25-16,1-25 15,-1 25-15,0-25 0,-24 0 16,24 1-16,0-1 16,-24-24-16,0 0 0,25 1 15,-25-1-15,0 0 0,24-24 16,-24 24-16,0 0 15,0 1 17,24-25-32,-24 24 31,0-48 16</inkml:trace>
+  <inkml:trace contextRef="#ctx0" brushRef="#br0" timeOffset="19213">6196 4866 0,'0'-25'16,"0"1"-1,24 24-15,-24-24 16,25 24 15,-25 24-31,0 0 16,24 1-16,-24-1 16,0 0-16,24 0 15,-24 0-15,24 1 0,-24-1 16,0 0-16,24 0 15,-24 0-15,25 0 16,-1-48 15,-24 0-31,24 0 0,0 0 16,25-25-16,-1 1 16,0-25-16,1 25 0,-1-25 15,25 25-15,-25 0 0,25-25 16,-25 25-16,25 24 15,-49-1-15,24 1 0,-24 0 16,0 24-16,-48 0 16,0 24-1</inkml:trace>
+  <inkml:trace contextRef="#ctx0" brushRef="#br0" timeOffset="19903">7309 4914 0,'0'-24'16,"24"0"-1,25-1-15,-25 25 16,48-24-16,1 0 16,24 0-16,24 0 0,24-1 15,0 1-15,24 0 0,25 0 16,-1 24-16,1-24 15,-1 24-15,1-25 0,-25 25 16,-24-24-16,-24 24 16,0 0-16,-48-24 0,-1 24 15,-23 0-15,-49-24 16,-24 0 0,-1 24-16,1 0 15,0-24-15,0 24 0,0 0 16</inkml:trace>
+  <inkml:trace contextRef="#ctx0" brushRef="#br0" timeOffset="20179">9776 4382 0,'25'0'16,"-1"0"-1,0 0-15,0 0 16,0 0-16,1 0 16,-1 0-16,0 0 0,24 24 15,-23-24-15,-1 24 0,0-24 16,0 24-16,0 1 16,-24-1-16,0 0 0,0 0 15,-24 0-15,0 25 16,-24-25-16,-1 0 0,1 0 15,-1 25-15,1-25 0</inkml:trace>
+  <inkml:trace contextRef="#ctx0" brushRef="#br0" timeOffset="23365">4817 2688 0,'-24'-24'0,"24"0"16,0 0-16,-24 0 15,24-1 1,24 25 0,0 0-1,1 0-15,-1 0 16,0 0-16,0 0 15,25 0-15,-1 0 0,0 0 16,-24 25-16,25-1 16,-1 0-16,1 0 0,-25 0 15,0 1-15,0 23 16,0 0-16,-24-23 0,0 23 16,0 0-16,25 25 0,-25-25 15,0 1-15,24 23 16,-24-23-16,24 23 0,0 1 15,0-25-15,1 25 16,-1-25-16,0 0 0,0 1 16,0-1-16,-24-24 0,24 1 15,-24-1-15,0 0 16,0 0-16,0 0 31,-24-24-15,0 25-1,0-25-15,0 24 16,0-24-16,-25 24 0,25-24 16,-24 24-16,23-24 0,-23 24 15,24-24-15,24 25 16,-24-25-16</inkml:trace>
+  <inkml:trace contextRef="#ctx0" brushRef="#br0" timeOffset="23759">5688 3317 0,'-24'-24'0,"24"0"15,-24 24-15,24-24 0,0 0 16,24 24-16,0-25 16,0 25-16,1-24 15,23 24-15,0-24 0,25 24 16,0-24-16,23 0 0,25-1 16,0 25-16,24-24 15,-24 0-15,24 0 0,-24 24 16,-24-24-16,0 0 15,0 24-15,-49-25 0,0 25 16,-23 0-16,-1-24 16,-48 24-1,-1-24-15,1 24 16,0 0 0,0 0-16</inkml:trace>
+  <inkml:trace contextRef="#ctx0" brushRef="#br0" timeOffset="24809">7285 1600 0,'0'-24'16,"0"-1"-16,0 1 0,0 48 16,0 1-1,0 23-15,24 0 16,-24 25-16,24 24 0,0-25 15,-24 25-15,25 24 16,23-24-16,-24 24 0,0-24 16,1 23-16,23-23 0,-24 0 15,0 0-15,-24 0 16,24-1-16,-24-23 0,25-1 16,-25-23-16,0-1 15,0 1-15,0-1 0,-25-24 16,25 0-16,0 1 15,0-1-15,25-24 16,-1 0-16,0 0 0,24 0 16,1 0-16,23 0 15,25-24-15,0 24 0,24-25 16,24 1-16,0 0 16,24 0-16,25 24 0,0-24 15,23-1-15,-23 1 0,23 0 16,-23 0-16,-25 0 15,25 24-15,-49-25 0,0 1 16,-24 0-16,0 0 0,-48 24 16,-1-24-16,1-25 15,-49 49-15,-24-24 16,-24 0-16,0 24 0,-25-24 16,1 24-16,24-24 15,-25 24-15,1 0 0,24-25 16,-1 25-16,1-24 15,0 0-15,0 0 0,24 0 16,-24-1-16,0-23 16,-1 0-16,1-25 0,0 0 15,-24 1-15,23-49 0,-23 24 16,0-48-16,-1 24 16,25-24-16,0 24 0,0-24 15,-1 24-15,1 24 16,24 0-16,-24 1 0,24 47 15,-24-23-15,24 23 0,0 25 16,-24 0-16,24 0 16,-24 24-16,-1-24 0,1 24 15,0 0-15,0 0 16,-25 0-16,1 0 0,0 24 16,-1-24-16,1 24 0,-49-24 15,25 24-15,-49 0 16,-25 0-16,1 1 0,-48-1 15,-1 0-15,-23 0 16,-1 0-16,0 1 0,25 23 16,23-24-16,25 0 0,48 1 15,25-1-15,23-24 16,1 24-16,24 0 0,24 0 16,0 1-16,-24-25 15,24 24-15,0 0 0,-25 0 16,1 0-1</inkml:trace>
+  <inkml:trace contextRef="#ctx0" brushRef="#br0" timeOffset="25404">7503 2688 0,'-25'0'0,"25"-24"16,25 24 15,-1 24-31,0-24 16,0 25 0,24-25-16,25 0 0,0 0 15,23 0-15,25 0 16,24-25-16,25 25 0,-1-24 15,25 24-15,-1-24 0,1 0 16,-1 0-16,-23-1 16,-1 1-16,-24 0 0,-24 0 15,-24 24-15,-25-24 0,-23 0 16,-49-1 0,-24 25-16,-1-24 0,-23 24 15,-25 0-15,1 0 16,-1 0-16</inkml:trace>
+  <inkml:trace contextRef="#ctx0" brushRef="#br0" timeOffset="25830">7382 2253 0,'-25'0'16,"1"0"-16,0 0 15,48 0 16,0 0-31,25 0 16,-1 0-16,25 0 0,23-24 16,50 24-16,-1 0 15,24-24-15,0 24 0,25-25 16,-1 1-16,1 0 0,0 0 16,-25 0-16,0-25 15,-24 25-15,0 0 0,-24 0 16,-24 0-16,-24-1 15,-25 1-15,-24 0 0,1 24 16,-50-24-16,1 24 16,-24 0-16</inkml:trace>
+  <inkml:trace contextRef="#ctx0" brushRef="#br0" timeOffset="26195">7962 1527 0,'-24'0'0,"24"-24"15,0 48 1,0 0 0,0 1-16,0-1 15,0 24-15,0-24 16,24 25-16,-24-1 0,0-24 15,24 25-15,-24-25 16,25 0-16,-25 0 0</inkml:trace>
+  <inkml:trace contextRef="#ctx0" brushRef="#br0" timeOffset="26785">8228 1648 0,'0'-24'0,"0"0"15,0 0 1,0 48 15,0 0-15,0 0-16,0 0 16,0 1-1,0-1-15,24-24 31,1 0-15,-25-24 0,0-1-1,0 1-15,-25 0 16,25 0 15,0 0-31,25 24 16,-1-25-16,0 1 0,0 24 15,25-24-15,-1 24 0,-24-24 16,25 24-16,-25 0 0,0 0 16,0 0-16,0 0 15,-24 24-15,0 0 16,0 0-16,0 1 16,-24-1-16,24 0 15,0 0-15,0 0 16,24 1-1,0-25-15,1 0 0,23-25 16,-24 25-16,0-24 16,25 0-16,-25 0 0,0 0 15,-24-1-15,0 1 0,0 0 16,-24 0 0,-24 24-16,23 0 0,-23 0 15,24 0-15,-25 24 16,1 0-16,24 25 0</inkml:trace>
+  <inkml:trace contextRef="#ctx0" brushRef="#br0" timeOffset="27753">8107 2519 0,'-24'-24'16,"24"0"0,0 0-16,0-1 15,24 25 1,0-24-16,1 24 0,-1 0 15,0-24-15,0 24 16,0 0-16,1 0 0,-1 24 16,0-24-16,-24 24 15,0 1-15,-24-1 16,0 0-16,-1 0 0,1 0 16,0 0-16,0-24 15,0 25-15,24-1 0,0 0 16,24-24-1,0 0-15,0 0 16,25-24-16,-1 24 0,0-24 16,1 24-16,-1-25 15,1 1-15,-1 0 0,-24 24 16,24-24-16,-23 0 0,-1 0 16,0 24-16,-24-25 15,0 1-15,0 0 16,-24 24-1,0 0 1,-1 24 0,1-24-16,24 24 15,-24 1-15,0-1 0,24 0 16,-24-24-16,24 24 16,0 0-16,0 0 15,24-24-15,0 0 16,0 0-16,0 0 15,1 0-15,-1-24 16,-24 0 0,24 24-16,-24-24 0,0 0 15,0 0-15,0-1 16,0 1 0,24 0-16,0 24 15,1-24-15,-1 0 16,24 24-16,-24 0 0,1 0 15,-1 0-15,0 0 16,-24 24-16,-24 0 16,0 0-16,24 0 15,-25 1-15,1-1 16,24 0 0,24-24-16,1 0 0,-1 0 15,0 0-15,0 0 16,0-24-16,1 0 0,23 24 15,-24-25-15,0 1 16,0 0-16,-24 0 0,0 0 16,0-1-16,-24 25 15,0 0-15,0 0 0,0 0 16,-25 0-16,1 25 0,24-1 16,-25 0-16</inkml:trace>
+  <inkml:trace contextRef="#ctx0" brushRef="#br0" timeOffset="28554">8373 2979 0,'-24'0'16,"0"0"-1,24-24 1,24-1-16,0 25 16,1-24-16,-1 24 15,0-24-15,24 24 0,-23 0 16,-1 0-16,24 0 0,-24 24 16,-24 0-1,-24 1 1,0-1-1,0-24-15,0 24 0,-1-24 16,1 0-16,24 24 0,24 0 47,1-24-47,-1 0 16,0 0-16,0 0 0,0 0 15,0 0-15,-24 24 0,0 1 16,0-1-1,-24 0 1,24 0-16,-24-24 0,0 24 16,24 1-16,-24-25 0,48-25 47,24 1-32,-24 0-15,1 0 0,-1 0 16,24-1-16,-24 1 15,25 0-15,-25 0 0,0 24 16,0-24-16,1 24 16,-1-24-16,0 24 15,-48 0 1,0 0-16,24 24 16,-25-24-16,1 24 0,24 0 15,-24-24-15,24 24 16,24 0-16,0-24 15,1 0-15,-1 0 16,24 0-16,-24 0 0,25 0 16,-25-24-16,0 24 0,0-24 15,0 24-15,1-24 16,-50 0-16,1 24 16,0-24-16,-24 24 15,-1 0-15,25 0 0,-24 0 16,-1 0-16,25 0 0,0 0 15,0 0-15,0 24 16</inkml:trace>
+  <inkml:trace contextRef="#ctx0" brushRef="#br0" timeOffset="29778">9607 2761 0,'24'0'16,"-48"0"46,0 0-62,0 24 16,0-24-16,24 24 16,-25 1-16,25-1 15,-24 0-15,24 0 16,0 0-16,24 1 16,1-25-16,-1 0 0,0 24 15,0-24-15,0 0 0,0 0 16,1-24-16,-1 24 15,-24-25-15,24 25 0,-24-24 16,-24 0 0,0 0-16,-1 24 15,-23-24-15,24 24 0,0 0 16,0 0-16,-25 0 16,25 0-16,0 0 0,0 0 15,24 24-15,-25-24 16,25 24-16</inkml:trace>
+  <inkml:trace contextRef="#ctx0" brushRef="#br0" timeOffset="30396">7478 2930 0,'-24'0'16,"0"0"-1,0-24-15,0 24 16,24-24 0,24 24-1,0 0-15,0-24 0,0 24 16,25-24-16,23 24 0,25-25 16,24 1-16,24 24 15,24-24-15,25 0 0,24-25 16,-25 25-16,49 0 15,-48 0-15,23 0 0,-47-1 16,-1 1-16,-48 0 0,0 0 16,-48 24-16,72-48 15,-145 23 1,-25 25 0,1 0-1,0 0-15,0 0 0</inkml:trace>
+  <inkml:trace contextRef="#ctx0" brushRef="#br0" timeOffset="30810">7212 2834 0,'-24'0'16,"0"24"-16,0-24 0,48 0 15,0 0 1,24-24-16,1 24 0,48-25 15,24 1-15,24 24 0,24-24 16,49-24-16,-1 23 16,50-23-16,-26 24 0,26-25 15,-1 25-15,-24-24 16,-25 24-16,-23-25 0,-25 25 16,-24 0-16,-48 0 15,0 0-15,-49-1 0,1 25 16,-74 0-1,-23 0-15,0 0 16,-49 0-16</inkml:trace>
+  <inkml:trace contextRef="#ctx0" brushRef="#br0" timeOffset="31200">7261 2785 0,'-25'0'0,"-23"0"0,96 0 31,1 0-15,48-24-16,24 24 15,24-24-15,24 0 0,25-1 16,47-23-16,1 24 0,49-25 16,-25 25-16,0-24 15,-24 24-15,0-25 0,-25 25 16,-47 0-16,-1 0 16,-48 0-16,-24-1 0,-25 25 15,-23-24-15,-25 24 0,0 0 16,-48 0-1,0 0 1,-1 0 0</inkml:trace>
+  <inkml:trace contextRef="#ctx0" brushRef="#br0" timeOffset="34076">11010 2277 0,'-24'0'0,"24"-24"0,-24 24 15,24-24-15,24 24 32,0-24-32,25 24 15,-25 0-15,24 0 16,0 0-16,1 0 0,-1 0 16,1 0-16,-1 0 0,-24 0 15,25 0-15,-25 0 16,0 24-16,0 0 0,-24 0 15,24 0 1,-24 1-16,0 23 0,25-24 16,-25 25-16,24-25 0,-24 24 15,24-24-15,0 25 16,0-1-16,0-24 0,25 0 16,-388 267 109</inkml:trace>
+  <inkml:trace contextRef="#ctx0" brushRef="#br0" timeOffset="34363">11929 2519 0,'-24'0'0,"24"-24"16,24 24 0,25 0-16,-1-24 15,25 24-15,23-24 0,1-1 16,24 25-16,0-24 16,0 0-16,24 0 0,0 0 15,1-1-15,-26 1 16,1 0-16,0 0 0,-24 0 15,0-1-15,-25 25 0,-23-24 16,-1 24-16,-48-24 16,-24 24-1,0 0-15,0-24 16,-1 24-16</inkml:trace>
+  <inkml:trace contextRef="#ctx0" brushRef="#br0" timeOffset="34602">13599 2011 0,'0'-24'16,"24"24"-1,0 0-15,0 0 0,24 0 16,1 0-16,-1 24 0,1 0 15,-1 0-15,0 1 16,1 23-16,-25-24 0,-24 25 16,-24-1-16,-49 0 0,-24 1 15,-24-25-15,-48 24 16</inkml:trace>
+  <inkml:trace contextRef="#ctx0" brushRef="#br0" timeOffset="38666">10647 1527 0,'0'-24'16,"0"0"15,24 0 0,1 24-31,23-24 0,0 24 16,25-25-16,0 25 0,-1-24 16,25 24-16,24-24 15,-24 24-15,-1 0 0,1-24 16,-24 24-16,-1-24 16,1 24-16,-49-25 0,0 25 15,-24-24-15,-24 24 16,-24-24-16,-1 24 15</inkml:trace>
+  <inkml:trace contextRef="#ctx0" brushRef="#br0" timeOffset="38904">11397 1140 0,'24'-24'16,"-24"0"-16,25 24 15,-25-24 1,24 24-1,0 24 1,0 0 0,0 0-16,25 0 0,-1 1 15,0 23-15,-23-24 0,23 0 16,0 25-16,-48-25 16,0 0-16,0 0 0,-48 1 15,24-1-15,-25 0 16,-23 0-16</inkml:trace>
+  <inkml:trace contextRef="#ctx0" brushRef="#br0" timeOffset="39854">11954 487 0,'0'-72'15,"0"47"-15,0 1 16,0 0-16,24 48 31,-24 0-15,0 1-16,0-1 0,24 0 15,-24 24-15,24 25 16,-24-25-16,24 25 0,-24-1 16,25 1-16,-1 0 15,-24 23-15,24-23 0,0-1 16,0 1-16,-24 0 16,24-1-16,1-23 0,-25 23 15,24-48-15,-24 25 0,0-25 16,0 0-16,24 0 15,-24 0-15,24-24 16,0 0-16,1 0 16,23-24-16,0 24 15,1 0-15,23-24 0,1 24 16,24-24-16,-1 24 16,1 0-16,24 0 0,0-24 15,0 24-15,0 0 0,24-25 16,-24 25-16,0 0 15,0-24-15,-24 24 0,0 0 16,-25-24-16,-24 24 16,-23 0-16,-1-24 0,-24 0 15,-24 0-15,-1 24 16,1-25-16,-24 1 16,24 24-16,-25-24 15,25 0-15,0 0 0,0-1 16,24 1-16,-24 0 0,24-24 15,0 23-15,24-23 0,-24-25 16,24 25-16,0-24 16,-24-1-16,24-24 0,-24 25 15,25-25-15,-25 24 16,24-23-16,-24 23 0,0 0 16,0 25-16,0-25 0,-24 49 15,-1-24-15,1 24 16,0 24-16,-24-25 0,23 25 15,-23-24-15,0 24 0,-1 0 16,-23 0-16,23 0 16,-23 0-16,-1 0 0,-24 0 15,1 0-15,-1 0 16,-24 0-16,0 0 0,-24 24 16,24-24-16,0 25 0,-24-25 15,48 24-15,-24 0 16,24 0-16,25 0 0,-1 25 15,25-25-15,24 0 16,-25 0-16,25 1 0,24-1 16,0 0-16,0 0 0,0 0 15,0 1-15,24-25 16</inkml:trace>
+  <inkml:trace contextRef="#ctx0" brushRef="#br0" timeOffset="40200">11760 898 0,'24'25'0,"0"-25"16,1 0-16,23-25 15,25 25-15,-1-24 0,1 24 16,23-24-16,1 24 0,24-24 16,0 24-16,24-24 15,-24-1-15,24 25 0,1-24 16,-26 0-16,26 24 16,-25-24-16,0 24 0,-25-24 15,1 24-15,-24-25 0,-1 25 16,-23 0-16,-1-24 15,-72 24 1,0 24 0,-1-24-16</inkml:trace>
+  <inkml:trace contextRef="#ctx0" brushRef="#br0" timeOffset="40890">12752 1116 0,'0'-24'0,"-24"0"16,24-1-1,0 1 1,24 24 0,-24 24-1,24-24-15,0 25 16,-24-1-16,24-24 0,-24 24 16,0 0-16,0 0 15,0 1-15,-24-25 0,0 24 16,0 0-16,24 0 15,-24-24-15,-1 24 0,1-24 32,24 25-32,24-25 15,1 0-15,-1 0 16,0 0-16,0 0 16,0-25-16,25 25 0,-25 0 15,24-24-15</inkml:trace>
+  <inkml:trace contextRef="#ctx0" brushRef="#br0" timeOffset="41460">13066 1189 0,'0'-25'0,"0"1"16,-24 24-1,0 0-15,0 0 16,0 0 0,24 24-1,0 1 1,0-1-1,24-24 1,0 24 0,0-24-1,0-24 1,1 0 0,-1 24-16,0-25 15,0 1 1,-24 0 15,24 24 0,0 0-15,1 24-16,-1-24 16,0 0-16,0 24 15,0-24-15,-24 25 0,25-25 16,-25 24-16,24-24 15,-24 24 1,24-24 0,0 0-1,0 0 1,1-24-16,-25 0 0,24 24 16,0-25-16,0 1 15,-24 0-15,0 0 16,-24 0-16,0 24 0,-25-25 15,1 25-15,0 0 16,-1 0-16,1 0 0,-1 0 16,1 0-16,0 0 15</inkml:trace>
+  <inkml:trace contextRef="#ctx0" brushRef="#br0" timeOffset="41820">12631 390 0,'0'-24'15,"-24"0"-15,24 0 16,0 0 0,0 48 31,0 0-47,24 0 0,-24 0 15,0 25-15,24-25 16,-24 0-16,0 0 0,0 0 15,0 1-15,0-1 0</inkml:trace>
+  <inkml:trace contextRef="#ctx0" brushRef="#br0" timeOffset="42402">12776 439 0,'24'0'0,"-24"-24"15,0-1-15,24 1 16,-24 0-16,-24 24 31,0 24-15,24 0-16,-24 1 0,24-1 15,0 0 1,0 0-16,0 0 0,24-24 16,0 0-16,0 24 0,1-24 15,-1 0-15,0 0 16,0 0-16,0 0 0,-24-24 15,25 24-15,-25-24 16,-25 24-16,1-24 16,0 24-1,24-24 1,24 0 0,0 24-1,1 0-15,-1-25 0,0 25 16,0-24-16,0 24 0,1 0 15,-1 0-15,0 0 16,-24 24-16,0 1 16,0-1-1,0 0-15,0 0 16,0 0-16,0 0 16,24-24-1,0 0-15,0 25 16,1-25-16,-1 0 15,0 0-15,0-25 0,0 25 16,-24-24-16,25 24 0,-25-24 16,24 0-16,-24 0 15,0 0-15,-24-1 0,-1 1 16,1 0-16,0 0 16,0 24-16,-25 0 0,25 0 15,0 0-15,-24 24 16,24 24-16</inkml:trace>
+  <inkml:trace contextRef="#ctx0" brushRef="#br0" timeOffset="43740">11712 1043 0,'0'-24'16,"0"0"-16,0 0 15,24 24-15,24-24 16,1 24 0,-1-24-16,49 24 0,0-25 15,23 25-15,26-24 0,-1 0 16,24 0-16,0 0 15,1-1-15,-1 25 0,0-24 16,-23 0-16,-25 24 16,-1-24-16,-47 24 0,0 0 15,-25 0-15,-24-24 16,-48 24-16,-24 0 16,-1 0-16,-23 0 0,-49 24 15,24-24-15,-48 0 0,-25 24 16,25-24-16,-24 24 15,-25-24-15,25 24 0,0 1 16,-1-1-16,1 0 16,48 0-16,-24 0 0,48 1 15,25-1-15,-1 0 16,25-24-16,-1 24 16,74-24-16,23 0 15,25 0-15,23 0 16,1 0-16,48-24 0,0 24 15,25-24-15,23 0 16,1-1-16,-1 1 0,1 0 16,-1 0-16,-23 0 0,-1-1 15,0 1-15,-48 24 16,0-24-16,-24 0 0,-24 24 16,-25-24-16,0 24 15,-72 0-15,-24 0 16,-25 0-16,-24 0 0,-24 0 15,-24 24-15,0-24 16,-24 24-16,-1-24 0,1 24 16,24-24-16,24 24 15,24 1-15,25-25 0,23 24 16,25-24-16,48 0 0,25 0 16,23 0-16,49 0 15,0 0-15,0 0 0,24-24 16,0-1-16,1 25 15,-25-24-15,-1 0 0,-47 24 16,0-24-16,-25 24 0,-24-24 16,-48-1-1,0 25-15,-25 0 0,-23 0 16,23 0-16,1 0 0</inkml:trace>
+  <inkml:trace contextRef="#ctx0" brushRef="#br0" timeOffset="46046">14590 463 0,'25'0'31,"-1"0"-16,0 24-15,0 0 0,24 0 16,1 1-16,-1 23 0,1 0 16,-1 1-16,25-1 15,-25 1-15,0-1 0,1 0 16,-1 1-16,0-1 16,-23-24-16,23 25 0,-24-25 15,0 0-15,1 0 16,-25-48-1</inkml:trace>
+  <inkml:trace contextRef="#ctx0" brushRef="#br0" timeOffset="46295">15316 535 0,'-24'-24'16,"0"24"-16,-1 24 15,1 1 1,24-1-16,-24 24 16,0-24-16,0 25 0,0-1 15,-1 1-15,1-1 0,0 25 16,0-25-16,0 0 16,-1 1-16,1-1 0,0 0 15,0-23-15,24-1 16,-24 0-16,24 0 0</inkml:trace>
+  <inkml:trace contextRef="#ctx0" brushRef="#br0" timeOffset="46830">15268 3 0,'-49'0'15,"1"0"-15,0 0 16,-49 0-16,24 0 0,-24 24 16,1 1-16,-1-1 0,24 0 15,-23 24-15,47-23 16,-23 23-16,23 0 0,25 25 15,-24-25-15,23 25 16,25-1-16,-24 1 0,24 0 16,0 23-16,24-23 15,1 0-15,-1 23 0,24-23 16,-24-1-16,49-23 0,-25 23 16,25-23-16,0-1 15,-1 1-15,1-25 0,23 0 16,-23 0-16,24-24 0,-25 0 15,25-24-15,-24 0 16,23-25-16,-23 1 0,0 0 16,-1-25-16,1 0 15,-25-23-15,-24-1 0,25 0 16,-49-24-16,0 24 16,0 1-16,0-1 0,0 0 15,-49 25-15,25 23 0,0 1 16,-24 24-16,-1-1 15,1 1-15,-25 24 0,25 0 16,-1 0-16,-23 0 0,23 24 16,1-24-16</inkml:trace>
+</inkml:ink>
+</file>
+
+<file path=ppt/ink/ink52.xml><?xml version="1.0" encoding="utf-8"?>
+<inkml:ink xmlns:inkml="http://www.w3.org/2003/InkML">
+  <inkml:definitions>
+    <inkml:context xml:id="ctx0">
+      <inkml:inkSource xml:id="inkSrc0">
+        <inkml:traceFormat>
+          <inkml:channel name="X" type="integer" max="1920" units="cm"/>
+          <inkml:channel name="Y" type="integer" max="1080" units="cm"/>
+          <inkml:channel name="T" type="integer" max="2.14748E9" units="dev"/>
+        </inkml:traceFormat>
+        <inkml:channelProperties>
+          <inkml:channelProperty channel="X" name="resolution" value="55.81395" units="1/cm"/>
+          <inkml:channelProperty channel="Y" name="resolution" value="55.6701" units="1/cm"/>
+          <inkml:channelProperty channel="T" name="resolution" value="1" units="1/dev"/>
+        </inkml:channelProperties>
+      </inkml:inkSource>
+      <inkml:timestamp xml:id="ts0" timeString="2021-10-21T08:10:13.311"/>
+    </inkml:context>
+    <inkml:brush xml:id="br0">
+      <inkml:brushProperty name="width" value="0.05" units="cm"/>
+      <inkml:brushProperty name="height" value="0.05" units="cm"/>
+      <inkml:brushProperty name="fitToCurve" value="1"/>
+    </inkml:brush>
+  </inkml:definitions>
+  <inkml:trace contextRef="#ctx0" brushRef="#br0">9865 8737 0,'0'-24'16,"0"-1"-16,0 1 0,-24 0 15,24 0-15,0 48 32,0 0-32,24 25 0,-24-1 15,0 0-15,24 25 16,0 48-16,-24-73 15,0 25-15,0-25 0,24-24 16,-24 1-16</inkml:trace>
+  <inkml:trace contextRef="#ctx0" brushRef="#br0" timeOffset="265">9695 8930 0,'-24'-48'16,"0"0"-16,0-1 0,0 1 15,24-1-15,0 1 0,24 24 16,24 0-16,1-1 16,-1 25-16,25 0 0,-1 0 15,-23 25-15,23-1 16,1 24-16,-25 1 0,0 23 16,-23-23-16,-25 23 0,0-24 15,-25 25-15,1-25 16,-97 73-16,49-96 15,-1 23-15,25-24 16,-25 0-16,1-24 0,23 0 16,1 0-16</inkml:trace>
+  <inkml:trace contextRef="#ctx0" brushRef="#br0" timeOffset="582">10518 8713 0,'73'-73'16,"-49"49"-1,-24 0-15,0-25 0,24 25 16,-24 0-16,0 0 16,-24 24-1,24 24-15,-24 0 16,24 0-16,-25 0 15,1 25-15,0-1 0,24 1 16,-24-1-16,24 0 0,0 1 16,0-25-16,0 24 15,24 1-15,-24-25 0,48 24 16,-23-24-16,-1 1 16,0-25-16,0 24 0,24-24 15,-23 0-15,-1-24 0</inkml:trace>
+  <inkml:trace contextRef="#ctx0" brushRef="#br0" timeOffset="745">10639 8761 0,'-24'0'0,"0"0"16,-1 0-16,1 0 16,48 0-1,1 0 1,23-24-16,-24 24 15,24-24-15,1-1 0,-25 25 16</inkml:trace>
+  <inkml:trace contextRef="#ctx0" brushRef="#br0" timeOffset="1086">11002 8471 0,'0'-25'0,"0"1"0,0 0 15,-24 24 1,24 24-1,0 0-15,0 1 16,24-1-16,-24 24 16,24 1-16,-24-1 0,24 25 15,-24-25-15,24 0 16,-24-23-16,25 23 0,-1-24 16,-24 0-16,24 0 15,0-24 1,0-24-16,0 24 0,1-48 0,-1 0 15,0-1-15,0 1 16,0-25-16,1 1 0,-1-1 16,24-48-1,-24 73-15,-24-1 0,0 25 16,-24 48 0,0 1-1,0 23-15,24-24 0,-49 24 16</inkml:trace>
+  <inkml:trace contextRef="#ctx0" brushRef="#br0" timeOffset="-1211">7252 9269 0,'0'-24'15,"-24"24"1,24-24-16,0 48 16,0 0-1,0 0 1,0 97-16,-24-24 16,24-49-1,0 1-15,0-25 0,0 24 16,0 1-16,0-25 15,0-48 1,0-1 0,0 1-16,0-24 0,0-1 15,0 1-15,24 0 16,-24-25-16,0 25 0,24-25 16,0 25-16,-24 24 0,25-25 15,-1 49 1,0 0-16,-24 24 0,24 25 15,0-25-15,1 24 16,-1 1-16,0-1 0,0 0 16,0-23-16,1 23 0,-1-24 15,0-24-15,0 24 16,0-24-16,0 0 0,-24-24 16,25 24-16,-25-24 0,24-24 15,-24-1-15,0 1 16,0 0-16,0-25 15,0 0-15,0 25 0,0 0 16,0-1-16,0 1 0,0 72 31,0 0-15</inkml:trace>
+  <inkml:trace contextRef="#ctx0" brushRef="#br0" timeOffset="-938">8220 9075 0,'0'-48'16,"0"24"-16,-24 0 0,-1 24 16,1 0-16,0 0 0,0 24 15,0 0-15,0 0 0,-25 0 16,25 25-1,24-25-15,-24 24 0,24 1 0,0-1 16,0-24-16,0 25 0,24-25 16,0 24-16,0-24 15,1 1-15,-1-1 0,0 0 16,0-24-16,24 24 16,-23-24-16</inkml:trace>
+  <inkml:trace contextRef="#ctx0" brushRef="#br0" timeOffset="-783">7881 9293 0,'-48'0'15,"24"0"-15,-1 0 0,50 24 16,-1-24 0,0 0-16,0 0 0,25 0 15,-1 0-15,0 0 16,1-24-16</inkml:trace>
+  <inkml:trace contextRef="#ctx0" brushRef="#br0" timeOffset="-240">8534 9027 0,'0'-24'0,"0"0"16,0-1-1,0 50 1,0-1-16,0 0 15,0 0-15,0 25 16,0-25-16,0 24 0,0 1 16,0 23-16,0-48 0,25 25 15,-25-1-15,24-24 16,-24 25-16,24-49 0,-24 48 16,24-48-1,0 0-15,-24-24 0,24 0 16,-24-1-16,25-23 0,-1 0 15,0-1-15,-24 1 16,24 0-16,-24-1 0,24 1 16,-24 24-16,0-1 0,25 1 15,-25 48 1,24 1-16,-24-1 16,0 0-16,24 0 15,0 0-15,-24 25 0,24-25 16,-24 0-16,25 0 0,-1-24 15,0 25-15,0-25 16,0-25 0,1-23-16,-1 24 15,0-25-15,-24 1 0,0 0 16,0-1-16,0 1 0,0-1 16,0 1-16,-24 0 15,24 24-15,-24-1 16,24 1-16,0 48 15,0 1 1,0-1-16,24 0 0,-24 0 16</inkml:trace>
+  <inkml:trace contextRef="#ctx0" brushRef="#br0" timeOffset="-2542">5486 9414 0,'0'-24'15,"25"48"1,-25 24 0,0-23-1,0 23-15,0 25 0,0-1 16,0 1-16,0-1 0,-25 1 16,1-1-16,0-23 15,24 23-15,-24-23 0</inkml:trace>
+  <inkml:trace contextRef="#ctx0" brushRef="#br0" timeOffset="-2178">5317 9559 0,'0'-48'0,"0"24"15,-24-1-15,48 50 31,0-1-31,0 0 0,25 0 16,-1 25-16,1-1 16,-1 0-16,0-23 0,1 23 15,23 0-15,-23-23 0,-1 23 16,-24-24-16,25 0 16,-25-24-16,0 24 0,0-24 15,-24-24 1,24 0-16,-24 0 0,0-24 15,25-1-15,-25-23 0,0-1 16,0 0-16,0 1 16,0-1-16,-25 1 0,25 23 15,0 1-15,0 24 16,0 0-16,-24 24 0,24 24 16,0 0-16,0 24 15</inkml:trace>
+  <inkml:trace contextRef="#ctx0" brushRef="#br0" timeOffset="-1801">6381 9487 0,'25'24'15,"-25"0"1,-25-24-1,25 24-15,-24 0 0,0 1 16,24-1-16,0 0 0,-24 49 16,24-49-16,0 0 15,0 0-15,0 0 16,24-24-16,0 25 16,0-25-16,1 0 15,-1 0-15,0-25 0,0 1 16,0 0-16,-24 0 15,0 0-15,0-25 0,-24 25 16,0-24-16,0 23 0,0 1 16,-1 0-16,-23 24 15,24 0-15,0 0 0,-1 0 16,1 0-16,0 24 0,24 0 16,0 1-16,0-1 15,0 0-15</inkml:trace>
+  <inkml:trace contextRef="#ctx0" brushRef="#br0" timeOffset="-38661">9454 391 0,'24'0'16,"0"0"0,0-24-16,0 24 15,1-24 1,-1 24 15,-24 24-31,24 0 16,-24 0-16,0 25 15,0-1 1,0 0-16,24 73 16,-24 0-1,0-72-15,0 23 0,0-23 0,-24-1 16</inkml:trace>
+  <inkml:trace contextRef="#ctx0" brushRef="#br0" timeOffset="-38333">9115 464 0,'-73'-97'15,"73"73"1,0-1-16,49 1 0,23 24 0,1-24 16,-1 24-16,49 0 15,-24 0-15,0 0 0,24 24 16,-24 0-16,-25 25 16,1-1-16,-25 1 0,1 96 15,-49-48 1,-25-25-16,1 1 0,0-1 15,-49-23-15,25 23 0,-25-23 16,1-25-16,-1 24 16,1-24-16,-1 1 0,1-25 15,23 24-15,25-24 0,0 0 16</inkml:trace>
+  <inkml:trace contextRef="#ctx0" brushRef="#br0" timeOffset="-37925">10397 851 0,'-24'0'15,"24"-25"-15,24 25 31,0 0-15,0 0-16,1 0 0,-1 0 16,24-24-16,-24 24 0,1 0 15,-1-24-15,0 24 16,0-24-16,-24 0 0,24 0 16,-24-1-1,0 1-15,0 0 0,-24 0 16,0 24-16,-24-24 15,23 24-15,-23 0 16,0 24-16,-25 24 16,25-24-16,23 25 0,1-25 15,24 24-15,0-24 0,0 1 16,0 23-16,24-24 0,25 0 16,-25 1-16,24-25 15,1 24-15</inkml:trace>
+  <inkml:trace contextRef="#ctx0" brushRef="#br0" timeOffset="-37571">10857 657 0,'0'-24'16,"0"0"-16,0 0 0,0-1 15,0 50-15,24-25 16,-24 24-1,24 24-15,0-24 0,0 25 0,-24-1 16,49 0-16,-49 1 16,24-1-16,0-24 0,0 1 15,-24-1-15,0 0 0,25 0 16,-1-24 0,-24-24-16,24 0 15,-24 0-15,24-25 16,-24 1-16,24 24 0,-24-25 15,24 25-15,-24-24 0,0 24 16,25 24-16,-25-25 16,24 25-1,0 0 1,0 0-16</inkml:trace>
+  <inkml:trace contextRef="#ctx0" brushRef="#br0" timeOffset="-36888">11994 367 0,'0'-24'0,"0"-1"15,0 1-15,0 0 16,-25-24-1,1 24-15,-24-25 16,-1 25-16,1 0 0,-194-25 16,121 25-1,0 24-15,-24 0 0,-24-24 16,24 24-16,-49 0 0,1 0 16,-1 0-16,-24 0 0,1 24 15,23 0-15,-24-24 16,-169 73-1,218-49-15,24 25 0,24-1 16,-97 73-16,146-73 16,-1 25-16,-24 72 15,73-72-15,24-1 16,0 1-16,0 23 0,24-23 16,25 0-16,-1-1 15,0 1-15,25-1 0,0 1 16,-1-25-16,25 25 0,0-25 15,-1-24-15,1 25 16,24-25-16,0 0 0,24 0 16,0 1-16,25-25 15,23 0-15,-23 0 0,23-25 16,1 25-16,-1-24 16,1 0-16,-1-24 0,-23 23 15,-1-23-15,-24 24 0,0-49 16,-24 25-16,0-25 15,0 1-15,-48-1 0,23 1 16,-47-25-16,23 24 16,-48-24-16,1 25 0,-1-1 15,-24 1-15,-24 23 0,-1 1 16,-23 0-16,0-1 16,-25 1-16,-96-25 15,72 49 1,0 0-16,-24 0 0,25 0 0,-1-1 15,0 25-15,0 0 0</inkml:trace>
+  <inkml:trace contextRef="#ctx0" brushRef="#br0" timeOffset="-35537">12864 778 0,'0'-48'16,"25"24"-1,-25 48 32,0 0-47,0 0 16,0 24-1,0-23-15,0 23 0,0-24 16,48 49-16,-48-49 16,24 0-16,0-24 0,1 24 15,-1-24-15,24 0 16,-24 0-16,1 0 0,-1-24 16,0 0-16,0 24 0,-24-24 15,24 0-15,-24-25 16,24 25-16,-24 0 0,0-25 15,0 25-15,0 0 16,25 48 0,-25 0-16,0 1 15,24 23-15,-24-24 16,24 49-16,-24-25 0,24 1 16,0-1-16,1 0 15,-25-23-15,24 23 0,0-24 16</inkml:trace>
+  <inkml:trace contextRef="#ctx0" brushRef="#br0" timeOffset="-35197">13711 923 0,'0'-24'0,"24"0"15,-24 0-15,0-1 16,0 50-1,0-1-15,0 0 16,0 0-16,0 0 0,0 1 16,0 23-16,0-24 15,0 0-15,24 25 0,-24-25 16,25 0-16,-25 0 16,24-24-16,0 0 0,0 0 15,0 0-15,1 0 0,-1-24 16,0 0-16,0 0 15,0-25-15,1 1 0,-25 0 16,0-1-16,0 1 0,0-1 16,-25 25-16,1-24 15,-24 24-15,-1 24 0,1 0 16,0 0-16,-1 24 16</inkml:trace>
+  <inkml:trace contextRef="#ctx0" brushRef="#br0" timeOffset="-33361">8631 1528 0,'-24'0'16,"24"-24"-1,-24 24 1,0 0 0,-1 0-16,-23 0 15,24 0-15,-25 24 0,1-24 16,0 0-16,-25 24 16,-24-24-16,25 24 0,-49-24 15,0 0-15,0 25 16,-145-25-16,121 0 15,-1 0-15,1 0 0,0 0 16,24 0-16,0 0 16,25 24-16,-1-24 0,24 0 15,25 0-15,-1 0 16,25 0-16,0 0 0,0 0 16,24 24-16,-24-24 31,24 24-31,0 0 15,0 1 1,-25-1-16,1 0 16,0 0-1,0 0 1,0 0-16,0-24 0,-1 25 16,1-25-16,0 24 15,0 0-15,-25 0 0,25 0 16,0 1-16,-24-1 15,-1 24-15,25 25 0,-24-25 16,-1 49-16,1-25 0,0 25 16,-1 0-16,1 0 0,-1 0 15,1-25-15,24 25 16,0-25-16,-1 1 0,25 0 16,-24-1-16,24 1 15,0-25-15,0 0 0,24 1 16,-24-25-16,0 24 15,25-23-15,-25-1 16,24-24-16</inkml:trace>
+  <inkml:trace contextRef="#ctx0" brushRef="#br0" timeOffset="-32820">4688 4141 0,'0'-25'16,"0"1"0,0 0-16,-24 24 15,24-24-15,-24 0 16,-1 24 0,1 24-16,0 0 0,-24 0 15,24 25-15,-25-1 16,1 0-16,-1 1 15,25 23-15,-24 1 0,48-25 16,0 25-16,0-25 0,0 1 16,24-1-16,24-24 0,1 0 15,-1 1-15,1-1 16,23-24-16,-24 0 0,25 0 16</inkml:trace>
+  <inkml:trace contextRef="#ctx0" brushRef="#br0" timeOffset="-32662">4664 4552 0,'-49'-24'0,"25"-1"16,-24 25-16,24 0 0,0-24 15,48 24 17,0-24-32,24 24 15,-24 0-15,25 0 0,-1-24 16</inkml:trace>
+  <inkml:trace contextRef="#ctx0" brushRef="#br0" timeOffset="-32375">5511 4165 0,'24'-24'0,"0"-1"16,-24 1-16,-24 0 15,-49 0 1,25 24-16,-1 0 16,1 24-16,0-24 0,-1 24 15,1 25-15,24-25 0,-1 24 16,1 1-16,0-25 16,0 24-16,24 0 0,0-23 15,0-1-15,24 24 0,0-24 16,0-24-16,25 25 15,-1-1-15,1-24 0,23 0 16,1 0-16</inkml:trace>
+  <inkml:trace contextRef="#ctx0" brushRef="#br0" timeOffset="-32117">6285 4092 0,'48'-72'15,"-48"47"-15,-24 1 0,0 24 16,-1 0-16,1 0 16,-24 24-16,-1-24 0,1 25 15,0-1-15,24 0 16,-25 0-16,25 25 0,0-25 16,0 24-16,24 25 15,0-49 1,0 24-16,24-24 0,24 1 0,1-1 15,-1 0-15,24-24 16,1 0-16,0 0 0,23 0 16</inkml:trace>
+  <inkml:trace contextRef="#ctx0" brushRef="#br0" timeOffset="-31596">7107 3633 0,'-48'-97'15,"24"48"-15,-1 25 16,-23-24-16,-25 24 0,1-1 16,-25 25-16,-24-24 0,0 24 15,-48 0-15,-25 0 16,1 24-16,-25 1 0,0-1 16,1 0-16,-1 0 15,24 0-15,1 25 0,-1-1 16,-96 49-1,169-24-15,0-1 0,24 25 16,25 0-16,23-1 0,1 1 16,0 24-16,48-24 15,0 0-15,24-1 0,24 1 16,1-24-16,23-1 0,25 25 16,24-49-16,0 25 15,24-25-15,0 1 0,24-1 16,25-24-16,0 1 15,23-25-15,1 0 0,0-25 16,-1 1-16,25 0 0,-24-24 16,0-1-16,-25-23 15,-23-1-15,-1 0 16,-24-23-16,-24-1 16,-24 0-16,-25-24 0,25-96 15,-97 120-15,-24 0 16,0 0-16,-25 0 0,-23 25 15,-25-1-15,-24 25 0,0 0 16,-24-1-16,-24 1 16,-1 24-16,1-1 0,0 25 15,-1 0-15</inkml:trace>
+  <inkml:trace contextRef="#ctx0" brushRef="#br0" timeOffset="-30350">769 2786 0,'0'-24'16,"-24"48"0,24 0-1,0 24 1,0-23-16,24 96 15,0-25 1,1-23-16,-25-25 0,24 1 16,0-1-16,-24 0 0,24-23 15,-24-1-15,0 0 16,24-24-16,-24 24 0,-24-48 16,24 0-1,-24 0-15,0-25 16,0 1-16,-1-25 15,1 1-15,0-1 0,0 1 16,0-25-16,-1 24 0,1-23 16,24 23-16,0 0 15,0 25-15,24-25 0,1 49 16,-1-24-16,24 24 0,1 24 16,-1-25-16,0 25 15,25 0-15,-25 25 0,1-1 16,-1 0-16,0 0 0,-23 0 15,-1 25-15,-24-1 16,24 1-16,-24-1 0,-24-24 16,0 25-16,-1-1 15,1-24-15,0 0 0,0 0 16,-25 1-16,25-1 0,0-24 16,0 24-16,0-24 15,24 24-15,24-24 31,0 24-31,24-24 0,1 0 16,-1 25-16,1-25 16,-1 24-16,0-24 0,1 24 15,-1 0-15,-24-24 0,1 24 16,-25 1-16,0-1 16,0 0-16,-25 0 0,-23 25 15,0-25-15,-1 0 16,1 0-16,-1 0 0,1 0 15,0-24-15,-1 25 0,25-25 16,0 0-16,0 0 0,0-25 16,24 1-1</inkml:trace>
+  <inkml:trace contextRef="#ctx0" brushRef="#br0" timeOffset="-29795">1664 2834 0,'-24'-24'15,"24"48"32,0 0-47,0 1 16,0-1-16,24 0 0,-24 0 16,0 0-16,24 1 15,-24-1-15,0 0 0,25 0 16,-25 0-16,0-48 31,0 0-15,0 0-16,0-25 15,0 25-15,0-24 16,0-1-16,0 1 0,24 0 16,-24-1-16,24 1 15,0 24-15,0-25 0,1 25 16,-1 0-16,0 24 15,0 0-15,25 24 0,-25 0 16,24 1-16,-24 23 16,0-24-16,25 25 0,-25-1 15,0 0-15,0 1 0,1-1 16,-25-24-16,24 0 0,-24 25 16,0-25-16,0 0 15</inkml:trace>
+  <inkml:trace contextRef="#ctx0" brushRef="#br0" timeOffset="-29619">1882 2931 0,'-24'-24'31,"48"0"-31,0 24 16,0-25-16,25 25 15,-1-24-15,0 24 0,1-24 16,-1 0-16,1 24 16</inkml:trace>
+  <inkml:trace contextRef="#ctx0" brushRef="#br0" timeOffset="-29000">2269 2060 0,'0'-24'16,"0"0"-16,-24 24 0,24-24 15,24 24 17,0 0-32,0 24 0,1 0 15,-1 0-15,24 0 16,-24 1-16,25 23 0,-25-24 16,24 0-16,-24 1 0,25-1 15,-25 0-15,0 0 16,0-24-1,1 0-15,-1-24 16,-24 0-16,0 0 0,24-1 16,-24-23-16,0 24 0,0-25 15,0 1-15,24 24 16,-24-25-16,0 25 0,0 0 16,0 0-16,0 48 31,-24 0-31,24 25 0,0-1 15,0 0-15,0 1 16,0 23-16,24 1 0,-24-1 16,24 1-16,-24 0 15,25-1-15,-25-23 0,0-1 16,24 25-16,-24-49 0,0 24 16,24-24-1,-24 25-15,0-25 16,0 0-16,0 0 15,-24-24 1</inkml:trace>
+  <inkml:trace contextRef="#ctx0" brushRef="#br0" timeOffset="-26842">382 4987 0,'-72'0'0,"23"0"16,25 0-16,-24 0 16,23 0-16,-47 24 15,48 1-15,-1-1 0,1 24 16,24-24-16,-24 25 0,24-25 15,0 24-15,24-23 16,-24-1-16,24 0 0,1-24 16,-1 0-16,24 0 15,-24-24-15,25 0 16,-25-25-16,24 25 0,1-24 16,-25-1-16,0 1 15,0 24-15,-24-25 0,0 25 16,0-24-16,-24 23 15,0 25-15,0-24 0,0 24 16,-25 0-16,25 0 0,-24 0 16,23 24-16,1 1 15,0-25-15,24 24 0</inkml:trace>
+  <inkml:trace contextRef="#ctx0" brushRef="#br0" timeOffset="-26395">164 5278 0,'0'24'15,"0"0"17,0 0-32,0 0 0,-24 25 15,24-25-15,-24 24 16,24 1-16,-24-1 0,0 0 15,24-23-15,-25-1 0,25 24 16,0-24 0,25-24-1,-1 0-15,0-24 16,24 24-16,-23-24 16,23 24-16,0-24 0,1 24 15,-1-24-15,-24 24 16,49-25-16,-49 1 15,0 0-15,-24 0 16,0 0-16,0-1 16,-24 1-16,24 0 0,-24-24 15,0 23-15,0 1 16,-1 0-16,1 0 0,0 24 16,0 0-16,0 0 0,-1 0 15,1 24 1,24 0-1,0 0-15</inkml:trace>
+  <inkml:trace contextRef="#ctx0" brushRef="#br0" timeOffset="-25953">285 6173 0,'0'-25'15,"0"1"1,25 24-16,-25-24 16,-25 48 15,1-24-31,0 24 15,24 1-15,-24-1 0,0 0 16,24 24-16,-25-23 0,25-1 16,0 0-16,0 0 15,25 0-15,-1-24 16,0 24-16,0-24 16,25 0-16,-25 0 0,24-24 15,1 24-15,-25-24 16,0 24-16,24-48 15,-24-1-15,-24 25 16,-24 0-16,0 0 0,0 0 16,0-1-16,0 1 15,-1 24-15,1-24 0,0 24 16,0 0-16</inkml:trace>
+  <inkml:trace contextRef="#ctx0" brushRef="#br0" timeOffset="-25469">406 6318 0,'0'24'16,"-24"0"0,24 0-1,-24-24-15,24 24 16,-24 1-16,0 47 15,-25-23 1,49-25-16,0 0 0,-24 0 16,24 0-16,0 1 0,0-1 15,24 0 1,0 0 0,1-24-16,23 24 15,-24-24-15,0 0 16,1 0-16,23-24 0,-24 24 15,24-24-15,-23 24 16,-1-24-16,0 24 0,0-24 16,-24-1-16,0 1 15,0 0-15,0 0 16,-24 0-16,0-1 0,24 1 16,-24 0-16,-1 24 15,1-24-15,0 24 0,0 0 16,0 0-16,0 0 15,-1 0-15,1 24 0,0-24 16,24 24 0</inkml:trace>
+  <inkml:trace contextRef="#ctx0" brushRef="#br0" timeOffset="-24958">890 6173 0,'-24'0'15,"0"0"-15,24-25 16,24 1 0,0 24-16,25-24 15,-1 0-15,0 0 0,49-25 16,0 25-16,24-24 16,0-1-16,24 1 0,0 0 15,24-1-15,-24 1 16,1-1-16,-25 1 0,-25 0 15,1 23-15,-24 1 0,-25 0 16,0 0-16,-48 0 16,-24 24 15,0 0-31</inkml:trace>
+  <inkml:trace contextRef="#ctx0" brushRef="#br0" timeOffset="-24663">2100 5374 0,'-25'0'16,"25"-24"-16,25 0 15,23 24 1,-24 0-16,25-24 15,-1 24-15,25 0 0,-25 0 16,25-24-16,-25 24 0,0 0 16,1 0-16,-25 24 0,0-24 15,0 24-15,0 24 16,-24-24-16,0 25 0,-24-25 16,0 24-16,0 1 15,0-1-15,-1 1 0,1-25 16</inkml:trace>
+  <inkml:trace contextRef="#ctx0" brushRef="#br0" timeOffset="-24314">793 5108 0,'-24'-24'16,"24"0"-16,24 24 0,25 0 16,-25-24-1,49 24-15,-1-25 0,25 1 16,24 0-16,24 0 15,24 0-15,1-1 0,-1 1 16,24-24-16,-23 24 16,-1 0-16,0-1 0,-48 1 15,-24 0-15,0 0 0,-49 24 16,1-24-16,-25 24 16,-24-25-16</inkml:trace>
+  <inkml:trace contextRef="#ctx0" brushRef="#br0" timeOffset="-24081">2656 4528 0,'-24'0'15,"48"0"1,0 0-1,0 0-15,25 0 16,-25 0-16,24 24 0,-23 0 16,23 0-16,-24 0 0,-24 1 15,0 23-15,-48 0 16,-25 1-16</inkml:trace>
+  <inkml:trace contextRef="#ctx0" brushRef="#br0" timeOffset="-17131">13300 318 0,'-49'-24'15,"25"24"-15,0-24 0,0 0 16,0 24-16,0-24 0,-1 24 16,-23 0-16,24 0 15,-25 0-15,1 24 0,0 0 16,-1 0-16,1 0 0,-1 25 15,1-1-15,-24 25 16,23-25-16,-23 25 0,23-25 16,1 25-16,-1-1 0,25-23 15,0 23-15,0-23 16,24 23-16,0-23 0,24 23 16,24-23-16,1 23 15,-1-24-15,25 25 0,-1-25 16,25 1-16,0-1 0,0-24 15,-1 25-15,1-25 16,24 0-16,-24 0 0,24-24 16,-24 25-16,24-25 15,-25 0-15,1 0 0,24-25 16,-24 1-16,0 0 0,-1 0 16,-23 0-16,24-1 15,-25-23-15,1 0 0,-1-25 16,1 25-16,-25-25 15,1-24-15,-1 25 0,-24-25 16,-24-24-16,0 24 0,-24 1 16,-24-1-16,-97-73 15,48 98 1,-24-1-16,-24 25 0,-25 24 16,1-25-16,24 25 0,-24 24 15,23 0-15,25 0 0,25 0 16,-1 24-16,49 1 15,-1-1-15,25 24 0,0 0 16</inkml:trace>
+  <inkml:trace contextRef="#ctx0" brushRef="#br0" timeOffset="-16615">12985 1770 0,'25'-24'0,"-25"0"15,0-1 1,-25 25 15,1 0-31,0 0 16,-24 25-16,-1-1 0,-23 0 15,-25 0-15,0 24 16,-24 25-16,0-25 0,0 25 16,0 0-16,0-1 15,25 1-15,-1-1 0,24-23 16,1-1-16,23 0 0,25 1 15,0-25-15,0-24 16,24 24-16,-24-24 0</inkml:trace>
+  <inkml:trace contextRef="#ctx0" brushRef="#br0" timeOffset="-16311">11413 2205 0,'0'-24'0,"0"0"16,0 48 15,0 0-15,0 1-16,0 23 16,-24-24-16,0 24 0,-1 1 15,25-1-15,-24 25 0,0-49 16,24 24-16,0 1 15,0-25-15,0 0 0,24 0 16,0 1-16,25-1 16,-1 0-16,1-24 0,23 24 15,25-24-15,-25 0 0,25 0 16,0 0-16,0 0 16,0 0-16,-25 0 0</inkml:trace>
+  <inkml:trace contextRef="#ctx0" brushRef="#br0" timeOffset="-15909">14074 1891 0,'0'-24'0,"24"24"16,0 0 15,-24 24-31,25-24 15,23 24-15,0 0 0,1 25 16,-1-25-16,25 24 0,-1 1 16,1 23-16,-1-23 0,25 23 15,-24-24-15,-25 25 16,25-25-16,-25 1 16,0-1-16,-23-24 0,-1 25 15,0-25-15,-24 0 16,0 0-16</inkml:trace>
+  <inkml:trace contextRef="#ctx0" brushRef="#br0" timeOffset="-15662">15114 2568 0,'0'-24'16,"24"0"-16,-24 0 0,0-1 15,0 1-15,0 48 31,0 1-15,0-1-16,0 0 0,25 0 16,-25 0-16,0 1 15,24-1-15,-24 0 0,0 0 16,-24 0-16,-1 1 16,-23-1-16,-25 0 0,1-24 15,-49 24-15,0 0 0,0-24 16</inkml:trace>
+  <inkml:trace contextRef="#ctx0" brushRef="#br0" timeOffset="-14644">10373 3657 0,'-24'-24'0,"-1"-1"0,-23 1 16,48 0-16,24 0 16,0 0-16,25-1 0,23 1 15,-23 0-15,48 24 16,-25 0-16,-24 0 0,25 0 15,-25 0-15,1 24 16,-49 25-16,0-25 0,0 24 16,-24 1-16,-25-1 0,1 0 15,-1 1-15,-23-1 16,24 0-16,-1-23 0,1-1 16,24 0-16,-1-24 15,25 24-15,25-24 16,23 0-1,0 0-15,1-24 16,-1 24-16,25 0 0,-1-24 16,-23 24-16,23-24 0,-23-1 15,23 1-15,-23 0 16,-1 24-16,0-48 0,1 48 16,-1-49-16,-24 25 15,25 24-15,-49-24 0,24 0 16,0 0-16,-24-1 15,-24 1-15,0 24 16,-1 0-16,1 0 16,0 0-16,0 24 15,24 1-15,-24-1 16,24 0-16,0 24 16,24-23-16,0-1 0,0 0 15,25 0-15,-25 0 0,48 0 16,-23-24-16,-1 0 15,25 0-15,-25 0 0,0-24 16,-23 0-16,-1 0 0,0 0 16,-24 0-16,0-1 15,0-23-15,-24 24 0,0 0 16,-1-1-16,-23 1 16,24 24-16,-24-24 0,23 24 15,-47 24 1,72 0-16,48-24 15</inkml:trace>
+  <inkml:trace contextRef="#ctx0" brushRef="#br0" timeOffset="-14164">14751 3366 0,'-24'0'15,"24"-24"1,0 0-1,24 0 1,0 24-16,1-24 0,-1 24 16,24 0-16,1-24 15,-1 24-15,0 0 0,-23 0 16,23 24-16,-24-24 0,0 24 16,1 0-16,-25 0 15,0 25-15,-25-25 0,-23 0 16,24 24-16,-25-23 0,1 23 15,0-24-15,-1 0 16,1-24-16,24 25 0,-1-25 16,1 24-16,73 0 31,-25-24-31,24 0 0,1 0 16,23 0-16,1-24 15,-1 24-15,25 0 0,-24-24 16</inkml:trace>
+  <inkml:trace contextRef="#ctx0" brushRef="#br0" timeOffset="-13867">15646 3536 0,'25'-24'0,"23"-1"0,-24-23 16,0 24-16,0 0 15,-24-1-15,25 1 0,-25 0 16,0 0-16,-25 24 31,1 0-31,0 24 0,24 0 16,-24 0-16,0 1 15,24 23-15,0-24 0,0 0 16,0 1-16,48 23 16,25-24-1,-25-24-15,0 0 16,1 0-16,-1 0 0,1-24 16,-1 0-16,-24 0 0,0-25 15,1 25-15,-25 0 0,0-25 16,-49 25-16,1 0 15,-25 0-15,-24 0 0,1 24 16,-49 0-16,-1 0 16</inkml:trace>
+  <inkml:trace contextRef="#ctx0" brushRef="#br0" timeOffset="-11556">11195 4358 0,'24'0'16,"-24"24"-16,25-24 15,-25 25 16,0-1-31,24-24 16,-24 24-16,0 0 0,0 0 16,0 25-16,0-25 15,0 24-15,0 1 0,0-25 16,0 24-16,0 1 16,0-1-16,0 0 0,0 1 15,-24-1-15,24-24 0,0 25 16,0-25-16,-25 24 15,25-23-15,-24-1 0,0 0 16,0 24-16,0-23 16,-25-25-16,1 24 0,0 0 15,-25 0-15,0 0 0,1 0 16,-25-24-16,-24 25 16,0-25-16,-24 24 0,0-24 15,-24 24-15,-25-24 16,1 0-16,-1 24 0,-169-24 15,194 24 1,-170 1-16,49-1 16,169-24-16,0 24 15,0 0-15,24-24 16,0 24-16,25 1 0,-1-25 16,1 24-16,-1-24 0,25 24 15,-1-24-15,-23 24 16,23-24-16,1 24 0,24-24 15,-24 0-15,23 25 16,1-25-16,0 0 0,0 0 16,0 24-16,-1-24 0,1 0 15,0 0-15,0 0 16,0 0 0,24-24 30,0-1-30,0 1 0,0 0-16,0 0 0,0-25 15,0 25-15,0-24 16,0-1-16,0 25 0,-25-24 16,25-1-16,0 1 15,0 0-15,-24 24 0,24-25 16,0 25-16,0 0 15,0 0 1,-24 24 0</inkml:trace>
+  <inkml:trace contextRef="#ctx0" brushRef="#br0" timeOffset="-11107">6309 5398 0,'24'-24'47,"-24"0"-32,24 0 1,-24 0-16,24 0 16,-24-1-16,25 1 0,-1-24 15,0 24-15,0-1 16,-24 1-16,49 0 0,-25 0 16,0 0-16,0 24 0,24 0 15,-23 0-15,-1 0 16,24 0-16,-24 24 0,25-24 15,-25 24-15,0 0 16,25 0-16,-25 1 0,0-1 16,0 0-16,0 0 0</inkml:trace>
+  <inkml:trace contextRef="#ctx0" brushRef="#br0" timeOffset="-10270">5898 6850 0,'-25'-24'0,"25"0"16,-24-1-16,24 1 16,0 0-16,0 0 15,24 24 1,1 0-16,-1 24 16,0 0-16,0 0 15,0-24-15,-24 49 0,25-25 16,-1 0-16,-24 0 15,0 0-15,0 1 0,0-1 16,0 0 0,0-72 15,0-1-15,24 25-16,-24-24 0,24-1 15,-24 25-15,0-24 16,24 24-16,0-25 15,1 25-15,-1 24 16,0 0-16,0 24 16,0 0-16,1 1 15,-1-1 1,-24 0-16,24-24 0,-24 24 16,24-24-16,0-24 31,-24 0-16,25 0 1,-25-1-16,24 1 0,0 0 16,-24 0-16,24 24 0,0-24 15,1 24 1,-1 24-16,0 0 0,0-24 16,-24 24-16,48 49 15,-48-49-15,25 0 16,-1 0-1,0 1-15</inkml:trace>
+  <inkml:trace contextRef="#ctx0" brushRef="#br0" timeOffset="-9820">6986 6608 0,'24'-48'16,"-24"23"-1,0 1-15,0 0 16,0 0-16,0 0 16,0-1-1,-24 25-15,0 0 16,0 25 0,0-1-16,-49 48 31,49-23-31,24-25 15,-24 0-15,24 0 16,24 1-16,0-1 16,0-24-1,0 0-15,1 0 0,-25-24 16,24 24-16,0-25 16,0 1-16,-24 0 15,0 0-15,0 0 16,24 48 15,-24 0-15,25 0-16,-25 0 15,24 1-15,0-1 16,0-24-16,0 0 16</inkml:trace>
+  <inkml:trace contextRef="#ctx0" brushRef="#br0" timeOffset="-9644">7301 6439 0,'0'-25'0,"0"50"31,0-1-15,24-24-16,-24 24 0,24 0 15,0 0 1,0 1-16,-24-1 15</inkml:trace>
+  <inkml:trace contextRef="#ctx0" brushRef="#br0" timeOffset="-9504">7276 6245 0,'-24'-24'0,"24"0"16,0 0-1</inkml:trace>
+  <inkml:trace contextRef="#ctx0" brushRef="#br0" timeOffset="-9113">7494 6414 0,'24'0'16,"1"0"15,-25 25-15,24-25-16,-24 24 0,24-24 16,-24 24-16,24 0 15,-24 0-15,24 1 0,-24-1 16,0 0-1,0-48 17,24 0-32,-24-1 15,25 1-15,-25 0 0,24-24 16,0 23-16,0 1 16,0 24-16,1-24 0,-1 24 15,0 0-15,0 24 0,0-24 16,-24 24-16,25 1 15,-1-1-15,0 0 0,-24 24 16,0-23-16,24-1 16</inkml:trace>
+  <inkml:trace contextRef="#ctx0" brushRef="#br0" timeOffset="-8914">8220 6124 0,'24'-24'0,"-24"48"16,24-24-16,-24 49 15,24-25-15,-24 0 16,25 24-16,-25 1 0,24-1 16,-24-24-16,24 25 0,-24-1 15,24-24-15,-24 0 16</inkml:trace>
+  <inkml:trace contextRef="#ctx0" brushRef="#br0" timeOffset="-8551">8220 6463 0,'-24'0'0,"48"0"47,0-24-47,24 24 15,-23 0-15,23-25 16,-24 25-16,25-24 0,-1 24 16,0-24-16,-23 24 15,47-24 1,-48 24-16,-24-24 0,24 24 16,-24-24-16,0-1 15,0 1-15,-24 24 16,0 0-1,0 0-15,0 24 16,0-24-16,24 25 0,0-1 16,0 0-16,0 0 15,0 0-15,24 25 0,-24-25 16,24-24-16,0 24 16,0 0-16,25-24 0,-25 0 15,0 0-15</inkml:trace>
+  <inkml:trace contextRef="#ctx0" brushRef="#br0" timeOffset="-8160">8970 6173 0,'-24'0'16,"-1"-25"-16,25 50 31,25-25-16,-25 24-15,0 0 16,24 0-16,-24 0 16,24 1-16,0-1 0,-24 24 15,0-24-15,24-24 0,-24 24 16,0 1-16,25-25 31,-25-25-31,0 1 16,0 0-16,0 0 0,24 0 15,-24 0-15,24-25 0,-24 25 16,24 0-16,0 0 16,0 24-16,1-25 0,-1 25 15,0 25-15,0-25 16,0 24-16,1 0 0,-1 0 16,-24 0-16,24 1 0,0-1 15,-24 0-15,24 0 16,-24 0-16</inkml:trace>
+  <inkml:trace contextRef="#ctx0" brushRef="#br0" timeOffset="-7727">9768 6124 0,'24'-48'31,"-48"48"-31,-24-49 16,-1 25 0,1 24-1,24 24-15,0-24 0,-1 25 16,1 23-16,24-24 0,-24 0 16,24 25-16,0-25 15,0 0-15,0 25 0,0-25 16,24 0-16,-24 0 15,24-24-15,1 0 16,-1 0-16,-24-24 16,24 0-16,0 0 15,0-1-15,0-23 0,1 24 16,-1 0-16,-24-1 0,24 1 16,0 24-16,0 0 15,1 0-15,-25 24 16,24 25-1,0-25-15,0 0 0,-24 0 16,24 25-16,-24-25 0,25-24 16,-25 24-16,24-24 15</inkml:trace>
+  <inkml:trace contextRef="#ctx0" brushRef="#br0" timeOffset="-7378">10010 6100 0,'0'-48'15,"24"48"32,-24 24-47,24 0 16,1 0-16,-25 0 16,24 1-16,0-1 0,-24 0 15,24 0-15,-24 0 16,0 1-16,24-25 15,-24-25 17,24 1-32,-24 0 0,0 0 15,25-25-15,-25 25 16,24 0-16,0 0 0,0 0 16,0-1-16,1 25 15,-1 25-15,0-25 16,-24 24-16,24 0 0,-24 0 15,24 25-15,-24-25 16,25 0-16</inkml:trace>
+  <inkml:trace contextRef="#ctx0" brushRef="#br0" timeOffset="-7115">10808 6027 0,'0'-72'31,"0"48"-31,0-1 16,-24 25-16,0 0 16,0 25-1,-1-1-15,1-24 0,24 24 16,-24 24-16,0-23 0,24-1 16,0 0-16,0 0 15,24 0-15,-24 1 0,24-1 16,0 0-16,1-24 0,-1 24 15,0-24-15,24 0 16,-23-24-16,-1 24 0,0-24 16</inkml:trace>
+  <inkml:trace contextRef="#ctx0" brushRef="#br0" timeOffset="-6691">11002 6027 0,'24'0'63,"0"0"-48,0 0-15,1 0 16,-1 0 0,0-24-16,0 24 0,0-24 15,0 0-15,1 0 16,-1-1 0,-24 1-16,0 0 0,-24 0 15,-1 24-15,25-24 16,-48 24-16,24 0 0,0 24 15,-25 0-15,25 0 0,0 0 16,0 25-16,0-1 16,24 1-16,0-1 15,24-24-15,0 25 16,0-1-16,49 0 0,-25-48 16</inkml:trace>
+  <inkml:trace contextRef="#ctx0" brushRef="#br0" timeOffset="-5411">7567 7382 0,'0'-24'16,"0"48"15,24 0-15,-24 0-1,0 1-15,0-1 16,24 24-16,-24-24 0,0 1 16,24 23-16,-24-24 15,0 0-15,24 1 0,-24-1 16,0-48 15,-24-49-15,0-24-1,24 49-15,-24-1 0,24-23 16,0 24-16,0-25 0,0 25 16,0-1-16,24 25 0,0-24 15,0 23-15,1 1 16,-1 24-16,0-24 0,0 24 16,0 0-16,1 24 15,-1-24-15,0 24 0,-24 1 16,0-1-1,0 0-15,0 0 0,0 0 16,0 1-16,0-1 0,-24-24 16,24 24-16,-24 0 15,-1-24-15,1 24 0,24 1 16,-24-25-16,0 24 0,24 0 16,-24-24-16,24 24 15,0 0-15,24-24 16,0 24-16,0 1 0,0-1 15,1-24-15,47 48 16,-23-48-16,-25 24 16,0 1-16,0-1 0,-24 0 15,-24 0-15,0 0 16,-25 1-16,25-1 16,-24-24-16,-1 24 0,25-24 15,0 0-15,0 0 0,0-24 16</inkml:trace>
+  <inkml:trace contextRef="#ctx0" brushRef="#br0" timeOffset="-5063">8075 7334 0,'24'-24'0,"0"24"16,-24 24-1,0 0 1,0 0-1,0 0-15,0 0 16,0 1-16,24-1 16,0 0-1,1 0-15,-1-24 16,0 0-16,0 0 16,0-24-16,1 0 15,-25 0-15,24-1 0,0 1 16,-24 0-16,24-24 0,-24 24 15,0-1-15,0 1 0,0 0 16,0 0-16,-24 0 16,0 24-16,24 24 15,-24 0 1,24 0 0</inkml:trace>
+  <inkml:trace contextRef="#ctx0" brushRef="#br0" timeOffset="-4866">8607 7237 0,'24'-24'15,"0"24"17,0 0-32,1 24 15,-1-24-15,0 24 16,0 0-16,0 1 0,1-1 15,-1-24-15,0 24 16,0-24-16,-24 24 0,24-24 16</inkml:trace>
+  <inkml:trace contextRef="#ctx0" brushRef="#br0" timeOffset="-4726">8897 7116 0,'0'-24'0,"0"0"16,0-1-16,-24 25 15,24 25 1,0-1-16,0 0 16,0 0-16,0 0 15</inkml:trace>
+  <inkml:trace contextRef="#ctx0" brushRef="#br0" timeOffset="-4084">8800 7213 0,'25'0'78,"-25"24"-62,24-24 0,-24 24-16,24 0 0,0 1 0,0-1 15,1 24-15,-1-24 16,0 25-16,0-1 0,-24 0 16,24 1-16,-24-1 15,-24 1-15,0-1 0,0 0 16,-25 1-16,1-25 15,-49 24 1,-24-24-16,73-24 16,0-24-16,-1 0 0,1 0 15,24-24-15,-1-1 0,25-23 16</inkml:trace>
+  <inkml:trace contextRef="#ctx0" brushRef="#br0" timeOffset="-3509">9454 7043 0,'0'-24'15,"-25"0"1,1 24-16,0 0 16,-24 0-16,23 0 15,1 0-15,0 24 0,-24-24 16,23 24-16,1 1 15,24-1 1,0 0-16,24 0 16,1-24-16,23 24 0,0-24 15,1 25-15,-1-25 16,1 0-16,-1 24 0,0-24 16,1 24-16,-25-24 15,0 24-15,0-24 0,-24 24 16,-24-24-16,0 0 15,0 25-15,0-25 16</inkml:trace>
+  <inkml:trace contextRef="#ctx0" brushRef="#br0" timeOffset="-3311">9599 6995 0,'0'24'31,"-24"0"-31,-1 1 0,-23 23 16,0-24-16,-1 25 15,1-1-15,-1 25 0,1-25 16,-25 24-16,25 1 0,0 0 16,-1 23-16</inkml:trace>
+  <inkml:trace contextRef="#ctx0" brushRef="#br0" timeOffset="2627">3454 11011 0,'-24'0'0,"48"0"16,1 0 0,23 0-16,-24 0 15,49-25-15,23 25 0,25-24 16,25-24-16,47 24 16,25-25-16,48 1 0,48 0 15,1-25-15,48 25 16,435-98-16,-387 98 15,25-24-15,-25-1 0,24 25 16,-23-25-16,-1 25 16,0-1-16,-24-23 0,-24 23 15,-24 1-15,-1 0 16,-23 23-16,-49-23 0,-24 0 16,-25 23-16,-47 1 0,-25-24 15,-24 24-15,-49-1 16,1 1-16,-25 0 0,-23 24 15,-1-24-15,-24 0 16,24 24 0,0 0 15,0 0-15,-24-25-1,-24 25 1,24-24 15,0 0 0,0 0-31,0 0 16,0 0-16,0-1 0,-24-23 16,0 0-16,24-25 15,-24 0-15,-1 1 0,1-1 16,0 1-16,0-25 0,24 0 15,0 25-15,-24-25 16,24 24-16,0 1 0,24-1 16,-24 1-16,24 23 15,-24 1-15,24-1 0,-24 1 16,0 24-16,0 0 0,-24 24 16,24-25-16,-24 1 15,0 24-15,-1 0 16,25-24-16,-24 24 15,24-24 17,-24 24-17,0 0-15,-25 0 16,25 24-16,-72-24 16,-50 24-1,50 0-15,-1 1 16,-169-1-16,96 0 15,-23 0-15,-25 0 0,-24 1 16,-24-1-16,-48 0 16,23 0-16,-23 25 0,-25-25 15,25 24-15,-1-24 0,1 25 16,24-25-16,23 24 16,-23-24-16,24 1 0,24 23 15,0-24-15,0 25 16,0-25-16,25 24 0,23-24 15,1 25-15,23-25 0,25 24 16,24-23-16,0 23 16,25-24-16,23 0 0,-24 0 15,49 1-15,-25 23 16,1-48-16,23 24 0,1 0 16,0 1-16,-1-25 15,1 24-15,24-24 16,-25 0-16,25 0 0,0 0 15,0 0-15,-1 0 16,1 0 0,0 0 15,0 0-15,0 0-1,0 0-15,-1 0 16,1 24-1,24 0 1,24 0-16,-24 1 16,25-1-16,-25 24 0,24 1 15,0-1-15,0 24 16,0 1-16,-24 0 0,24-1 16,-24 25-16,25 0 15,-25-1-15,24 1 0,-24 0 16,24 0-16,0 0 0,0-1 15,1-23-15,23-1 16,25-23-16,-1-1 0</inkml:trace>
+  <inkml:trace contextRef="#ctx0" brushRef="#br0" timeOffset="7602">16590 2834 0,'72'-48'16,"-47"24"-16,-25 0 15,-25-1 1,-23 25-16,0 0 0,-25 0 16,-24 25-16,-24-25 15,-48 24-15,0-24 0,-25 0 16,-48 24-16,24-24 0,-23 0 15,-1 0-15,0 0 0,0 0 16,48 0-16,1 0 16,48 0-16,0 0 0,48 0 15,0 0-15,49 0 16,-1 0-16,73 24 31,1 0-31,-1-24 16,0 24-16,24 1 0,-23-1 15,-1 24-15,0-24 0,0 25 16,-24-1-16,24 25 16,-24-1-16,25 1 0,-25-1 15,0 25-15,0 0 16,0 24-16,0-24 0,0-1 16,0 25-16,24-24 0,-24-24 15,0 24-15,0-49 16,24 24-16,-24-23 15,0-25-15,0 0 0,24 0 16,-24 1-16,24-25 0,0 0 16,1 0-16,23 24 0,25-24 15,-25 0-15,49 0 16,0 0-16,-1 0 0,49 0 16,1 0-16,23 0 15,0 0-15,25 0 0,23 0 16,1 0-16,0 0 15,0 24-15,-1-24 0,-23 0 16,-25 0-16,1 0 0,-25 0 16,-24 0-16,0 0 15,-49-24-15,1 24 0,-25-24 16,-24 24-16,0-25 0,1-23 16,-25 24-16,0-25 15,0-23-15,24 24 0,-24-25 16,24-24-16,0 0 15,0 25-15,1-49 0,-1 24 16,0 0-16,-24 1 0,24-1 16,-24 0-16,0 0 15,-24 1-15,-24-1 0,-1 0 16,1 24-16,-49 1 16,0-25-16,1 49 0,-25-25 15,24 49-15,-24 0 16,-97 24-16,121 24 15</inkml:trace>
+  <inkml:trace contextRef="#ctx0" brushRef="#br0" timeOffset="8692">17533 3705 0,'24'0'62,"1"0"-62,23 0 0,25-24 16,23 24-16,49 0 16,25 0-16,23 0 0,25 0 15,48 24-15,-24-24 0,24 0 16,-24 0-16,0 0 15,-24 0-15,-49 0 0,-24 0 16,-24-24-16,-48 24 16,-1 0-16,-48-24 0,1 24 15,-25-24 1,-25 24-16,1 0 16,0-25-16,0 25 31,24 25 16,0-1-16,24-24-15,-24 24-16,24 24 15,0 25 1,1-25-1,-1 73-15,-24-48 16,24-1-16,-24 1 0,24 0 16,-24-1-16,0 1 0,0-25 15,0 0-15,0 1 16,0-1-16,0-24 0,0 1 16,0-1-16</inkml:trace>
+  <inkml:trace contextRef="#ctx0" brushRef="#br0" timeOffset="9352">20436 3463 0,'-24'0'16,"24"-24"-16,-24 24 0,48-24 93,-24 0-77,24 24 0,-24-25-16,0 1 15,0 0 1,-24 24-16,24-24 15,-24 0-15,-1 0 16,1-1-16,24 50 31,0-1-15,24 0 0,-24 0-16,25 0 0,-1 25 15,0-25-15,24 24 16,25 73-16,-49-72 15,25 23-15,-25-23 0,24 23 16,-24-24-16,1 1 16,-1-1-16,-24 1 0,0-1 15,0-24-15,0 0 0,0 1 16,-24-1-16,24 0 16,-25-24-16,1 24 0,0 0 31,0-24-16</inkml:trace>
+  <inkml:trace contextRef="#ctx0" brushRef="#br0" timeOffset="11563">22589 3439 0,'-24'-24'15,"0"0"1,24-1-1,0 1-15,0 0 0,0 0 16,0 0-16,-25 0 16,1 24-1,-24 0-15,24 0 0,-25 0 16,1 0-16,-25 24 16,25 0-16,0 0 0,-1 0 15,25 0-15,0 25 0,0-25 16,24 0-16,24 0 15,0 1-15,0 23 0,25-24 16,23 0-16,-23 1 16,23-1-16,1 0 0,-1 0 15,-23 0-15,-1 25 0,0-25 16,-23 0-16,-25 24 16,0 1-16,0-25 0,-25 24 15,-23-23-15,0-1 16,-98 48-16,50-47 15,23-25-15,1 24 0,-1-24 16,-72 0 0,72-24-1,25-25-15,24 1 16,24-1-16,0 1 16,24 0-16</inkml:trace>
+  <inkml:trace contextRef="#ctx0" brushRef="#br0" timeOffset="11823">22952 3221 0,'48'-24'0,"-72"48"31,0 1-15,0-1-16,24 0 15,-25 24-15,1 1 0,24-1 16,-24 25-16,0-25 0,0 25 16,24-1-16,-24 1 0,-1-1 15,25 1-15,-24-1 16,24-23-16,-24-1 0,24-24 16,0 25-16,0-25 15</inkml:trace>
+  <inkml:trace contextRef="#ctx0" brushRef="#br0" timeOffset="12216">23121 3802 0,'24'-48'15,"1"-1"-15,-25 25 0,24 0 16,-24 0 0,0 48-1,0 0-15,0 0 16,0 25-1,0-25-15,24 24 0,-24 0 16,24-23-16,0 23 0,1-24 16,-1 25-16,0-25 15,0-24-15,0 24 0,0-24 16,1 0-16,-1 0 16,0-24-16,0 0 0,0-1 15,1-23-15,-1 0 0,0 23 16,0-23-16,-24 24 15,24 0-15,-24 0 0,0 48 32,0 0-32,0 24 0,-24 1 15,24-1-15,-24 0 16,24 25-16,0-25 0,0 73 16,0-72-1,0-25-15,0 24 0,24-24 16</inkml:trace>
+  <inkml:trace contextRef="#ctx0" brushRef="#br0" timeOffset="12916">24766 2883 0,'24'-73'15,"-48"49"1,0 24-16,-49-24 0,25 0 16,-49 24-16,-24-25 15,0 25-15,-24 0 0,-24-24 16,-194 24-1,145 0-15,1 24 0,-1-24 16,-24 25-16,24-1 0,1 0 16,-25 0-16,48 24 15,1 1-15,-1-1 0,49 1 16,0 23-16,24 1 0,24-1 16,24 25-16,25 0 15,0 0-15,24-1 0,24 25 16,24 0-16,24 0 0,0 24 15,1-48-15,23 24 16,1 0-16,0-24 0,23-25 16,-23 25-16,24-24 15,-1-1-15,1 1 0,0-25 16,24 25-16,0-25 0,0 1 16,24-25-16,0 24 15,24-24-15,1-24 0,23 0 16,1 0-16,-1 0 15,1-24-15,24 0 0,-25 0 16,1-25-16,-1 1 0,1 0 16,-25-1-16,0 1 15,1-25-15,-25 25 0,0-25 16,0 1-16,-24-1 16,0 1-16,-24-25 0,0 0 15,-25-24-15,49-97 16,-97 97-16,-24 1 15,-24-1-15,-49 0 0,-23 0 16,-49 0-16,-25 24 16,-23 0-16,-73 0 0,0 25 15,-25 23-15,-23-23 0,-1 48 16</inkml:trace>
+  <inkml:trace contextRef="#ctx0" brushRef="#br0" timeOffset="16731">15695 4721 0,'-24'0'31,"-1"0"0,25 24 16,0 25-47,0-25 16,0 24-16,25 73 15,-25-48-15,0 24 16,0-1-16,0 25 16,0 0-16,0 24 0,0-24 15,0 0-15,0 0 0,0-24 16,-25 0-16,25-25 15,0 1-15,0-25 0,0 1 16,0-1-16,0 0 0,0-23 16,0-1-16,0 0 0,0 0 15,0 0-15,0 1 16,25-25 0,-1 24-16,0-24 0,24 0 15,1 0-15,-1 0 0,25 0 16,23-24-16,1 24 15,0 0-15,24-25 0,0 25 16,0-24-16,24 24 0,-24 0 16,-24 0-16,-1-24 15,1 24-15,-48 0 0,-1 0 16,-24 0-16,-48 0 31,0 0-31,-25 0 0,25 0 16,0-24-16,-24 24 15,23-24-15</inkml:trace>
+  <inkml:trace contextRef="#ctx0" brushRef="#br0" timeOffset="16953">16880 6342 0,'-24'0'0,"24"-24"16,0 48-1,24-24 1,0 24-1,0-24-15,1 24 16,47 25-16,-23-25 16,-25 0-16,-24 0 0,0 0 15,0 25-15,-24-25 0,-1 24 16,-23 1-16,0-25 16,-1 24-16,1-23 0,-1-1 15,25 0-15</inkml:trace>
+  <inkml:trace contextRef="#ctx0" brushRef="#br0" timeOffset="17504">18864 6124 0,'0'-24'15,"-25"0"1,1 24-16,0 0 16,0 0-16,0 0 0,-25 0 15,25 24-15,-24 0 16,-1 0-16,-23 25 0,23 23 15,1-23-15,24 23 16,-25 1-16,25-1 0,24 1 16,0 0-16,0-25 15,24 0-15,1 1 0,23-25 16,-24 24-16,25-24 0,-1-24 16,0 25-16,1-25 15,-1 0-15,1 0 0,-25-25 16,24 1-16,0 24 0,-23-24 15,-1 0-15,0 0 16,-24 0-16,0-25 0,-24 25 16,0 0-16,-1 0 15,-23 24-15,24-25 0,-49 25 16,25 0-16,0 0 0,-1 0 16,1 25-16,-1-25 15,1 24-15,24-24 0,0 24 16,-1-24-16,1 24 15,48-24 1,1 0-16,-1 0 0</inkml:trace>
+  <inkml:trace contextRef="#ctx0" brushRef="#br0" timeOffset="17810">19444 6560 0,'-24'0'0,"-24"0"0,23 0 15,1 0-15,0 0 0,0 0 16,72 0 15,-24 0-31,49 0 0,0 0 16,72-25-16,-73 25 15,1 0-15,-1 0 0,-23 0 16,-25-24-16,0 24 16,0 0-16,-48 0 15,0 0 1,0 0-16,0 0 0,-1 0 16,1 0-16</inkml:trace>
+  <inkml:trace contextRef="#ctx0" brushRef="#br0" timeOffset="18111">20412 6197 0,'0'-24'15,"-24"24"1,24 24 0,0 0-16,0 24 15,0-23-15,24 23 0,-24 0 16,0 1-16,0-1 0,0 0 16,0 1-16,0-1 15,0 1-15,0-1 0,0 0 16,-24-23-16,24-1 0,0 0 15,0 0-15</inkml:trace>
+  <inkml:trace contextRef="#ctx0" brushRef="#br0" timeOffset="18517">20654 6414 0,'24'-24'16,"-24"0"-16,24 0 0,0 0 15,25 0-15,-1 24 16,0-25-16,25 25 0,0 0 16,-1 0-16,1 0 15,-25 0-15,25 25 0,-49-1 16,0 0-16,-24 0 16,-24 24-16,0-23 0,-49 23 15,25 0-15,-25-23 0,-24 23 16,25-24-16,-25 25 15,49-25-15,-25 0 0,25 0 16,24-24-16,-1 24 16,1 1-16,48-1 15,1-24-15,-1 24 0,24-24 16,1 0-16,-1 0 16,24 0-16,1 0 0,0 0 15,23 0-15,-23 0 16,72 0-16,-97 0 15,1 0-15,-1 0 0,-24 0 16,-24-24 0,-24 24-16</inkml:trace>
+  <inkml:trace contextRef="#ctx0" brushRef="#br0" timeOffset="19009">17412 7479 0,'0'24'0,"49"-24"15,-1 0 1,0 0-16,49 0 0,0-24 15,48 24-15,49-24 0,23 24 16,25 0-16,48 0 0,1-25 16,47 25-16,1 0 15,0 0-15,-1 0 0,-23 0 16,-25 25-16,-24-25 0,-48 0 16,-24 0-16,-25 0 15,-48 0-15,-24 0 0,-49 0 16,-24 0-16,-24-25 15,-24 25-15,-24 0 16,-1 0-16,1 0 0,-25-24 16</inkml:trace>
+  <inkml:trace contextRef="#ctx0" brushRef="#br0" timeOffset="22348">4398 5253 0,'0'-24'15,"0"48"16,0 1-15,0-1-16,0 24 16,0 25-16,0-25 0,0 49 15,24 0-15,-24-1 16,0 1-16,0 24 0,0-24 16,0 24-16,0-24 0,0-1 15,0 1-15,0-24 16,0 23-16,-24-23 0,24 0 15,0-1-15,-24 1 0,24-1 16,0-23-16,0 23 16,-25-23-16,25-1 0,0-24 15,-24 0-15,24 25 16,-24-25-16,0 0 16,0-24-16,-1 0 0,1 24 15,-48-24-15,-1 24 16,1 1-16,-49-1 0,0 0 15,-25 0-15,1 25 16,-24-1-16,0 0 0,-1 1 16,-23 23-16,-1-23 0,1 23 15,-1-23-15,25-1 16,0 0-16,23 1 0,25-1 16,1-24-16,47 1 15,0 23-15,25-48 0,24 24 16,0-24-16,24 24 0,0 1 31,24-25-15,-24 24-1,-24 0 17,24 0-32,0 0 15,0 0-15,0 25 16,0-1-16,0 1 15,24-1-15,-24 25 0,24-1 16,0 25-16,-24 0 16,24 24-16,1 0 0,-1 0 15,0-1-15,0 1 0,0 25 16,1-25-16,-1 24 16,24-24-16,-24 24 0,25 0 15,-25 0-15,24-24 0,1 24 16,-25-24-16,24 0 15,-24-24-15,1 24 0,-1-24 16,-24-1-16,0-23 16,0 24-16,0-1 0,0 1 15,-24 0-15,-1 0 0,25-1 16,-24-23-16,0 0 16,0-1-16,24-48 0,-24 25 15,24-25-15,0 0 16,0 0-16,0-48 31,24 24-31,0 0 16,0-24-16,0 24 0,25-24 15,23 24-15,1-24 16,-1 24-16,49 0 0,0-25 16,25 1-16,23 0 0,24 0 15,49 0-15,24-1 16,25-23-16,47 24 0,49-25 15,0 1-15,49 24 16,23-25-16,25 1 0,0 24 16,24 0-16,24 0 0,-24-1 15,24 1-15,1 0 16,-25 0-16,-25 0 0,1-1 16,-48 1-16,-1 0 0,-24 24 15,-48-24-15,-24 24 16,-25 0-16,-23 0 15,-49 0-15,-25 0 0,-23 0 16,-49 0-16,-24 24 0,-24-24 16,-25 24-16,-48-24 0,1 0 15,-1 0-15,-48 0 16,-1-24 0,-23 24-16,24-24 15,-25 24-15,1-24 0,0-1 16,-1 25-16,1-24 15</inkml:trace>
+  <inkml:trace contextRef="#ctx0" brushRef="#br0" timeOffset="22744">13759 11083 0,'0'-24'16,"-24"0"-16,24 0 16,-24 24-16,48 24 31,-24 0-31,24 0 15,25 0-15,-25 25 0,24-25 16,1 24-16,23 49 16,-23-48-1,-25-1-15,0 0 0,-24 1 0,0-1 16,-24 0-16,-24 25 16,-1-25-16,-23 1 0,-1-1 15,-24 1-15,25-1 16,-122 73-16,122-73 15,-1 1-15,0-25 0,25 0 16</inkml:trace>
+  <inkml:trace contextRef="#ctx0" brushRef="#br0" timeOffset="23890">14364 10188 0,'0'-24'0,"24"0"0,-24 0 16,25 24-16,-25 24 15,0 24 1,0 1-16,-25 47 15,25 1-15,-24 0 0,0 48 16,0 0-16,24 24 16,-24 1-16,-1-1 0,1 25 15,0-1-15,24 25 0,-24-25 16,0 1-16,0-1 0,24 1 16,-25-25-16,25 1 15,-24-1-15,24-24 0,0 0 16,-24-24-1,24 24-15,-24-24 0,0-24 0,24-24 16,-25 23-16,1-47 16,24-1-16,-24 1 15,24-25-15,-24-24 16,24-24-16,24-1 16,0 1-16,49-73 15,24 49 1,-25 24-16,1 0 15,23 24-15,25 0 0,25 0 16,23 0-16,24 0 16,25 0-16,0 0 0,24 0 15,-25 24-15,25-24 0,-24 0 16,0 0-16,-25 0 16,-23 0-16,-1 0 0,-48 0 15,0 0-15,-24 0 16,-1-24-16,-71-1 15,-25 1-15,-25-24 0,1 0 16,-24-1-16,-25-23 16,25-1-16,-25 0 0,1-23 15,23-1-15,1 0 0,0-24 16,23 0-16,1 0 16,0 0-16,24 0 0,0-24 15,0 0-15,24 0 16,-24 0-16,24 0 0,1 0 15,23-1-15,-24 1 16,0 0-16,25 0 0,-25 0 16,0 0-16,0 0 0,0-1 15,1 25-15,-25 0 16,0 25-16,0 23 0,0 1 16,0 23-16,0 1 0,0 24 15,-25-1-15,25 1 16,-24-24-1,0 48-15,24-24 0,-24-1 16,0 1-16,0 24 0,-25-24 16,-23 0-16,-25 0 0,-24 0 15,-24 24-15,-25-25 16,-23 25-16,-49-24 0,24 24 16,-24 0-16,25 0 15,-1 0-15,24 24 0,49-24 16,0 25-16,48-1 0,1 0 15,23 0-15,25 0 16,-1 0-16,25 1 0,0-1 16,24 0-16</inkml:trace>
+  <inkml:trace contextRef="#ctx0" brushRef="#br0" timeOffset="24520">15429 14228 0,'0'-24'0,"0"0"16,0-1-16,0 1 0,0 0 16,24 0-16,-24 0 0,24 48 31,-24 0-31,0 0 16,24 49-16,-24-25 15,0 25-15,0-1 0,24 1 16,-24-1-16,0 49 15,0-48-15,-24-25 16,24 1-16,-24-1 0,0 1 16,0-25-16,-1 0 15</inkml:trace>
+  <inkml:trace contextRef="#ctx0" brushRef="#br0" timeOffset="24900">15187 14905 0,'0'-24'16,"0"0"-1,-24 24-15,24-24 0,-25 24 16,1 0 0,-24 24-16,24 0 0,-25 0 15,1 25-15,24-1 0,-25 0 16,25 25-16,24-25 15,0 25-15,24-25 0,0 1 16,25-1-16,-1-24 0,25 1 16,-1-25-16,25 0 15,0-25-15,-25-23 0,25 24 16,-24-25-16,-25-23 16,1 23-16,-25 1 0,-24-25 15,0 49-15,-24-24 0,-1 24 16,-23 0-16,-25 24 15,25 0-15,-25 0 0,1 0 16,23 24-16,1-24 16,0 24-16,24 0 0,-1-24 15</inkml:trace>
+  <inkml:trace contextRef="#ctx0" brushRef="#br0" timeOffset="25125">15404 15026 0,'-24'24'16,"48"-24"-1,1 0-15,23 0 0,25 0 16,-1-24-16,25 24 16,24 0-16,0-24 0,0 24 15,0 0-15,0 0 16,0 0-16,-25 0 0,1 0 15,-48 0-15,-1 0 0,-24 0 16</inkml:trace>
+  <inkml:trace contextRef="#ctx0" brushRef="#br0" timeOffset="25377">13977 15099 0,'-72'0'16,"47"24"-16,50-24 15,47 0 1,1 0-16,24-24 0,48 24 16,0 0-16,24 0 15,0-24-15,25 24 0,0 0 16,-1 0-16,-24 0 0,-23 0 15,-50 0-15,1 0 16,-49 0-16,-48-25 0</inkml:trace>
+  <inkml:trace contextRef="#ctx0" brushRef="#br0" timeOffset="27984">3817 11688 0,'0'-24'31,"24"24"-16,-24-24-15,0 48 16,0 0 0,0 0-1,25 25-15,-25-25 0,0 24 16,0 1-16,0-1 16,0 0-16,0 1 0,0-25 15,0 24-15,0-24 0,0-48 31,0-24-15,0 24-16,0-25 16,24-23-16,-24-1 0,24 1 15,0-1-15,25-24 0,-25 25 16,24-1-16,25-24 16,-25 25-16,25 23 0,-25 1 15,0 0-15,25 23 16,-49 25-16,0 0 0,1 0 15,-25 25-15,-25 23 0,1-24 16,0 25-16,-24-1 16,-1-24-16,1 25 0,-25-1 15,49 0-15,-24-24 16,23 1-16,-23-1 0,48 0 16,0 0-16,0 0 15,24-24-15,25 25 16,-1-25-16,0 0 0,1 24 15,23-24-15,-23 24 16,-1-24-16,1 24 0,-25 0 16,0-24-16,-24 25 0,-24-1 15,0 0-15,-25 24 16,1-23-16,-25-1 0,1 24 16,-1-24-16,0 0 0,25 1 15,0-25-15,24 0 16,-1 0-1,25-25-15,25-23 0</inkml:trace>
+  <inkml:trace contextRef="#ctx0" brushRef="#br0" timeOffset="28674">4857 11519 0,'121'-25'16,"-96"1"-1,-1 0-15,-48 24 16,-1-24-16,1 24 15,0 0-15,-24 0 0,-1 0 16,25 0-16,-24 24 0,-1 0 16,25-24-16,0 24 15,0 25-15,-1-25 0,1 0 16,24 0-16,0 1 0,0-1 16,24 0-1,1-24-15,-1 0 0,24 0 16,-24 0-16,25-24 15,-1 0-15,1-1 0,-25 1 16,24 0-16,-24 0 16,1 0-16,-1 24 0,0-25 15,-24 50 1,0-1 0,0 0-16,0 24 0,0-23 15,0-1-15,0 24 0,-24-24 16,24 1-1,24-25-15,0 0 16,24-25 0,25-47-16,-25 48 15,1-25-15,-1 1 0,1-1 16,-1 1-16,0 0 16,25-49-1,-25 73-15,25-25 16,-97 49-1,-25 49 1,1-25-16,24 0 16,0-24-16,-1 24 0,1 1 15,24-1-15,0 0 0,24 0 16,1 0 0,-1-24-16,0 24 0,24 1 15,1-1-15,-25-24 16,0 24-16,-24 0 0,0 0 15,0 1-15,0-1 16,-48 0-16,23 0 0,-23 0 16,0 1-16,24-1 0,-1-24 15,-23 0-15,48-24 16,0-1-16</inkml:trace>
+  <inkml:trace contextRef="#ctx0" brushRef="#br0" timeOffset="28868">5801 11374 0,'24'0'0,"24"-25"16,-23 1-16,-1 24 16,0 0-1,-24 24-15,24 1 16,-24-1-16,24 0 16,1 0-16,-1 0 15,0 25-15,0-25 0,-24 24 16,24-24-16,-24 1 15,0-1-15,0 0 0</inkml:trace>
+  <inkml:trace contextRef="#ctx0" brushRef="#br0" timeOffset="29010">6212 11059 0,'24'-73'16,"-24"98"15,-24-1-31,24 0 0,0 0 16</inkml:trace>
+  <inkml:trace contextRef="#ctx0" brushRef="#br0" timeOffset="29442">6599 11325 0,'0'-24'0,"24"24"16,-24-24-16,24 24 15,1 0-15,-1-24 16,0 24-16,0-25 15,0 25-15,-48 0 32,-24 0-32,24 25 15,-25-1-15,1-24 16,0 24-16,-25 0 0,25 0 16,-1 1-16,25-1 0,0 0 15,24 0-15,24 0 16,0 0-16,25-24 0,23 25 15,1-25-15,-25 24 16,25-24-16,-25 24 0,0 0 16,-23 0-16,-25 1 0,0-1 15,-49 0-15,-23 0 16,-1 0-16,-24 1 0,-24 23 16,0-24-16,-24 0 0</inkml:trace>
+  <inkml:trace contextRef="#ctx0" brushRef="#br0" timeOffset="33592">14872 8471 0,'0'-25'0,"49"1"16,-49 0-16,-25 0 15,1 24 1,0 0-16,-24 0 0,-1 24 16,1-24-16,-25 24 15,1 0-15,-1 1 0,1 23 16,-1-24-16,25 0 0,23 1 16,1 23-16,24-24 15,24 25-15,25-25 0,-1 24 16,1-24-16,23 25 15,1-25-15,-1 24 0,-23-24 16,-1 1-16,-24 23 16,0-24-16,-24 0 0,-24 1 15,0-1-15,-24 24 0,-25-24 16,25 1-16,-25-1 16,1-24-16,23 24 0,1-24 15,24 0 1,-1-24-16</inkml:trace>
+  <inkml:trace contextRef="#ctx0" brushRef="#br0" timeOffset="33818">15090 8567 0,'121'-96'15,"-97"71"-15,0 25 16,-48 0-16,-24 25 15,24 23 1,-1-24-16,-23 49 0,24-25 16,-25 25-16,25-1 0,-24 25 15,24-24-15,-1-1 16,1 1-16,0-25 0,0 1 16,0-1-16,24 0 15</inkml:trace>
+  <inkml:trace contextRef="#ctx0" brushRef="#br0" timeOffset="34194">15356 8906 0,'24'-48'16,"0"-1"-16,1 1 0,-25 24 16,24-25-16,-24 25 15,-24 48 1,24 25-16,-25-25 15,25 0-15,-24 25 16,24-1-16,0-24 0,0 24 16,24 1-16,1-25 15,-25 0-15,24 0 0,24 1 16,-24-25-16,25 0 0,-25 0 16,24 0-16,1-25 15,-25 1-15,24-24 0,1 24 16,-25-25-16,0 1 15,0 24-15,-24-25 0,0 25 16,-24 73 15,0-25-31,0 24 0,24 0 16,-25 1-16,25-1 0,-24 1 16,24-1-16,0-24 15</inkml:trace>
+  <inkml:trace contextRef="#ctx0" brushRef="#br0" timeOffset="34607">15912 7866 0,'-169'-48'16,"-24"-1"-16,-49 25 0,-24 24 15,-1 48-15,1 1 0,0-1 16,24 49-16,0 0 16,49-1-16,24 25 0,23 24 15,26 1-15,47 23 0,25-24 16,48 0-16,24 25 16,24-49-16,49-1 0,48 1 15,0-48-15,49 0 16,-1-25-16,25-24 0,24-24 15,0 0-15,0-48 0,0-1 16,-1 1-16,-23-49 16,0 0-16,-25-48 0,-23 0 15,-1-24-15,-48 0 16,-24-25-16,-25 0 0,-47 25 16,-25 0-16,-49-1 0,-23 50 15,-49 23-15,-24 24 16,-25 25-16,-48 24 0,25 24 15,-1 24-15</inkml:trace>
+  <inkml:trace contextRef="#ctx0" brushRef="#br0" timeOffset="35154">15743 11446 0,'0'-24'0,"0"0"15,0 48 1,24-24-16,-24 48 15,0-24-15,0 25 0,0 23 16,0-23-16,0 23 16,0-23-16,0 23 0,0-23 15,0-1-15</inkml:trace>
+  <inkml:trace contextRef="#ctx0" brushRef="#br0" timeOffset="35431">15235 11688 0,'-97'-121'16,"73"48"-16,0 25 15,24-24-15,0 23 16,48 1-16,-23-1 0,47 1 16,1 24-16,23 24 0,1 0 15,24 0-15,-24 24 16,0 24-16,-1 1 0,1 23 15,-48 1-15,-25 24 16,-24-1-16,-24 1 0,-49 0 16,-24-24-16,-48 23 0,0-23 15,-24-1-15,-25 1 16,25-25-16,-25-23 0,25-1 16</inkml:trace>
+  <inkml:trace contextRef="#ctx0" brushRef="#br0" timeOffset="37175">19033 7527 0,'0'-24'16,"24"24"15,0 0-15,-24 24-1,0 0-15,25 1 16,-25 71-16,0-47 16,0 23-16,0-23 0,0 23 15,0-23-15,0 23 0,0-23 16,0-1-16,0 0 16,0 1-16,0-1 0,0 1 15,0-25-15,0 0 16,-25 0-16,1 0 0,24 0 15,-24 1-15,-24-1 0,23 0 16,-23-24-16,0 24 16,-25-24-16,1 24 0,-25-24 15,0 25-15,0-25 16,-169 24-16,145-24 16,-169 0-1,169 0-15,24 0 0,-24 0 16,49 0-16,-1 0 0,25 0 15,-1 0-15,1 0 16,24 0-16,0 0 16,-1 0-16,1 0 15,0 0-15,0 0 16,0 0-16,-1 24 0,1-24 16,0 0-16,0 24 15,0-24 1,24 24-1,0 1 17,24-25-17,-24 24-15,0 0 16,0 0-16,0 0 0,0 1 16,0 23-16,0-24 15,0 24-15,0 1 0,0-1 16,0 1-16,0-1 0,0 0 15,0 1-15,0-25 16,0 24-16,0-23 0,0 23 16,0-24-16,0 0 15,-24 0-15,-1 1 16,25-1-16,-24-24 0,0 24 0</inkml:trace>
+  <inkml:trace contextRef="#ctx0" brushRef="#br0" timeOffset="37548">16590 9414 0,'-24'0'16,"-1"0"-16,25-24 16,0 48-1,25 0 1,-1 0-1,0 1-15,0-1 16,25 0-16,-25-24 0,24 24 16,0 0-16,1-24 15,-1 25-15,1-25 0,23 0 16,-23 24-16,-1-24 16,0 0-16,-23 0 15,-1-24-15,0 24 16,-24-25-16,0 1 15,-24 0-15,0 0 16,-1 24-16,-23 0 16,24 24-16,-25-24 0,1 24 15,0 0-15,-1 1 16,1-1-16,-1 24 0</inkml:trace>
+  <inkml:trace contextRef="#ctx0" brushRef="#br0" timeOffset="47553">18694 11446 0,'0'-24'15,"25"24"-15,-25-24 16,0 0-16,24 24 16,-24-25-16,0 1 15,24 48 32,0-24-31,0 25-16,0-1 15,1-24-15,23 24 16,-24 0-16,25-24 0,-1 24 16,-24 0-16,25-24 15,-1 25-15,-24-25 0,0 24 16,1 0-16,-25 0 16,0 0-16,-25 1 15,1-1-15,-24 0 0,24 0 16,-25 0-16,1 1 15,-1-1-15,1 0 0,0 0 16,-1 0-16,25 1 0,0-25 16,0 24-16,24 0 15,24-24 17</inkml:trace>
+  <inkml:trace contextRef="#ctx0" brushRef="#br0" timeOffset="48087">20944 10648 0,'0'-49'16,"24"49"-16,-24 25 31,0 47-15,-24-23-16,24 23 0,0 1 15,-24-1-15,24 25 0,0 0 16,-24 24-16,24-24 0,0 23 15,0-23-15,-25 24 16,25-24-16,0-24 0,0 23 16,-24-47-16,24 23 0,0-23 15,0-25-15,0 0 16,0 0-16,0-48 16,0 0-16,0-25 15,0 25-15,0-24 0,0-25 16</inkml:trace>
+  <inkml:trace contextRef="#ctx0" brushRef="#br0" timeOffset="49038">21210 10914 0,'0'-24'15,"-24"24"-15,0 0 0,24-24 16,-24 24-16,-1 0 16,1 24-16,0 0 15,-24 24-15,-49 25 16,48-1-16,1-23 15,0 23-15,24 1 0,-1 0 0,1-25 16,24 24-16,0 1 16,0-25-16,24 1 0,25 23 15,-25-23-15,24-1 16,25 1-16,-25-25 0,25 0 16,-1 0-16,1 0 0,0-24 15,-1 0-15,-24 0 16,25-24-16,-25 0 0,1-24 15,-1 23-15,-24-47 16,1 23-16,-1-23 0,-24 23 16,0-23-16,0-1 0,-24 1 15,24 23-15,-25-23 16,-23 48-16,24-25 0,-25 25 16,25 0-16,-24 24 15,-1 0-15,25 0 0,0 0 16,-24 0-16,24 24 0,-1 0 15,1 0-15,24 1 16,-24-1-16,24 0 0,0 24 16,0-23-16,0-1 15,24 24-15,0 0 0,1 1 16,-1-1-16,24 25 16,0-25-16,1 25 0,-1-1 15,1 1-15,-1-1 0,0 1 16,1 0-16,-1-25 15,-24 25-15,-24-25 0,25 0 16,-25-23-16,0 23 0,-25-24 31</inkml:trace>
+  <inkml:trace contextRef="#ctx0" brushRef="#br0" timeOffset="50072">20001 9922 0,'-25'0'0,"1"0"16,0 0-16,0 0 15,0 24 1,24 0-16,0 25 0,-25-1 16,25 1-16,0 47 0,0 1 15,0 145 1,0-97-16,0 0 0,0 0 15,0 25-15,0-1 16,25 0-16,-25 1 0,0 23 16,0-23-16,24-1 0,-24 0 15,0 1-15,0-1 16,0-24-16,0-24 0,24 0 16,-24 0-16,0 0 15,0-24-15,0-25 0,0 25 16,0-49-16,0 25 0,0-25 15,0 1-15,-24-25 16,24 0-16,0 0 0,24-24 31,0-24-15,0 24-16,1 0 0,-1-24 16,24 24-16,25-24 15,-1 24-15,1 0 0,24 0 16,24-24-16,0 24 0,24 0 15,24 0-15,-24 0 16,49 0-16,-25 0 0,0 0 16,1 0-16,-1 24 15,0-24-15,-23 0 0,-1 0 16,-24 0-16,-25 0 0,1-24 16,0 24-16,-49-25 15,25 1-15,-25-24 0,-24 24 16,1-25-16,-25-23 15,0 23-15,0-23 0,-25-1 16,-23-24-16,24 1 0,-25-1 16,1 0-16,0-24 15,-1 0-15,1 0 0,24 0 16,-25-24-16,25 0 16,0 0-16,24 0 0,0-25 15,0 25-15,0 0 0,0 0 16,24 0-16,0 24 15,25-145-15,-1 24 16,-24 145 0,-24 0-16,25 25 0,-1-1 15,0 25-15,-24-1 0,0 1 16,0 24-16,0 0 16,0-1-16,-24 25 15,0-24-15,-1 24 16,-23 0-16,-25-24 15,1 24-15,-25-24 0,0 24 16,-48-24-16,-24 24 0,-49-24 16,-217 24-16,217 0 15,0 0-15,25 0 0,23 24 16,1-24-16,72 24 16,1 24-16,47-24 0,1 25 15</inkml:trace>
+  <inkml:trace contextRef="#ctx0" brushRef="#br0" timeOffset="50612">20823 13672 0,'0'-25'15,"0"-23"-15,0 24 0,0-25 16,24 25-16,-24 0 15,24 24-15,-24 48 16,0 1 0,0-1-16,-24 25 15,24-1-15,-24 25 16,0 72-16,0-72 16,24-24-16,-24 24 0,24-25 15,0-23-15,0 23 0,0-24 16,0-23-16,0-1 15,0 0-15,24 0 0</inkml:trace>
+  <inkml:trace contextRef="#ctx0" brushRef="#br0" timeOffset="50996">20678 14615 0,'-24'0'0,"0"-24"15,-1 24 1,1-24-16,0 24 15,0 0-15,0 24 16,-1-24-16,-23 24 16,24 0-16,0 0 0,-25 1 15,25 23-15,24-24 16,-24 25-16,24-25 0,24 0 16,0 0-16,0 25 0,25-49 15,-1 24-15,25-24 16,-1 0-16,1 0 0,0-24 15,-1-1-15,-24 1 0,1 0 16,-1 0-16,1 0 16,-25-1-16,-24 1 0,0 0 15,-24 0-15,-25 0 16,25 24-16,-24-25 0,-1 25 16,1 0-16,0 0 15,-1 0-15,25 0 0,0 0 16,-25 0-1,25-24-15,0 24 16</inkml:trace>
+  <inkml:trace contextRef="#ctx0" brushRef="#br0" timeOffset="51338">20025 14881 0,'-121'49'16,"121"-25"-1,0 0 1,24-24 0,24 0-16,1 0 0,-1 0 15,25 0-15,24-24 0,-1 24 16,25-24-16,0 24 15,0-25-15,0 25 0,121-24 16,-145 24 0,24 0-16,-73 0 15,0 0-15,-23 0 0,-50 0 32,1 0-32,0 0 0,0 0 15,0 0-15,0 0 0,24-24 16</inkml:trace>
+  <inkml:trace contextRef="#ctx0" brushRef="#br0" timeOffset="55001">24137 11398 0,'0'24'16,"24"-48"-1,1 24 1,-25-24-16,24 24 0,0 0 15,0 0 1,0 0-16,25 24 0,-25-24 16,0 24-16,24-24 0,-23 24 15,-1-24-15,0 24 16,0 0-16,-24 1 16,0-1-16,0 0 15,-24-24-15,-24 24 0,23 0 16,-23 1-16,0-1 0,-1-24 15,1 24-15,0 0 16,-1 0-16,25-24 0</inkml:trace>
+  <inkml:trace contextRef="#ctx0" brushRef="#br0" timeOffset="56442">25443 10091 0,'0'-24'16,"0"0"-16,0 0 0,0 0 15,0 48 1,0 0-1,0 0-15,0 0 0,-24 49 16,24-25-16,0 49 16,-24 0-16,24 24 0,-24 0 15,0 24-15,24 0 0,-24 0 16,-1 0-16,1 1 16,0-1-16,0 0 0,-25 24 15,25-24-15,0 0 16,-24 146-16,48-146 15,-25-24-15,25 0 0,-24 0 16,24 0-16,-24-25 16,24 1-16,0-24 0,0 24 15,0-25-15,0 1 0,-24-1 16,24-23-16,0-1 16,24 0-16,-24 1 0,24-25 15,0 0-15,1-24 16,-1 24-16,0-24 0,24 0 15,1 0-15,-1 0 0,1 0 16,23 0-16,-24 0 16,25 0-16,-25 0 0,25 0 15,0 0-15,23 0 16,1 0-16,0 25 0,0-25 16,48 0-16,0 24 0,0-24 15,24 24-15,1-24 16,217 48-16,-218-48 15,25 24-15,-1-24 16,-24 25-16,1-1 0,120 0 16,-48 0-1,-121-24 1,-48 0-16,23 0 0,-47 0 16,23 0-16,-48-24 0,1 0 15,-1 0-15,-24-1 0,0 1 16,0-24-16,-24 24 0,24-25 15,-25 25-15,1-24 16,0 24-16,0-25 0,0 25 16,24-24-16,-25 23 15,25-23-15,0 0 0,0 23 16,0-47-16,0 24 16,25-25-16,-25-24 0,24 25 15,-24-49-15,24 24 0,-24-48 16,0 24-16,0-24 15,24 0-15,-24-1 0,73-289 32,-25 193-17,1 121-15,-1 0 0,0 0 0,1 0 16,-25 24-16,24-23 16,1 23-16,-1 0 0,-24 0 15,0 25-15,1-1 0,-1 25 16,-24-1-16,0 1 15,0 24-15,0 0 16,0-1 0,-24 25-1,-1 0 1,-23-24-16,24 24 16,-49 0-16,1-24 0,-25 0 15,0 24-15,-48-24 0,0-25 16,0 25-1,-49 0-15,25-25 0,-25 25 0,1 0 16,-1 0-16,1 0 16,23 24-16,25-24 0,0 24 15,0 0-15,24 0 16,24 0-16,-24 0 0,25 0 16,-1 0-16,0 0 0,-24 0 15,24 0-15,1 0 16,-25 0-16,24-25 0,24 25 15,1 0-15,-1 0 0,25 0 16,-1 0-16,25 0 16,0 0-16,48 0 15,25 0 1,23 25-16,-23-1 16,-1 0-16,-24-24 15</inkml:trace>
+  <inkml:trace contextRef="#ctx0" brushRef="#br0" timeOffset="57104">26774 13938 0,'0'24'15,"24"0"-15,-24 0 16,0 25-16,-24-25 16,24 48-16,-24-23 0,0-1 15,-1 25-15,25-25 16,-48 73-16,24 0 16,0-97-1,-1 49-15,1-49 16,0 0-16,0-24 15</inkml:trace>
+  <inkml:trace contextRef="#ctx0" brushRef="#br0" timeOffset="57484">26484 14784 0,'-25'25'47,"1"-25"-47,-24 48 16,24-24-16,-25 0 0,1 25 15,0-25-15,23 24 16,1 1-16,0-25 16,24 24-16,0-24 0,48 49 15,-23-49-15,23 0 16,0-24-16,1 0 0,-1 0 15,25 0-15,-25-24 16,0 0-16,1 0 0,-1-25 16,-24 1-16,1 24 15,-1-25-15,-24 1 0,0 24 16,-24-24-16,-1 23 0,1 1 16,-24 0-16,24 0 15,-1 24-15,-23-24 0,24 24 16,0 0-16,-1 0 15</inkml:trace>
+  <inkml:trace contextRef="#ctx0" brushRef="#br0" timeOffset="57714">26822 15026 0,'25'0'0,"-1"0"16,24 0-16,-24 0 16,25-24-16,-1 24 0,0 0 15,25 0-15,-25-24 0,1 24 16,23 0-16,-23 0 16,-25 0-16,24 0 0,-24-24 15,-48 24 1</inkml:trace>
+  <inkml:trace contextRef="#ctx0" brushRef="#br0" timeOffset="58003">24887 14905 0,'0'25'15,"24"-25"-15,0 0 16,1-25-16,47 25 0,-23 0 16,23-24-16,1 24 0,-1-24 15,1 24-15,-1 0 16,-23 0-16,23 0 0,-23 0 15,-1 0-15,1 0 16,-1 0-16,-24 24 0</inkml:trace>
+  <inkml:trace contextRef="#ctx0" brushRef="#br0" timeOffset="59315">25661 14881 0,'0'-24'0,"0"48"47,0 0-16,24-24-31,1 0 16,-1 25-16,24-25 15,-24 0-15,25 0 16,23 0-16,-23 0 0,23 0 15,-23 0-15,-1 0 0,0 0 16,1 0-16,-25-25 16,0 25-16,0 0 0,-24-24 31,-24 24-15,0 0-16,0-24 0</inkml:trace>
+  <inkml:trace contextRef="#ctx0" brushRef="#br0" timeOffset="61493">5051 6777 0,'0'-24'15,"-24"24"-15,24-24 16,-24 0-16,-1 0 16,1 24-1,0 0 1,0 0-16,-25 48 15,25-24-15,24 0 16,-24 1-16,0-1 0,0 0 16,24 0-16,-25-24 15,25 24-15,25-24 32,-1-24-17,0 0-15,0 0 0,0 0 16,1-1-16,-1-23 15,0 0-15,-24-1 0,24 1 16,0 24-16,-24-25 0,25 1 16,-25-1-16,0 25 15,0 0-15,0 0 0,0 0 16,0 48 0,-25 0-1,25 0-15,0 0 0,-24 1 16,24 23-16,0-24 15,0 25-15,0-25 0,0 0 16</inkml:trace>
+  <inkml:trace contextRef="#ctx0" brushRef="#br0" timeOffset="62669">5172 6681 0,'24'-73'15,"-24"49"-15,0 0 16,0-1-16,-24 1 0,24 0 16,-24 24-1,-1 24 1,25 0 0,0 1-16,0-1 15,0 0-15,0 0 16,0 0-1,25-24-15,-1 0 32,0 0-32,0-24 15,0 0 1,1 24 0,-25-24-16,0 0 31,-25 24-31,50 0 62,-1 0-46,0 0-16,0 0 16,0-25-16,1 1 15,-1 0-15,0 0 16,-24 0-1,0-1-15,24 1 16,-24 0-16,0 0 0,0 0 16,0 0-16,0-1 15,0 50 1,0-1 0,0 0-1,-24 24-15,24-24 0,0 1 16,0-1-16,24 0 0,-24 0 15,24 0-15,-24 1 16,25-25-16,-1 0 16,0 0-1,0 0-15,0-25 16,0 1-16,1 24 16,-25-24-16,0 0 15,0 0-15,0-1 16,-25 25-1,25-24 1,-24 24-16,48 0 63,-24-24-48,25 24-15,-1-24 16,-24 0-16,24 24 15,-24-24-15,24-25 0,-24 25 16,24 0-16,-24-25 16,0 25-16,0-24 0,-24 24 15,0-25-15,0 25 0,-25 0 16,-23 0-16,-1 24 16,-48 0-16,25 24 0,-50 0 15,1 24-15,0 1 16,-169 96-16,169-72 15,-1 23-15,-47 98 16,120-97 0,49-1-16,24 1 0,49 0 15,23 0-15,25-25 0,24 1 16,24-25-16,339 25 16,-315-97-1,0-25-15,1 1 0,-25-25 16,-24 1-16,-24-1 0,-25-24 15,-23 1-15,-49-1 16,-25 0-16,1 24 0,-48-23 16,-1 47-16,-24-23 0,-24 48 15,25-1-15,-1 25 16,0 0-16</inkml:trace>
+  <inkml:trace contextRef="#ctx0" brushRef="#br0" timeOffset="64175">4422 7600 0,'-121'72'16,"24"1"-16,-24 24 15,-24-1-15,0 1 0,0 0 16,0 24-16,0 0 15,-25 24-15,1-24 0,-25 24 16,25 0-16,0 0 0,-25 1 16,25-25-16,0 24 15,23-24-15,1-25 0,0 25 16,24-24-16,24 0 16,1 24-16,23-24 0,0-1 15,25 1-15,0 0 0,-1 0 16,1-1-16,24 1 15,0 0-15,-1 0 0,25-25 16,0 25-16,0 0 0,0 0 16,0-1-16,49 1 15,-25 0-15,24 24 0,1 0 16,-1 24-16,25-24 16,-25 24-16,25-24 0,-1 24 15,1 0-15,-1-24 0,25 24 16,-24-24-16,23 24 15,-23-24-15,24 0 0,-25 24 16,315 339 0,-266-363-1,121 97 1,-121-97-16,49-24 0,-1-1 16,0-23-16,49 0 0,0-1 15,48 1-15,0-25 16,0 0-16,24-23 0,25 23 15,-1-24-15,1 0 0,-1 1 16,25-1-16,-25 0 16,25 0-16,0 0 0,-1 1 15,1-1-15,0 0 16,-1 24-16,-23-24 0,23 1 16,-23-1-16,-1 0 15,1 0-15,-25-24 0,0 24 16,1-24-16,-25 25 15,-24-25-15,0 0 0,-1 0 16,-23 0-16,0 0 0,-25 0 16,1 0-16,-1 0 15,1 0-15,0 24 0,-1-24 16,1 0-16,-1 24 16,1-24-16,-25 0 0,0 0 15,1 0-15,-1-24 0,-24 24 16,0-24-16,0-1 0,1 25 15,-1-24-15,24 0 16,-48 0-16,24 0 0,0-1 16,0 1-16,1 24 15,-1-24-15,0 0 0,24 24 16,-24-24-16,0 24 0,25-24 16,-1 24-16,-24 0 15,25 0-15,-25 0 0,0 0 16,169 0-1,-193 0-15,24-25 0,1 25 16,-1 0-16,-24-24 0,24 0 16,0 24-16,0-24 15,-24 0-15,24-1 0,-24 1 16,0 0-16,0 0 16,-24 24-16,24-24 0,-49-1 15,25 1-15,0 24 0,-25-24 16,25 0-16,-24 24 15,-1-24-15,1-1 0,-1 25 16,1-24-16,0 0 16,-1 24-16,25-24 0,-24 24 15,23-24-15,-23 24 0,24 0 16,-1 0-16,1 0 16,0-24-16,0 24 0,24-25 15,-25 25-15,1-24 16,121-24-16,-121 24 15,-25-1-15,25 1 0,0 0 16,-25 0-16,1 0 16,-1-1-16,1 1 0,0 0 15,-1 0-15,1 24 16,-25-24-16,25-1 0,-25 1 16,0 24-16,1-24 0,-25 0 15,24 24-15,1-24 16,-1 24-16,-24 0 0,25 0 15,-25 0-15,24 0 16,-24 0-16,1 0 0,-1-24 16,0 24-16,0 0 0,0 0 15,-24-25-15,0 1 16</inkml:trace>
+  <inkml:trace contextRef="#ctx0" brushRef="#br0" timeOffset="64451">24331 14301 0,'-24'0'0,"-1"24"16,50-24 15,-1 0-15,0 0-16,24 0 15,-24 0-15,1 24 16,-1 0-16,0-24 0,0 49 16,0-25-16,-24 0 15,0 0-15,0 24 0,-24-23 16,0-1-16,0 24 0,-25-24 16,1-24-16,0 25 15,-25-1-15</inkml:trace>
+  <inkml:trace contextRef="#ctx0" brushRef="#br0" timeOffset="65517">26798 11277 0,'0'24'0,"0"0"16,24-24-1,-24 24 1,25 1-16,-25-1 16,0 0-16,0 0 0,0 0 15,0 0-15,0 25 0,0-25 16,0 24-16,-25-23 15,25-1-15,0 0 0,0 0 16,25-24-16,-1 0 16,0-24-16,24 0 15,1 0-15,23-1 0,1-23 16,24 0-16,-1-25 16,1 25-16,0-25 0,24 1 15,-24-1-15,-1 25 16,1-25-16,-24 25 15,-1-1-15,1 25 0,-49 0 16,49 0-16,-49 24 16</inkml:trace>
+  <inkml:trace contextRef="#ctx0" brushRef="#br0" timeOffset="68092">26097 7987 0,'0'-24'16,"0"48"31,0 0-47,0 0 16,24 0-16,-24 1 15,24-1-15,-24 0 0,24 0 16,0 0-16,-24 1 15,25-25-15,-25 24 0,24 0 16,0-24 0,0 0-1,-24-24-15,24 24 0,1-24 16,-25-1-16,24 1 0,0 24 16,-24-24-16,24 0 15,-24 0-15,24 24 0,-24-25 16,0 50-1,0-1 1,-24 0-16,24 24 16,-24-23-16,24 23 0,0 0 15,-24 25-15,24-25 0,0 1 16,-24-1-16,24 0 16,0-23-16,0 23 0,-25-24 15,25 0-15,-24 1 16</inkml:trace>
+  <inkml:trace contextRef="#ctx0" brushRef="#br0" timeOffset="68538">26459 7938 0,'0'-48'15,"0"0"-15,-24 24 0,0-1 16,-24-23-16,24 48 15,-25 0-15,25 24 16,-24 0-16,-1 1 0,-23 23 16,23 0-16,1 25 0,-25-25 15,25 25-15,0 24 0,-1-25 16,25 25-16,0 0 16,0-25-16,24 25 0,24 0 15,0-25-15,0 25 16,25-49-16,23 25 0,1-25 15,-1-23-15,1-1 0,24-24 16,-25 0-16,25-24 16,0-25-16,-25-23 0,1-1 15,24 1-15,-49-49 16,25 24-16,-25-24 0,-24 24 16,0-24-16,-24 24 0,0 1 15,-24-1-15,0 24 16,-24 25-16,-25-25 15,25 49-15,-25 0 0,25 0 16,-1 24-16,1 24 0,-1-24 16,25 24-16,24 25 0,0-1 15,0-24-15,24 24 16</inkml:trace>
+  <inkml:trace contextRef="#ctx0" brushRef="#br0" timeOffset="68822">27621 8446 0,'0'25'15,"24"-25"17,0 0-17,0 0-15,25 0 0,-1 0 16,0-25-16,25 25 15,72 0 1,-48-24-16,0 24 16,-73 0-1,0-24-15,-48 0 32</inkml:trace>
+  <inkml:trace contextRef="#ctx0" brushRef="#br0" timeOffset="69678">29072 8180 0,'0'-24'0,"0"0"31,-24 24 0,0 0-15,-1 24-16,1 0 0,-24 1 16,24-1-16,-25 24 15,1 1-15,24-1 0,-25 0 16,25 1-16,0 23 0,24-23 16,0-1-16,0 0 15,0 1-15,24-1 0,0-24 16,1 25-16,-1-25 15,0-24-15,24 24 0,-23-24 16,-1 0-16,0 0 0,0-24 16,0 0-16,0 24 15,1-24-15,-1-25 0,-24 25 16,24 0-16,-24 0 0,24-1 16,0 1-1,-24 48 16,0 1-31,0-1 0,-24 24 16,24-24-16,0 25 16,0-1-16,0-24 0,0 25 15,0-25-15,0 0 0,24 0 16,-24 0-16</inkml:trace>
+  <inkml:trace contextRef="#ctx0" brushRef="#br0" timeOffset="70152">29653 8132 0,'-25'-97'16,"-23"25"-16,0-1 0,-1 1 16,-23 23-16,-1 25 0,1 0 15,-1 24-15,0 0 16,-23 24-16,23 0 0,1 25 15,-1 23-15,-24 1 16,25 23-16,-1 1 0,0 0 16,25 24-16,0 0 0,-1 0 15,25 0-15,0-24 16,0 23-16,24-23 0,0 0 16,24-24-16,0 23 15,0-47-15,25 23 0,-1-23 16,25-1-16,23-24 0,1-24 15,0 0-15,0 0 16,48-24-16,-24-24 0,24-1 16,0-23-16,0-25 15,0 0-15,-24-24 16,0 0-16,0-24 0,-48 24 0,-1 0 16,-23 0-16,-1 0 15,-48 0-15,0 25 0,-24-1 16,-49 24-16,25-23 0,-25 47 15,-23-23-15,-1 23 16,0 1-16,0 24 0,1 24 16,23 0-16,0 0 15,1 24-15</inkml:trace>
 </inkml:ink>
 </file>
 
@@ -1947,7 +2446,7 @@
           <a:p>
             <a:fld id="{8FFC6F69-B44F-47C0-94B0-F8979272EA92}" type="datetimeFigureOut">
               <a:rPr lang="en-US" smtClean="0"/>
-              <a:t>10/19/2021</a:t>
+              <a:t>10/21/2021</a:t>
             </a:fld>
             <a:endParaRPr lang="en-US"/>
           </a:p>
@@ -2145,7 +2644,7 @@
           <a:p>
             <a:fld id="{8FFC6F69-B44F-47C0-94B0-F8979272EA92}" type="datetimeFigureOut">
               <a:rPr lang="en-US" smtClean="0"/>
-              <a:t>10/19/2021</a:t>
+              <a:t>10/21/2021</a:t>
             </a:fld>
             <a:endParaRPr lang="en-US"/>
           </a:p>
@@ -2353,7 +2852,7 @@
           <a:p>
             <a:fld id="{8FFC6F69-B44F-47C0-94B0-F8979272EA92}" type="datetimeFigureOut">
               <a:rPr lang="en-US" smtClean="0"/>
-              <a:t>10/19/2021</a:t>
+              <a:t>10/21/2021</a:t>
             </a:fld>
             <a:endParaRPr lang="en-US"/>
           </a:p>
@@ -2551,7 +3050,7 @@
           <a:p>
             <a:fld id="{8FFC6F69-B44F-47C0-94B0-F8979272EA92}" type="datetimeFigureOut">
               <a:rPr lang="en-US" smtClean="0"/>
-              <a:t>10/19/2021</a:t>
+              <a:t>10/21/2021</a:t>
             </a:fld>
             <a:endParaRPr lang="en-US"/>
           </a:p>
@@ -2826,7 +3325,7 @@
           <a:p>
             <a:fld id="{8FFC6F69-B44F-47C0-94B0-F8979272EA92}" type="datetimeFigureOut">
               <a:rPr lang="en-US" smtClean="0"/>
-              <a:t>10/19/2021</a:t>
+              <a:t>10/21/2021</a:t>
             </a:fld>
             <a:endParaRPr lang="en-US"/>
           </a:p>
@@ -3091,7 +3590,7 @@
           <a:p>
             <a:fld id="{8FFC6F69-B44F-47C0-94B0-F8979272EA92}" type="datetimeFigureOut">
               <a:rPr lang="en-US" smtClean="0"/>
-              <a:t>10/19/2021</a:t>
+              <a:t>10/21/2021</a:t>
             </a:fld>
             <a:endParaRPr lang="en-US"/>
           </a:p>
@@ -3503,7 +4002,7 @@
           <a:p>
             <a:fld id="{8FFC6F69-B44F-47C0-94B0-F8979272EA92}" type="datetimeFigureOut">
               <a:rPr lang="en-US" smtClean="0"/>
-              <a:t>10/19/2021</a:t>
+              <a:t>10/21/2021</a:t>
             </a:fld>
             <a:endParaRPr lang="en-US"/>
           </a:p>
@@ -3644,7 +4143,7 @@
           <a:p>
             <a:fld id="{8FFC6F69-B44F-47C0-94B0-F8979272EA92}" type="datetimeFigureOut">
               <a:rPr lang="en-US" smtClean="0"/>
-              <a:t>10/19/2021</a:t>
+              <a:t>10/21/2021</a:t>
             </a:fld>
             <a:endParaRPr lang="en-US"/>
           </a:p>
@@ -3757,7 +4256,7 @@
           <a:p>
             <a:fld id="{8FFC6F69-B44F-47C0-94B0-F8979272EA92}" type="datetimeFigureOut">
               <a:rPr lang="en-US" smtClean="0"/>
-              <a:t>10/19/2021</a:t>
+              <a:t>10/21/2021</a:t>
             </a:fld>
             <a:endParaRPr lang="en-US"/>
           </a:p>
@@ -4068,7 +4567,7 @@
           <a:p>
             <a:fld id="{8FFC6F69-B44F-47C0-94B0-F8979272EA92}" type="datetimeFigureOut">
               <a:rPr lang="en-US" smtClean="0"/>
-              <a:t>10/19/2021</a:t>
+              <a:t>10/21/2021</a:t>
             </a:fld>
             <a:endParaRPr lang="en-US"/>
           </a:p>
@@ -4356,7 +4855,7 @@
           <a:p>
             <a:fld id="{8FFC6F69-B44F-47C0-94B0-F8979272EA92}" type="datetimeFigureOut">
               <a:rPr lang="en-US" smtClean="0"/>
-              <a:t>10/19/2021</a:t>
+              <a:t>10/21/2021</a:t>
             </a:fld>
             <a:endParaRPr lang="en-US"/>
           </a:p>
@@ -4597,7 +5096,7 @@
           <a:p>
             <a:fld id="{8FFC6F69-B44F-47C0-94B0-F8979272EA92}" type="datetimeFigureOut">
               <a:rPr lang="en-US" smtClean="0"/>
-              <a:t>10/19/2021</a:t>
+              <a:t>10/21/2021</a:t>
             </a:fld>
             <a:endParaRPr lang="en-US"/>
           </a:p>
@@ -7483,8 +7982,8 @@
           </a:p>
         </p:txBody>
       </p:sp>
-      <mc:AlternateContent xmlns:mc="http://schemas.openxmlformats.org/markup-compatibility/2006">
-        <mc:Choice xmlns:p14="http://schemas.microsoft.com/office/powerpoint/2010/main" Requires="p14">
+      <mc:AlternateContent xmlns:mc="http://schemas.openxmlformats.org/markup-compatibility/2006" xmlns:p14="http://schemas.microsoft.com/office/powerpoint/2010/main">
+        <mc:Choice Requires="p14">
           <p:contentPart p14:bwMode="auto" r:id="rId2">
             <p14:nvContentPartPr>
               <p14:cNvPr id="17" name="Ink 16">
@@ -7503,7 +8002,7 @@
             </p14:xfrm>
           </p:contentPart>
         </mc:Choice>
-        <mc:Fallback>
+        <mc:Fallback xmlns="">
           <p:pic>
             <p:nvPicPr>
               <p:cNvPr id="17" name="Ink 16">
@@ -7534,8 +8033,8 @@
           </p:pic>
         </mc:Fallback>
       </mc:AlternateContent>
-      <mc:AlternateContent xmlns:mc="http://schemas.openxmlformats.org/markup-compatibility/2006">
-        <mc:Choice xmlns:p14="http://schemas.microsoft.com/office/powerpoint/2010/main" Requires="p14">
+      <mc:AlternateContent xmlns:mc="http://schemas.openxmlformats.org/markup-compatibility/2006" xmlns:p14="http://schemas.microsoft.com/office/powerpoint/2010/main">
+        <mc:Choice Requires="p14">
           <p:contentPart p14:bwMode="auto" r:id="rId4">
             <p14:nvContentPartPr>
               <p14:cNvPr id="30" name="Ink 29">
@@ -7554,7 +8053,7 @@
             </p14:xfrm>
           </p:contentPart>
         </mc:Choice>
-        <mc:Fallback>
+        <mc:Fallback xmlns="">
           <p:pic>
             <p:nvPicPr>
               <p:cNvPr id="30" name="Ink 29">
@@ -7585,8 +8084,8 @@
           </p:pic>
         </mc:Fallback>
       </mc:AlternateContent>
-      <mc:AlternateContent xmlns:mc="http://schemas.openxmlformats.org/markup-compatibility/2006">
-        <mc:Choice xmlns:p14="http://schemas.microsoft.com/office/powerpoint/2010/main" Requires="p14">
+      <mc:AlternateContent xmlns:mc="http://schemas.openxmlformats.org/markup-compatibility/2006" xmlns:p14="http://schemas.microsoft.com/office/powerpoint/2010/main">
+        <mc:Choice Requires="p14">
           <p:contentPart p14:bwMode="auto" r:id="rId6">
             <p14:nvContentPartPr>
               <p14:cNvPr id="43" name="Ink 42">
@@ -7605,7 +8104,7 @@
             </p14:xfrm>
           </p:contentPart>
         </mc:Choice>
-        <mc:Fallback>
+        <mc:Fallback xmlns="">
           <p:pic>
             <p:nvPicPr>
               <p:cNvPr id="43" name="Ink 42">
@@ -7636,8 +8135,8 @@
           </p:pic>
         </mc:Fallback>
       </mc:AlternateContent>
-      <mc:AlternateContent xmlns:mc="http://schemas.openxmlformats.org/markup-compatibility/2006">
-        <mc:Choice xmlns:p14="http://schemas.microsoft.com/office/powerpoint/2010/main" Requires="p14">
+      <mc:AlternateContent xmlns:mc="http://schemas.openxmlformats.org/markup-compatibility/2006" xmlns:p14="http://schemas.microsoft.com/office/powerpoint/2010/main">
+        <mc:Choice Requires="p14">
           <p:contentPart p14:bwMode="auto" r:id="rId8">
             <p14:nvContentPartPr>
               <p14:cNvPr id="44" name="Ink 43">
@@ -7656,7 +8155,7 @@
             </p14:xfrm>
           </p:contentPart>
         </mc:Choice>
-        <mc:Fallback>
+        <mc:Fallback xmlns="">
           <p:pic>
             <p:nvPicPr>
               <p:cNvPr id="44" name="Ink 43">
@@ -7687,8 +8186,8 @@
           </p:pic>
         </mc:Fallback>
       </mc:AlternateContent>
-      <mc:AlternateContent xmlns:mc="http://schemas.openxmlformats.org/markup-compatibility/2006">
-        <mc:Choice xmlns:p14="http://schemas.microsoft.com/office/powerpoint/2010/main" Requires="p14">
+      <mc:AlternateContent xmlns:mc="http://schemas.openxmlformats.org/markup-compatibility/2006" xmlns:p14="http://schemas.microsoft.com/office/powerpoint/2010/main">
+        <mc:Choice Requires="p14">
           <p:contentPart p14:bwMode="auto" r:id="rId9">
             <p14:nvContentPartPr>
               <p14:cNvPr id="45" name="Ink 44">
@@ -7707,7 +8206,7 @@
             </p14:xfrm>
           </p:contentPart>
         </mc:Choice>
-        <mc:Fallback>
+        <mc:Fallback xmlns="">
           <p:pic>
             <p:nvPicPr>
               <p:cNvPr id="45" name="Ink 44">
@@ -7738,8 +8237,8 @@
           </p:pic>
         </mc:Fallback>
       </mc:AlternateContent>
-      <mc:AlternateContent xmlns:mc="http://schemas.openxmlformats.org/markup-compatibility/2006">
-        <mc:Choice xmlns:p14="http://schemas.microsoft.com/office/powerpoint/2010/main" Requires="p14">
+      <mc:AlternateContent xmlns:mc="http://schemas.openxmlformats.org/markup-compatibility/2006" xmlns:p14="http://schemas.microsoft.com/office/powerpoint/2010/main">
+        <mc:Choice Requires="p14">
           <p:contentPart p14:bwMode="auto" r:id="rId11">
             <p14:nvContentPartPr>
               <p14:cNvPr id="46" name="Ink 45">
@@ -7758,7 +8257,7 @@
             </p14:xfrm>
           </p:contentPart>
         </mc:Choice>
-        <mc:Fallback>
+        <mc:Fallback xmlns="">
           <p:pic>
             <p:nvPicPr>
               <p:cNvPr id="46" name="Ink 45">
@@ -7789,8 +8288,8 @@
           </p:pic>
         </mc:Fallback>
       </mc:AlternateContent>
-      <mc:AlternateContent xmlns:mc="http://schemas.openxmlformats.org/markup-compatibility/2006">
-        <mc:Choice xmlns:p14="http://schemas.microsoft.com/office/powerpoint/2010/main" Requires="p14">
+      <mc:AlternateContent xmlns:mc="http://schemas.openxmlformats.org/markup-compatibility/2006" xmlns:p14="http://schemas.microsoft.com/office/powerpoint/2010/main">
+        <mc:Choice Requires="p14">
           <p:contentPart p14:bwMode="auto" r:id="rId13">
             <p14:nvContentPartPr>
               <p14:cNvPr id="47" name="Ink 46">
@@ -7809,7 +8308,7 @@
             </p14:xfrm>
           </p:contentPart>
         </mc:Choice>
-        <mc:Fallback>
+        <mc:Fallback xmlns="">
           <p:pic>
             <p:nvPicPr>
               <p:cNvPr id="47" name="Ink 46">
@@ -7840,8 +8339,8 @@
           </p:pic>
         </mc:Fallback>
       </mc:AlternateContent>
-      <mc:AlternateContent xmlns:mc="http://schemas.openxmlformats.org/markup-compatibility/2006">
-        <mc:Choice xmlns:p14="http://schemas.microsoft.com/office/powerpoint/2010/main" Requires="p14">
+      <mc:AlternateContent xmlns:mc="http://schemas.openxmlformats.org/markup-compatibility/2006" xmlns:p14="http://schemas.microsoft.com/office/powerpoint/2010/main">
+        <mc:Choice Requires="p14">
           <p:contentPart p14:bwMode="auto" r:id="rId15">
             <p14:nvContentPartPr>
               <p14:cNvPr id="48" name="Ink 47">
@@ -7860,7 +8359,7 @@
             </p14:xfrm>
           </p:contentPart>
         </mc:Choice>
-        <mc:Fallback>
+        <mc:Fallback xmlns="">
           <p:pic>
             <p:nvPicPr>
               <p:cNvPr id="48" name="Ink 47">
@@ -7891,8 +8390,8 @@
           </p:pic>
         </mc:Fallback>
       </mc:AlternateContent>
-      <mc:AlternateContent xmlns:mc="http://schemas.openxmlformats.org/markup-compatibility/2006">
-        <mc:Choice xmlns:p14="http://schemas.microsoft.com/office/powerpoint/2010/main" Requires="p14">
+      <mc:AlternateContent xmlns:mc="http://schemas.openxmlformats.org/markup-compatibility/2006" xmlns:p14="http://schemas.microsoft.com/office/powerpoint/2010/main">
+        <mc:Choice Requires="p14">
           <p:contentPart p14:bwMode="auto" r:id="rId16">
             <p14:nvContentPartPr>
               <p14:cNvPr id="49" name="Ink 48">
@@ -7911,7 +8410,7 @@
             </p14:xfrm>
           </p:contentPart>
         </mc:Choice>
-        <mc:Fallback>
+        <mc:Fallback xmlns="">
           <p:pic>
             <p:nvPicPr>
               <p:cNvPr id="49" name="Ink 48">
@@ -7942,8 +8441,8 @@
           </p:pic>
         </mc:Fallback>
       </mc:AlternateContent>
-      <mc:AlternateContent xmlns:mc="http://schemas.openxmlformats.org/markup-compatibility/2006">
-        <mc:Choice xmlns:p14="http://schemas.microsoft.com/office/powerpoint/2010/main" Requires="p14">
+      <mc:AlternateContent xmlns:mc="http://schemas.openxmlformats.org/markup-compatibility/2006" xmlns:p14="http://schemas.microsoft.com/office/powerpoint/2010/main">
+        <mc:Choice Requires="p14">
           <p:contentPart p14:bwMode="auto" r:id="rId17">
             <p14:nvContentPartPr>
               <p14:cNvPr id="50" name="Ink 49">
@@ -7962,7 +8461,7 @@
             </p14:xfrm>
           </p:contentPart>
         </mc:Choice>
-        <mc:Fallback>
+        <mc:Fallback xmlns="">
           <p:pic>
             <p:nvPicPr>
               <p:cNvPr id="50" name="Ink 49">
@@ -7993,8 +8492,8 @@
           </p:pic>
         </mc:Fallback>
       </mc:AlternateContent>
-      <mc:AlternateContent xmlns:mc="http://schemas.openxmlformats.org/markup-compatibility/2006">
-        <mc:Choice xmlns:p14="http://schemas.microsoft.com/office/powerpoint/2010/main" Requires="p14">
+      <mc:AlternateContent xmlns:mc="http://schemas.openxmlformats.org/markup-compatibility/2006" xmlns:p14="http://schemas.microsoft.com/office/powerpoint/2010/main">
+        <mc:Choice Requires="p14">
           <p:contentPart p14:bwMode="auto" r:id="rId19">
             <p14:nvContentPartPr>
               <p14:cNvPr id="51" name="Ink 50">
@@ -8013,7 +8512,7 @@
             </p14:xfrm>
           </p:contentPart>
         </mc:Choice>
-        <mc:Fallback>
+        <mc:Fallback xmlns="">
           <p:pic>
             <p:nvPicPr>
               <p:cNvPr id="51" name="Ink 50">
@@ -8044,8 +8543,8 @@
           </p:pic>
         </mc:Fallback>
       </mc:AlternateContent>
-      <mc:AlternateContent xmlns:mc="http://schemas.openxmlformats.org/markup-compatibility/2006">
-        <mc:Choice xmlns:p14="http://schemas.microsoft.com/office/powerpoint/2010/main" Requires="p14">
+      <mc:AlternateContent xmlns:mc="http://schemas.openxmlformats.org/markup-compatibility/2006" xmlns:p14="http://schemas.microsoft.com/office/powerpoint/2010/main">
+        <mc:Choice Requires="p14">
           <p:contentPart p14:bwMode="auto" r:id="rId20">
             <p14:nvContentPartPr>
               <p14:cNvPr id="52" name="Ink 51">
@@ -8064,7 +8563,7 @@
             </p14:xfrm>
           </p:contentPart>
         </mc:Choice>
-        <mc:Fallback>
+        <mc:Fallback xmlns="">
           <p:pic>
             <p:nvPicPr>
               <p:cNvPr id="52" name="Ink 51">
@@ -8095,8 +8594,8 @@
           </p:pic>
         </mc:Fallback>
       </mc:AlternateContent>
-      <mc:AlternateContent xmlns:mc="http://schemas.openxmlformats.org/markup-compatibility/2006">
-        <mc:Choice xmlns:p14="http://schemas.microsoft.com/office/powerpoint/2010/main" Requires="p14">
+      <mc:AlternateContent xmlns:mc="http://schemas.openxmlformats.org/markup-compatibility/2006" xmlns:p14="http://schemas.microsoft.com/office/powerpoint/2010/main">
+        <mc:Choice Requires="p14">
           <p:contentPart p14:bwMode="auto" r:id="rId21">
             <p14:nvContentPartPr>
               <p14:cNvPr id="53" name="Ink 52">
@@ -8115,7 +8614,7 @@
             </p14:xfrm>
           </p:contentPart>
         </mc:Choice>
-        <mc:Fallback>
+        <mc:Fallback xmlns="">
           <p:pic>
             <p:nvPicPr>
               <p:cNvPr id="53" name="Ink 52">
@@ -8146,8 +8645,8 @@
           </p:pic>
         </mc:Fallback>
       </mc:AlternateContent>
-      <mc:AlternateContent xmlns:mc="http://schemas.openxmlformats.org/markup-compatibility/2006">
-        <mc:Choice xmlns:p14="http://schemas.microsoft.com/office/powerpoint/2010/main" Requires="p14">
+      <mc:AlternateContent xmlns:mc="http://schemas.openxmlformats.org/markup-compatibility/2006" xmlns:p14="http://schemas.microsoft.com/office/powerpoint/2010/main">
+        <mc:Choice Requires="p14">
           <p:contentPart p14:bwMode="auto" r:id="rId22">
             <p14:nvContentPartPr>
               <p14:cNvPr id="54" name="Ink 53">
@@ -8166,7 +8665,7 @@
             </p14:xfrm>
           </p:contentPart>
         </mc:Choice>
-        <mc:Fallback>
+        <mc:Fallback xmlns="">
           <p:pic>
             <p:nvPicPr>
               <p:cNvPr id="54" name="Ink 53">
@@ -8197,8 +8696,8 @@
           </p:pic>
         </mc:Fallback>
       </mc:AlternateContent>
-      <mc:AlternateContent xmlns:mc="http://schemas.openxmlformats.org/markup-compatibility/2006">
-        <mc:Choice xmlns:p14="http://schemas.microsoft.com/office/powerpoint/2010/main" Requires="p14">
+      <mc:AlternateContent xmlns:mc="http://schemas.openxmlformats.org/markup-compatibility/2006" xmlns:p14="http://schemas.microsoft.com/office/powerpoint/2010/main">
+        <mc:Choice Requires="p14">
           <p:contentPart p14:bwMode="auto" r:id="rId23">
             <p14:nvContentPartPr>
               <p14:cNvPr id="55" name="Ink 54">
@@ -8217,7 +8716,7 @@
             </p14:xfrm>
           </p:contentPart>
         </mc:Choice>
-        <mc:Fallback>
+        <mc:Fallback xmlns="">
           <p:pic>
             <p:nvPicPr>
               <p:cNvPr id="55" name="Ink 54">
@@ -8248,8 +8747,8 @@
           </p:pic>
         </mc:Fallback>
       </mc:AlternateContent>
-      <mc:AlternateContent xmlns:mc="http://schemas.openxmlformats.org/markup-compatibility/2006">
-        <mc:Choice xmlns:p14="http://schemas.microsoft.com/office/powerpoint/2010/main" Requires="p14">
+      <mc:AlternateContent xmlns:mc="http://schemas.openxmlformats.org/markup-compatibility/2006" xmlns:p14="http://schemas.microsoft.com/office/powerpoint/2010/main">
+        <mc:Choice Requires="p14">
           <p:contentPart p14:bwMode="auto" r:id="rId24">
             <p14:nvContentPartPr>
               <p14:cNvPr id="56" name="Ink 55">
@@ -8268,7 +8767,7 @@
             </p14:xfrm>
           </p:contentPart>
         </mc:Choice>
-        <mc:Fallback>
+        <mc:Fallback xmlns="">
           <p:pic>
             <p:nvPicPr>
               <p:cNvPr id="56" name="Ink 55">
@@ -8299,8 +8798,8 @@
           </p:pic>
         </mc:Fallback>
       </mc:AlternateContent>
-      <mc:AlternateContent xmlns:mc="http://schemas.openxmlformats.org/markup-compatibility/2006">
-        <mc:Choice xmlns:p14="http://schemas.microsoft.com/office/powerpoint/2010/main" Requires="p14">
+      <mc:AlternateContent xmlns:mc="http://schemas.openxmlformats.org/markup-compatibility/2006" xmlns:p14="http://schemas.microsoft.com/office/powerpoint/2010/main">
+        <mc:Choice Requires="p14">
           <p:contentPart p14:bwMode="auto" r:id="rId25">
             <p14:nvContentPartPr>
               <p14:cNvPr id="57" name="Ink 56">
@@ -8319,7 +8818,7 @@
             </p14:xfrm>
           </p:contentPart>
         </mc:Choice>
-        <mc:Fallback>
+        <mc:Fallback xmlns="">
           <p:pic>
             <p:nvPicPr>
               <p:cNvPr id="57" name="Ink 56">
@@ -8455,8 +8954,8 @@
           </a:p>
         </p:txBody>
       </p:sp>
-      <mc:AlternateContent xmlns:mc="http://schemas.openxmlformats.org/markup-compatibility/2006">
-        <mc:Choice xmlns:p14="http://schemas.microsoft.com/office/powerpoint/2010/main" Requires="p14">
+      <mc:AlternateContent xmlns:mc="http://schemas.openxmlformats.org/markup-compatibility/2006" xmlns:p14="http://schemas.microsoft.com/office/powerpoint/2010/main">
+        <mc:Choice Requires="p14">
           <p:contentPart p14:bwMode="auto" r:id="rId26">
             <p14:nvContentPartPr>
               <p14:cNvPr id="63" name="Ink 62">
@@ -8475,7 +8974,7 @@
             </p14:xfrm>
           </p:contentPart>
         </mc:Choice>
-        <mc:Fallback>
+        <mc:Fallback xmlns="">
           <p:pic>
             <p:nvPicPr>
               <p:cNvPr id="63" name="Ink 62">
@@ -8506,8 +9005,8 @@
           </p:pic>
         </mc:Fallback>
       </mc:AlternateContent>
-      <mc:AlternateContent xmlns:mc="http://schemas.openxmlformats.org/markup-compatibility/2006">
-        <mc:Choice xmlns:p14="http://schemas.microsoft.com/office/powerpoint/2010/main" Requires="p14">
+      <mc:AlternateContent xmlns:mc="http://schemas.openxmlformats.org/markup-compatibility/2006" xmlns:p14="http://schemas.microsoft.com/office/powerpoint/2010/main">
+        <mc:Choice Requires="p14">
           <p:contentPart p14:bwMode="auto" r:id="rId28">
             <p14:nvContentPartPr>
               <p14:cNvPr id="66" name="Ink 65">
@@ -8526,7 +9025,7 @@
             </p14:xfrm>
           </p:contentPart>
         </mc:Choice>
-        <mc:Fallback>
+        <mc:Fallback xmlns="">
           <p:pic>
             <p:nvPicPr>
               <p:cNvPr id="66" name="Ink 65">
@@ -8557,8 +9056,8 @@
           </p:pic>
         </mc:Fallback>
       </mc:AlternateContent>
-      <mc:AlternateContent xmlns:mc="http://schemas.openxmlformats.org/markup-compatibility/2006">
-        <mc:Choice xmlns:p14="http://schemas.microsoft.com/office/powerpoint/2010/main" Requires="p14">
+      <mc:AlternateContent xmlns:mc="http://schemas.openxmlformats.org/markup-compatibility/2006" xmlns:p14="http://schemas.microsoft.com/office/powerpoint/2010/main">
+        <mc:Choice Requires="p14">
           <p:contentPart p14:bwMode="auto" r:id="rId30">
             <p14:nvContentPartPr>
               <p14:cNvPr id="67" name="Ink 66">
@@ -8577,7 +9076,7 @@
             </p14:xfrm>
           </p:contentPart>
         </mc:Choice>
-        <mc:Fallback>
+        <mc:Fallback xmlns="">
           <p:pic>
             <p:nvPicPr>
               <p:cNvPr id="67" name="Ink 66">
@@ -8608,8 +9107,8 @@
           </p:pic>
         </mc:Fallback>
       </mc:AlternateContent>
-      <mc:AlternateContent xmlns:mc="http://schemas.openxmlformats.org/markup-compatibility/2006">
-        <mc:Choice xmlns:p14="http://schemas.microsoft.com/office/powerpoint/2010/main" Requires="p14">
+      <mc:AlternateContent xmlns:mc="http://schemas.openxmlformats.org/markup-compatibility/2006" xmlns:p14="http://schemas.microsoft.com/office/powerpoint/2010/main">
+        <mc:Choice Requires="p14">
           <p:contentPart p14:bwMode="auto" r:id="rId32">
             <p14:nvContentPartPr>
               <p14:cNvPr id="68" name="Ink 67">
@@ -8628,7 +9127,7 @@
             </p14:xfrm>
           </p:contentPart>
         </mc:Choice>
-        <mc:Fallback>
+        <mc:Fallback xmlns="">
           <p:pic>
             <p:nvPicPr>
               <p:cNvPr id="68" name="Ink 67">
@@ -8659,8 +9158,8 @@
           </p:pic>
         </mc:Fallback>
       </mc:AlternateContent>
-      <mc:AlternateContent xmlns:mc="http://schemas.openxmlformats.org/markup-compatibility/2006">
-        <mc:Choice xmlns:p14="http://schemas.microsoft.com/office/powerpoint/2010/main" Requires="p14">
+      <mc:AlternateContent xmlns:mc="http://schemas.openxmlformats.org/markup-compatibility/2006" xmlns:p14="http://schemas.microsoft.com/office/powerpoint/2010/main">
+        <mc:Choice Requires="p14">
           <p:contentPart p14:bwMode="auto" r:id="rId34">
             <p14:nvContentPartPr>
               <p14:cNvPr id="79" name="Ink 78">
@@ -8679,7 +9178,7 @@
             </p14:xfrm>
           </p:contentPart>
         </mc:Choice>
-        <mc:Fallback>
+        <mc:Fallback xmlns="">
           <p:pic>
             <p:nvPicPr>
               <p:cNvPr id="79" name="Ink 78">
@@ -8710,8 +9209,8 @@
           </p:pic>
         </mc:Fallback>
       </mc:AlternateContent>
-      <mc:AlternateContent xmlns:mc="http://schemas.openxmlformats.org/markup-compatibility/2006">
-        <mc:Choice xmlns:p14="http://schemas.microsoft.com/office/powerpoint/2010/main" Requires="p14">
+      <mc:AlternateContent xmlns:mc="http://schemas.openxmlformats.org/markup-compatibility/2006" xmlns:p14="http://schemas.microsoft.com/office/powerpoint/2010/main">
+        <mc:Choice Requires="p14">
           <p:contentPart p14:bwMode="auto" r:id="rId36">
             <p14:nvContentPartPr>
               <p14:cNvPr id="80" name="Ink 79">
@@ -8730,7 +9229,7 @@
             </p14:xfrm>
           </p:contentPart>
         </mc:Choice>
-        <mc:Fallback>
+        <mc:Fallback xmlns="">
           <p:pic>
             <p:nvPicPr>
               <p:cNvPr id="80" name="Ink 79">
@@ -8761,8 +9260,8 @@
           </p:pic>
         </mc:Fallback>
       </mc:AlternateContent>
-      <mc:AlternateContent xmlns:mc="http://schemas.openxmlformats.org/markup-compatibility/2006">
-        <mc:Choice xmlns:p14="http://schemas.microsoft.com/office/powerpoint/2010/main" Requires="p14">
+      <mc:AlternateContent xmlns:mc="http://schemas.openxmlformats.org/markup-compatibility/2006" xmlns:p14="http://schemas.microsoft.com/office/powerpoint/2010/main">
+        <mc:Choice Requires="p14">
           <p:contentPart p14:bwMode="auto" r:id="rId38">
             <p14:nvContentPartPr>
               <p14:cNvPr id="86" name="Ink 85">
@@ -8781,7 +9280,7 @@
             </p14:xfrm>
           </p:contentPart>
         </mc:Choice>
-        <mc:Fallback>
+        <mc:Fallback xmlns="">
           <p:pic>
             <p:nvPicPr>
               <p:cNvPr id="86" name="Ink 85">
@@ -8812,8 +9311,8 @@
           </p:pic>
         </mc:Fallback>
       </mc:AlternateContent>
-      <mc:AlternateContent xmlns:mc="http://schemas.openxmlformats.org/markup-compatibility/2006">
-        <mc:Choice xmlns:p14="http://schemas.microsoft.com/office/powerpoint/2010/main" Requires="p14">
+      <mc:AlternateContent xmlns:mc="http://schemas.openxmlformats.org/markup-compatibility/2006" xmlns:p14="http://schemas.microsoft.com/office/powerpoint/2010/main">
+        <mc:Choice Requires="p14">
           <p:contentPart p14:bwMode="auto" r:id="rId40">
             <p14:nvContentPartPr>
               <p14:cNvPr id="96" name="Ink 95">
@@ -8832,7 +9331,7 @@
             </p14:xfrm>
           </p:contentPart>
         </mc:Choice>
-        <mc:Fallback>
+        <mc:Fallback xmlns="">
           <p:pic>
             <p:nvPicPr>
               <p:cNvPr id="96" name="Ink 95">
@@ -8863,8 +9362,8 @@
           </p:pic>
         </mc:Fallback>
       </mc:AlternateContent>
-      <mc:AlternateContent xmlns:mc="http://schemas.openxmlformats.org/markup-compatibility/2006">
-        <mc:Choice xmlns:p14="http://schemas.microsoft.com/office/powerpoint/2010/main" Requires="p14">
+      <mc:AlternateContent xmlns:mc="http://schemas.openxmlformats.org/markup-compatibility/2006" xmlns:p14="http://schemas.microsoft.com/office/powerpoint/2010/main">
+        <mc:Choice Requires="p14">
           <p:contentPart p14:bwMode="auto" r:id="rId42">
             <p14:nvContentPartPr>
               <p14:cNvPr id="100" name="Ink 99">
@@ -8883,7 +9382,7 @@
             </p14:xfrm>
           </p:contentPart>
         </mc:Choice>
-        <mc:Fallback>
+        <mc:Fallback xmlns="">
           <p:pic>
             <p:nvPicPr>
               <p:cNvPr id="100" name="Ink 99">
@@ -8914,8 +9413,8 @@
           </p:pic>
         </mc:Fallback>
       </mc:AlternateContent>
-      <mc:AlternateContent xmlns:mc="http://schemas.openxmlformats.org/markup-compatibility/2006">
-        <mc:Choice xmlns:p14="http://schemas.microsoft.com/office/powerpoint/2010/main" Requires="p14">
+      <mc:AlternateContent xmlns:mc="http://schemas.openxmlformats.org/markup-compatibility/2006" xmlns:p14="http://schemas.microsoft.com/office/powerpoint/2010/main">
+        <mc:Choice Requires="p14">
           <p:contentPart p14:bwMode="auto" r:id="rId44">
             <p14:nvContentPartPr>
               <p14:cNvPr id="101" name="Ink 100">
@@ -8934,7 +9433,7 @@
             </p14:xfrm>
           </p:contentPart>
         </mc:Choice>
-        <mc:Fallback>
+        <mc:Fallback xmlns="">
           <p:pic>
             <p:nvPicPr>
               <p:cNvPr id="101" name="Ink 100">
@@ -8965,8 +9464,8 @@
           </p:pic>
         </mc:Fallback>
       </mc:AlternateContent>
-      <mc:AlternateContent xmlns:mc="http://schemas.openxmlformats.org/markup-compatibility/2006">
-        <mc:Choice xmlns:p14="http://schemas.microsoft.com/office/powerpoint/2010/main" Requires="p14">
+      <mc:AlternateContent xmlns:mc="http://schemas.openxmlformats.org/markup-compatibility/2006" xmlns:p14="http://schemas.microsoft.com/office/powerpoint/2010/main">
+        <mc:Choice Requires="p14">
           <p:contentPart p14:bwMode="auto" r:id="rId46">
             <p14:nvContentPartPr>
               <p14:cNvPr id="112" name="Ink 111">
@@ -8985,7 +9484,7 @@
             </p14:xfrm>
           </p:contentPart>
         </mc:Choice>
-        <mc:Fallback>
+        <mc:Fallback xmlns="">
           <p:pic>
             <p:nvPicPr>
               <p:cNvPr id="112" name="Ink 111">
@@ -9016,8 +9515,8 @@
           </p:pic>
         </mc:Fallback>
       </mc:AlternateContent>
-      <mc:AlternateContent xmlns:mc="http://schemas.openxmlformats.org/markup-compatibility/2006">
-        <mc:Choice xmlns:p14="http://schemas.microsoft.com/office/powerpoint/2010/main" Requires="p14">
+      <mc:AlternateContent xmlns:mc="http://schemas.openxmlformats.org/markup-compatibility/2006" xmlns:p14="http://schemas.microsoft.com/office/powerpoint/2010/main">
+        <mc:Choice Requires="p14">
           <p:contentPart p14:bwMode="auto" r:id="rId48">
             <p14:nvContentPartPr>
               <p14:cNvPr id="117" name="Ink 116">
@@ -9036,7 +9535,7 @@
             </p14:xfrm>
           </p:contentPart>
         </mc:Choice>
-        <mc:Fallback>
+        <mc:Fallback xmlns="">
           <p:pic>
             <p:nvPicPr>
               <p:cNvPr id="117" name="Ink 116">
@@ -9067,8 +9566,8 @@
           </p:pic>
         </mc:Fallback>
       </mc:AlternateContent>
-      <mc:AlternateContent xmlns:mc="http://schemas.openxmlformats.org/markup-compatibility/2006">
-        <mc:Choice xmlns:p14="http://schemas.microsoft.com/office/powerpoint/2010/main" Requires="p14">
+      <mc:AlternateContent xmlns:mc="http://schemas.openxmlformats.org/markup-compatibility/2006" xmlns:p14="http://schemas.microsoft.com/office/powerpoint/2010/main">
+        <mc:Choice Requires="p14">
           <p:contentPart p14:bwMode="auto" r:id="rId50">
             <p14:nvContentPartPr>
               <p14:cNvPr id="150" name="Ink 149">
@@ -9087,7 +9586,7 @@
             </p14:xfrm>
           </p:contentPart>
         </mc:Choice>
-        <mc:Fallback>
+        <mc:Fallback xmlns="">
           <p:pic>
             <p:nvPicPr>
               <p:cNvPr id="150" name="Ink 149">
@@ -9118,8 +9617,8 @@
           </p:pic>
         </mc:Fallback>
       </mc:AlternateContent>
-      <mc:AlternateContent xmlns:mc="http://schemas.openxmlformats.org/markup-compatibility/2006">
-        <mc:Choice xmlns:p14="http://schemas.microsoft.com/office/powerpoint/2010/main" Requires="p14">
+      <mc:AlternateContent xmlns:mc="http://schemas.openxmlformats.org/markup-compatibility/2006" xmlns:p14="http://schemas.microsoft.com/office/powerpoint/2010/main">
+        <mc:Choice Requires="p14">
           <p:contentPart p14:bwMode="auto" r:id="rId52">
             <p14:nvContentPartPr>
               <p14:cNvPr id="155" name="Ink 154">
@@ -9138,7 +9637,7 @@
             </p14:xfrm>
           </p:contentPart>
         </mc:Choice>
-        <mc:Fallback>
+        <mc:Fallback xmlns="">
           <p:pic>
             <p:nvPicPr>
               <p:cNvPr id="155" name="Ink 154">
@@ -9169,8 +9668,8 @@
           </p:pic>
         </mc:Fallback>
       </mc:AlternateContent>
-      <mc:AlternateContent xmlns:mc="http://schemas.openxmlformats.org/markup-compatibility/2006">
-        <mc:Choice xmlns:p14="http://schemas.microsoft.com/office/powerpoint/2010/main" Requires="p14">
+      <mc:AlternateContent xmlns:mc="http://schemas.openxmlformats.org/markup-compatibility/2006" xmlns:p14="http://schemas.microsoft.com/office/powerpoint/2010/main">
+        <mc:Choice Requires="p14">
           <p:contentPart p14:bwMode="auto" r:id="rId54">
             <p14:nvContentPartPr>
               <p14:cNvPr id="160" name="Ink 159">
@@ -9189,7 +9688,7 @@
             </p14:xfrm>
           </p:contentPart>
         </mc:Choice>
-        <mc:Fallback>
+        <mc:Fallback xmlns="">
           <p:pic>
             <p:nvPicPr>
               <p:cNvPr id="160" name="Ink 159">
@@ -9220,8 +9719,8 @@
           </p:pic>
         </mc:Fallback>
       </mc:AlternateContent>
-      <mc:AlternateContent xmlns:mc="http://schemas.openxmlformats.org/markup-compatibility/2006">
-        <mc:Choice xmlns:p14="http://schemas.microsoft.com/office/powerpoint/2010/main" Requires="p14">
+      <mc:AlternateContent xmlns:mc="http://schemas.openxmlformats.org/markup-compatibility/2006" xmlns:p14="http://schemas.microsoft.com/office/powerpoint/2010/main">
+        <mc:Choice Requires="p14">
           <p:contentPart p14:bwMode="auto" r:id="rId56">
             <p14:nvContentPartPr>
               <p14:cNvPr id="161" name="Ink 160">
@@ -9240,7 +9739,7 @@
             </p14:xfrm>
           </p:contentPart>
         </mc:Choice>
-        <mc:Fallback>
+        <mc:Fallback xmlns="">
           <p:pic>
             <p:nvPicPr>
               <p:cNvPr id="161" name="Ink 160">
@@ -9271,8 +9770,8 @@
           </p:pic>
         </mc:Fallback>
       </mc:AlternateContent>
-      <mc:AlternateContent xmlns:mc="http://schemas.openxmlformats.org/markup-compatibility/2006">
-        <mc:Choice xmlns:p14="http://schemas.microsoft.com/office/powerpoint/2010/main" Requires="p14">
+      <mc:AlternateContent xmlns:mc="http://schemas.openxmlformats.org/markup-compatibility/2006" xmlns:p14="http://schemas.microsoft.com/office/powerpoint/2010/main">
+        <mc:Choice Requires="p14">
           <p:contentPart p14:bwMode="auto" r:id="rId58">
             <p14:nvContentPartPr>
               <p14:cNvPr id="162" name="Ink 161">
@@ -9291,7 +9790,7 @@
             </p14:xfrm>
           </p:contentPart>
         </mc:Choice>
-        <mc:Fallback>
+        <mc:Fallback xmlns="">
           <p:pic>
             <p:nvPicPr>
               <p:cNvPr id="162" name="Ink 161">
@@ -10089,6 +10588,159 @@
           <a:chExt cx="0" cy="0"/>
         </a:xfrm>
       </p:grpSpPr>
+      <mc:AlternateContent xmlns:mc="http://schemas.openxmlformats.org/markup-compatibility/2006">
+        <mc:Choice xmlns:p14="http://schemas.microsoft.com/office/powerpoint/2010/main" Requires="p14">
+          <p:contentPart p14:bwMode="auto" r:id="rId2">
+            <p14:nvContentPartPr>
+              <p14:cNvPr id="60" name="Ink 59">
+                <a:extLst>
+                  <a:ext uri="{FF2B5EF4-FFF2-40B4-BE49-F238E27FC236}">
+                    <a16:creationId xmlns:a16="http://schemas.microsoft.com/office/drawing/2014/main" id="{ECD023EB-E96B-41D0-9F85-C90F9D174282}"/>
+                  </a:ext>
+                </a:extLst>
+              </p14:cNvPr>
+              <p14:cNvContentPartPr/>
+              <p14:nvPr/>
+            </p14:nvContentPartPr>
+            <p14:xfrm>
+              <a:off x="10188857" y="653091"/>
+              <a:ext cx="157320" cy="202320"/>
+            </p14:xfrm>
+          </p:contentPart>
+        </mc:Choice>
+        <mc:Fallback>
+          <p:pic>
+            <p:nvPicPr>
+              <p:cNvPr id="60" name="Ink 59">
+                <a:extLst>
+                  <a:ext uri="{FF2B5EF4-FFF2-40B4-BE49-F238E27FC236}">
+                    <a16:creationId xmlns:a16="http://schemas.microsoft.com/office/drawing/2014/main" id="{ECD023EB-E96B-41D0-9F85-C90F9D174282}"/>
+                  </a:ext>
+                </a:extLst>
+              </p:cNvPr>
+              <p:cNvPicPr/>
+              <p:nvPr/>
+            </p:nvPicPr>
+            <p:blipFill>
+              <a:blip r:embed="rId3"/>
+              <a:stretch>
+                <a:fillRect/>
+              </a:stretch>
+            </p:blipFill>
+            <p:spPr>
+              <a:xfrm>
+                <a:off x="10179857" y="644091"/>
+                <a:ext cx="174960" cy="219960"/>
+              </a:xfrm>
+              <a:prstGeom prst="rect">
+                <a:avLst/>
+              </a:prstGeom>
+            </p:spPr>
+          </p:pic>
+        </mc:Fallback>
+      </mc:AlternateContent>
+      <mc:AlternateContent xmlns:mc="http://schemas.openxmlformats.org/markup-compatibility/2006">
+        <mc:Choice xmlns:p14="http://schemas.microsoft.com/office/powerpoint/2010/main" Requires="p14">
+          <p:contentPart p14:bwMode="auto" r:id="rId4">
+            <p14:nvContentPartPr>
+              <p14:cNvPr id="71" name="Ink 70">
+                <a:extLst>
+                  <a:ext uri="{FF2B5EF4-FFF2-40B4-BE49-F238E27FC236}">
+                    <a16:creationId xmlns:a16="http://schemas.microsoft.com/office/drawing/2014/main" id="{A9976D96-9B42-4249-9C95-76CB4D2BFDEB}"/>
+                  </a:ext>
+                </a:extLst>
+              </p14:cNvPr>
+              <p14:cNvContentPartPr/>
+              <p14:nvPr/>
+            </p14:nvContentPartPr>
+            <p14:xfrm>
+              <a:off x="10424297" y="644451"/>
+              <a:ext cx="488520" cy="228960"/>
+            </p14:xfrm>
+          </p:contentPart>
+        </mc:Choice>
+        <mc:Fallback>
+          <p:pic>
+            <p:nvPicPr>
+              <p:cNvPr id="71" name="Ink 70">
+                <a:extLst>
+                  <a:ext uri="{FF2B5EF4-FFF2-40B4-BE49-F238E27FC236}">
+                    <a16:creationId xmlns:a16="http://schemas.microsoft.com/office/drawing/2014/main" id="{A9976D96-9B42-4249-9C95-76CB4D2BFDEB}"/>
+                  </a:ext>
+                </a:extLst>
+              </p:cNvPr>
+              <p:cNvPicPr/>
+              <p:nvPr/>
+            </p:nvPicPr>
+            <p:blipFill>
+              <a:blip r:embed="rId5"/>
+              <a:stretch>
+                <a:fillRect/>
+              </a:stretch>
+            </p:blipFill>
+            <p:spPr>
+              <a:xfrm>
+                <a:off x="10415297" y="635451"/>
+                <a:ext cx="506160" cy="246600"/>
+              </a:xfrm>
+              <a:prstGeom prst="rect">
+                <a:avLst/>
+              </a:prstGeom>
+            </p:spPr>
+          </p:pic>
+        </mc:Fallback>
+      </mc:AlternateContent>
+      <mc:AlternateContent xmlns:mc="http://schemas.openxmlformats.org/markup-compatibility/2006">
+        <mc:Choice xmlns:p14="http://schemas.microsoft.com/office/powerpoint/2010/main" Requires="p14">
+          <p:contentPart p14:bwMode="auto" r:id="rId6">
+            <p14:nvContentPartPr>
+              <p14:cNvPr id="226" name="Ink 225">
+                <a:extLst>
+                  <a:ext uri="{FF2B5EF4-FFF2-40B4-BE49-F238E27FC236}">
+                    <a16:creationId xmlns:a16="http://schemas.microsoft.com/office/drawing/2014/main" id="{FD5AD3A6-16B6-4A11-A837-76A45BD3A934}"/>
+                  </a:ext>
+                </a:extLst>
+              </p14:cNvPr>
+              <p14:cNvContentPartPr/>
+              <p14:nvPr/>
+            </p14:nvContentPartPr>
+            <p14:xfrm>
+              <a:off x="270137" y="556251"/>
+              <a:ext cx="9736200" cy="5527800"/>
+            </p14:xfrm>
+          </p:contentPart>
+        </mc:Choice>
+        <mc:Fallback>
+          <p:pic>
+            <p:nvPicPr>
+              <p:cNvPr id="226" name="Ink 225">
+                <a:extLst>
+                  <a:ext uri="{FF2B5EF4-FFF2-40B4-BE49-F238E27FC236}">
+                    <a16:creationId xmlns:a16="http://schemas.microsoft.com/office/drawing/2014/main" id="{FD5AD3A6-16B6-4A11-A837-76A45BD3A934}"/>
+                  </a:ext>
+                </a:extLst>
+              </p:cNvPr>
+              <p:cNvPicPr/>
+              <p:nvPr/>
+            </p:nvPicPr>
+            <p:blipFill>
+              <a:blip r:embed="rId7"/>
+              <a:stretch>
+                <a:fillRect/>
+              </a:stretch>
+            </p:blipFill>
+            <p:spPr>
+              <a:xfrm>
+                <a:off x="261137" y="547251"/>
+                <a:ext cx="9753840" cy="5545440"/>
+              </a:xfrm>
+              <a:prstGeom prst="rect">
+                <a:avLst/>
+              </a:prstGeom>
+            </p:spPr>
+          </p:pic>
+        </mc:Fallback>
+      </mc:AlternateContent>
     </p:spTree>
     <p:extLst>
       <p:ext uri="{BB962C8B-B14F-4D97-AF65-F5344CB8AC3E}">
@@ -10119,6 +10771,669 @@
           <a:chExt cx="0" cy="0"/>
         </a:xfrm>
       </p:grpSpPr>
+      <p:graphicFrame>
+        <p:nvGraphicFramePr>
+          <p:cNvPr id="2" name="Table 1">
+            <a:extLst>
+              <a:ext uri="{FF2B5EF4-FFF2-40B4-BE49-F238E27FC236}">
+                <a16:creationId xmlns:a16="http://schemas.microsoft.com/office/drawing/2014/main" id="{4ED1CE0E-B17C-4510-9AE8-187EC4054033}"/>
+              </a:ext>
+            </a:extLst>
+          </p:cNvPr>
+          <p:cNvGraphicFramePr>
+            <a:graphicFrameLocks noGrp="1"/>
+          </p:cNvGraphicFramePr>
+          <p:nvPr>
+            <p:extLst>
+              <p:ext uri="{D42A27DB-BD31-4B8C-83A1-F6EECF244321}">
+                <p14:modId xmlns:p14="http://schemas.microsoft.com/office/powerpoint/2010/main" val="3573954121"/>
+              </p:ext>
+            </p:extLst>
+          </p:nvPr>
+        </p:nvGraphicFramePr>
+        <p:xfrm>
+          <a:off x="255452" y="345196"/>
+          <a:ext cx="3376024" cy="2894394"/>
+        </p:xfrm>
+        <a:graphic>
+          <a:graphicData uri="http://schemas.openxmlformats.org/drawingml/2006/table">
+            <a:tbl>
+              <a:tblPr firstRow="1" bandRow="1">
+                <a:tableStyleId>{5C22544A-7EE6-4342-B048-85BDC9FD1C3A}</a:tableStyleId>
+              </a:tblPr>
+              <a:tblGrid>
+                <a:gridCol w="1688012">
+                  <a:extLst>
+                    <a:ext uri="{9D8B030D-6E8A-4147-A177-3AD203B41FA5}">
+                      <a16:colId xmlns:a16="http://schemas.microsoft.com/office/drawing/2014/main" val="929999199"/>
+                    </a:ext>
+                  </a:extLst>
+                </a:gridCol>
+                <a:gridCol w="1688012">
+                  <a:extLst>
+                    <a:ext uri="{9D8B030D-6E8A-4147-A177-3AD203B41FA5}">
+                      <a16:colId xmlns:a16="http://schemas.microsoft.com/office/drawing/2014/main" val="3708961083"/>
+                    </a:ext>
+                  </a:extLst>
+                </a:gridCol>
+              </a:tblGrid>
+              <a:tr h="482399">
+                <a:tc>
+                  <a:txBody>
+                    <a:bodyPr/>
+                    <a:lstStyle/>
+                    <a:p>
+                      <a:r>
+                        <a:rPr lang="en-US" dirty="0"/>
+                        <a:t>CUST</a:t>
+                      </a:r>
+                    </a:p>
+                  </a:txBody>
+                  <a:tcPr/>
+                </a:tc>
+                <a:tc>
+                  <a:txBody>
+                    <a:bodyPr/>
+                    <a:lstStyle/>
+                    <a:p>
+                      <a:r>
+                        <a:rPr lang="en-US" dirty="0"/>
+                        <a:t>SALES</a:t>
+                      </a:r>
+                    </a:p>
+                  </a:txBody>
+                  <a:tcPr/>
+                </a:tc>
+                <a:extLst>
+                  <a:ext uri="{0D108BD9-81ED-4DB2-BD59-A6C34878D82A}">
+                    <a16:rowId xmlns:a16="http://schemas.microsoft.com/office/drawing/2014/main" val="2599802599"/>
+                  </a:ext>
+                </a:extLst>
+              </a:tr>
+              <a:tr h="482399">
+                <a:tc>
+                  <a:txBody>
+                    <a:bodyPr/>
+                    <a:lstStyle/>
+                    <a:p>
+                      <a:r>
+                        <a:rPr lang="en-US" dirty="0"/>
+                        <a:t>A</a:t>
+                      </a:r>
+                    </a:p>
+                  </a:txBody>
+                  <a:tcPr/>
+                </a:tc>
+                <a:tc>
+                  <a:txBody>
+                    <a:bodyPr/>
+                    <a:lstStyle/>
+                    <a:p>
+                      <a:r>
+                        <a:rPr lang="en-US" dirty="0"/>
+                        <a:t>500</a:t>
+                      </a:r>
+                    </a:p>
+                  </a:txBody>
+                  <a:tcPr/>
+                </a:tc>
+                <a:extLst>
+                  <a:ext uri="{0D108BD9-81ED-4DB2-BD59-A6C34878D82A}">
+                    <a16:rowId xmlns:a16="http://schemas.microsoft.com/office/drawing/2014/main" val="248167033"/>
+                  </a:ext>
+                </a:extLst>
+              </a:tr>
+              <a:tr h="482399">
+                <a:tc>
+                  <a:txBody>
+                    <a:bodyPr/>
+                    <a:lstStyle/>
+                    <a:p>
+                      <a:r>
+                        <a:rPr lang="en-US" dirty="0"/>
+                        <a:t>A</a:t>
+                      </a:r>
+                    </a:p>
+                  </a:txBody>
+                  <a:tcPr/>
+                </a:tc>
+                <a:tc>
+                  <a:txBody>
+                    <a:bodyPr/>
+                    <a:lstStyle/>
+                    <a:p>
+                      <a:r>
+                        <a:rPr lang="en-US" dirty="0"/>
+                        <a:t>650</a:t>
+                      </a:r>
+                    </a:p>
+                  </a:txBody>
+                  <a:tcPr/>
+                </a:tc>
+                <a:extLst>
+                  <a:ext uri="{0D108BD9-81ED-4DB2-BD59-A6C34878D82A}">
+                    <a16:rowId xmlns:a16="http://schemas.microsoft.com/office/drawing/2014/main" val="3373398055"/>
+                  </a:ext>
+                </a:extLst>
+              </a:tr>
+              <a:tr h="482399">
+                <a:tc>
+                  <a:txBody>
+                    <a:bodyPr/>
+                    <a:lstStyle/>
+                    <a:p>
+                      <a:r>
+                        <a:rPr lang="en-US" dirty="0"/>
+                        <a:t>A</a:t>
+                      </a:r>
+                    </a:p>
+                  </a:txBody>
+                  <a:tcPr/>
+                </a:tc>
+                <a:tc>
+                  <a:txBody>
+                    <a:bodyPr/>
+                    <a:lstStyle/>
+                    <a:p>
+                      <a:r>
+                        <a:rPr lang="en-US" dirty="0"/>
+                        <a:t>300</a:t>
+                      </a:r>
+                    </a:p>
+                  </a:txBody>
+                  <a:tcPr/>
+                </a:tc>
+                <a:extLst>
+                  <a:ext uri="{0D108BD9-81ED-4DB2-BD59-A6C34878D82A}">
+                    <a16:rowId xmlns:a16="http://schemas.microsoft.com/office/drawing/2014/main" val="2607134214"/>
+                  </a:ext>
+                </a:extLst>
+              </a:tr>
+              <a:tr h="482399">
+                <a:tc>
+                  <a:txBody>
+                    <a:bodyPr/>
+                    <a:lstStyle/>
+                    <a:p>
+                      <a:r>
+                        <a:rPr lang="en-US" dirty="0"/>
+                        <a:t>B</a:t>
+                      </a:r>
+                    </a:p>
+                  </a:txBody>
+                  <a:tcPr/>
+                </a:tc>
+                <a:tc>
+                  <a:txBody>
+                    <a:bodyPr/>
+                    <a:lstStyle/>
+                    <a:p>
+                      <a:r>
+                        <a:rPr lang="en-US" dirty="0"/>
+                        <a:t>250</a:t>
+                      </a:r>
+                    </a:p>
+                  </a:txBody>
+                  <a:tcPr/>
+                </a:tc>
+                <a:extLst>
+                  <a:ext uri="{0D108BD9-81ED-4DB2-BD59-A6C34878D82A}">
+                    <a16:rowId xmlns:a16="http://schemas.microsoft.com/office/drawing/2014/main" val="3620041226"/>
+                  </a:ext>
+                </a:extLst>
+              </a:tr>
+              <a:tr h="482399">
+                <a:tc>
+                  <a:txBody>
+                    <a:bodyPr/>
+                    <a:lstStyle/>
+                    <a:p>
+                      <a:r>
+                        <a:rPr lang="en-US" dirty="0"/>
+                        <a:t>B</a:t>
+                      </a:r>
+                    </a:p>
+                  </a:txBody>
+                  <a:tcPr/>
+                </a:tc>
+                <a:tc>
+                  <a:txBody>
+                    <a:bodyPr/>
+                    <a:lstStyle/>
+                    <a:p>
+                      <a:r>
+                        <a:rPr lang="en-US" dirty="0"/>
+                        <a:t>1000</a:t>
+                      </a:r>
+                    </a:p>
+                  </a:txBody>
+                  <a:tcPr/>
+                </a:tc>
+                <a:extLst>
+                  <a:ext uri="{0D108BD9-81ED-4DB2-BD59-A6C34878D82A}">
+                    <a16:rowId xmlns:a16="http://schemas.microsoft.com/office/drawing/2014/main" val="1142752343"/>
+                  </a:ext>
+                </a:extLst>
+              </a:tr>
+            </a:tbl>
+          </a:graphicData>
+        </a:graphic>
+      </p:graphicFrame>
+      <p:sp>
+        <p:nvSpPr>
+          <p:cNvPr id="3" name="Arrow: Right 2">
+            <a:extLst>
+              <a:ext uri="{FF2B5EF4-FFF2-40B4-BE49-F238E27FC236}">
+                <a16:creationId xmlns:a16="http://schemas.microsoft.com/office/drawing/2014/main" id="{E9B69F62-3D38-4356-A1FB-9759D8BBBA43}"/>
+              </a:ext>
+            </a:extLst>
+          </p:cNvPr>
+          <p:cNvSpPr/>
+          <p:nvPr/>
+        </p:nvSpPr>
+        <p:spPr>
+          <a:xfrm>
+            <a:off x="4676503" y="984069"/>
+            <a:ext cx="1419497" cy="1767840"/>
+          </a:xfrm>
+          <a:prstGeom prst="rightArrow">
+            <a:avLst/>
+          </a:prstGeom>
+        </p:spPr>
+        <p:style>
+          <a:lnRef idx="2">
+            <a:schemeClr val="accent1">
+              <a:shade val="50000"/>
+            </a:schemeClr>
+          </a:lnRef>
+          <a:fillRef idx="1">
+            <a:schemeClr val="accent1"/>
+          </a:fillRef>
+          <a:effectRef idx="0">
+            <a:schemeClr val="accent1"/>
+          </a:effectRef>
+          <a:fontRef idx="minor">
+            <a:schemeClr val="lt1"/>
+          </a:fontRef>
+        </p:style>
+        <p:txBody>
+          <a:bodyPr rtlCol="0" anchor="ctr"/>
+          <a:lstStyle/>
+          <a:p>
+            <a:pPr algn="ctr"/>
+            <a:endParaRPr lang="en-US"/>
+          </a:p>
+        </p:txBody>
+      </p:sp>
+      <p:graphicFrame>
+        <p:nvGraphicFramePr>
+          <p:cNvPr id="4" name="Table 3">
+            <a:extLst>
+              <a:ext uri="{FF2B5EF4-FFF2-40B4-BE49-F238E27FC236}">
+                <a16:creationId xmlns:a16="http://schemas.microsoft.com/office/drawing/2014/main" id="{D4E8088A-AB1E-4D05-9048-5091E36A9C79}"/>
+              </a:ext>
+            </a:extLst>
+          </p:cNvPr>
+          <p:cNvGraphicFramePr>
+            <a:graphicFrameLocks noGrp="1"/>
+          </p:cNvGraphicFramePr>
+          <p:nvPr>
+            <p:extLst>
+              <p:ext uri="{D42A27DB-BD31-4B8C-83A1-F6EECF244321}">
+                <p14:modId xmlns:p14="http://schemas.microsoft.com/office/powerpoint/2010/main" val="601300718"/>
+              </p:ext>
+            </p:extLst>
+          </p:nvPr>
+        </p:nvGraphicFramePr>
+        <p:xfrm>
+          <a:off x="7322458" y="345196"/>
+          <a:ext cx="3376024" cy="2894394"/>
+        </p:xfrm>
+        <a:graphic>
+          <a:graphicData uri="http://schemas.openxmlformats.org/drawingml/2006/table">
+            <a:tbl>
+              <a:tblPr firstRow="1" bandRow="1">
+                <a:tableStyleId>{5C22544A-7EE6-4342-B048-85BDC9FD1C3A}</a:tableStyleId>
+              </a:tblPr>
+              <a:tblGrid>
+                <a:gridCol w="1688012">
+                  <a:extLst>
+                    <a:ext uri="{9D8B030D-6E8A-4147-A177-3AD203B41FA5}">
+                      <a16:colId xmlns:a16="http://schemas.microsoft.com/office/drawing/2014/main" val="929999199"/>
+                    </a:ext>
+                  </a:extLst>
+                </a:gridCol>
+                <a:gridCol w="1688012">
+                  <a:extLst>
+                    <a:ext uri="{9D8B030D-6E8A-4147-A177-3AD203B41FA5}">
+                      <a16:colId xmlns:a16="http://schemas.microsoft.com/office/drawing/2014/main" val="3708961083"/>
+                    </a:ext>
+                  </a:extLst>
+                </a:gridCol>
+              </a:tblGrid>
+              <a:tr h="482399">
+                <a:tc>
+                  <a:txBody>
+                    <a:bodyPr/>
+                    <a:lstStyle/>
+                    <a:p>
+                      <a:r>
+                        <a:rPr lang="en-US" dirty="0"/>
+                        <a:t>CUST</a:t>
+                      </a:r>
+                    </a:p>
+                  </a:txBody>
+                  <a:tcPr/>
+                </a:tc>
+                <a:tc>
+                  <a:txBody>
+                    <a:bodyPr/>
+                    <a:lstStyle/>
+                    <a:p>
+                      <a:r>
+                        <a:rPr lang="en-US" dirty="0"/>
+                        <a:t>SALES</a:t>
+                      </a:r>
+                    </a:p>
+                  </a:txBody>
+                  <a:tcPr/>
+                </a:tc>
+                <a:extLst>
+                  <a:ext uri="{0D108BD9-81ED-4DB2-BD59-A6C34878D82A}">
+                    <a16:rowId xmlns:a16="http://schemas.microsoft.com/office/drawing/2014/main" val="2599802599"/>
+                  </a:ext>
+                </a:extLst>
+              </a:tr>
+              <a:tr h="482399">
+                <a:tc>
+                  <a:txBody>
+                    <a:bodyPr/>
+                    <a:lstStyle/>
+                    <a:p>
+                      <a:r>
+                        <a:rPr lang="en-US" dirty="0"/>
+                        <a:t>A</a:t>
+                      </a:r>
+                    </a:p>
+                  </a:txBody>
+                  <a:tcPr/>
+                </a:tc>
+                <a:tc>
+                  <a:txBody>
+                    <a:bodyPr/>
+                    <a:lstStyle/>
+                    <a:p>
+                      <a:r>
+                        <a:rPr lang="en-US" dirty="0"/>
+                        <a:t>500</a:t>
+                      </a:r>
+                    </a:p>
+                  </a:txBody>
+                  <a:tcPr/>
+                </a:tc>
+                <a:extLst>
+                  <a:ext uri="{0D108BD9-81ED-4DB2-BD59-A6C34878D82A}">
+                    <a16:rowId xmlns:a16="http://schemas.microsoft.com/office/drawing/2014/main" val="248167033"/>
+                  </a:ext>
+                </a:extLst>
+              </a:tr>
+              <a:tr h="482399">
+                <a:tc>
+                  <a:txBody>
+                    <a:bodyPr/>
+                    <a:lstStyle/>
+                    <a:p>
+                      <a:r>
+                        <a:rPr lang="en-US" dirty="0"/>
+                        <a:t>B</a:t>
+                      </a:r>
+                    </a:p>
+                  </a:txBody>
+                  <a:tcPr/>
+                </a:tc>
+                <a:tc>
+                  <a:txBody>
+                    <a:bodyPr/>
+                    <a:lstStyle/>
+                    <a:p>
+                      <a:r>
+                        <a:rPr lang="en-US" dirty="0"/>
+                        <a:t>250</a:t>
+                      </a:r>
+                    </a:p>
+                  </a:txBody>
+                  <a:tcPr/>
+                </a:tc>
+                <a:extLst>
+                  <a:ext uri="{0D108BD9-81ED-4DB2-BD59-A6C34878D82A}">
+                    <a16:rowId xmlns:a16="http://schemas.microsoft.com/office/drawing/2014/main" val="3373398055"/>
+                  </a:ext>
+                </a:extLst>
+              </a:tr>
+              <a:tr h="482399">
+                <a:tc>
+                  <a:txBody>
+                    <a:bodyPr/>
+                    <a:lstStyle/>
+                    <a:p>
+                      <a:r>
+                        <a:rPr lang="en-US" dirty="0"/>
+                        <a:t>A</a:t>
+                      </a:r>
+                    </a:p>
+                  </a:txBody>
+                  <a:tcPr/>
+                </a:tc>
+                <a:tc>
+                  <a:txBody>
+                    <a:bodyPr/>
+                    <a:lstStyle/>
+                    <a:p>
+                      <a:r>
+                        <a:rPr lang="en-US" dirty="0"/>
+                        <a:t>300</a:t>
+                      </a:r>
+                    </a:p>
+                  </a:txBody>
+                  <a:tcPr/>
+                </a:tc>
+                <a:extLst>
+                  <a:ext uri="{0D108BD9-81ED-4DB2-BD59-A6C34878D82A}">
+                    <a16:rowId xmlns:a16="http://schemas.microsoft.com/office/drawing/2014/main" val="2607134214"/>
+                  </a:ext>
+                </a:extLst>
+              </a:tr>
+              <a:tr h="482399">
+                <a:tc>
+                  <a:txBody>
+                    <a:bodyPr/>
+                    <a:lstStyle/>
+                    <a:p>
+                      <a:r>
+                        <a:rPr lang="en-US" dirty="0"/>
+                        <a:t>B</a:t>
+                      </a:r>
+                    </a:p>
+                  </a:txBody>
+                  <a:tcPr/>
+                </a:tc>
+                <a:tc>
+                  <a:txBody>
+                    <a:bodyPr/>
+                    <a:lstStyle/>
+                    <a:p>
+                      <a:r>
+                        <a:rPr lang="en-US" dirty="0"/>
+                        <a:t>1000</a:t>
+                      </a:r>
+                    </a:p>
+                  </a:txBody>
+                  <a:tcPr/>
+                </a:tc>
+                <a:extLst>
+                  <a:ext uri="{0D108BD9-81ED-4DB2-BD59-A6C34878D82A}">
+                    <a16:rowId xmlns:a16="http://schemas.microsoft.com/office/drawing/2014/main" val="1142752343"/>
+                  </a:ext>
+                </a:extLst>
+              </a:tr>
+              <a:tr h="482399">
+                <a:tc>
+                  <a:txBody>
+                    <a:bodyPr/>
+                    <a:lstStyle/>
+                    <a:p>
+                      <a:r>
+                        <a:rPr lang="en-US" dirty="0"/>
+                        <a:t>A</a:t>
+                      </a:r>
+                    </a:p>
+                  </a:txBody>
+                  <a:tcPr/>
+                </a:tc>
+                <a:tc>
+                  <a:txBody>
+                    <a:bodyPr/>
+                    <a:lstStyle/>
+                    <a:p>
+                      <a:r>
+                        <a:rPr lang="en-US" dirty="0"/>
+                        <a:t>650</a:t>
+                      </a:r>
+                    </a:p>
+                  </a:txBody>
+                  <a:tcPr/>
+                </a:tc>
+                <a:extLst>
+                  <a:ext uri="{0D108BD9-81ED-4DB2-BD59-A6C34878D82A}">
+                    <a16:rowId xmlns:a16="http://schemas.microsoft.com/office/drawing/2014/main" val="3420445553"/>
+                  </a:ext>
+                </a:extLst>
+              </a:tr>
+            </a:tbl>
+          </a:graphicData>
+        </a:graphic>
+      </p:graphicFrame>
+      <p:sp>
+        <p:nvSpPr>
+          <p:cNvPr id="5" name="TextBox 4">
+            <a:extLst>
+              <a:ext uri="{FF2B5EF4-FFF2-40B4-BE49-F238E27FC236}">
+                <a16:creationId xmlns:a16="http://schemas.microsoft.com/office/drawing/2014/main" id="{F3D82043-4C3A-41C8-9457-2823A51C2410}"/>
+              </a:ext>
+            </a:extLst>
+          </p:cNvPr>
+          <p:cNvSpPr txBox="1"/>
+          <p:nvPr/>
+        </p:nvSpPr>
+        <p:spPr>
+          <a:xfrm>
+            <a:off x="391886" y="3544389"/>
+            <a:ext cx="3901440" cy="646331"/>
+          </a:xfrm>
+          <a:prstGeom prst="rect">
+            <a:avLst/>
+          </a:prstGeom>
+          <a:noFill/>
+        </p:spPr>
+        <p:txBody>
+          <a:bodyPr wrap="square" rtlCol="0">
+            <a:spAutoFit/>
+          </a:bodyPr>
+          <a:lstStyle/>
+          <a:p>
+            <a:r>
+              <a:rPr lang="en-US" dirty="0"/>
+              <a:t>DELETE ADJUCENT DUPLICATE comparing CUST</a:t>
+            </a:r>
+          </a:p>
+        </p:txBody>
+      </p:sp>
+      <p:sp>
+        <p:nvSpPr>
+          <p:cNvPr id="6" name="TextBox 5">
+            <a:extLst>
+              <a:ext uri="{FF2B5EF4-FFF2-40B4-BE49-F238E27FC236}">
+                <a16:creationId xmlns:a16="http://schemas.microsoft.com/office/drawing/2014/main" id="{2DF0328B-E212-45CF-B8E3-D88318530E39}"/>
+              </a:ext>
+            </a:extLst>
+          </p:cNvPr>
+          <p:cNvSpPr txBox="1"/>
+          <p:nvPr/>
+        </p:nvSpPr>
+        <p:spPr>
+          <a:xfrm>
+            <a:off x="7145383" y="3435251"/>
+            <a:ext cx="3901440" cy="646331"/>
+          </a:xfrm>
+          <a:prstGeom prst="rect">
+            <a:avLst/>
+          </a:prstGeom>
+          <a:noFill/>
+        </p:spPr>
+        <p:txBody>
+          <a:bodyPr wrap="square" rtlCol="0">
+            <a:spAutoFit/>
+          </a:bodyPr>
+          <a:lstStyle/>
+          <a:p>
+            <a:r>
+              <a:rPr lang="en-US" dirty="0"/>
+              <a:t>DELETE ADJUCENT DUPLICATE comparing CUST</a:t>
+            </a:r>
+          </a:p>
+        </p:txBody>
+      </p:sp>
+      <mc:AlternateContent xmlns:mc="http://schemas.openxmlformats.org/markup-compatibility/2006">
+        <mc:Choice xmlns:p14="http://schemas.microsoft.com/office/powerpoint/2010/main" Requires="p14">
+          <p:contentPart p14:bwMode="auto" r:id="rId2">
+            <p14:nvContentPartPr>
+              <p14:cNvPr id="89" name="Ink 88">
+                <a:extLst>
+                  <a:ext uri="{FF2B5EF4-FFF2-40B4-BE49-F238E27FC236}">
+                    <a16:creationId xmlns:a16="http://schemas.microsoft.com/office/drawing/2014/main" id="{30108AE2-58FA-4341-9CAB-A5FB4ED55EAB}"/>
+                  </a:ext>
+                </a:extLst>
+              </p14:cNvPr>
+              <p14:cNvContentPartPr/>
+              <p14:nvPr/>
+            </p14:nvContentPartPr>
+            <p14:xfrm>
+              <a:off x="1592417" y="4178931"/>
+              <a:ext cx="5680080" cy="2152440"/>
+            </p14:xfrm>
+          </p:contentPart>
+        </mc:Choice>
+        <mc:Fallback>
+          <p:pic>
+            <p:nvPicPr>
+              <p:cNvPr id="89" name="Ink 88">
+                <a:extLst>
+                  <a:ext uri="{FF2B5EF4-FFF2-40B4-BE49-F238E27FC236}">
+                    <a16:creationId xmlns:a16="http://schemas.microsoft.com/office/drawing/2014/main" id="{30108AE2-58FA-4341-9CAB-A5FB4ED55EAB}"/>
+                  </a:ext>
+                </a:extLst>
+              </p:cNvPr>
+              <p:cNvPicPr/>
+              <p:nvPr/>
+            </p:nvPicPr>
+            <p:blipFill>
+              <a:blip r:embed="rId3"/>
+              <a:stretch>
+                <a:fillRect/>
+              </a:stretch>
+            </p:blipFill>
+            <p:spPr>
+              <a:xfrm>
+                <a:off x="1583417" y="4169931"/>
+                <a:ext cx="5697720" cy="2170080"/>
+              </a:xfrm>
+              <a:prstGeom prst="rect">
+                <a:avLst/>
+              </a:prstGeom>
+            </p:spPr>
+          </p:pic>
+        </mc:Fallback>
+      </mc:AlternateContent>
     </p:spTree>
     <p:extLst>
       <p:ext uri="{BB962C8B-B14F-4D97-AF65-F5344CB8AC3E}">
@@ -10149,6 +11464,57 @@
           <a:chExt cx="0" cy="0"/>
         </a:xfrm>
       </p:grpSpPr>
+      <mc:AlternateContent xmlns:mc="http://schemas.openxmlformats.org/markup-compatibility/2006">
+        <mc:Choice xmlns:p14="http://schemas.microsoft.com/office/powerpoint/2010/main" Requires="p14">
+          <p:contentPart p14:bwMode="auto" r:id="rId2">
+            <p14:nvContentPartPr>
+              <p14:cNvPr id="163" name="Ink 162">
+                <a:extLst>
+                  <a:ext uri="{FF2B5EF4-FFF2-40B4-BE49-F238E27FC236}">
+                    <a16:creationId xmlns:a16="http://schemas.microsoft.com/office/drawing/2014/main" id="{F690E469-F527-499D-A771-CE12C37D70E4}"/>
+                  </a:ext>
+                </a:extLst>
+              </p14:cNvPr>
+              <p14:cNvContentPartPr/>
+              <p14:nvPr/>
+            </p14:nvContentPartPr>
+            <p14:xfrm>
+              <a:off x="297857" y="416571"/>
+              <a:ext cx="10929960" cy="5680800"/>
+            </p14:xfrm>
+          </p:contentPart>
+        </mc:Choice>
+        <mc:Fallback>
+          <p:pic>
+            <p:nvPicPr>
+              <p:cNvPr id="163" name="Ink 162">
+                <a:extLst>
+                  <a:ext uri="{FF2B5EF4-FFF2-40B4-BE49-F238E27FC236}">
+                    <a16:creationId xmlns:a16="http://schemas.microsoft.com/office/drawing/2014/main" id="{F690E469-F527-499D-A771-CE12C37D70E4}"/>
+                  </a:ext>
+                </a:extLst>
+              </p:cNvPr>
+              <p:cNvPicPr/>
+              <p:nvPr/>
+            </p:nvPicPr>
+            <p:blipFill>
+              <a:blip r:embed="rId3"/>
+              <a:stretch>
+                <a:fillRect/>
+              </a:stretch>
+            </p:blipFill>
+            <p:spPr>
+              <a:xfrm>
+                <a:off x="288857" y="407571"/>
+                <a:ext cx="10947600" cy="5698440"/>
+              </a:xfrm>
+              <a:prstGeom prst="rect">
+                <a:avLst/>
+              </a:prstGeom>
+            </p:spPr>
+          </p:pic>
+        </mc:Fallback>
+      </mc:AlternateContent>
     </p:spTree>
     <p:extLst>
       <p:ext uri="{BB962C8B-B14F-4D97-AF65-F5344CB8AC3E}">
